--- a/presentazione/Presentazione search engine.pptx
+++ b/presentazione/Presentazione search engine.pptx
@@ -5,10 +5,10 @@
     <p:sldMasterId id="2147483658" r:id="rId4"/>
   </p:sldMasterIdLst>
   <p:notesMasterIdLst>
-    <p:notesMasterId r:id="rId26"/>
+    <p:notesMasterId r:id="rId27"/>
   </p:notesMasterIdLst>
   <p:handoutMasterIdLst>
-    <p:handoutMasterId r:id="rId27"/>
+    <p:handoutMasterId r:id="rId28"/>
   </p:handoutMasterIdLst>
   <p:sldIdLst>
     <p:sldId id="411" r:id="rId5"/>
@@ -20,18 +20,19 @@
     <p:sldId id="419" r:id="rId11"/>
     <p:sldId id="417" r:id="rId12"/>
     <p:sldId id="418" r:id="rId13"/>
-    <p:sldId id="422" r:id="rId14"/>
-    <p:sldId id="423" r:id="rId15"/>
-    <p:sldId id="389" r:id="rId16"/>
-    <p:sldId id="391" r:id="rId17"/>
-    <p:sldId id="397" r:id="rId18"/>
-    <p:sldId id="408" r:id="rId19"/>
-    <p:sldId id="407" r:id="rId20"/>
-    <p:sldId id="406" r:id="rId21"/>
-    <p:sldId id="405" r:id="rId22"/>
-    <p:sldId id="404" r:id="rId23"/>
-    <p:sldId id="403" r:id="rId24"/>
-    <p:sldId id="398" r:id="rId25"/>
+    <p:sldId id="424" r:id="rId14"/>
+    <p:sldId id="425" r:id="rId15"/>
+    <p:sldId id="423" r:id="rId16"/>
+    <p:sldId id="389" r:id="rId17"/>
+    <p:sldId id="391" r:id="rId18"/>
+    <p:sldId id="397" r:id="rId19"/>
+    <p:sldId id="408" r:id="rId20"/>
+    <p:sldId id="407" r:id="rId21"/>
+    <p:sldId id="406" r:id="rId22"/>
+    <p:sldId id="405" r:id="rId23"/>
+    <p:sldId id="404" r:id="rId24"/>
+    <p:sldId id="403" r:id="rId25"/>
+    <p:sldId id="398" r:id="rId26"/>
   </p:sldIdLst>
   <p:sldSz cx="12192000" cy="6858000"/>
   <p:notesSz cx="6858000" cy="9144000"/>
@@ -211,7 +212,7 @@
             <a:pPr rtl="0"/>
             <a:fld id="{F43FFF67-0A66-4BA5-8D01-D7436A93C5DC}" type="datetime1">
               <a:rPr lang="it-IT" smtClean="0"/>
-              <a:t>20/05/2024</a:t>
+              <a:t>27/05/2024</a:t>
             </a:fld>
             <a:endParaRPr lang="it-IT" dirty="0"/>
           </a:p>
@@ -430,7 +431,7 @@
             <a:fld id="{CCC7B77D-D2C2-452D-80DB-AB1E949B0C69}" type="datetime1">
               <a:rPr lang="it-IT" smtClean="0"/>
               <a:pPr/>
-              <a:t>20/05/2024</a:t>
+              <a:t>27/05/2024</a:t>
             </a:fld>
             <a:endParaRPr lang="it-IT" dirty="0"/>
           </a:p>
@@ -877,7 +878,7 @@
             <a:pPr rtl="0"/>
             <a:fld id="{A89C7E07-3C67-C64C-8DA0-0404F6303970}" type="slidenum">
               <a:rPr lang="it-IT" smtClean="0"/>
-              <a:t>16</a:t>
+              <a:t>17</a:t>
             </a:fld>
             <a:endParaRPr lang="it-IT" dirty="0"/>
           </a:p>
@@ -971,7 +972,7 @@
             <a:pPr rtl="0"/>
             <a:fld id="{A89C7E07-3C67-C64C-8DA0-0404F6303970}" type="slidenum">
               <a:rPr lang="it-IT" smtClean="0"/>
-              <a:t>17</a:t>
+              <a:t>18</a:t>
             </a:fld>
             <a:endParaRPr lang="it-IT" dirty="0"/>
           </a:p>
@@ -1065,7 +1066,7 @@
             <a:pPr rtl="0"/>
             <a:fld id="{A89C7E07-3C67-C64C-8DA0-0404F6303970}" type="slidenum">
               <a:rPr lang="it-IT" smtClean="0"/>
-              <a:t>18</a:t>
+              <a:t>19</a:t>
             </a:fld>
             <a:endParaRPr lang="it-IT" dirty="0"/>
           </a:p>
@@ -1159,7 +1160,7 @@
             <a:pPr rtl="0"/>
             <a:fld id="{A89C7E07-3C67-C64C-8DA0-0404F6303970}" type="slidenum">
               <a:rPr lang="it-IT" smtClean="0"/>
-              <a:t>19</a:t>
+              <a:t>20</a:t>
             </a:fld>
             <a:endParaRPr lang="it-IT" dirty="0"/>
           </a:p>
@@ -1253,7 +1254,7 @@
             <a:pPr rtl="0"/>
             <a:fld id="{A89C7E07-3C67-C64C-8DA0-0404F6303970}" type="slidenum">
               <a:rPr lang="it-IT" smtClean="0"/>
-              <a:t>20</a:t>
+              <a:t>21</a:t>
             </a:fld>
             <a:endParaRPr lang="it-IT" dirty="0"/>
           </a:p>
@@ -1347,7 +1348,7 @@
             <a:pPr rtl="0"/>
             <a:fld id="{A89C7E07-3C67-C64C-8DA0-0404F6303970}" type="slidenum">
               <a:rPr lang="it-IT" smtClean="0"/>
-              <a:t>21</a:t>
+              <a:t>22</a:t>
             </a:fld>
             <a:endParaRPr lang="it-IT" dirty="0"/>
           </a:p>
@@ -1651,7 +1652,7 @@
           <a:p>
             <a:r>
               <a:rPr lang="it-IT" dirty="0"/>
-              <a:t>Quando si dice word2vec spiegare come viene usato, quindi espansione della query con un sinonimo in OR per ogni parola</a:t>
+              <a:t>Dire che non mettere niente tra le parole è come metterle in AND</a:t>
             </a:r>
           </a:p>
         </p:txBody>
@@ -1951,7 +1952,7 @@
             <a:pPr rtl="0"/>
             <a:fld id="{A89C7E07-3C67-C64C-8DA0-0404F6303970}" type="slidenum">
               <a:rPr lang="it-IT" smtClean="0"/>
-              <a:t>12</a:t>
+              <a:t>13</a:t>
             </a:fld>
             <a:endParaRPr lang="it-IT" dirty="0"/>
           </a:p>
@@ -2045,7 +2046,7 @@
             <a:pPr rtl="0"/>
             <a:fld id="{A89C7E07-3C67-C64C-8DA0-0404F6303970}" type="slidenum">
               <a:rPr lang="it-IT" smtClean="0"/>
-              <a:t>13</a:t>
+              <a:t>14</a:t>
             </a:fld>
             <a:endParaRPr lang="it-IT" dirty="0"/>
           </a:p>
@@ -2163,7 +2164,7 @@
             <a:pPr rtl="0"/>
             <a:fld id="{A89C7E07-3C67-C64C-8DA0-0404F6303970}" type="slidenum">
               <a:rPr lang="it-IT" smtClean="0"/>
-              <a:t>14</a:t>
+              <a:t>15</a:t>
             </a:fld>
             <a:endParaRPr lang="it-IT" dirty="0"/>
           </a:p>
@@ -2257,7 +2258,7 @@
             <a:pPr rtl="0"/>
             <a:fld id="{A89C7E07-3C67-C64C-8DA0-0404F6303970}" type="slidenum">
               <a:rPr lang="it-IT" smtClean="0"/>
-              <a:t>15</a:t>
+              <a:t>16</a:t>
             </a:fld>
             <a:endParaRPr lang="it-IT" dirty="0"/>
           </a:p>
@@ -10976,7 +10977,7 @@
           <p:cNvPr id="2" name="Titolo 1">
             <a:extLst>
               <a:ext uri="{FF2B5EF4-FFF2-40B4-BE49-F238E27FC236}">
-                <a16:creationId xmlns:a16="http://schemas.microsoft.com/office/drawing/2014/main" id="{4A96D71F-CC9A-978C-6C61-502A62D733CD}"/>
+                <a16:creationId xmlns:a16="http://schemas.microsoft.com/office/drawing/2014/main" id="{C296AB4D-2930-D0EC-E812-EB8ED933B2A5}"/>
               </a:ext>
             </a:extLst>
           </p:cNvPr>
@@ -10994,7 +10995,7 @@
           <a:p>
             <a:r>
               <a:rPr lang="it-IT" dirty="0"/>
-              <a:t>Sentiment Analysis e Word2Vec</a:t>
+              <a:t>Sentiment Analysis</a:t>
             </a:r>
           </a:p>
         </p:txBody>
@@ -11004,7 +11005,7 @@
           <p:cNvPr id="3" name="Segnaposto contenuto 2">
             <a:extLst>
               <a:ext uri="{FF2B5EF4-FFF2-40B4-BE49-F238E27FC236}">
-                <a16:creationId xmlns:a16="http://schemas.microsoft.com/office/drawing/2014/main" id="{0D410976-2923-F515-D019-33AD44D9CC1B}"/>
+                <a16:creationId xmlns:a16="http://schemas.microsoft.com/office/drawing/2014/main" id="{F8983B16-CC7D-B6A6-D5AC-5B858D978396}"/>
               </a:ext>
             </a:extLst>
           </p:cNvPr>
@@ -11015,33 +11016,274 @@
             <p:ph sz="quarter" idx="13"/>
           </p:nvPr>
         </p:nvSpPr>
+        <p:spPr/>
+        <p:txBody>
+          <a:bodyPr>
+            <a:normAutofit/>
+          </a:bodyPr>
+          <a:lstStyle/>
+          <a:p>
+            <a:pPr>
+              <a:buSzPct val="110000"/>
+            </a:pPr>
+            <a:r>
+              <a:rPr lang="it-IT" dirty="0"/>
+              <a:t>Vengono specificati dall’utente i sentiment da cercare.</a:t>
+            </a:r>
+          </a:p>
+          <a:p>
+            <a:pPr lvl="1">
+              <a:buSzPct val="100000"/>
+              <a:buFont typeface="Wingdings" panose="05000000000000000000" pitchFamily="2" charset="2"/>
+              <a:buChar char="§"/>
+            </a:pPr>
+            <a:r>
+              <a:rPr lang="it-IT" i="1" dirty="0" err="1">
+                <a:solidFill>
+                  <a:schemeClr val="accent2">
+                    <a:lumMod val="75000"/>
+                  </a:schemeClr>
+                </a:solidFill>
+              </a:rPr>
+              <a:t>content</a:t>
+            </a:r>
+            <a:r>
+              <a:rPr lang="it-IT" i="1" dirty="0">
+                <a:solidFill>
+                  <a:schemeClr val="accent2">
+                    <a:lumMod val="75000"/>
+                  </a:schemeClr>
+                </a:solidFill>
+              </a:rPr>
+              <a:t>: … , sentiment: anger </a:t>
+            </a:r>
+            <a:r>
+              <a:rPr lang="it-IT" i="1" dirty="0" err="1">
+                <a:solidFill>
+                  <a:schemeClr val="accent2">
+                    <a:lumMod val="75000"/>
+                  </a:schemeClr>
+                </a:solidFill>
+              </a:rPr>
+              <a:t>surprise</a:t>
+            </a:r>
+            <a:endParaRPr lang="it-IT" i="1" dirty="0">
+              <a:solidFill>
+                <a:schemeClr val="accent2">
+                  <a:lumMod val="75000"/>
+                </a:schemeClr>
+              </a:solidFill>
+            </a:endParaRPr>
+          </a:p>
+          <a:p>
+            <a:pPr>
+              <a:buSzPct val="110000"/>
+            </a:pPr>
+            <a:r>
+              <a:rPr lang="it-IT" dirty="0"/>
+              <a:t>Vengono uniti i sentiment in </a:t>
+            </a:r>
+            <a:r>
+              <a:rPr lang="it-IT" b="1" dirty="0"/>
+              <a:t>OR.</a:t>
+            </a:r>
+          </a:p>
+          <a:p>
+            <a:pPr marL="0" indent="0">
+              <a:buSzPct val="110000"/>
+              <a:buNone/>
+            </a:pPr>
+            <a:endParaRPr lang="it-IT" dirty="0"/>
+          </a:p>
+          <a:p>
+            <a:pPr>
+              <a:buSzPct val="110000"/>
+            </a:pPr>
+            <a:r>
+              <a:rPr lang="it-IT" dirty="0"/>
+              <a:t>Vengono uniti </a:t>
+            </a:r>
+            <a:r>
+              <a:rPr lang="it-IT" dirty="0" err="1"/>
+              <a:t>content</a:t>
+            </a:r>
+            <a:r>
+              <a:rPr lang="it-IT" dirty="0"/>
+              <a:t> e sentiment in </a:t>
+            </a:r>
+            <a:r>
+              <a:rPr lang="it-IT" b="1" dirty="0"/>
+              <a:t>AND.</a:t>
+            </a:r>
+          </a:p>
+          <a:p>
+            <a:pPr>
+              <a:buSzPct val="110000"/>
+            </a:pPr>
+            <a:endParaRPr lang="it-IT" dirty="0"/>
+          </a:p>
+          <a:p>
+            <a:pPr>
+              <a:buSzPct val="110000"/>
+            </a:pPr>
+            <a:r>
+              <a:rPr lang="it-IT" dirty="0"/>
+              <a:t>Viene calcolata la media tra gli score.</a:t>
+            </a:r>
+          </a:p>
+        </p:txBody>
+      </p:sp>
+      <p:pic>
+        <p:nvPicPr>
+          <p:cNvPr id="5" name="Immagine 4">
+            <a:extLst>
+              <a:ext uri="{FF2B5EF4-FFF2-40B4-BE49-F238E27FC236}">
+                <a16:creationId xmlns:a16="http://schemas.microsoft.com/office/drawing/2014/main" id="{3D639FBE-26AD-77C8-646A-BC80B6158AD5}"/>
+              </a:ext>
+            </a:extLst>
+          </p:cNvPr>
+          <p:cNvPicPr>
+            <a:picLocks noChangeAspect="1"/>
+          </p:cNvPicPr>
+          <p:nvPr/>
+        </p:nvPicPr>
+        <p:blipFill>
+          <a:blip r:embed="rId2">
+            <a:extLst>
+              <a:ext uri="{28A0092B-C50C-407E-A947-70E740481C1C}">
+                <a14:useLocalDpi xmlns:a14="http://schemas.microsoft.com/office/drawing/2010/main" val="0"/>
+              </a:ext>
+            </a:extLst>
+          </a:blip>
+          <a:stretch>
+            <a:fillRect/>
+          </a:stretch>
+        </p:blipFill>
         <p:spPr>
           <a:xfrm>
-            <a:off x="594360" y="2444241"/>
-            <a:ext cx="5501640" cy="3699328"/>
+            <a:off x="367405" y="6270434"/>
+            <a:ext cx="5459444" cy="348138"/>
           </a:xfrm>
+          <a:prstGeom prst="rect">
+            <a:avLst/>
+          </a:prstGeom>
         </p:spPr>
-        <p:txBody>
-          <a:bodyPr/>
-          <a:lstStyle/>
-          <a:p>
-            <a:r>
-              <a:rPr lang="it-IT" dirty="0"/>
-              <a:t>Per il w2v viene fatta l’espansione della query con sinonimi</a:t>
-            </a:r>
-          </a:p>
-          <a:p>
-            <a:r>
-              <a:rPr lang="it-IT" dirty="0"/>
-              <a:t>Per il sentiment si fa in and con la query poi media score</a:t>
-            </a:r>
-          </a:p>
-        </p:txBody>
-      </p:sp>
+      </p:pic>
+      <p:pic>
+        <p:nvPicPr>
+          <p:cNvPr id="7" name="Immagine 6">
+            <a:extLst>
+              <a:ext uri="{FF2B5EF4-FFF2-40B4-BE49-F238E27FC236}">
+                <a16:creationId xmlns:a16="http://schemas.microsoft.com/office/drawing/2014/main" id="{B752EDA5-83BD-39D7-725F-D7AD3EBE10EB}"/>
+              </a:ext>
+            </a:extLst>
+          </p:cNvPr>
+          <p:cNvPicPr>
+            <a:picLocks noChangeAspect="1"/>
+          </p:cNvPicPr>
+          <p:nvPr/>
+        </p:nvPicPr>
+        <p:blipFill>
+          <a:blip r:embed="rId3">
+            <a:extLst>
+              <a:ext uri="{28A0092B-C50C-407E-A947-70E740481C1C}">
+                <a14:useLocalDpi xmlns:a14="http://schemas.microsoft.com/office/drawing/2010/main" val="0"/>
+              </a:ext>
+            </a:extLst>
+          </a:blip>
+          <a:stretch>
+            <a:fillRect/>
+          </a:stretch>
+        </p:blipFill>
+        <p:spPr>
+          <a:xfrm>
+            <a:off x="3980760" y="4961186"/>
+            <a:ext cx="6996709" cy="340942"/>
+          </a:xfrm>
+          <a:prstGeom prst="rect">
+            <a:avLst/>
+          </a:prstGeom>
+        </p:spPr>
+      </p:pic>
+      <p:pic>
+        <p:nvPicPr>
+          <p:cNvPr id="9" name="Immagine 8">
+            <a:extLst>
+              <a:ext uri="{FF2B5EF4-FFF2-40B4-BE49-F238E27FC236}">
+                <a16:creationId xmlns:a16="http://schemas.microsoft.com/office/drawing/2014/main" id="{40C625F1-7609-3693-73EE-00E54F976450}"/>
+              </a:ext>
+            </a:extLst>
+          </p:cNvPr>
+          <p:cNvPicPr>
+            <a:picLocks noChangeAspect="1"/>
+          </p:cNvPicPr>
+          <p:nvPr/>
+        </p:nvPicPr>
+        <p:blipFill>
+          <a:blip r:embed="rId4">
+            <a:extLst>
+              <a:ext uri="{28A0092B-C50C-407E-A947-70E740481C1C}">
+                <a14:useLocalDpi xmlns:a14="http://schemas.microsoft.com/office/drawing/2010/main" val="0"/>
+              </a:ext>
+            </a:extLst>
+          </a:blip>
+          <a:stretch>
+            <a:fillRect/>
+          </a:stretch>
+        </p:blipFill>
+        <p:spPr>
+          <a:xfrm>
+            <a:off x="3980760" y="3860208"/>
+            <a:ext cx="7810501" cy="491495"/>
+          </a:xfrm>
+          <a:prstGeom prst="rect">
+            <a:avLst/>
+          </a:prstGeom>
+        </p:spPr>
+      </p:pic>
+      <p:pic>
+        <p:nvPicPr>
+          <p:cNvPr id="10" name="Elemento grafico 9">
+            <a:extLst>
+              <a:ext uri="{FF2B5EF4-FFF2-40B4-BE49-F238E27FC236}">
+                <a16:creationId xmlns:a16="http://schemas.microsoft.com/office/drawing/2014/main" id="{29389C80-BF30-7D27-FD01-685530DB4ADA}"/>
+              </a:ext>
+            </a:extLst>
+          </p:cNvPr>
+          <p:cNvPicPr>
+            <a:picLocks noChangeAspect="1"/>
+          </p:cNvPicPr>
+          <p:nvPr/>
+        </p:nvPicPr>
+        <p:blipFill>
+          <a:blip r:embed="rId5">
+            <a:extLst>
+              <a:ext uri="{28A0092B-C50C-407E-A947-70E740481C1C}">
+                <a14:useLocalDpi xmlns:a14="http://schemas.microsoft.com/office/drawing/2010/main" val="0"/>
+              </a:ext>
+              <a:ext uri="{96DAC541-7B7A-43D3-8B79-37D633B846F1}">
+                <asvg:svgBlip xmlns:asvg="http://schemas.microsoft.com/office/drawing/2016/SVG/main" r:embed="rId6"/>
+              </a:ext>
+            </a:extLst>
+          </a:blip>
+          <a:stretch>
+            <a:fillRect/>
+          </a:stretch>
+        </p:blipFill>
+        <p:spPr>
+          <a:xfrm>
+            <a:off x="10525031" y="523877"/>
+            <a:ext cx="904875" cy="838200"/>
+          </a:xfrm>
+          <a:prstGeom prst="rect">
+            <a:avLst/>
+          </a:prstGeom>
+        </p:spPr>
+      </p:pic>
     </p:spTree>
     <p:extLst>
       <p:ext uri="{BB962C8B-B14F-4D97-AF65-F5344CB8AC3E}">
-        <p14:creationId xmlns:p14="http://schemas.microsoft.com/office/powerpoint/2010/main" val="3334953282"/>
+        <p14:creationId xmlns:p14="http://schemas.microsoft.com/office/powerpoint/2010/main" val="1836877047"/>
       </p:ext>
     </p:extLst>
   </p:cSld>
@@ -11073,7 +11315,7 @@
           <p:cNvPr id="2" name="Titolo 1">
             <a:extLst>
               <a:ext uri="{FF2B5EF4-FFF2-40B4-BE49-F238E27FC236}">
-                <a16:creationId xmlns:a16="http://schemas.microsoft.com/office/drawing/2014/main" id="{CDE0220C-56E1-FA41-F6F2-DA792CE03759}"/>
+                <a16:creationId xmlns:a16="http://schemas.microsoft.com/office/drawing/2014/main" id="{C296AB4D-2930-D0EC-E812-EB8ED933B2A5}"/>
               </a:ext>
             </a:extLst>
           </p:cNvPr>
@@ -11081,7 +11323,7 @@
             <a:spLocks noGrp="1"/>
           </p:cNvSpPr>
           <p:nvPr>
-            <p:ph type="ctrTitle"/>
+            <p:ph type="title"/>
           </p:nvPr>
         </p:nvSpPr>
         <p:spPr/>
@@ -11091,17 +11333,17 @@
           <a:p>
             <a:r>
               <a:rPr lang="it-IT" dirty="0"/>
-              <a:t>Benchmark</a:t>
+              <a:t>Word2Vec</a:t>
             </a:r>
           </a:p>
         </p:txBody>
       </p:sp>
       <p:sp>
         <p:nvSpPr>
-          <p:cNvPr id="3" name="Segnaposto testo 2">
+          <p:cNvPr id="3" name="Segnaposto contenuto 2">
             <a:extLst>
               <a:ext uri="{FF2B5EF4-FFF2-40B4-BE49-F238E27FC236}">
-                <a16:creationId xmlns:a16="http://schemas.microsoft.com/office/drawing/2014/main" id="{148FF17F-81C6-BB16-BC17-A07B5ADE81EB}"/>
+                <a16:creationId xmlns:a16="http://schemas.microsoft.com/office/drawing/2014/main" id="{F8983B16-CC7D-B6A6-D5AC-5B858D978396}"/>
               </a:ext>
             </a:extLst>
           </p:cNvPr>
@@ -11109,22 +11351,220 @@
             <a:spLocks noGrp="1"/>
           </p:cNvSpPr>
           <p:nvPr>
-            <p:ph type="body" sz="quarter" idx="11"/>
+            <p:ph sz="quarter" idx="13"/>
           </p:nvPr>
         </p:nvSpPr>
         <p:spPr/>
         <p:txBody>
-          <a:bodyPr/>
+          <a:bodyPr>
+            <a:normAutofit/>
+          </a:bodyPr>
           <a:lstStyle/>
           <a:p>
-            <a:endParaRPr lang="it-IT"/>
+            <a:pPr>
+              <a:buSzPct val="110000"/>
+            </a:pPr>
+            <a:r>
+              <a:rPr lang="it-IT" dirty="0"/>
+              <a:t>Il modello Word2Vec è allenato sulle recensioni nell’index.</a:t>
+            </a:r>
+          </a:p>
+          <a:p>
+            <a:pPr>
+              <a:buSzPct val="110000"/>
+            </a:pPr>
+            <a:r>
+              <a:rPr lang="it-IT" dirty="0"/>
+              <a:t>Viene specificato dall’utente se usare il Word2Vec.</a:t>
+            </a:r>
+          </a:p>
+          <a:p>
+            <a:pPr lvl="1">
+              <a:buSzPct val="110000"/>
+              <a:buFont typeface="Wingdings" panose="05000000000000000000" pitchFamily="2" charset="2"/>
+              <a:buChar char="§"/>
+            </a:pPr>
+            <a:r>
+              <a:rPr lang="it-IT" i="1" dirty="0" err="1">
+                <a:solidFill>
+                  <a:srgbClr val="FFC000"/>
+                </a:solidFill>
+              </a:rPr>
+              <a:t>content</a:t>
+            </a:r>
+            <a:r>
+              <a:rPr lang="it-IT" i="1" dirty="0">
+                <a:solidFill>
+                  <a:srgbClr val="FFC000"/>
+                </a:solidFill>
+              </a:rPr>
+              <a:t>: … , word2vec: True</a:t>
+            </a:r>
+          </a:p>
+          <a:p>
+            <a:pPr>
+              <a:buSzPct val="110000"/>
+            </a:pPr>
+            <a:r>
+              <a:rPr lang="it-IT" dirty="0"/>
+              <a:t>Vengono espanse le parole del </a:t>
+            </a:r>
+            <a:r>
+              <a:rPr lang="it-IT" dirty="0" err="1"/>
+              <a:t>content</a:t>
+            </a:r>
+            <a:r>
+              <a:rPr lang="it-IT" dirty="0"/>
+              <a:t> con un sinonimo in </a:t>
+            </a:r>
+            <a:r>
+              <a:rPr lang="it-IT" b="1" dirty="0"/>
+              <a:t>OR</a:t>
+            </a:r>
+            <a:r>
+              <a:rPr lang="it-IT" dirty="0"/>
+              <a:t>.</a:t>
+            </a:r>
+          </a:p>
+          <a:p>
+            <a:endParaRPr lang="it-IT" dirty="0"/>
+          </a:p>
+          <a:p>
+            <a:pPr marL="0" indent="0">
+              <a:buNone/>
+            </a:pPr>
+            <a:endParaRPr lang="it-IT" dirty="0"/>
+          </a:p>
+          <a:p>
+            <a:pPr marL="0" indent="0">
+              <a:buNone/>
+            </a:pPr>
+            <a:r>
+              <a:rPr lang="it-IT" i="1" dirty="0">
+                <a:solidFill>
+                  <a:srgbClr val="FFC000"/>
+                </a:solidFill>
+              </a:rPr>
+              <a:t>Esempio</a:t>
+            </a:r>
+            <a:r>
+              <a:rPr lang="it-IT" i="1" dirty="0"/>
+              <a:t>: </a:t>
+            </a:r>
+            <a:r>
+              <a:rPr lang="it-IT" i="1" dirty="0" err="1"/>
+              <a:t>interesting</a:t>
+            </a:r>
+            <a:r>
+              <a:rPr lang="it-IT" i="1" dirty="0"/>
+              <a:t> plot → (</a:t>
+            </a:r>
+            <a:r>
+              <a:rPr lang="it-IT" i="1" dirty="0" err="1"/>
+              <a:t>intresting</a:t>
+            </a:r>
+            <a:r>
+              <a:rPr lang="it-IT" i="1" dirty="0"/>
+              <a:t> OR </a:t>
+            </a:r>
+            <a:r>
+              <a:rPr lang="it-IT" i="1" dirty="0" err="1"/>
+              <a:t>involving</a:t>
+            </a:r>
+            <a:r>
+              <a:rPr lang="it-IT" i="1" dirty="0"/>
+              <a:t>) (plot OR story)</a:t>
+            </a:r>
           </a:p>
         </p:txBody>
       </p:sp>
+      <p:pic>
+        <p:nvPicPr>
+          <p:cNvPr id="5" name="Immagine 4">
+            <a:extLst>
+              <a:ext uri="{FF2B5EF4-FFF2-40B4-BE49-F238E27FC236}">
+                <a16:creationId xmlns:a16="http://schemas.microsoft.com/office/drawing/2014/main" id="{C2BD8F8F-FFDF-9E99-2BFE-9144F3297459}"/>
+              </a:ext>
+            </a:extLst>
+          </p:cNvPr>
+          <p:cNvPicPr>
+            <a:picLocks noChangeAspect="1"/>
+          </p:cNvPicPr>
+          <p:nvPr/>
+        </p:nvPicPr>
+        <p:blipFill>
+          <a:blip r:embed="rId2">
+            <a:extLst>
+              <a:ext uri="{28A0092B-C50C-407E-A947-70E740481C1C}">
+                <a14:useLocalDpi xmlns:a14="http://schemas.microsoft.com/office/drawing/2010/main" val="0"/>
+              </a:ext>
+            </a:extLst>
+          </a:blip>
+          <a:stretch>
+            <a:fillRect/>
+          </a:stretch>
+        </p:blipFill>
+        <p:spPr>
+          <a:xfrm>
+            <a:off x="3965883" y="4409275"/>
+            <a:ext cx="7045759" cy="590427"/>
+          </a:xfrm>
+          <a:prstGeom prst="rect">
+            <a:avLst/>
+          </a:prstGeom>
+        </p:spPr>
+      </p:pic>
+      <p:pic>
+        <p:nvPicPr>
+          <p:cNvPr id="6" name="Picture 8">
+            <a:extLst>
+              <a:ext uri="{FF2B5EF4-FFF2-40B4-BE49-F238E27FC236}">
+                <a16:creationId xmlns:a16="http://schemas.microsoft.com/office/drawing/2014/main" id="{69CD618E-A5AB-E186-3BEB-DA2FFE232CBA}"/>
+              </a:ext>
+            </a:extLst>
+          </p:cNvPr>
+          <p:cNvPicPr>
+            <a:picLocks noChangeAspect="1" noChangeArrowheads="1"/>
+          </p:cNvPicPr>
+          <p:nvPr/>
+        </p:nvPicPr>
+        <p:blipFill>
+          <a:blip r:embed="rId3">
+            <a:extLst>
+              <a:ext uri="{28A0092B-C50C-407E-A947-70E740481C1C}">
+                <a14:useLocalDpi xmlns:a14="http://schemas.microsoft.com/office/drawing/2010/main" val="0"/>
+              </a:ext>
+            </a:extLst>
+          </a:blip>
+          <a:srcRect/>
+          <a:stretch>
+            <a:fillRect/>
+          </a:stretch>
+        </p:blipFill>
+        <p:spPr bwMode="auto">
+          <a:xfrm>
+            <a:off x="9442196" y="436501"/>
+            <a:ext cx="2025904" cy="1012952"/>
+          </a:xfrm>
+          <a:prstGeom prst="rect">
+            <a:avLst/>
+          </a:prstGeom>
+          <a:noFill/>
+          <a:extLst>
+            <a:ext uri="{909E8E84-426E-40DD-AFC4-6F175D3DCCD1}">
+              <a14:hiddenFill xmlns:a14="http://schemas.microsoft.com/office/drawing/2010/main">
+                <a:solidFill>
+                  <a:srgbClr val="FFFFFF"/>
+                </a:solidFill>
+              </a14:hiddenFill>
+            </a:ext>
+          </a:extLst>
+        </p:spPr>
+      </p:pic>
     </p:spTree>
     <p:extLst>
       <p:ext uri="{BB962C8B-B14F-4D97-AF65-F5344CB8AC3E}">
-        <p14:creationId xmlns:p14="http://schemas.microsoft.com/office/powerpoint/2010/main" val="1898563202"/>
+        <p14:creationId xmlns:p14="http://schemas.microsoft.com/office/powerpoint/2010/main" val="3284108814"/>
       </p:ext>
     </p:extLst>
   </p:cSld>
@@ -11156,6 +11596,89 @@
           <p:cNvPr id="2" name="Titolo 1">
             <a:extLst>
               <a:ext uri="{FF2B5EF4-FFF2-40B4-BE49-F238E27FC236}">
+                <a16:creationId xmlns:a16="http://schemas.microsoft.com/office/drawing/2014/main" id="{CDE0220C-56E1-FA41-F6F2-DA792CE03759}"/>
+              </a:ext>
+            </a:extLst>
+          </p:cNvPr>
+          <p:cNvSpPr>
+            <a:spLocks noGrp="1"/>
+          </p:cNvSpPr>
+          <p:nvPr>
+            <p:ph type="ctrTitle"/>
+          </p:nvPr>
+        </p:nvSpPr>
+        <p:spPr/>
+        <p:txBody>
+          <a:bodyPr/>
+          <a:lstStyle/>
+          <a:p>
+            <a:r>
+              <a:rPr lang="it-IT" dirty="0"/>
+              <a:t>Benchmark</a:t>
+            </a:r>
+          </a:p>
+        </p:txBody>
+      </p:sp>
+      <p:sp>
+        <p:nvSpPr>
+          <p:cNvPr id="3" name="Segnaposto testo 2">
+            <a:extLst>
+              <a:ext uri="{FF2B5EF4-FFF2-40B4-BE49-F238E27FC236}">
+                <a16:creationId xmlns:a16="http://schemas.microsoft.com/office/drawing/2014/main" id="{148FF17F-81C6-BB16-BC17-A07B5ADE81EB}"/>
+              </a:ext>
+            </a:extLst>
+          </p:cNvPr>
+          <p:cNvSpPr>
+            <a:spLocks noGrp="1"/>
+          </p:cNvSpPr>
+          <p:nvPr>
+            <p:ph type="body" sz="quarter" idx="11"/>
+          </p:nvPr>
+        </p:nvSpPr>
+        <p:spPr/>
+        <p:txBody>
+          <a:bodyPr/>
+          <a:lstStyle/>
+          <a:p>
+            <a:endParaRPr lang="it-IT"/>
+          </a:p>
+        </p:txBody>
+      </p:sp>
+    </p:spTree>
+    <p:extLst>
+      <p:ext uri="{BB962C8B-B14F-4D97-AF65-F5344CB8AC3E}">
+        <p14:creationId xmlns:p14="http://schemas.microsoft.com/office/powerpoint/2010/main" val="1898563202"/>
+      </p:ext>
+    </p:extLst>
+  </p:cSld>
+  <p:clrMapOvr>
+    <a:masterClrMapping/>
+  </p:clrMapOvr>
+</p:sld>
+</file>
+
+<file path=ppt/slides/slide13.xml><?xml version="1.0" encoding="utf-8"?>
+<p:sld xmlns:a="http://schemas.openxmlformats.org/drawingml/2006/main" xmlns:r="http://schemas.openxmlformats.org/officeDocument/2006/relationships" xmlns:p="http://schemas.openxmlformats.org/presentationml/2006/main">
+  <p:cSld>
+    <p:spTree>
+      <p:nvGrpSpPr>
+        <p:cNvPr id="1" name=""/>
+        <p:cNvGrpSpPr/>
+        <p:nvPr/>
+      </p:nvGrpSpPr>
+      <p:grpSpPr>
+        <a:xfrm>
+          <a:off x="0" y="0"/>
+          <a:ext cx="0" cy="0"/>
+          <a:chOff x="0" y="0"/>
+          <a:chExt cx="0" cy="0"/>
+        </a:xfrm>
+      </p:grpSpPr>
+      <p:sp>
+        <p:nvSpPr>
+          <p:cNvPr id="2" name="Titolo 1">
+            <a:extLst>
+              <a:ext uri="{FF2B5EF4-FFF2-40B4-BE49-F238E27FC236}">
                 <a16:creationId xmlns:a16="http://schemas.microsoft.com/office/drawing/2014/main" id="{65B8CE60-587E-1D5C-8B50-ED3441BA49CE}"/>
               </a:ext>
             </a:extLst>
@@ -11286,7 +11809,7 @@
 </p:sld>
 </file>
 
-<file path=ppt/slides/slide13.xml><?xml version="1.0" encoding="utf-8"?>
+<file path=ppt/slides/slide14.xml><?xml version="1.0" encoding="utf-8"?>
 <p:sld xmlns:a="http://schemas.openxmlformats.org/drawingml/2006/main" xmlns:r="http://schemas.openxmlformats.org/officeDocument/2006/relationships" xmlns:p="http://schemas.openxmlformats.org/presentationml/2006/main">
   <p:cSld>
     <p:spTree>
@@ -11770,7 +12293,7 @@
 </p:sld>
 </file>
 
-<file path=ppt/slides/slide14.xml><?xml version="1.0" encoding="utf-8"?>
+<file path=ppt/slides/slide15.xml><?xml version="1.0" encoding="utf-8"?>
 <p:sld xmlns:a="http://schemas.openxmlformats.org/drawingml/2006/main" xmlns:r="http://schemas.openxmlformats.org/officeDocument/2006/relationships" xmlns:p="http://schemas.openxmlformats.org/presentationml/2006/main">
   <p:cSld>
     <p:spTree>
@@ -11875,199 +12398,6 @@
     <p:extLst>
       <p:ext uri="{BB962C8B-B14F-4D97-AF65-F5344CB8AC3E}">
         <p14:creationId xmlns:p14="http://schemas.microsoft.com/office/powerpoint/2010/main" val="2039059756"/>
-      </p:ext>
-    </p:extLst>
-  </p:cSld>
-  <p:clrMapOvr>
-    <a:masterClrMapping/>
-  </p:clrMapOvr>
-</p:sld>
-</file>
-
-<file path=ppt/slides/slide15.xml><?xml version="1.0" encoding="utf-8"?>
-<p:sld xmlns:a="http://schemas.openxmlformats.org/drawingml/2006/main" xmlns:r="http://schemas.openxmlformats.org/officeDocument/2006/relationships" xmlns:p="http://schemas.openxmlformats.org/presentationml/2006/main">
-  <p:cSld>
-    <p:spTree>
-      <p:nvGrpSpPr>
-        <p:cNvPr id="1" name=""/>
-        <p:cNvGrpSpPr/>
-        <p:nvPr/>
-      </p:nvGrpSpPr>
-      <p:grpSpPr>
-        <a:xfrm>
-          <a:off x="0" y="0"/>
-          <a:ext cx="0" cy="0"/>
-          <a:chOff x="0" y="0"/>
-          <a:chExt cx="0" cy="0"/>
-        </a:xfrm>
-      </p:grpSpPr>
-      <p:sp>
-        <p:nvSpPr>
-          <p:cNvPr id="2" name="Titolo 1">
-            <a:extLst>
-              <a:ext uri="{FF2B5EF4-FFF2-40B4-BE49-F238E27FC236}">
-                <a16:creationId xmlns:a16="http://schemas.microsoft.com/office/drawing/2014/main" id="{805346ED-721D-85EE-2F1B-A31D0912DE29}"/>
-              </a:ext>
-            </a:extLst>
-          </p:cNvPr>
-          <p:cNvSpPr>
-            <a:spLocks noGrp="1"/>
-          </p:cNvSpPr>
-          <p:nvPr>
-            <p:ph type="title"/>
-          </p:nvPr>
-        </p:nvSpPr>
-        <p:spPr>
-          <a:xfrm>
-            <a:off x="594360" y="278129"/>
-            <a:ext cx="9778365" cy="1494596"/>
-          </a:xfrm>
-        </p:spPr>
-        <p:txBody>
-          <a:bodyPr rtlCol="0"/>
-          <a:lstStyle>
-            <a:defPPr>
-              <a:defRPr lang="it-IT"/>
-            </a:defPPr>
-          </a:lstStyle>
-          <a:p>
-            <a:pPr rtl="0"/>
-            <a:r>
-              <a:rPr lang="it-IT"/>
-              <a:t>Tecniche di comunicazione efficaci</a:t>
-            </a:r>
-          </a:p>
-        </p:txBody>
-      </p:sp>
-      <p:sp>
-        <p:nvSpPr>
-          <p:cNvPr id="3" name="Segnaposto contenuto 2">
-            <a:extLst>
-              <a:ext uri="{FF2B5EF4-FFF2-40B4-BE49-F238E27FC236}">
-                <a16:creationId xmlns:a16="http://schemas.microsoft.com/office/drawing/2014/main" id="{DB097449-5B72-ADA0-3B2D-1CBC160D6B90}"/>
-              </a:ext>
-            </a:extLst>
-          </p:cNvPr>
-          <p:cNvSpPr>
-            <a:spLocks noGrp="1"/>
-          </p:cNvSpPr>
-          <p:nvPr>
-            <p:ph sz="quarter" idx="15"/>
-          </p:nvPr>
-        </p:nvSpPr>
-        <p:spPr>
-          <a:xfrm>
-            <a:off x="594360" y="2676525"/>
-            <a:ext cx="4490827" cy="3597470"/>
-          </a:xfrm>
-        </p:spPr>
-        <p:txBody>
-          <a:bodyPr rtlCol="0"/>
-          <a:lstStyle>
-            <a:defPPr>
-              <a:defRPr lang="it-IT"/>
-            </a:defPPr>
-          </a:lstStyle>
-          <a:p>
-            <a:pPr rtl="0"/>
-            <a:r>
-              <a:rPr lang="it-IT" dirty="0"/>
-              <a:t>Questo è un potente strumento per l'arte oratoria. Ti aiuterà a variare l'intonazione, il tono e il volume per trasmettere emozioni, enfatizzare punti e mantenere l'interesse:</a:t>
-            </a:r>
-          </a:p>
-          <a:p>
-            <a:pPr lvl="1" rtl="0"/>
-            <a:r>
-              <a:rPr lang="it-IT" dirty="0"/>
-              <a:t>Variazione intonazione</a:t>
-            </a:r>
-          </a:p>
-          <a:p>
-            <a:pPr lvl="1" rtl="0"/>
-            <a:r>
-              <a:rPr lang="it-IT" dirty="0"/>
-              <a:t>Inflessione del tono</a:t>
-            </a:r>
-          </a:p>
-          <a:p>
-            <a:pPr lvl="1" rtl="0"/>
-            <a:r>
-              <a:rPr lang="it-IT" dirty="0"/>
-              <a:t>Controllo del volume</a:t>
-            </a:r>
-          </a:p>
-        </p:txBody>
-      </p:sp>
-      <p:sp>
-        <p:nvSpPr>
-          <p:cNvPr id="4" name="Segnaposto contenuto 3">
-            <a:extLst>
-              <a:ext uri="{FF2B5EF4-FFF2-40B4-BE49-F238E27FC236}">
-                <a16:creationId xmlns:a16="http://schemas.microsoft.com/office/drawing/2014/main" id="{41FC7B50-71A6-D8BE-C032-5EB4CF5706D5}"/>
-              </a:ext>
-            </a:extLst>
-          </p:cNvPr>
-          <p:cNvSpPr>
-            <a:spLocks noGrp="1"/>
-          </p:cNvSpPr>
-          <p:nvPr>
-            <p:ph sz="quarter" idx="16"/>
-          </p:nvPr>
-        </p:nvSpPr>
-        <p:spPr>
-          <a:xfrm>
-            <a:off x="5881898" y="2676525"/>
-            <a:ext cx="4490827" cy="3597470"/>
-          </a:xfrm>
-        </p:spPr>
-        <p:txBody>
-          <a:bodyPr rtlCol="0"/>
-          <a:lstStyle>
-            <a:defPPr>
-              <a:defRPr lang="it-IT"/>
-            </a:defPPr>
-          </a:lstStyle>
-          <a:p>
-            <a:pPr rtl="0"/>
-            <a:r>
-              <a:rPr lang="it-IT" dirty="0"/>
-              <a:t>Un linguaggio del corpo efficace valorizza il tuo messaggio, rendendolo più incisivo e memorabile:</a:t>
-            </a:r>
-          </a:p>
-          <a:p>
-            <a:pPr lvl="1" rtl="0"/>
-            <a:r>
-              <a:rPr lang="it-IT" dirty="0"/>
-              <a:t>Contatto visivo significativo</a:t>
-            </a:r>
-          </a:p>
-          <a:p>
-            <a:pPr lvl="1" rtl="0"/>
-            <a:r>
-              <a:rPr lang="it-IT" dirty="0"/>
-              <a:t>Movimenti intenzionali</a:t>
-            </a:r>
-          </a:p>
-          <a:p>
-            <a:pPr lvl="1" rtl="0"/>
-            <a:r>
-              <a:rPr lang="it-IT" dirty="0"/>
-              <a:t>Mantieni una buona postura</a:t>
-            </a:r>
-          </a:p>
-          <a:p>
-            <a:pPr lvl="1" rtl="0"/>
-            <a:r>
-              <a:rPr lang="it-IT" dirty="0"/>
-              <a:t>Controlla le espressioni</a:t>
-            </a:r>
-          </a:p>
-        </p:txBody>
-      </p:sp>
-    </p:spTree>
-    <p:extLst>
-      <p:ext uri="{BB962C8B-B14F-4D97-AF65-F5344CB8AC3E}">
-        <p14:creationId xmlns:p14="http://schemas.microsoft.com/office/powerpoint/2010/main" val="888484295"/>
       </p:ext>
     </p:extLst>
   </p:cSld>
@@ -12099,7 +12429,7 @@
           <p:cNvPr id="2" name="Titolo 1">
             <a:extLst>
               <a:ext uri="{FF2B5EF4-FFF2-40B4-BE49-F238E27FC236}">
-                <a16:creationId xmlns:a16="http://schemas.microsoft.com/office/drawing/2014/main" id="{60BD29B5-1B58-809F-FEA7-B82105E94664}"/>
+                <a16:creationId xmlns:a16="http://schemas.microsoft.com/office/drawing/2014/main" id="{805346ED-721D-85EE-2F1B-A31D0912DE29}"/>
               </a:ext>
             </a:extLst>
           </p:cNvPr>
@@ -12112,8 +12442,8 @@
         </p:nvSpPr>
         <p:spPr>
           <a:xfrm>
-            <a:off x="6318885" y="3499667"/>
-            <a:ext cx="4939666" cy="2542810"/>
+            <a:off x="594360" y="278129"/>
+            <a:ext cx="9778365" cy="1494596"/>
           </a:xfrm>
         </p:spPr>
         <p:txBody>
@@ -12126,60 +12456,8 @@
           <a:p>
             <a:pPr rtl="0"/>
             <a:r>
-              <a:rPr lang="it-IT" dirty="0"/>
-              <a:t>Esplorazione delle sessioni di Domande e risposte</a:t>
-            </a:r>
-          </a:p>
-        </p:txBody>
-      </p:sp>
-      <p:sp>
-        <p:nvSpPr>
-          <p:cNvPr id="4" name="Segnaposto contenuto 3">
-            <a:extLst>
-              <a:ext uri="{FF2B5EF4-FFF2-40B4-BE49-F238E27FC236}">
-                <a16:creationId xmlns:a16="http://schemas.microsoft.com/office/drawing/2014/main" id="{07C3632C-2D2E-7026-33B8-EE42DA4BDB5C}"/>
-              </a:ext>
-            </a:extLst>
-          </p:cNvPr>
-          <p:cNvSpPr>
-            <a:spLocks noGrp="1"/>
-          </p:cNvSpPr>
-          <p:nvPr>
-            <p:ph sz="quarter" idx="14"/>
-          </p:nvPr>
-        </p:nvSpPr>
-        <p:spPr>
-          <a:xfrm>
-            <a:off x="603885" y="457201"/>
-            <a:ext cx="5198269" cy="2305050"/>
-          </a:xfrm>
-        </p:spPr>
-        <p:txBody>
-          <a:bodyPr rtlCol="0"/>
-          <a:lstStyle>
-            <a:defPPr>
-              <a:defRPr lang="it-IT"/>
-            </a:defPPr>
-          </a:lstStyle>
-          <a:p>
-            <a:pPr rtl="0"/>
-            <a:r>
-              <a:rPr lang="it-IT" dirty="0"/>
-              <a:t>Conosci il materiale in anticipo</a:t>
-            </a:r>
-          </a:p>
-          <a:p>
-            <a:pPr rtl="0"/>
-            <a:r>
-              <a:rPr lang="it-IT" dirty="0"/>
-              <a:t>Prevedi le domande comuni</a:t>
-            </a:r>
-          </a:p>
-          <a:p>
-            <a:pPr rtl="0"/>
-            <a:r>
-              <a:rPr lang="it-IT" dirty="0"/>
-              <a:t>Prova le risposte</a:t>
+              <a:rPr lang="it-IT"/>
+              <a:t>Tecniche di comunicazione efficaci</a:t>
             </a:r>
           </a:p>
         </p:txBody>
@@ -12189,7 +12467,7 @@
           <p:cNvPr id="3" name="Segnaposto contenuto 2">
             <a:extLst>
               <a:ext uri="{FF2B5EF4-FFF2-40B4-BE49-F238E27FC236}">
-                <a16:creationId xmlns:a16="http://schemas.microsoft.com/office/drawing/2014/main" id="{8B599B60-BF79-A832-6AD4-6C6FC6CE4317}"/>
+                <a16:creationId xmlns:a16="http://schemas.microsoft.com/office/drawing/2014/main" id="{DB097449-5B72-ADA0-3B2D-1CBC160D6B90}"/>
               </a:ext>
             </a:extLst>
           </p:cNvPr>
@@ -12202,14 +12480,12 @@
         </p:nvSpPr>
         <p:spPr>
           <a:xfrm>
-            <a:off x="594360" y="2810595"/>
-            <a:ext cx="5198269" cy="3319513"/>
+            <a:off x="594360" y="2676525"/>
+            <a:ext cx="4490827" cy="3597470"/>
           </a:xfrm>
         </p:spPr>
         <p:txBody>
-          <a:bodyPr rtlCol="0">
-            <a:normAutofit/>
-          </a:bodyPr>
+          <a:bodyPr rtlCol="0"/>
           <a:lstStyle>
             <a:defPPr>
               <a:defRPr lang="it-IT"/>
@@ -12219,35 +12495,94 @@
             <a:pPr rtl="0"/>
             <a:r>
               <a:rPr lang="it-IT" dirty="0"/>
-              <a:t>Mantenere la compostezza durante la sessione di domande e risposte è essenziale per proiettare sicurezza e autorità. Considera i seguenti consigli per rimanere composto:</a:t>
+              <a:t>Questo è un potente strumento per l'arte oratoria. Ti aiuterà a variare l'intonazione, il tono e il volume per trasmettere emozioni, enfatizzare punti e mantenere l'interesse:</a:t>
             </a:r>
           </a:p>
           <a:p>
             <a:pPr lvl="1" rtl="0"/>
             <a:r>
               <a:rPr lang="it-IT" dirty="0"/>
-              <a:t>Mantieni la tranquillità</a:t>
+              <a:t>Variazione intonazione</a:t>
             </a:r>
           </a:p>
           <a:p>
             <a:pPr lvl="1" rtl="0"/>
             <a:r>
               <a:rPr lang="it-IT" dirty="0"/>
-              <a:t>Ascolta in modo attivo</a:t>
+              <a:t>Inflessione del tono</a:t>
             </a:r>
           </a:p>
           <a:p>
             <a:pPr lvl="1" rtl="0"/>
             <a:r>
               <a:rPr lang="it-IT" dirty="0"/>
-              <a:t>Fermati e rifletti</a:t>
+              <a:t>Controllo del volume</a:t>
+            </a:r>
+          </a:p>
+        </p:txBody>
+      </p:sp>
+      <p:sp>
+        <p:nvSpPr>
+          <p:cNvPr id="4" name="Segnaposto contenuto 3">
+            <a:extLst>
+              <a:ext uri="{FF2B5EF4-FFF2-40B4-BE49-F238E27FC236}">
+                <a16:creationId xmlns:a16="http://schemas.microsoft.com/office/drawing/2014/main" id="{41FC7B50-71A6-D8BE-C032-5EB4CF5706D5}"/>
+              </a:ext>
+            </a:extLst>
+          </p:cNvPr>
+          <p:cNvSpPr>
+            <a:spLocks noGrp="1"/>
+          </p:cNvSpPr>
+          <p:nvPr>
+            <p:ph sz="quarter" idx="16"/>
+          </p:nvPr>
+        </p:nvSpPr>
+        <p:spPr>
+          <a:xfrm>
+            <a:off x="5881898" y="2676525"/>
+            <a:ext cx="4490827" cy="3597470"/>
+          </a:xfrm>
+        </p:spPr>
+        <p:txBody>
+          <a:bodyPr rtlCol="0"/>
+          <a:lstStyle>
+            <a:defPPr>
+              <a:defRPr lang="it-IT"/>
+            </a:defPPr>
+          </a:lstStyle>
+          <a:p>
+            <a:pPr rtl="0"/>
+            <a:r>
+              <a:rPr lang="it-IT" dirty="0"/>
+              <a:t>Un linguaggio del corpo efficace valorizza il tuo messaggio, rendendolo più incisivo e memorabile:</a:t>
             </a:r>
           </a:p>
           <a:p>
             <a:pPr lvl="1" rtl="0"/>
             <a:r>
               <a:rPr lang="it-IT" dirty="0"/>
-              <a:t>Mantieni il contatto visivo</a:t>
+              <a:t>Contatto visivo significativo</a:t>
+            </a:r>
+          </a:p>
+          <a:p>
+            <a:pPr lvl="1" rtl="0"/>
+            <a:r>
+              <a:rPr lang="it-IT" dirty="0"/>
+              <a:t>Movimenti intenzionali</a:t>
+            </a:r>
+          </a:p>
+          <a:p>
+            <a:pPr lvl="1" rtl="0"/>
+            <a:r>
+              <a:rPr lang="it-IT" dirty="0"/>
+              <a:t>Mantieni una buona postura</a:t>
+            </a:r>
+          </a:p>
+          <a:p>
+            <a:pPr lvl="1" rtl="0"/>
+            <a:r>
+              <a:rPr lang="it-IT" dirty="0"/>
+              <a:t>Controlla le espressioni</a:t>
             </a:r>
           </a:p>
         </p:txBody>
@@ -12255,7 +12590,7 @@
     </p:spTree>
     <p:extLst>
       <p:ext uri="{BB962C8B-B14F-4D97-AF65-F5344CB8AC3E}">
-        <p14:creationId xmlns:p14="http://schemas.microsoft.com/office/powerpoint/2010/main" val="3088225330"/>
+        <p14:creationId xmlns:p14="http://schemas.microsoft.com/office/powerpoint/2010/main" val="888484295"/>
       </p:ext>
     </p:extLst>
   </p:cSld>
@@ -12287,6 +12622,194 @@
           <p:cNvPr id="2" name="Titolo 1">
             <a:extLst>
               <a:ext uri="{FF2B5EF4-FFF2-40B4-BE49-F238E27FC236}">
+                <a16:creationId xmlns:a16="http://schemas.microsoft.com/office/drawing/2014/main" id="{60BD29B5-1B58-809F-FEA7-B82105E94664}"/>
+              </a:ext>
+            </a:extLst>
+          </p:cNvPr>
+          <p:cNvSpPr>
+            <a:spLocks noGrp="1"/>
+          </p:cNvSpPr>
+          <p:nvPr>
+            <p:ph type="title"/>
+          </p:nvPr>
+        </p:nvSpPr>
+        <p:spPr>
+          <a:xfrm>
+            <a:off x="6318885" y="3499667"/>
+            <a:ext cx="4939666" cy="2542810"/>
+          </a:xfrm>
+        </p:spPr>
+        <p:txBody>
+          <a:bodyPr rtlCol="0"/>
+          <a:lstStyle>
+            <a:defPPr>
+              <a:defRPr lang="it-IT"/>
+            </a:defPPr>
+          </a:lstStyle>
+          <a:p>
+            <a:pPr rtl="0"/>
+            <a:r>
+              <a:rPr lang="it-IT" dirty="0"/>
+              <a:t>Esplorazione delle sessioni di Domande e risposte</a:t>
+            </a:r>
+          </a:p>
+        </p:txBody>
+      </p:sp>
+      <p:sp>
+        <p:nvSpPr>
+          <p:cNvPr id="4" name="Segnaposto contenuto 3">
+            <a:extLst>
+              <a:ext uri="{FF2B5EF4-FFF2-40B4-BE49-F238E27FC236}">
+                <a16:creationId xmlns:a16="http://schemas.microsoft.com/office/drawing/2014/main" id="{07C3632C-2D2E-7026-33B8-EE42DA4BDB5C}"/>
+              </a:ext>
+            </a:extLst>
+          </p:cNvPr>
+          <p:cNvSpPr>
+            <a:spLocks noGrp="1"/>
+          </p:cNvSpPr>
+          <p:nvPr>
+            <p:ph sz="quarter" idx="14"/>
+          </p:nvPr>
+        </p:nvSpPr>
+        <p:spPr>
+          <a:xfrm>
+            <a:off x="603885" y="457201"/>
+            <a:ext cx="5198269" cy="2305050"/>
+          </a:xfrm>
+        </p:spPr>
+        <p:txBody>
+          <a:bodyPr rtlCol="0"/>
+          <a:lstStyle>
+            <a:defPPr>
+              <a:defRPr lang="it-IT"/>
+            </a:defPPr>
+          </a:lstStyle>
+          <a:p>
+            <a:pPr rtl="0"/>
+            <a:r>
+              <a:rPr lang="it-IT" dirty="0"/>
+              <a:t>Conosci il materiale in anticipo</a:t>
+            </a:r>
+          </a:p>
+          <a:p>
+            <a:pPr rtl="0"/>
+            <a:r>
+              <a:rPr lang="it-IT" dirty="0"/>
+              <a:t>Prevedi le domande comuni</a:t>
+            </a:r>
+          </a:p>
+          <a:p>
+            <a:pPr rtl="0"/>
+            <a:r>
+              <a:rPr lang="it-IT" dirty="0"/>
+              <a:t>Prova le risposte</a:t>
+            </a:r>
+          </a:p>
+        </p:txBody>
+      </p:sp>
+      <p:sp>
+        <p:nvSpPr>
+          <p:cNvPr id="3" name="Segnaposto contenuto 2">
+            <a:extLst>
+              <a:ext uri="{FF2B5EF4-FFF2-40B4-BE49-F238E27FC236}">
+                <a16:creationId xmlns:a16="http://schemas.microsoft.com/office/drawing/2014/main" id="{8B599B60-BF79-A832-6AD4-6C6FC6CE4317}"/>
+              </a:ext>
+            </a:extLst>
+          </p:cNvPr>
+          <p:cNvSpPr>
+            <a:spLocks noGrp="1"/>
+          </p:cNvSpPr>
+          <p:nvPr>
+            <p:ph sz="quarter" idx="15"/>
+          </p:nvPr>
+        </p:nvSpPr>
+        <p:spPr>
+          <a:xfrm>
+            <a:off x="594360" y="2810595"/>
+            <a:ext cx="5198269" cy="3319513"/>
+          </a:xfrm>
+        </p:spPr>
+        <p:txBody>
+          <a:bodyPr rtlCol="0">
+            <a:normAutofit/>
+          </a:bodyPr>
+          <a:lstStyle>
+            <a:defPPr>
+              <a:defRPr lang="it-IT"/>
+            </a:defPPr>
+          </a:lstStyle>
+          <a:p>
+            <a:pPr rtl="0"/>
+            <a:r>
+              <a:rPr lang="it-IT" dirty="0"/>
+              <a:t>Mantenere la compostezza durante la sessione di domande e risposte è essenziale per proiettare sicurezza e autorità. Considera i seguenti consigli per rimanere composto:</a:t>
+            </a:r>
+          </a:p>
+          <a:p>
+            <a:pPr lvl="1" rtl="0"/>
+            <a:r>
+              <a:rPr lang="it-IT" dirty="0"/>
+              <a:t>Mantieni la tranquillità</a:t>
+            </a:r>
+          </a:p>
+          <a:p>
+            <a:pPr lvl="1" rtl="0"/>
+            <a:r>
+              <a:rPr lang="it-IT" dirty="0"/>
+              <a:t>Ascolta in modo attivo</a:t>
+            </a:r>
+          </a:p>
+          <a:p>
+            <a:pPr lvl="1" rtl="0"/>
+            <a:r>
+              <a:rPr lang="it-IT" dirty="0"/>
+              <a:t>Fermati e rifletti</a:t>
+            </a:r>
+          </a:p>
+          <a:p>
+            <a:pPr lvl="1" rtl="0"/>
+            <a:r>
+              <a:rPr lang="it-IT" dirty="0"/>
+              <a:t>Mantieni il contatto visivo</a:t>
+            </a:r>
+          </a:p>
+        </p:txBody>
+      </p:sp>
+    </p:spTree>
+    <p:extLst>
+      <p:ext uri="{BB962C8B-B14F-4D97-AF65-F5344CB8AC3E}">
+        <p14:creationId xmlns:p14="http://schemas.microsoft.com/office/powerpoint/2010/main" val="3088225330"/>
+      </p:ext>
+    </p:extLst>
+  </p:cSld>
+  <p:clrMapOvr>
+    <a:masterClrMapping/>
+  </p:clrMapOvr>
+</p:sld>
+</file>
+
+<file path=ppt/slides/slide18.xml><?xml version="1.0" encoding="utf-8"?>
+<p:sld xmlns:a="http://schemas.openxmlformats.org/drawingml/2006/main" xmlns:r="http://schemas.openxmlformats.org/officeDocument/2006/relationships" xmlns:p="http://schemas.openxmlformats.org/presentationml/2006/main">
+  <p:cSld>
+    <p:spTree>
+      <p:nvGrpSpPr>
+        <p:cNvPr id="1" name=""/>
+        <p:cNvGrpSpPr/>
+        <p:nvPr/>
+      </p:nvGrpSpPr>
+      <p:grpSpPr>
+        <a:xfrm>
+          <a:off x="0" y="0"/>
+          <a:ext cx="0" cy="0"/>
+          <a:chOff x="0" y="0"/>
+          <a:chExt cx="0" cy="0"/>
+        </a:xfrm>
+      </p:grpSpPr>
+      <p:sp>
+        <p:nvSpPr>
+          <p:cNvPr id="2" name="Titolo 1">
+            <a:extLst>
+              <a:ext uri="{FF2B5EF4-FFF2-40B4-BE49-F238E27FC236}">
                 <a16:creationId xmlns:a16="http://schemas.microsoft.com/office/drawing/2014/main" id="{F52A871D-B15E-C971-7C85-0AF173E38781}"/>
               </a:ext>
             </a:extLst>
@@ -12418,7 +12941,7 @@
 </p:sld>
 </file>
 
-<file path=ppt/slides/slide18.xml><?xml version="1.0" encoding="utf-8"?>
+<file path=ppt/slides/slide19.xml><?xml version="1.0" encoding="utf-8"?>
 <p:sld xmlns:a="http://schemas.openxmlformats.org/drawingml/2006/main" xmlns:r="http://schemas.openxmlformats.org/officeDocument/2006/relationships" xmlns:p="http://schemas.openxmlformats.org/presentationml/2006/main">
   <p:cSld>
     <p:spTree>
@@ -13078,7 +13601,146 @@
 </p:sld>
 </file>
 
-<file path=ppt/slides/slide19.xml><?xml version="1.0" encoding="utf-8"?>
+<file path=ppt/slides/slide2.xml><?xml version="1.0" encoding="utf-8"?>
+<p:sld xmlns:a="http://schemas.openxmlformats.org/drawingml/2006/main" xmlns:r="http://schemas.openxmlformats.org/officeDocument/2006/relationships" xmlns:p="http://schemas.openxmlformats.org/presentationml/2006/main">
+  <p:cSld>
+    <p:spTree>
+      <p:nvGrpSpPr>
+        <p:cNvPr id="1" name=""/>
+        <p:cNvGrpSpPr/>
+        <p:nvPr/>
+      </p:nvGrpSpPr>
+      <p:grpSpPr>
+        <a:xfrm>
+          <a:off x="0" y="0"/>
+          <a:ext cx="0" cy="0"/>
+          <a:chOff x="0" y="0"/>
+          <a:chExt cx="0" cy="0"/>
+        </a:xfrm>
+      </p:grpSpPr>
+      <p:sp>
+        <p:nvSpPr>
+          <p:cNvPr id="2" name="Titolo 1">
+            <a:extLst>
+              <a:ext uri="{FF2B5EF4-FFF2-40B4-BE49-F238E27FC236}">
+                <a16:creationId xmlns:a16="http://schemas.microsoft.com/office/drawing/2014/main" id="{B530BF65-C84B-45C3-72CA-AFDA68851174}"/>
+              </a:ext>
+            </a:extLst>
+          </p:cNvPr>
+          <p:cNvSpPr>
+            <a:spLocks noGrp="1"/>
+          </p:cNvSpPr>
+          <p:nvPr>
+            <p:ph type="title"/>
+          </p:nvPr>
+        </p:nvSpPr>
+        <p:spPr>
+          <a:xfrm>
+            <a:off x="594360" y="189572"/>
+            <a:ext cx="6787747" cy="1593507"/>
+          </a:xfrm>
+        </p:spPr>
+        <p:txBody>
+          <a:bodyPr rtlCol="0"/>
+          <a:lstStyle>
+            <a:defPPr>
+              <a:defRPr lang="it-IT"/>
+            </a:defPPr>
+          </a:lstStyle>
+          <a:p>
+            <a:pPr rtl="0"/>
+            <a:r>
+              <a:rPr lang="it-IT" dirty="0"/>
+              <a:t>Indice</a:t>
+            </a:r>
+          </a:p>
+        </p:txBody>
+      </p:sp>
+      <p:sp>
+        <p:nvSpPr>
+          <p:cNvPr id="3" name="Segnaposto testo 2">
+            <a:extLst>
+              <a:ext uri="{FF2B5EF4-FFF2-40B4-BE49-F238E27FC236}">
+                <a16:creationId xmlns:a16="http://schemas.microsoft.com/office/drawing/2014/main" id="{3B8EBC2C-6DD7-5003-38EB-40753046FE8C}"/>
+              </a:ext>
+            </a:extLst>
+          </p:cNvPr>
+          <p:cNvSpPr>
+            <a:spLocks noGrp="1"/>
+          </p:cNvSpPr>
+          <p:nvPr>
+            <p:ph sz="quarter" idx="13"/>
+          </p:nvPr>
+        </p:nvSpPr>
+        <p:spPr>
+          <a:xfrm>
+            <a:off x="593725" y="2281238"/>
+            <a:ext cx="6788150" cy="3709987"/>
+          </a:xfrm>
+        </p:spPr>
+        <p:txBody>
+          <a:bodyPr tIns="457200" rtlCol="0"/>
+          <a:lstStyle>
+            <a:defPPr>
+              <a:defRPr lang="it-IT"/>
+            </a:defPPr>
+          </a:lstStyle>
+          <a:p>
+            <a:pPr rtl="0"/>
+            <a:r>
+              <a:rPr lang="it-IT" dirty="0"/>
+              <a:t>Introduzione</a:t>
+            </a:r>
+          </a:p>
+          <a:p>
+            <a:pPr rtl="0"/>
+            <a:r>
+              <a:rPr lang="it-IT" dirty="0"/>
+              <a:t>Architettura del Search Engine</a:t>
+            </a:r>
+          </a:p>
+          <a:p>
+            <a:pPr rtl="0"/>
+            <a:r>
+              <a:rPr lang="it-IT" dirty="0"/>
+              <a:t>Implementazione Sentiment </a:t>
+            </a:r>
+            <a:r>
+              <a:rPr lang="it-IT" dirty="0" err="1"/>
+              <a:t>analysis</a:t>
+            </a:r>
+            <a:endParaRPr lang="it-IT" dirty="0"/>
+          </a:p>
+          <a:p>
+            <a:pPr rtl="0"/>
+            <a:r>
+              <a:rPr lang="it-IT" dirty="0"/>
+              <a:t>Implementazione Word2vec</a:t>
+            </a:r>
+          </a:p>
+          <a:p>
+            <a:pPr rtl="0"/>
+            <a:r>
+              <a:rPr lang="it-IT" dirty="0"/>
+              <a:t>Benchmark</a:t>
+            </a:r>
+          </a:p>
+        </p:txBody>
+      </p:sp>
+    </p:spTree>
+    <p:extLst>
+      <p:ext uri="{BB962C8B-B14F-4D97-AF65-F5344CB8AC3E}">
+        <p14:creationId xmlns:p14="http://schemas.microsoft.com/office/powerpoint/2010/main" val="3346685798"/>
+      </p:ext>
+    </p:extLst>
+  </p:cSld>
+  <p:clrMapOvr>
+    <a:masterClrMapping/>
+  </p:clrMapOvr>
+</p:sld>
+</file>
+
+<file path=ppt/slides/slide20.xml><?xml version="1.0" encoding="utf-8"?>
 <p:sld xmlns:a="http://schemas.openxmlformats.org/drawingml/2006/main" xmlns:r="http://schemas.openxmlformats.org/officeDocument/2006/relationships" xmlns:p="http://schemas.openxmlformats.org/presentationml/2006/main">
   <p:cSld>
     <p:spTree>
@@ -13305,146 +13967,7 @@
 </p:sld>
 </file>
 
-<file path=ppt/slides/slide2.xml><?xml version="1.0" encoding="utf-8"?>
-<p:sld xmlns:a="http://schemas.openxmlformats.org/drawingml/2006/main" xmlns:r="http://schemas.openxmlformats.org/officeDocument/2006/relationships" xmlns:p="http://schemas.openxmlformats.org/presentationml/2006/main">
-  <p:cSld>
-    <p:spTree>
-      <p:nvGrpSpPr>
-        <p:cNvPr id="1" name=""/>
-        <p:cNvGrpSpPr/>
-        <p:nvPr/>
-      </p:nvGrpSpPr>
-      <p:grpSpPr>
-        <a:xfrm>
-          <a:off x="0" y="0"/>
-          <a:ext cx="0" cy="0"/>
-          <a:chOff x="0" y="0"/>
-          <a:chExt cx="0" cy="0"/>
-        </a:xfrm>
-      </p:grpSpPr>
-      <p:sp>
-        <p:nvSpPr>
-          <p:cNvPr id="2" name="Titolo 1">
-            <a:extLst>
-              <a:ext uri="{FF2B5EF4-FFF2-40B4-BE49-F238E27FC236}">
-                <a16:creationId xmlns:a16="http://schemas.microsoft.com/office/drawing/2014/main" id="{B530BF65-C84B-45C3-72CA-AFDA68851174}"/>
-              </a:ext>
-            </a:extLst>
-          </p:cNvPr>
-          <p:cNvSpPr>
-            <a:spLocks noGrp="1"/>
-          </p:cNvSpPr>
-          <p:nvPr>
-            <p:ph type="title"/>
-          </p:nvPr>
-        </p:nvSpPr>
-        <p:spPr>
-          <a:xfrm>
-            <a:off x="594360" y="189572"/>
-            <a:ext cx="6787747" cy="1593507"/>
-          </a:xfrm>
-        </p:spPr>
-        <p:txBody>
-          <a:bodyPr rtlCol="0"/>
-          <a:lstStyle>
-            <a:defPPr>
-              <a:defRPr lang="it-IT"/>
-            </a:defPPr>
-          </a:lstStyle>
-          <a:p>
-            <a:pPr rtl="0"/>
-            <a:r>
-              <a:rPr lang="it-IT" dirty="0"/>
-              <a:t>Indice</a:t>
-            </a:r>
-          </a:p>
-        </p:txBody>
-      </p:sp>
-      <p:sp>
-        <p:nvSpPr>
-          <p:cNvPr id="3" name="Segnaposto testo 2">
-            <a:extLst>
-              <a:ext uri="{FF2B5EF4-FFF2-40B4-BE49-F238E27FC236}">
-                <a16:creationId xmlns:a16="http://schemas.microsoft.com/office/drawing/2014/main" id="{3B8EBC2C-6DD7-5003-38EB-40753046FE8C}"/>
-              </a:ext>
-            </a:extLst>
-          </p:cNvPr>
-          <p:cNvSpPr>
-            <a:spLocks noGrp="1"/>
-          </p:cNvSpPr>
-          <p:nvPr>
-            <p:ph sz="quarter" idx="13"/>
-          </p:nvPr>
-        </p:nvSpPr>
-        <p:spPr>
-          <a:xfrm>
-            <a:off x="593725" y="2281238"/>
-            <a:ext cx="6788150" cy="3709987"/>
-          </a:xfrm>
-        </p:spPr>
-        <p:txBody>
-          <a:bodyPr tIns="457200" rtlCol="0"/>
-          <a:lstStyle>
-            <a:defPPr>
-              <a:defRPr lang="it-IT"/>
-            </a:defPPr>
-          </a:lstStyle>
-          <a:p>
-            <a:pPr rtl="0"/>
-            <a:r>
-              <a:rPr lang="it-IT" dirty="0"/>
-              <a:t>Introduzione</a:t>
-            </a:r>
-          </a:p>
-          <a:p>
-            <a:pPr rtl="0"/>
-            <a:r>
-              <a:rPr lang="it-IT" dirty="0"/>
-              <a:t>Architettura del Search Engine</a:t>
-            </a:r>
-          </a:p>
-          <a:p>
-            <a:pPr rtl="0"/>
-            <a:r>
-              <a:rPr lang="it-IT" dirty="0"/>
-              <a:t>Implementazione Sentiment </a:t>
-            </a:r>
-            <a:r>
-              <a:rPr lang="it-IT" dirty="0" err="1"/>
-              <a:t>analysis</a:t>
-            </a:r>
-            <a:endParaRPr lang="it-IT" dirty="0"/>
-          </a:p>
-          <a:p>
-            <a:pPr rtl="0"/>
-            <a:r>
-              <a:rPr lang="it-IT" dirty="0"/>
-              <a:t>Implementazione Doc2vec</a:t>
-            </a:r>
-          </a:p>
-          <a:p>
-            <a:pPr rtl="0"/>
-            <a:r>
-              <a:rPr lang="it-IT" dirty="0"/>
-              <a:t>Benchmark</a:t>
-            </a:r>
-          </a:p>
-        </p:txBody>
-      </p:sp>
-    </p:spTree>
-    <p:extLst>
-      <p:ext uri="{BB962C8B-B14F-4D97-AF65-F5344CB8AC3E}">
-        <p14:creationId xmlns:p14="http://schemas.microsoft.com/office/powerpoint/2010/main" val="3346685798"/>
-      </p:ext>
-    </p:extLst>
-  </p:cSld>
-  <p:clrMapOvr>
-    <a:masterClrMapping/>
-  </p:clrMapOvr>
-</p:sld>
-</file>
-
-<file path=ppt/slides/slide20.xml><?xml version="1.0" encoding="utf-8"?>
+<file path=ppt/slides/slide21.xml><?xml version="1.0" encoding="utf-8"?>
 <p:sld xmlns:a="http://schemas.openxmlformats.org/drawingml/2006/main" xmlns:r="http://schemas.openxmlformats.org/officeDocument/2006/relationships" xmlns:p="http://schemas.openxmlformats.org/presentationml/2006/main">
   <p:cSld>
     <p:spTree>
@@ -14071,7 +14594,7 @@
 </p:sld>
 </file>
 
-<file path=ppt/slides/slide21.xml><?xml version="1.0" encoding="utf-8"?>
+<file path=ppt/slides/slide22.xml><?xml version="1.0" encoding="utf-8"?>
 <p:sld xmlns:a="http://schemas.openxmlformats.org/drawingml/2006/main" xmlns:r="http://schemas.openxmlformats.org/officeDocument/2006/relationships" xmlns:p="http://schemas.openxmlformats.org/presentationml/2006/main">
   <p:cSld>
     <p:spTree>
@@ -15529,9 +16052,16 @@
             <p:ph sz="quarter" idx="13"/>
           </p:nvPr>
         </p:nvSpPr>
-        <p:spPr/>
+        <p:spPr>
+          <a:xfrm>
+            <a:off x="3657599" y="2282008"/>
+            <a:ext cx="7949381" cy="3699328"/>
+          </a:xfrm>
+        </p:spPr>
         <p:txBody>
-          <a:bodyPr/>
+          <a:bodyPr>
+            <a:normAutofit/>
+          </a:bodyPr>
           <a:lstStyle/>
           <a:p>
             <a:pPr marL="0" indent="0">
@@ -15749,7 +16279,7 @@
             </a:r>
             <a:r>
               <a:rPr lang="it-IT" i="1" dirty="0" err="1"/>
-              <a:t>intresting</a:t>
+              <a:t>interesting</a:t>
             </a:r>
             <a:r>
               <a:rPr lang="it-IT" i="1" dirty="0"/>
@@ -17111,6 +17641,15 @@
 </file>
 
 <file path=customXml/item2.xml><?xml version="1.0" encoding="utf-8"?>
+<?mso-contentType ?>
+<FormTemplates xmlns="http://schemas.microsoft.com/sharepoint/v3/contenttype/forms">
+  <Display>DocumentLibraryForm</Display>
+  <Edit>DocumentLibraryForm</Edit>
+  <New>DocumentLibraryForm</New>
+</FormTemplates>
+</file>
+
+<file path=customXml/item3.xml><?xml version="1.0" encoding="utf-8"?>
 <p:properties xmlns:p="http://schemas.microsoft.com/office/2006/metadata/properties" xmlns:xsi="http://www.w3.org/2001/XMLSchema-instance" xmlns:pc="http://schemas.microsoft.com/office/infopath/2007/PartnerControls">
   <documentManagement>
     <Background xmlns="71af3243-3dd4-4a8d-8c0d-dd76da1f02a5">false</Background>
@@ -17128,15 +17667,6 @@
     <MediaServiceKeyPoints xmlns="71af3243-3dd4-4a8d-8c0d-dd76da1f02a5" xsi:nil="true"/>
   </documentManagement>
 </p:properties>
-</file>
-
-<file path=customXml/item3.xml><?xml version="1.0" encoding="utf-8"?>
-<?mso-contentType ?>
-<FormTemplates xmlns="http://schemas.microsoft.com/sharepoint/v3/contenttype/forms">
-  <Display>DocumentLibraryForm</Display>
-  <Edit>DocumentLibraryForm</Edit>
-  <New>DocumentLibraryForm</New>
-</FormTemplates>
 </file>
 
 <file path=customXml/itemProps1.xml><?xml version="1.0" encoding="utf-8"?>
@@ -17161,6 +17691,14 @@
 </file>
 
 <file path=customXml/itemProps2.xml><?xml version="1.0" encoding="utf-8"?>
+<ds:datastoreItem xmlns:ds="http://schemas.openxmlformats.org/officeDocument/2006/customXml" ds:itemID="{C21FFAC0-05A2-416A-B06C-C248395482CF}">
+  <ds:schemaRefs>
+    <ds:schemaRef ds:uri="http://schemas.microsoft.com/sharepoint/v3/contenttype/forms"/>
+  </ds:schemaRefs>
+</ds:datastoreItem>
+</file>
+
+<file path=customXml/itemProps3.xml><?xml version="1.0" encoding="utf-8"?>
 <ds:datastoreItem xmlns:ds="http://schemas.openxmlformats.org/officeDocument/2006/customXml" ds:itemID="{4F4B194E-8B30-4377-8C59-ECFB902D2A26}">
   <ds:schemaRefs>
     <ds:schemaRef ds:uri="http://schemas.microsoft.com/office/2006/metadata/properties"/>
@@ -17172,14 +17710,6 @@
 </ds:datastoreItem>
 </file>
 
-<file path=customXml/itemProps3.xml><?xml version="1.0" encoding="utf-8"?>
-<ds:datastoreItem xmlns:ds="http://schemas.openxmlformats.org/officeDocument/2006/customXml" ds:itemID="{C21FFAC0-05A2-416A-B06C-C248395482CF}">
-  <ds:schemaRefs>
-    <ds:schemaRef ds:uri="http://schemas.microsoft.com/sharepoint/v3/contenttype/forms"/>
-  </ds:schemaRefs>
-</ds:datastoreItem>
-</file>
-
 <file path=docMetadata/LabelInfo.xml><?xml version="1.0" encoding="utf-8"?>
 <clbl:labelList xmlns:clbl="http://schemas.microsoft.com/office/2020/mipLabelMetadata"/>
 </file>
--- a/presentazione/Presentazione search engine.pptx
+++ b/presentazione/Presentazione search engine.pptx
@@ -5,10 +5,10 @@
     <p:sldMasterId id="2147483658" r:id="rId4"/>
   </p:sldMasterIdLst>
   <p:notesMasterIdLst>
-    <p:notesMasterId r:id="rId27"/>
+    <p:notesMasterId r:id="rId20"/>
   </p:notesMasterIdLst>
   <p:handoutMasterIdLst>
-    <p:handoutMasterId r:id="rId28"/>
+    <p:handoutMasterId r:id="rId21"/>
   </p:handoutMasterIdLst>
   <p:sldIdLst>
     <p:sldId id="411" r:id="rId5"/>
@@ -23,16 +23,9 @@
     <p:sldId id="424" r:id="rId14"/>
     <p:sldId id="425" r:id="rId15"/>
     <p:sldId id="423" r:id="rId16"/>
-    <p:sldId id="389" r:id="rId17"/>
-    <p:sldId id="391" r:id="rId18"/>
-    <p:sldId id="397" r:id="rId19"/>
-    <p:sldId id="408" r:id="rId20"/>
-    <p:sldId id="407" r:id="rId21"/>
-    <p:sldId id="406" r:id="rId22"/>
-    <p:sldId id="405" r:id="rId23"/>
-    <p:sldId id="404" r:id="rId24"/>
-    <p:sldId id="403" r:id="rId25"/>
-    <p:sldId id="398" r:id="rId26"/>
+    <p:sldId id="428" r:id="rId17"/>
+    <p:sldId id="427" r:id="rId18"/>
+    <p:sldId id="429" r:id="rId19"/>
   </p:sldIdLst>
   <p:sldSz cx="12192000" cy="6858000"/>
   <p:notesSz cx="6858000" cy="9144000"/>
@@ -154,6 +147,3350 @@
 </p:cmAuthorLst>
 </file>
 
+<file path=ppt/revisionInfo.xml><?xml version="1.0" encoding="utf-8"?>
+<p1510:revInfo xmlns:a="http://schemas.openxmlformats.org/drawingml/2006/main" xmlns:r="http://schemas.openxmlformats.org/officeDocument/2006/relationships" xmlns:p1510="http://schemas.microsoft.com/office/powerpoint/2015/10/main">
+  <p1510:revLst>
+    <p1510:client id="{D1F1E789-7C46-4A09-B815-C3FCEF398709}" v="783" dt="2024-06-11T14:11:24.661"/>
+  </p1510:revLst>
+</p1510:revInfo>
+</file>
+
+<file path=ppt/changesInfos/changesInfo1.xml><?xml version="1.0" encoding="utf-8"?>
+<pc:chgInfo xmlns:a="http://schemas.openxmlformats.org/drawingml/2006/main" xmlns:r="http://schemas.openxmlformats.org/officeDocument/2006/relationships" xmlns:ac="http://schemas.microsoft.com/office/drawing/2013/main/command" xmlns:pc="http://schemas.microsoft.com/office/powerpoint/2013/main/command">
+  <pc:docChgLst>
+    <pc:chgData name="Denny Ciccia" userId="2bca4f6d752a304f" providerId="LiveId" clId="{D1F1E789-7C46-4A09-B815-C3FCEF398709}"/>
+    <pc:docChg chg="undo redo custSel addSld delSld modSld">
+      <pc:chgData name="Denny Ciccia" userId="2bca4f6d752a304f" providerId="LiveId" clId="{D1F1E789-7C46-4A09-B815-C3FCEF398709}" dt="2024-06-11T14:13:03.263" v="1817" actId="1076"/>
+      <pc:docMkLst>
+        <pc:docMk/>
+      </pc:docMkLst>
+      <pc:sldChg chg="modSp mod">
+        <pc:chgData name="Denny Ciccia" userId="2bca4f6d752a304f" providerId="LiveId" clId="{D1F1E789-7C46-4A09-B815-C3FCEF398709}" dt="2024-06-11T14:12:06.671" v="1807" actId="1076"/>
+        <pc:sldMkLst>
+          <pc:docMk/>
+          <pc:sldMk cId="3346685798" sldId="383"/>
+        </pc:sldMkLst>
+        <pc:spChg chg="mod">
+          <ac:chgData name="Denny Ciccia" userId="2bca4f6d752a304f" providerId="LiveId" clId="{D1F1E789-7C46-4A09-B815-C3FCEF398709}" dt="2024-06-11T14:12:06.671" v="1807" actId="1076"/>
+          <ac:spMkLst>
+            <pc:docMk/>
+            <pc:sldMk cId="3346685798" sldId="383"/>
+            <ac:spMk id="4" creationId="{1776E192-07C6-4046-B0FC-57B0EA4A5A4E}"/>
+          </ac:spMkLst>
+        </pc:spChg>
+      </pc:sldChg>
+      <pc:sldChg chg="del">
+        <pc:chgData name="Denny Ciccia" userId="2bca4f6d752a304f" providerId="LiveId" clId="{D1F1E789-7C46-4A09-B815-C3FCEF398709}" dt="2024-06-11T11:56:26.110" v="1" actId="47"/>
+        <pc:sldMkLst>
+          <pc:docMk/>
+          <pc:sldMk cId="1440871986" sldId="389"/>
+        </pc:sldMkLst>
+      </pc:sldChg>
+      <pc:sldChg chg="del">
+        <pc:chgData name="Denny Ciccia" userId="2bca4f6d752a304f" providerId="LiveId" clId="{D1F1E789-7C46-4A09-B815-C3FCEF398709}" dt="2024-06-11T11:56:26.110" v="1" actId="47"/>
+        <pc:sldMkLst>
+          <pc:docMk/>
+          <pc:sldMk cId="3200312026" sldId="391"/>
+        </pc:sldMkLst>
+      </pc:sldChg>
+      <pc:sldChg chg="del">
+        <pc:chgData name="Denny Ciccia" userId="2bca4f6d752a304f" providerId="LiveId" clId="{D1F1E789-7C46-4A09-B815-C3FCEF398709}" dt="2024-06-11T11:56:26.110" v="1" actId="47"/>
+        <pc:sldMkLst>
+          <pc:docMk/>
+          <pc:sldMk cId="2039059756" sldId="397"/>
+        </pc:sldMkLst>
+      </pc:sldChg>
+      <pc:sldChg chg="del">
+        <pc:chgData name="Denny Ciccia" userId="2bca4f6d752a304f" providerId="LiveId" clId="{D1F1E789-7C46-4A09-B815-C3FCEF398709}" dt="2024-06-11T11:56:26.110" v="1" actId="47"/>
+        <pc:sldMkLst>
+          <pc:docMk/>
+          <pc:sldMk cId="4261132419" sldId="398"/>
+        </pc:sldMkLst>
+      </pc:sldChg>
+      <pc:sldChg chg="del">
+        <pc:chgData name="Denny Ciccia" userId="2bca4f6d752a304f" providerId="LiveId" clId="{D1F1E789-7C46-4A09-B815-C3FCEF398709}" dt="2024-06-11T11:56:26.110" v="1" actId="47"/>
+        <pc:sldMkLst>
+          <pc:docMk/>
+          <pc:sldMk cId="752428618" sldId="403"/>
+        </pc:sldMkLst>
+      </pc:sldChg>
+      <pc:sldChg chg="del">
+        <pc:chgData name="Denny Ciccia" userId="2bca4f6d752a304f" providerId="LiveId" clId="{D1F1E789-7C46-4A09-B815-C3FCEF398709}" dt="2024-06-11T11:56:26.110" v="1" actId="47"/>
+        <pc:sldMkLst>
+          <pc:docMk/>
+          <pc:sldMk cId="1850768898" sldId="404"/>
+        </pc:sldMkLst>
+      </pc:sldChg>
+      <pc:sldChg chg="del">
+        <pc:chgData name="Denny Ciccia" userId="2bca4f6d752a304f" providerId="LiveId" clId="{D1F1E789-7C46-4A09-B815-C3FCEF398709}" dt="2024-06-11T11:56:26.110" v="1" actId="47"/>
+        <pc:sldMkLst>
+          <pc:docMk/>
+          <pc:sldMk cId="4127695141" sldId="405"/>
+        </pc:sldMkLst>
+      </pc:sldChg>
+      <pc:sldChg chg="del">
+        <pc:chgData name="Denny Ciccia" userId="2bca4f6d752a304f" providerId="LiveId" clId="{D1F1E789-7C46-4A09-B815-C3FCEF398709}" dt="2024-06-11T11:56:26.110" v="1" actId="47"/>
+        <pc:sldMkLst>
+          <pc:docMk/>
+          <pc:sldMk cId="298364507" sldId="406"/>
+        </pc:sldMkLst>
+      </pc:sldChg>
+      <pc:sldChg chg="del">
+        <pc:chgData name="Denny Ciccia" userId="2bca4f6d752a304f" providerId="LiveId" clId="{D1F1E789-7C46-4A09-B815-C3FCEF398709}" dt="2024-06-11T11:56:26.110" v="1" actId="47"/>
+        <pc:sldMkLst>
+          <pc:docMk/>
+          <pc:sldMk cId="3088225330" sldId="407"/>
+        </pc:sldMkLst>
+      </pc:sldChg>
+      <pc:sldChg chg="del">
+        <pc:chgData name="Denny Ciccia" userId="2bca4f6d752a304f" providerId="LiveId" clId="{D1F1E789-7C46-4A09-B815-C3FCEF398709}" dt="2024-06-11T11:56:26.110" v="1" actId="47"/>
+        <pc:sldMkLst>
+          <pc:docMk/>
+          <pc:sldMk cId="888484295" sldId="408"/>
+        </pc:sldMkLst>
+      </pc:sldChg>
+      <pc:sldChg chg="addSp delSp mod">
+        <pc:chgData name="Denny Ciccia" userId="2bca4f6d752a304f" providerId="LiveId" clId="{D1F1E789-7C46-4A09-B815-C3FCEF398709}" dt="2024-06-11T14:11:06.121" v="1805" actId="478"/>
+        <pc:sldMkLst>
+          <pc:docMk/>
+          <pc:sldMk cId="975699653" sldId="411"/>
+        </pc:sldMkLst>
+        <pc:graphicFrameChg chg="add del">
+          <ac:chgData name="Denny Ciccia" userId="2bca4f6d752a304f" providerId="LiveId" clId="{D1F1E789-7C46-4A09-B815-C3FCEF398709}" dt="2024-06-11T14:11:06.121" v="1805" actId="478"/>
+          <ac:graphicFrameMkLst>
+            <pc:docMk/>
+            <pc:sldMk cId="975699653" sldId="411"/>
+            <ac:graphicFrameMk id="4" creationId="{0DB7163A-6000-1710-1A27-8E0BE01FBF01}"/>
+          </ac:graphicFrameMkLst>
+        </pc:graphicFrameChg>
+      </pc:sldChg>
+      <pc:sldChg chg="modSp mod">
+        <pc:chgData name="Denny Ciccia" userId="2bca4f6d752a304f" providerId="LiveId" clId="{D1F1E789-7C46-4A09-B815-C3FCEF398709}" dt="2024-06-11T14:12:13.183" v="1808" actId="1076"/>
+        <pc:sldMkLst>
+          <pc:docMk/>
+          <pc:sldMk cId="478663669" sldId="414"/>
+        </pc:sldMkLst>
+        <pc:spChg chg="mod">
+          <ac:chgData name="Denny Ciccia" userId="2bca4f6d752a304f" providerId="LiveId" clId="{D1F1E789-7C46-4A09-B815-C3FCEF398709}" dt="2024-06-11T14:12:13.183" v="1808" actId="1076"/>
+          <ac:spMkLst>
+            <pc:docMk/>
+            <pc:sldMk cId="478663669" sldId="414"/>
+            <ac:spMk id="4" creationId="{20609853-685D-64D7-D5CC-260AA26C47E1}"/>
+          </ac:spMkLst>
+        </pc:spChg>
+      </pc:sldChg>
+      <pc:sldChg chg="modSp mod">
+        <pc:chgData name="Denny Ciccia" userId="2bca4f6d752a304f" providerId="LiveId" clId="{D1F1E789-7C46-4A09-B815-C3FCEF398709}" dt="2024-06-11T14:12:21.172" v="1809" actId="1076"/>
+        <pc:sldMkLst>
+          <pc:docMk/>
+          <pc:sldMk cId="950561476" sldId="416"/>
+        </pc:sldMkLst>
+        <pc:spChg chg="mod">
+          <ac:chgData name="Denny Ciccia" userId="2bca4f6d752a304f" providerId="LiveId" clId="{D1F1E789-7C46-4A09-B815-C3FCEF398709}" dt="2024-06-11T14:12:21.172" v="1809" actId="1076"/>
+          <ac:spMkLst>
+            <pc:docMk/>
+            <pc:sldMk cId="950561476" sldId="416"/>
+            <ac:spMk id="4" creationId="{0555FEFE-3121-648F-6DC0-4C7CDBBC7478}"/>
+          </ac:spMkLst>
+        </pc:spChg>
+      </pc:sldChg>
+      <pc:sldChg chg="modSp mod">
+        <pc:chgData name="Denny Ciccia" userId="2bca4f6d752a304f" providerId="LiveId" clId="{D1F1E789-7C46-4A09-B815-C3FCEF398709}" dt="2024-06-11T14:12:34.564" v="1811" actId="1076"/>
+        <pc:sldMkLst>
+          <pc:docMk/>
+          <pc:sldMk cId="3381904467" sldId="417"/>
+        </pc:sldMkLst>
+        <pc:spChg chg="mod">
+          <ac:chgData name="Denny Ciccia" userId="2bca4f6d752a304f" providerId="LiveId" clId="{D1F1E789-7C46-4A09-B815-C3FCEF398709}" dt="2024-06-11T14:12:34.564" v="1811" actId="1076"/>
+          <ac:spMkLst>
+            <pc:docMk/>
+            <pc:sldMk cId="3381904467" sldId="417"/>
+            <ac:spMk id="4" creationId="{18CC5A7F-907C-A992-7C6F-09CB5656F39E}"/>
+          </ac:spMkLst>
+        </pc:spChg>
+      </pc:sldChg>
+      <pc:sldChg chg="modSp mod">
+        <pc:chgData name="Denny Ciccia" userId="2bca4f6d752a304f" providerId="LiveId" clId="{D1F1E789-7C46-4A09-B815-C3FCEF398709}" dt="2024-06-11T14:12:40.034" v="1812" actId="1076"/>
+        <pc:sldMkLst>
+          <pc:docMk/>
+          <pc:sldMk cId="229282376" sldId="418"/>
+        </pc:sldMkLst>
+        <pc:spChg chg="mod">
+          <ac:chgData name="Denny Ciccia" userId="2bca4f6d752a304f" providerId="LiveId" clId="{D1F1E789-7C46-4A09-B815-C3FCEF398709}" dt="2024-06-11T14:12:40.034" v="1812" actId="1076"/>
+          <ac:spMkLst>
+            <pc:docMk/>
+            <pc:sldMk cId="229282376" sldId="418"/>
+            <ac:spMk id="4" creationId="{E98C4FD7-F5BC-35BC-977A-B83806F652D5}"/>
+          </ac:spMkLst>
+        </pc:spChg>
+      </pc:sldChg>
+      <pc:sldChg chg="modSp mod">
+        <pc:chgData name="Denny Ciccia" userId="2bca4f6d752a304f" providerId="LiveId" clId="{D1F1E789-7C46-4A09-B815-C3FCEF398709}" dt="2024-06-11T14:12:26.138" v="1810" actId="1076"/>
+        <pc:sldMkLst>
+          <pc:docMk/>
+          <pc:sldMk cId="762576180" sldId="419"/>
+        </pc:sldMkLst>
+        <pc:spChg chg="mod">
+          <ac:chgData name="Denny Ciccia" userId="2bca4f6d752a304f" providerId="LiveId" clId="{D1F1E789-7C46-4A09-B815-C3FCEF398709}" dt="2024-06-11T14:12:26.138" v="1810" actId="1076"/>
+          <ac:spMkLst>
+            <pc:docMk/>
+            <pc:sldMk cId="762576180" sldId="419"/>
+            <ac:spMk id="4" creationId="{914C93E9-209B-C941-F81E-E9214CC694C8}"/>
+          </ac:spMkLst>
+        </pc:spChg>
+      </pc:sldChg>
+      <pc:sldChg chg="delSp modSp mod">
+        <pc:chgData name="Denny Ciccia" userId="2bca4f6d752a304f" providerId="LiveId" clId="{D1F1E789-7C46-4A09-B815-C3FCEF398709}" dt="2024-06-11T14:12:43.658" v="1813" actId="1076"/>
+        <pc:sldMkLst>
+          <pc:docMk/>
+          <pc:sldMk cId="1836877047" sldId="424"/>
+        </pc:sldMkLst>
+        <pc:spChg chg="mod">
+          <ac:chgData name="Denny Ciccia" userId="2bca4f6d752a304f" providerId="LiveId" clId="{D1F1E789-7C46-4A09-B815-C3FCEF398709}" dt="2024-06-11T14:12:43.658" v="1813" actId="1076"/>
+          <ac:spMkLst>
+            <pc:docMk/>
+            <pc:sldMk cId="1836877047" sldId="424"/>
+            <ac:spMk id="4" creationId="{8998AEF6-CD68-BDBB-6119-E3B39F031789}"/>
+          </ac:spMkLst>
+        </pc:spChg>
+        <pc:picChg chg="del">
+          <ac:chgData name="Denny Ciccia" userId="2bca4f6d752a304f" providerId="LiveId" clId="{D1F1E789-7C46-4A09-B815-C3FCEF398709}" dt="2024-06-11T11:56:14.519" v="0" actId="478"/>
+          <ac:picMkLst>
+            <pc:docMk/>
+            <pc:sldMk cId="1836877047" sldId="424"/>
+            <ac:picMk id="5" creationId="{3D639FBE-26AD-77C8-646A-BC80B6158AD5}"/>
+          </ac:picMkLst>
+        </pc:picChg>
+      </pc:sldChg>
+      <pc:sldChg chg="modSp mod">
+        <pc:chgData name="Denny Ciccia" userId="2bca4f6d752a304f" providerId="LiveId" clId="{D1F1E789-7C46-4A09-B815-C3FCEF398709}" dt="2024-06-11T14:12:47.719" v="1814" actId="1076"/>
+        <pc:sldMkLst>
+          <pc:docMk/>
+          <pc:sldMk cId="3284108814" sldId="425"/>
+        </pc:sldMkLst>
+        <pc:spChg chg="mod">
+          <ac:chgData name="Denny Ciccia" userId="2bca4f6d752a304f" providerId="LiveId" clId="{D1F1E789-7C46-4A09-B815-C3FCEF398709}" dt="2024-06-11T14:12:47.719" v="1814" actId="1076"/>
+          <ac:spMkLst>
+            <pc:docMk/>
+            <pc:sldMk cId="3284108814" sldId="425"/>
+            <ac:spMk id="4" creationId="{26BEE18B-8CDF-43AC-63A7-E8E48446CE92}"/>
+          </ac:spMkLst>
+        </pc:spChg>
+      </pc:sldChg>
+      <pc:sldChg chg="addSp delSp modSp new del mod">
+        <pc:chgData name="Denny Ciccia" userId="2bca4f6d752a304f" providerId="LiveId" clId="{D1F1E789-7C46-4A09-B815-C3FCEF398709}" dt="2024-06-11T13:16:37.714" v="121" actId="47"/>
+        <pc:sldMkLst>
+          <pc:docMk/>
+          <pc:sldMk cId="1490261513" sldId="426"/>
+        </pc:sldMkLst>
+        <pc:spChg chg="mod">
+          <ac:chgData name="Denny Ciccia" userId="2bca4f6d752a304f" providerId="LiveId" clId="{D1F1E789-7C46-4A09-B815-C3FCEF398709}" dt="2024-06-11T12:02:28.079" v="24" actId="20577"/>
+          <ac:spMkLst>
+            <pc:docMk/>
+            <pc:sldMk cId="1490261513" sldId="426"/>
+            <ac:spMk id="2" creationId="{29857610-BDF1-64D0-75AE-C44E0AADC155}"/>
+          </ac:spMkLst>
+        </pc:spChg>
+        <pc:spChg chg="add del">
+          <ac:chgData name="Denny Ciccia" userId="2bca4f6d752a304f" providerId="LiveId" clId="{D1F1E789-7C46-4A09-B815-C3FCEF398709}" dt="2024-06-11T12:48:59.777" v="30" actId="1957"/>
+          <ac:spMkLst>
+            <pc:docMk/>
+            <pc:sldMk cId="1490261513" sldId="426"/>
+            <ac:spMk id="3" creationId="{5CB95354-FDF3-9EB0-832D-B29C65C976D7}"/>
+          </ac:spMkLst>
+        </pc:spChg>
+        <pc:spChg chg="add del mod">
+          <ac:chgData name="Denny Ciccia" userId="2bca4f6d752a304f" providerId="LiveId" clId="{D1F1E789-7C46-4A09-B815-C3FCEF398709}" dt="2024-06-11T13:13:01.052" v="57"/>
+          <ac:spMkLst>
+            <pc:docMk/>
+            <pc:sldMk cId="1490261513" sldId="426"/>
+            <ac:spMk id="12" creationId="{2D4E6B4E-BA8C-8DA4-F52D-1C7B9C63A535}"/>
+          </ac:spMkLst>
+        </pc:spChg>
+        <pc:spChg chg="add del mod">
+          <ac:chgData name="Denny Ciccia" userId="2bca4f6d752a304f" providerId="LiveId" clId="{D1F1E789-7C46-4A09-B815-C3FCEF398709}" dt="2024-06-11T13:13:19.605" v="59" actId="3680"/>
+          <ac:spMkLst>
+            <pc:docMk/>
+            <pc:sldMk cId="1490261513" sldId="426"/>
+            <ac:spMk id="17" creationId="{E3866E52-4576-150C-C458-C45526AD1C7C}"/>
+          </ac:spMkLst>
+        </pc:spChg>
+        <pc:graphicFrameChg chg="add mod">
+          <ac:chgData name="Denny Ciccia" userId="2bca4f6d752a304f" providerId="LiveId" clId="{D1F1E789-7C46-4A09-B815-C3FCEF398709}" dt="2024-06-11T12:48:31.596" v="28" actId="1957"/>
+          <ac:graphicFrameMkLst>
+            <pc:docMk/>
+            <pc:sldMk cId="1490261513" sldId="426"/>
+            <ac:graphicFrameMk id="7" creationId="{E9382DF8-5111-7E63-0E89-AB2BCD9813FE}"/>
+          </ac:graphicFrameMkLst>
+        </pc:graphicFrameChg>
+        <pc:graphicFrameChg chg="add del mod">
+          <ac:chgData name="Denny Ciccia" userId="2bca4f6d752a304f" providerId="LiveId" clId="{D1F1E789-7C46-4A09-B815-C3FCEF398709}" dt="2024-06-11T12:52:55.945" v="50" actId="478"/>
+          <ac:graphicFrameMkLst>
+            <pc:docMk/>
+            <pc:sldMk cId="1490261513" sldId="426"/>
+            <ac:graphicFrameMk id="10" creationId="{A0998166-C785-2A95-1767-9B4EF11A38C7}"/>
+          </ac:graphicFrameMkLst>
+        </pc:graphicFrameChg>
+        <pc:graphicFrameChg chg="add mod">
+          <ac:chgData name="Denny Ciccia" userId="2bca4f6d752a304f" providerId="LiveId" clId="{D1F1E789-7C46-4A09-B815-C3FCEF398709}" dt="2024-06-11T12:53:14.058" v="53"/>
+          <ac:graphicFrameMkLst>
+            <pc:docMk/>
+            <pc:sldMk cId="1490261513" sldId="426"/>
+            <ac:graphicFrameMk id="13" creationId="{38089308-BE37-7C21-9C34-7920CA133E80}"/>
+          </ac:graphicFrameMkLst>
+        </pc:graphicFrameChg>
+        <pc:graphicFrameChg chg="add mod">
+          <ac:chgData name="Denny Ciccia" userId="2bca4f6d752a304f" providerId="LiveId" clId="{D1F1E789-7C46-4A09-B815-C3FCEF398709}" dt="2024-06-11T13:12:56.533" v="56"/>
+          <ac:graphicFrameMkLst>
+            <pc:docMk/>
+            <pc:sldMk cId="1490261513" sldId="426"/>
+            <ac:graphicFrameMk id="14" creationId="{38089308-BE37-7C21-9C34-7920CA133E80}"/>
+          </ac:graphicFrameMkLst>
+        </pc:graphicFrameChg>
+        <pc:graphicFrameChg chg="add del mod">
+          <ac:chgData name="Denny Ciccia" userId="2bca4f6d752a304f" providerId="LiveId" clId="{D1F1E789-7C46-4A09-B815-C3FCEF398709}" dt="2024-06-11T13:13:11.661" v="58" actId="478"/>
+          <ac:graphicFrameMkLst>
+            <pc:docMk/>
+            <pc:sldMk cId="1490261513" sldId="426"/>
+            <ac:graphicFrameMk id="15" creationId="{98309ED2-E0B4-302E-76A4-9C877D1E33BB}"/>
+          </ac:graphicFrameMkLst>
+        </pc:graphicFrameChg>
+        <pc:graphicFrameChg chg="add mod ord modGraphic">
+          <ac:chgData name="Denny Ciccia" userId="2bca4f6d752a304f" providerId="LiveId" clId="{D1F1E789-7C46-4A09-B815-C3FCEF398709}" dt="2024-06-11T13:15:29.831" v="112" actId="403"/>
+          <ac:graphicFrameMkLst>
+            <pc:docMk/>
+            <pc:sldMk cId="1490261513" sldId="426"/>
+            <ac:graphicFrameMk id="18" creationId="{64133A8D-B93B-6C5D-62E3-B382F8E21BEC}"/>
+          </ac:graphicFrameMkLst>
+        </pc:graphicFrameChg>
+      </pc:sldChg>
+      <pc:sldChg chg="addSp delSp modSp new mod setBg">
+        <pc:chgData name="Denny Ciccia" userId="2bca4f6d752a304f" providerId="LiveId" clId="{D1F1E789-7C46-4A09-B815-C3FCEF398709}" dt="2024-06-11T14:12:58.697" v="1816" actId="1076"/>
+        <pc:sldMkLst>
+          <pc:docMk/>
+          <pc:sldMk cId="3148617721" sldId="427"/>
+        </pc:sldMkLst>
+        <pc:spChg chg="mod">
+          <ac:chgData name="Denny Ciccia" userId="2bca4f6d752a304f" providerId="LiveId" clId="{D1F1E789-7C46-4A09-B815-C3FCEF398709}" dt="2024-06-11T13:16:20.829" v="118"/>
+          <ac:spMkLst>
+            <pc:docMk/>
+            <pc:sldMk cId="3148617721" sldId="427"/>
+            <ac:spMk id="2" creationId="{E3207B51-091B-ACED-56A2-4CFA12546408}"/>
+          </ac:spMkLst>
+        </pc:spChg>
+        <pc:spChg chg="del mod">
+          <ac:chgData name="Denny Ciccia" userId="2bca4f6d752a304f" providerId="LiveId" clId="{D1F1E789-7C46-4A09-B815-C3FCEF398709}" dt="2024-06-11T13:16:28.875" v="119"/>
+          <ac:spMkLst>
+            <pc:docMk/>
+            <pc:sldMk cId="3148617721" sldId="427"/>
+            <ac:spMk id="3" creationId="{868D4053-36A5-4499-B41B-AA319B37F8B0}"/>
+          </ac:spMkLst>
+        </pc:spChg>
+        <pc:spChg chg="del">
+          <ac:chgData name="Denny Ciccia" userId="2bca4f6d752a304f" providerId="LiveId" clId="{D1F1E789-7C46-4A09-B815-C3FCEF398709}" dt="2024-06-11T13:16:31.987" v="120" actId="478"/>
+          <ac:spMkLst>
+            <pc:docMk/>
+            <pc:sldMk cId="3148617721" sldId="427"/>
+            <ac:spMk id="4" creationId="{815553A2-BD0E-BAC2-4829-9568ADB3BE59}"/>
+          </ac:spMkLst>
+        </pc:spChg>
+        <pc:spChg chg="mod">
+          <ac:chgData name="Denny Ciccia" userId="2bca4f6d752a304f" providerId="LiveId" clId="{D1F1E789-7C46-4A09-B815-C3FCEF398709}" dt="2024-06-11T14:12:58.697" v="1816" actId="1076"/>
+          <ac:spMkLst>
+            <pc:docMk/>
+            <pc:sldMk cId="3148617721" sldId="427"/>
+            <ac:spMk id="14" creationId="{383717B6-E1CD-7ED1-67BE-F80C23C88083}"/>
+          </ac:spMkLst>
+        </pc:spChg>
+        <pc:graphicFrameChg chg="add mod modGraphic">
+          <ac:chgData name="Denny Ciccia" userId="2bca4f6d752a304f" providerId="LiveId" clId="{D1F1E789-7C46-4A09-B815-C3FCEF398709}" dt="2024-06-11T13:33:09.319" v="296" actId="113"/>
+          <ac:graphicFrameMkLst>
+            <pc:docMk/>
+            <pc:sldMk cId="3148617721" sldId="427"/>
+            <ac:graphicFrameMk id="5" creationId="{7BBF0200-7522-7E7C-53BD-CEADBD9AED23}"/>
+          </ac:graphicFrameMkLst>
+        </pc:graphicFrameChg>
+        <pc:graphicFrameChg chg="add del mod">
+          <ac:chgData name="Denny Ciccia" userId="2bca4f6d752a304f" providerId="LiveId" clId="{D1F1E789-7C46-4A09-B815-C3FCEF398709}" dt="2024-06-11T13:17:44.153" v="131" actId="478"/>
+          <ac:graphicFrameMkLst>
+            <pc:docMk/>
+            <pc:sldMk cId="3148617721" sldId="427"/>
+            <ac:graphicFrameMk id="8" creationId="{797179CD-41CF-22D0-55CD-946B057E930F}"/>
+          </ac:graphicFrameMkLst>
+        </pc:graphicFrameChg>
+        <pc:graphicFrameChg chg="add mod">
+          <ac:chgData name="Denny Ciccia" userId="2bca4f6d752a304f" providerId="LiveId" clId="{D1F1E789-7C46-4A09-B815-C3FCEF398709}" dt="2024-06-11T14:06:01.079" v="1799"/>
+          <ac:graphicFrameMkLst>
+            <pc:docMk/>
+            <pc:sldMk cId="3148617721" sldId="427"/>
+            <ac:graphicFrameMk id="13" creationId="{639A33B6-E8B8-889D-0C53-A6984DF48E28}"/>
+          </ac:graphicFrameMkLst>
+        </pc:graphicFrameChg>
+      </pc:sldChg>
+      <pc:sldChg chg="delSp modSp new mod">
+        <pc:chgData name="Denny Ciccia" userId="2bca4f6d752a304f" providerId="LiveId" clId="{D1F1E789-7C46-4A09-B815-C3FCEF398709}" dt="2024-06-11T14:12:53.727" v="1815" actId="1076"/>
+        <pc:sldMkLst>
+          <pc:docMk/>
+          <pc:sldMk cId="2301368102" sldId="428"/>
+        </pc:sldMkLst>
+        <pc:spChg chg="mod">
+          <ac:chgData name="Denny Ciccia" userId="2bca4f6d752a304f" providerId="LiveId" clId="{D1F1E789-7C46-4A09-B815-C3FCEF398709}" dt="2024-06-11T13:34:18.819" v="318" actId="20577"/>
+          <ac:spMkLst>
+            <pc:docMk/>
+            <pc:sldMk cId="2301368102" sldId="428"/>
+            <ac:spMk id="2" creationId="{F633C508-365B-EA19-3389-3BD4B5079FFD}"/>
+          </ac:spMkLst>
+        </pc:spChg>
+        <pc:spChg chg="mod">
+          <ac:chgData name="Denny Ciccia" userId="2bca4f6d752a304f" providerId="LiveId" clId="{D1F1E789-7C46-4A09-B815-C3FCEF398709}" dt="2024-06-11T13:39:39.956" v="962" actId="11"/>
+          <ac:spMkLst>
+            <pc:docMk/>
+            <pc:sldMk cId="2301368102" sldId="428"/>
+            <ac:spMk id="3" creationId="{A461D89A-0C46-5F01-F715-C73491351A77}"/>
+          </ac:spMkLst>
+        </pc:spChg>
+        <pc:spChg chg="del">
+          <ac:chgData name="Denny Ciccia" userId="2bca4f6d752a304f" providerId="LiveId" clId="{D1F1E789-7C46-4A09-B815-C3FCEF398709}" dt="2024-06-11T13:26:26.330" v="249" actId="478"/>
+          <ac:spMkLst>
+            <pc:docMk/>
+            <pc:sldMk cId="2301368102" sldId="428"/>
+            <ac:spMk id="4" creationId="{27ADC249-8A7A-7F70-711A-2B45FF5C39B2}"/>
+          </ac:spMkLst>
+        </pc:spChg>
+        <pc:spChg chg="mod">
+          <ac:chgData name="Denny Ciccia" userId="2bca4f6d752a304f" providerId="LiveId" clId="{D1F1E789-7C46-4A09-B815-C3FCEF398709}" dt="2024-06-11T14:12:53.727" v="1815" actId="1076"/>
+          <ac:spMkLst>
+            <pc:docMk/>
+            <pc:sldMk cId="2301368102" sldId="428"/>
+            <ac:spMk id="5" creationId="{210FB87D-B3B0-89DC-B3F5-FB789EF75567}"/>
+          </ac:spMkLst>
+        </pc:spChg>
+      </pc:sldChg>
+      <pc:sldChg chg="addSp delSp modSp new mod modNotesTx">
+        <pc:chgData name="Denny Ciccia" userId="2bca4f6d752a304f" providerId="LiveId" clId="{D1F1E789-7C46-4A09-B815-C3FCEF398709}" dt="2024-06-11T14:13:03.263" v="1817" actId="1076"/>
+        <pc:sldMkLst>
+          <pc:docMk/>
+          <pc:sldMk cId="1808217430" sldId="429"/>
+        </pc:sldMkLst>
+        <pc:spChg chg="mod">
+          <ac:chgData name="Denny Ciccia" userId="2bca4f6d752a304f" providerId="LiveId" clId="{D1F1E789-7C46-4A09-B815-C3FCEF398709}" dt="2024-06-11T13:42:31.755" v="1007" actId="20577"/>
+          <ac:spMkLst>
+            <pc:docMk/>
+            <pc:sldMk cId="1808217430" sldId="429"/>
+            <ac:spMk id="2" creationId="{36B17578-D61B-66C5-DF66-8BCDC480656A}"/>
+          </ac:spMkLst>
+        </pc:spChg>
+        <pc:spChg chg="del mod">
+          <ac:chgData name="Denny Ciccia" userId="2bca4f6d752a304f" providerId="LiveId" clId="{D1F1E789-7C46-4A09-B815-C3FCEF398709}" dt="2024-06-11T13:47:09.761" v="1011" actId="1957"/>
+          <ac:spMkLst>
+            <pc:docMk/>
+            <pc:sldMk cId="1808217430" sldId="429"/>
+            <ac:spMk id="3" creationId="{3BDCED53-8E65-5124-E887-E788EF71F04D}"/>
+          </ac:spMkLst>
+        </pc:spChg>
+        <pc:spChg chg="del">
+          <ac:chgData name="Denny Ciccia" userId="2bca4f6d752a304f" providerId="LiveId" clId="{D1F1E789-7C46-4A09-B815-C3FCEF398709}" dt="2024-06-11T13:42:34.323" v="1008" actId="478"/>
+          <ac:spMkLst>
+            <pc:docMk/>
+            <pc:sldMk cId="1808217430" sldId="429"/>
+            <ac:spMk id="4" creationId="{420A19EB-585C-E4F9-0F15-8636B38E415F}"/>
+          </ac:spMkLst>
+        </pc:spChg>
+        <pc:spChg chg="add del mod">
+          <ac:chgData name="Denny Ciccia" userId="2bca4f6d752a304f" providerId="LiveId" clId="{D1F1E789-7C46-4A09-B815-C3FCEF398709}" dt="2024-06-11T13:50:54.962" v="1034" actId="1957"/>
+          <ac:spMkLst>
+            <pc:docMk/>
+            <pc:sldMk cId="1808217430" sldId="429"/>
+            <ac:spMk id="9" creationId="{E57D4D6C-DAA5-50DF-6B8E-17BF3AF4959C}"/>
+          </ac:spMkLst>
+        </pc:spChg>
+        <pc:spChg chg="add del mod">
+          <ac:chgData name="Denny Ciccia" userId="2bca4f6d752a304f" providerId="LiveId" clId="{D1F1E789-7C46-4A09-B815-C3FCEF398709}" dt="2024-06-11T14:04:26.077" v="1790" actId="478"/>
+          <ac:spMkLst>
+            <pc:docMk/>
+            <pc:sldMk cId="1808217430" sldId="429"/>
+            <ac:spMk id="14" creationId="{B6D50E88-E6B4-F767-844D-85F865C2AB8A}"/>
+          </ac:spMkLst>
+        </pc:spChg>
+        <pc:spChg chg="add del mod">
+          <ac:chgData name="Denny Ciccia" userId="2bca4f6d752a304f" providerId="LiveId" clId="{D1F1E789-7C46-4A09-B815-C3FCEF398709}" dt="2024-06-11T14:04:27.420" v="1791" actId="478"/>
+          <ac:spMkLst>
+            <pc:docMk/>
+            <pc:sldMk cId="1808217430" sldId="429"/>
+            <ac:spMk id="15" creationId="{1AE7EC2F-7675-F816-FCC1-7EC930148F90}"/>
+          </ac:spMkLst>
+        </pc:spChg>
+        <pc:spChg chg="mod">
+          <ac:chgData name="Denny Ciccia" userId="2bca4f6d752a304f" providerId="LiveId" clId="{D1F1E789-7C46-4A09-B815-C3FCEF398709}" dt="2024-06-11T14:13:03.263" v="1817" actId="1076"/>
+          <ac:spMkLst>
+            <pc:docMk/>
+            <pc:sldMk cId="1808217430" sldId="429"/>
+            <ac:spMk id="16" creationId="{8E68A4E1-592E-681D-D867-45276170308D}"/>
+          </ac:spMkLst>
+        </pc:spChg>
+        <pc:graphicFrameChg chg="add del mod">
+          <ac:chgData name="Denny Ciccia" userId="2bca4f6d752a304f" providerId="LiveId" clId="{D1F1E789-7C46-4A09-B815-C3FCEF398709}" dt="2024-06-11T13:50:48.845" v="1032" actId="478"/>
+          <ac:graphicFrameMkLst>
+            <pc:docMk/>
+            <pc:sldMk cId="1808217430" sldId="429"/>
+            <ac:graphicFrameMk id="7" creationId="{489EA03E-2E9B-C712-A0AA-B53F29B80313}"/>
+          </ac:graphicFrameMkLst>
+        </pc:graphicFrameChg>
+        <pc:graphicFrameChg chg="add mod">
+          <ac:chgData name="Denny Ciccia" userId="2bca4f6d752a304f" providerId="LiveId" clId="{D1F1E789-7C46-4A09-B815-C3FCEF398709}" dt="2024-06-11T14:04:20.723" v="1789" actId="207"/>
+          <ac:graphicFrameMkLst>
+            <pc:docMk/>
+            <pc:sldMk cId="1808217430" sldId="429"/>
+            <ac:graphicFrameMk id="12" creationId="{05299E9D-BB99-A6C0-B076-003038A80D62}"/>
+          </ac:graphicFrameMkLst>
+        </pc:graphicFrameChg>
+        <pc:graphicFrameChg chg="add mod">
+          <ac:chgData name="Denny Ciccia" userId="2bca4f6d752a304f" providerId="LiveId" clId="{D1F1E789-7C46-4A09-B815-C3FCEF398709}" dt="2024-06-11T14:04:10.106" v="1782" actId="207"/>
+          <ac:graphicFrameMkLst>
+            <pc:docMk/>
+            <pc:sldMk cId="1808217430" sldId="429"/>
+            <ac:graphicFrameMk id="13" creationId="{5BBBF48F-160C-AA6E-1588-1919B4A7C5B0}"/>
+          </ac:graphicFrameMkLst>
+        </pc:graphicFrameChg>
+      </pc:sldChg>
+    </pc:docChg>
+  </pc:docChgLst>
+</pc:chgInfo>
+</file>
+
+<file path=ppt/charts/chart1.xml><?xml version="1.0" encoding="utf-8"?>
+<c:chartSpace xmlns:c="http://schemas.openxmlformats.org/drawingml/2006/chart" xmlns:a="http://schemas.openxmlformats.org/drawingml/2006/main" xmlns:r="http://schemas.openxmlformats.org/officeDocument/2006/relationships" xmlns:c16r2="http://schemas.microsoft.com/office/drawing/2015/06/chart">
+  <c:date1904 val="0"/>
+  <c:lang val="it-IT"/>
+  <c:roundedCorners val="0"/>
+  <mc:AlternateContent xmlns:mc="http://schemas.openxmlformats.org/markup-compatibility/2006">
+    <mc:Choice xmlns:c14="http://schemas.microsoft.com/office/drawing/2007/8/2/chart" Requires="c14">
+      <c14:style val="102"/>
+    </mc:Choice>
+    <mc:Fallback>
+      <c:style val="2"/>
+    </mc:Fallback>
+  </mc:AlternateContent>
+  <c:chart>
+    <c:autoTitleDeleted val="1"/>
+    <c:plotArea>
+      <c:layout/>
+      <c:barChart>
+        <c:barDir val="col"/>
+        <c:grouping val="clustered"/>
+        <c:varyColors val="0"/>
+        <c:ser>
+          <c:idx val="0"/>
+          <c:order val="0"/>
+          <c:tx>
+            <c:strRef>
+              <c:f>Foglio1!$B$1</c:f>
+              <c:strCache>
+                <c:ptCount val="1"/>
+                <c:pt idx="0">
+                  <c:v>base</c:v>
+                </c:pt>
+              </c:strCache>
+            </c:strRef>
+          </c:tx>
+          <c:spPr>
+            <a:solidFill>
+              <a:schemeClr val="accent4"/>
+            </a:solidFill>
+            <a:ln>
+              <a:noFill/>
+            </a:ln>
+            <a:effectLst/>
+          </c:spPr>
+          <c:invertIfNegative val="0"/>
+          <c:cat>
+            <c:strRef>
+              <c:f>Foglio1!$A$2</c:f>
+              <c:strCache>
+                <c:ptCount val="1"/>
+                <c:pt idx="0">
+                  <c:v>MAP</c:v>
+                </c:pt>
+              </c:strCache>
+            </c:strRef>
+          </c:cat>
+          <c:val>
+            <c:numRef>
+              <c:f>Foglio1!$B$2</c:f>
+              <c:numCache>
+                <c:formatCode>0.000</c:formatCode>
+                <c:ptCount val="1"/>
+                <c:pt idx="0">
+                  <c:v>0.6492701089695132</c:v>
+                </c:pt>
+              </c:numCache>
+            </c:numRef>
+          </c:val>
+          <c:extLst>
+            <c:ext xmlns:c16="http://schemas.microsoft.com/office/drawing/2014/chart" uri="{C3380CC4-5D6E-409C-BE32-E72D297353CC}">
+              <c16:uniqueId val="{00000000-5672-46CE-A1F1-60F56A49C0EE}"/>
+            </c:ext>
+          </c:extLst>
+        </c:ser>
+        <c:ser>
+          <c:idx val="1"/>
+          <c:order val="1"/>
+          <c:tx>
+            <c:strRef>
+              <c:f>Foglio1!$C$1</c:f>
+              <c:strCache>
+                <c:ptCount val="1"/>
+                <c:pt idx="0">
+                  <c:v>sentiment</c:v>
+                </c:pt>
+              </c:strCache>
+            </c:strRef>
+          </c:tx>
+          <c:spPr>
+            <a:solidFill>
+              <a:schemeClr val="accent6"/>
+            </a:solidFill>
+            <a:ln>
+              <a:noFill/>
+            </a:ln>
+            <a:effectLst/>
+          </c:spPr>
+          <c:invertIfNegative val="0"/>
+          <c:cat>
+            <c:strRef>
+              <c:f>Foglio1!$A$2</c:f>
+              <c:strCache>
+                <c:ptCount val="1"/>
+                <c:pt idx="0">
+                  <c:v>MAP</c:v>
+                </c:pt>
+              </c:strCache>
+            </c:strRef>
+          </c:cat>
+          <c:val>
+            <c:numRef>
+              <c:f>Foglio1!$C$2</c:f>
+              <c:numCache>
+                <c:formatCode>0.000</c:formatCode>
+                <c:ptCount val="1"/>
+                <c:pt idx="0">
+                  <c:v>0.70589482552280125</c:v>
+                </c:pt>
+              </c:numCache>
+            </c:numRef>
+          </c:val>
+          <c:extLst>
+            <c:ext xmlns:c16="http://schemas.microsoft.com/office/drawing/2014/chart" uri="{C3380CC4-5D6E-409C-BE32-E72D297353CC}">
+              <c16:uniqueId val="{00000001-5672-46CE-A1F1-60F56A49C0EE}"/>
+            </c:ext>
+          </c:extLst>
+        </c:ser>
+        <c:ser>
+          <c:idx val="2"/>
+          <c:order val="2"/>
+          <c:tx>
+            <c:strRef>
+              <c:f>Foglio1!$D$1</c:f>
+              <c:strCache>
+                <c:ptCount val="1"/>
+                <c:pt idx="0">
+                  <c:v>word2vec</c:v>
+                </c:pt>
+              </c:strCache>
+            </c:strRef>
+          </c:tx>
+          <c:spPr>
+            <a:solidFill>
+              <a:schemeClr val="tx2"/>
+            </a:solidFill>
+            <a:ln>
+              <a:noFill/>
+            </a:ln>
+            <a:effectLst/>
+          </c:spPr>
+          <c:invertIfNegative val="0"/>
+          <c:cat>
+            <c:strRef>
+              <c:f>Foglio1!$A$2</c:f>
+              <c:strCache>
+                <c:ptCount val="1"/>
+                <c:pt idx="0">
+                  <c:v>MAP</c:v>
+                </c:pt>
+              </c:strCache>
+            </c:strRef>
+          </c:cat>
+          <c:val>
+            <c:numRef>
+              <c:f>Foglio1!$D$2</c:f>
+              <c:numCache>
+                <c:formatCode>0.000</c:formatCode>
+                <c:ptCount val="1"/>
+                <c:pt idx="0">
+                  <c:v>0.66212648022171783</c:v>
+                </c:pt>
+              </c:numCache>
+            </c:numRef>
+          </c:val>
+          <c:extLst>
+            <c:ext xmlns:c16="http://schemas.microsoft.com/office/drawing/2014/chart" uri="{C3380CC4-5D6E-409C-BE32-E72D297353CC}">
+              <c16:uniqueId val="{00000002-5672-46CE-A1F1-60F56A49C0EE}"/>
+            </c:ext>
+          </c:extLst>
+        </c:ser>
+        <c:ser>
+          <c:idx val="3"/>
+          <c:order val="3"/>
+          <c:tx>
+            <c:strRef>
+              <c:f>Foglio1!$E$1</c:f>
+              <c:strCache>
+                <c:ptCount val="1"/>
+                <c:pt idx="0">
+                  <c:v>sentiment + word2vec</c:v>
+                </c:pt>
+              </c:strCache>
+            </c:strRef>
+          </c:tx>
+          <c:spPr>
+            <a:solidFill>
+              <a:schemeClr val="accent3"/>
+            </a:solidFill>
+            <a:ln>
+              <a:noFill/>
+            </a:ln>
+            <a:effectLst/>
+          </c:spPr>
+          <c:invertIfNegative val="0"/>
+          <c:cat>
+            <c:strRef>
+              <c:f>Foglio1!$A$2</c:f>
+              <c:strCache>
+                <c:ptCount val="1"/>
+                <c:pt idx="0">
+                  <c:v>MAP</c:v>
+                </c:pt>
+              </c:strCache>
+            </c:strRef>
+          </c:cat>
+          <c:val>
+            <c:numRef>
+              <c:f>Foglio1!$E$2</c:f>
+              <c:numCache>
+                <c:formatCode>0.000</c:formatCode>
+                <c:ptCount val="1"/>
+                <c:pt idx="0">
+                  <c:v>0.81113833774250421</c:v>
+                </c:pt>
+              </c:numCache>
+            </c:numRef>
+          </c:val>
+          <c:extLst>
+            <c:ext xmlns:c16="http://schemas.microsoft.com/office/drawing/2014/chart" uri="{C3380CC4-5D6E-409C-BE32-E72D297353CC}">
+              <c16:uniqueId val="{00000003-5672-46CE-A1F1-60F56A49C0EE}"/>
+            </c:ext>
+          </c:extLst>
+        </c:ser>
+        <c:dLbls>
+          <c:showLegendKey val="0"/>
+          <c:showVal val="0"/>
+          <c:showCatName val="0"/>
+          <c:showSerName val="0"/>
+          <c:showPercent val="0"/>
+          <c:showBubbleSize val="0"/>
+        </c:dLbls>
+        <c:gapWidth val="219"/>
+        <c:overlap val="-27"/>
+        <c:axId val="500695616"/>
+        <c:axId val="500697776"/>
+      </c:barChart>
+      <c:catAx>
+        <c:axId val="500695616"/>
+        <c:scaling>
+          <c:orientation val="minMax"/>
+        </c:scaling>
+        <c:delete val="0"/>
+        <c:axPos val="b"/>
+        <c:numFmt formatCode="General" sourceLinked="1"/>
+        <c:majorTickMark val="none"/>
+        <c:minorTickMark val="none"/>
+        <c:tickLblPos val="nextTo"/>
+        <c:spPr>
+          <a:noFill/>
+          <a:ln w="9525" cap="flat" cmpd="sng" algn="ctr">
+            <a:solidFill>
+              <a:schemeClr val="tx1">
+                <a:lumMod val="15000"/>
+                <a:lumOff val="85000"/>
+              </a:schemeClr>
+            </a:solidFill>
+            <a:round/>
+          </a:ln>
+          <a:effectLst/>
+        </c:spPr>
+        <c:txPr>
+          <a:bodyPr rot="-60000000" spcFirstLastPara="1" vertOverflow="ellipsis" vert="horz" wrap="square" anchor="ctr" anchorCtr="1"/>
+          <a:lstStyle/>
+          <a:p>
+            <a:pPr>
+              <a:defRPr sz="1197" b="0" i="0" u="none" strike="noStrike" kern="1200" baseline="0">
+                <a:solidFill>
+                  <a:schemeClr val="bg1"/>
+                </a:solidFill>
+                <a:latin typeface="+mn-lt"/>
+                <a:ea typeface="+mn-ea"/>
+                <a:cs typeface="+mn-cs"/>
+              </a:defRPr>
+            </a:pPr>
+            <a:endParaRPr lang="it-IT"/>
+          </a:p>
+        </c:txPr>
+        <c:crossAx val="500697776"/>
+        <c:crosses val="autoZero"/>
+        <c:auto val="1"/>
+        <c:lblAlgn val="ctr"/>
+        <c:lblOffset val="100"/>
+        <c:noMultiLvlLbl val="0"/>
+      </c:catAx>
+      <c:valAx>
+        <c:axId val="500697776"/>
+        <c:scaling>
+          <c:orientation val="minMax"/>
+          <c:max val="1"/>
+        </c:scaling>
+        <c:delete val="0"/>
+        <c:axPos val="l"/>
+        <c:majorGridlines>
+          <c:spPr>
+            <a:ln w="9525" cap="flat" cmpd="sng" algn="ctr">
+              <a:solidFill>
+                <a:schemeClr val="tx1">
+                  <a:lumMod val="15000"/>
+                  <a:lumOff val="85000"/>
+                </a:schemeClr>
+              </a:solidFill>
+              <a:round/>
+            </a:ln>
+            <a:effectLst/>
+          </c:spPr>
+        </c:majorGridlines>
+        <c:numFmt formatCode="0.0" sourceLinked="0"/>
+        <c:majorTickMark val="none"/>
+        <c:minorTickMark val="none"/>
+        <c:tickLblPos val="nextTo"/>
+        <c:spPr>
+          <a:noFill/>
+          <a:ln>
+            <a:noFill/>
+          </a:ln>
+          <a:effectLst/>
+        </c:spPr>
+        <c:txPr>
+          <a:bodyPr rot="-60000000" spcFirstLastPara="1" vertOverflow="ellipsis" vert="horz" wrap="square" anchor="ctr" anchorCtr="1"/>
+          <a:lstStyle/>
+          <a:p>
+            <a:pPr>
+              <a:defRPr sz="1197" b="0" i="0" u="none" strike="noStrike" kern="1200" baseline="0">
+                <a:solidFill>
+                  <a:schemeClr val="bg1"/>
+                </a:solidFill>
+                <a:latin typeface="+mn-lt"/>
+                <a:ea typeface="+mn-ea"/>
+                <a:cs typeface="+mn-cs"/>
+              </a:defRPr>
+            </a:pPr>
+            <a:endParaRPr lang="it-IT"/>
+          </a:p>
+        </c:txPr>
+        <c:crossAx val="500695616"/>
+        <c:crosses val="autoZero"/>
+        <c:crossBetween val="between"/>
+      </c:valAx>
+      <c:spPr>
+        <a:noFill/>
+        <a:ln>
+          <a:noFill/>
+        </a:ln>
+        <a:effectLst/>
+      </c:spPr>
+    </c:plotArea>
+    <c:legend>
+      <c:legendPos val="b"/>
+      <c:overlay val="0"/>
+      <c:spPr>
+        <a:noFill/>
+        <a:ln>
+          <a:noFill/>
+        </a:ln>
+        <a:effectLst/>
+      </c:spPr>
+      <c:txPr>
+        <a:bodyPr rot="0" spcFirstLastPara="1" vertOverflow="ellipsis" vert="horz" wrap="square" anchor="ctr" anchorCtr="1"/>
+        <a:lstStyle/>
+        <a:p>
+          <a:pPr>
+            <a:defRPr sz="1197" b="0" i="0" u="none" strike="noStrike" kern="1200" baseline="0">
+              <a:solidFill>
+                <a:schemeClr val="bg1"/>
+              </a:solidFill>
+              <a:latin typeface="+mn-lt"/>
+              <a:ea typeface="+mn-ea"/>
+              <a:cs typeface="+mn-cs"/>
+            </a:defRPr>
+          </a:pPr>
+          <a:endParaRPr lang="it-IT"/>
+        </a:p>
+      </c:txPr>
+    </c:legend>
+    <c:plotVisOnly val="1"/>
+    <c:dispBlanksAs val="gap"/>
+    <c:extLst>
+      <c:ext xmlns:c16r3="http://schemas.microsoft.com/office/drawing/2017/03/chart" uri="{56B9EC1D-385E-4148-901F-78D8002777C0}">
+        <c16r3:dataDisplayOptions16>
+          <c16r3:dispNaAsBlank val="1"/>
+        </c16r3:dataDisplayOptions16>
+      </c:ext>
+    </c:extLst>
+    <c:showDLblsOverMax val="0"/>
+  </c:chart>
+  <c:spPr>
+    <a:gradFill flip="none" rotWithShape="1">
+      <a:gsLst>
+        <a:gs pos="67000">
+          <a:schemeClr val="accent1">
+            <a:lumMod val="60000"/>
+            <a:lumOff val="40000"/>
+          </a:schemeClr>
+        </a:gs>
+        <a:gs pos="100000">
+          <a:schemeClr val="accent1"/>
+        </a:gs>
+      </a:gsLst>
+      <a:lin ang="5400000" scaled="1"/>
+      <a:tileRect/>
+    </a:gradFill>
+    <a:ln>
+      <a:noFill/>
+    </a:ln>
+    <a:effectLst/>
+  </c:spPr>
+  <c:txPr>
+    <a:bodyPr/>
+    <a:lstStyle/>
+    <a:p>
+      <a:pPr>
+        <a:defRPr/>
+      </a:pPr>
+      <a:endParaRPr lang="it-IT"/>
+    </a:p>
+  </c:txPr>
+  <c:externalData r:id="rId3">
+    <c:autoUpdate val="0"/>
+  </c:externalData>
+</c:chartSpace>
+</file>
+
+<file path=ppt/charts/chart2.xml><?xml version="1.0" encoding="utf-8"?>
+<c:chartSpace xmlns:c="http://schemas.openxmlformats.org/drawingml/2006/chart" xmlns:a="http://schemas.openxmlformats.org/drawingml/2006/main" xmlns:r="http://schemas.openxmlformats.org/officeDocument/2006/relationships" xmlns:c16r2="http://schemas.microsoft.com/office/drawing/2015/06/chart">
+  <c:date1904 val="0"/>
+  <c:lang val="it-IT"/>
+  <c:roundedCorners val="0"/>
+  <mc:AlternateContent xmlns:mc="http://schemas.openxmlformats.org/markup-compatibility/2006">
+    <mc:Choice xmlns:c14="http://schemas.microsoft.com/office/drawing/2007/8/2/chart" Requires="c14">
+      <c14:style val="102"/>
+    </mc:Choice>
+    <mc:Fallback>
+      <c:style val="2"/>
+    </mc:Fallback>
+  </mc:AlternateContent>
+  <c:chart>
+    <c:title>
+      <c:tx>
+        <c:rich>
+          <a:bodyPr rot="0" spcFirstLastPara="1" vertOverflow="ellipsis" vert="horz" wrap="square" anchor="ctr" anchorCtr="1"/>
+          <a:lstStyle/>
+          <a:p>
+            <a:pPr>
+              <a:defRPr lang="en-US" sz="1596" b="0" i="0" u="none" strike="noStrike" kern="1200" spc="0" baseline="0">
+                <a:solidFill>
+                  <a:schemeClr val="tx1"/>
+                </a:solidFill>
+                <a:latin typeface="+mn-lt"/>
+                <a:ea typeface="+mn-ea"/>
+                <a:cs typeface="+mn-cs"/>
+              </a:defRPr>
+            </a:pPr>
+            <a:r>
+              <a:rPr lang="it-IT" dirty="0">
+                <a:solidFill>
+                  <a:schemeClr val="bg1"/>
+                </a:solidFill>
+              </a:rPr>
+              <a:t>UIN 5</a:t>
+            </a:r>
+          </a:p>
+        </c:rich>
+      </c:tx>
+      <c:overlay val="0"/>
+      <c:spPr>
+        <a:noFill/>
+        <a:ln>
+          <a:noFill/>
+        </a:ln>
+        <a:effectLst/>
+      </c:spPr>
+      <c:txPr>
+        <a:bodyPr rot="0" spcFirstLastPara="1" vertOverflow="ellipsis" vert="horz" wrap="square" anchor="ctr" anchorCtr="1"/>
+        <a:lstStyle/>
+        <a:p>
+          <a:pPr>
+            <a:defRPr lang="en-US" sz="1596" b="0" i="0" u="none" strike="noStrike" kern="1200" spc="0" baseline="0">
+              <a:solidFill>
+                <a:schemeClr val="tx1"/>
+              </a:solidFill>
+              <a:latin typeface="+mn-lt"/>
+              <a:ea typeface="+mn-ea"/>
+              <a:cs typeface="+mn-cs"/>
+            </a:defRPr>
+          </a:pPr>
+          <a:endParaRPr lang="it-IT"/>
+        </a:p>
+      </c:txPr>
+    </c:title>
+    <c:autoTitleDeleted val="0"/>
+    <c:plotArea>
+      <c:layout/>
+      <c:barChart>
+        <c:barDir val="col"/>
+        <c:grouping val="clustered"/>
+        <c:varyColors val="0"/>
+        <c:ser>
+          <c:idx val="0"/>
+          <c:order val="0"/>
+          <c:tx>
+            <c:strRef>
+              <c:f>Foglio1!$B$1</c:f>
+              <c:strCache>
+                <c:ptCount val="1"/>
+                <c:pt idx="0">
+                  <c:v>Base</c:v>
+                </c:pt>
+              </c:strCache>
+            </c:strRef>
+          </c:tx>
+          <c:spPr>
+            <a:solidFill>
+              <a:schemeClr val="accent4"/>
+            </a:solidFill>
+            <a:ln>
+              <a:noFill/>
+            </a:ln>
+            <a:effectLst/>
+          </c:spPr>
+          <c:invertIfNegative val="0"/>
+          <c:cat>
+            <c:strRef>
+              <c:f>Foglio1!$A$2</c:f>
+              <c:strCache>
+                <c:ptCount val="1"/>
+                <c:pt idx="0">
+                  <c:v>Average precision</c:v>
+                </c:pt>
+              </c:strCache>
+            </c:strRef>
+          </c:cat>
+          <c:val>
+            <c:numRef>
+              <c:f>Foglio1!$B$2</c:f>
+              <c:numCache>
+                <c:formatCode>General</c:formatCode>
+                <c:ptCount val="1"/>
+                <c:pt idx="0">
+                  <c:v>0.89600000000000002</c:v>
+                </c:pt>
+              </c:numCache>
+            </c:numRef>
+          </c:val>
+          <c:extLst>
+            <c:ext xmlns:c16="http://schemas.microsoft.com/office/drawing/2014/chart" uri="{C3380CC4-5D6E-409C-BE32-E72D297353CC}">
+              <c16:uniqueId val="{00000000-704C-4CB9-BEAB-59FB235C4C4F}"/>
+            </c:ext>
+          </c:extLst>
+        </c:ser>
+        <c:ser>
+          <c:idx val="1"/>
+          <c:order val="1"/>
+          <c:tx>
+            <c:strRef>
+              <c:f>Foglio1!$C$1</c:f>
+              <c:strCache>
+                <c:ptCount val="1"/>
+                <c:pt idx="0">
+                  <c:v>Sentiment</c:v>
+                </c:pt>
+              </c:strCache>
+            </c:strRef>
+          </c:tx>
+          <c:spPr>
+            <a:solidFill>
+              <a:schemeClr val="accent6"/>
+            </a:solidFill>
+            <a:ln>
+              <a:noFill/>
+            </a:ln>
+            <a:effectLst/>
+          </c:spPr>
+          <c:invertIfNegative val="0"/>
+          <c:cat>
+            <c:strRef>
+              <c:f>Foglio1!$A$2</c:f>
+              <c:strCache>
+                <c:ptCount val="1"/>
+                <c:pt idx="0">
+                  <c:v>Average precision</c:v>
+                </c:pt>
+              </c:strCache>
+            </c:strRef>
+          </c:cat>
+          <c:val>
+            <c:numRef>
+              <c:f>Foglio1!$C$2</c:f>
+              <c:numCache>
+                <c:formatCode>General</c:formatCode>
+                <c:ptCount val="1"/>
+                <c:pt idx="0">
+                  <c:v>1</c:v>
+                </c:pt>
+              </c:numCache>
+            </c:numRef>
+          </c:val>
+          <c:extLst>
+            <c:ext xmlns:c16="http://schemas.microsoft.com/office/drawing/2014/chart" uri="{C3380CC4-5D6E-409C-BE32-E72D297353CC}">
+              <c16:uniqueId val="{00000001-704C-4CB9-BEAB-59FB235C4C4F}"/>
+            </c:ext>
+          </c:extLst>
+        </c:ser>
+        <c:dLbls>
+          <c:showLegendKey val="0"/>
+          <c:showVal val="0"/>
+          <c:showCatName val="0"/>
+          <c:showSerName val="0"/>
+          <c:showPercent val="0"/>
+          <c:showBubbleSize val="0"/>
+        </c:dLbls>
+        <c:gapWidth val="219"/>
+        <c:overlap val="-27"/>
+        <c:axId val="690138488"/>
+        <c:axId val="690139568"/>
+      </c:barChart>
+      <c:catAx>
+        <c:axId val="690138488"/>
+        <c:scaling>
+          <c:orientation val="minMax"/>
+        </c:scaling>
+        <c:delete val="0"/>
+        <c:axPos val="b"/>
+        <c:numFmt formatCode="General" sourceLinked="1"/>
+        <c:majorTickMark val="none"/>
+        <c:minorTickMark val="none"/>
+        <c:tickLblPos val="nextTo"/>
+        <c:spPr>
+          <a:noFill/>
+          <a:ln w="9525" cap="flat" cmpd="sng" algn="ctr">
+            <a:solidFill>
+              <a:schemeClr val="tx1">
+                <a:lumMod val="15000"/>
+                <a:lumOff val="85000"/>
+              </a:schemeClr>
+            </a:solidFill>
+            <a:round/>
+          </a:ln>
+          <a:effectLst/>
+        </c:spPr>
+        <c:txPr>
+          <a:bodyPr rot="-60000000" spcFirstLastPara="1" vertOverflow="ellipsis" vert="horz" wrap="square" anchor="ctr" anchorCtr="1"/>
+          <a:lstStyle/>
+          <a:p>
+            <a:pPr>
+              <a:defRPr lang="en-US" sz="1330" b="0" i="0" u="none" strike="noStrike" kern="1200" baseline="0">
+                <a:solidFill>
+                  <a:schemeClr val="bg1"/>
+                </a:solidFill>
+                <a:latin typeface="+mn-lt"/>
+                <a:ea typeface="+mn-ea"/>
+                <a:cs typeface="+mn-cs"/>
+              </a:defRPr>
+            </a:pPr>
+            <a:endParaRPr lang="it-IT"/>
+          </a:p>
+        </c:txPr>
+        <c:crossAx val="690139568"/>
+        <c:crosses val="autoZero"/>
+        <c:auto val="1"/>
+        <c:lblAlgn val="ctr"/>
+        <c:lblOffset val="100"/>
+        <c:noMultiLvlLbl val="0"/>
+      </c:catAx>
+      <c:valAx>
+        <c:axId val="690139568"/>
+        <c:scaling>
+          <c:orientation val="minMax"/>
+          <c:max val="1"/>
+          <c:min val="0"/>
+        </c:scaling>
+        <c:delete val="0"/>
+        <c:axPos val="l"/>
+        <c:majorGridlines>
+          <c:spPr>
+            <a:ln w="9525" cap="flat" cmpd="sng" algn="ctr">
+              <a:solidFill>
+                <a:schemeClr val="tx1">
+                  <a:lumMod val="15000"/>
+                  <a:lumOff val="85000"/>
+                </a:schemeClr>
+              </a:solidFill>
+              <a:round/>
+            </a:ln>
+            <a:effectLst/>
+          </c:spPr>
+        </c:majorGridlines>
+        <c:numFmt formatCode="General" sourceLinked="1"/>
+        <c:majorTickMark val="none"/>
+        <c:minorTickMark val="none"/>
+        <c:tickLblPos val="nextTo"/>
+        <c:spPr>
+          <a:noFill/>
+          <a:ln>
+            <a:noFill/>
+          </a:ln>
+          <a:effectLst/>
+        </c:spPr>
+        <c:txPr>
+          <a:bodyPr rot="-60000000" spcFirstLastPara="1" vertOverflow="ellipsis" vert="horz" wrap="square" anchor="ctr" anchorCtr="1"/>
+          <a:lstStyle/>
+          <a:p>
+            <a:pPr>
+              <a:defRPr lang="en-US" sz="1330" b="0" i="0" u="none" strike="noStrike" kern="1200" baseline="0">
+                <a:solidFill>
+                  <a:schemeClr val="bg1"/>
+                </a:solidFill>
+                <a:latin typeface="+mn-lt"/>
+                <a:ea typeface="+mn-ea"/>
+                <a:cs typeface="+mn-cs"/>
+              </a:defRPr>
+            </a:pPr>
+            <a:endParaRPr lang="it-IT"/>
+          </a:p>
+        </c:txPr>
+        <c:crossAx val="690138488"/>
+        <c:crosses val="autoZero"/>
+        <c:crossBetween val="between"/>
+      </c:valAx>
+      <c:spPr>
+        <a:noFill/>
+        <a:ln>
+          <a:noFill/>
+        </a:ln>
+        <a:effectLst/>
+      </c:spPr>
+    </c:plotArea>
+    <c:legend>
+      <c:legendPos val="b"/>
+      <c:overlay val="0"/>
+      <c:spPr>
+        <a:noFill/>
+        <a:ln>
+          <a:noFill/>
+        </a:ln>
+        <a:effectLst/>
+      </c:spPr>
+      <c:txPr>
+        <a:bodyPr rot="0" spcFirstLastPara="1" vertOverflow="ellipsis" vert="horz" wrap="square" anchor="ctr" anchorCtr="1"/>
+        <a:lstStyle/>
+        <a:p>
+          <a:pPr>
+            <a:defRPr lang="en-US" sz="1330" b="0" i="0" u="none" strike="noStrike" kern="1200" baseline="0">
+              <a:solidFill>
+                <a:schemeClr val="bg1"/>
+              </a:solidFill>
+              <a:latin typeface="+mn-lt"/>
+              <a:ea typeface="+mn-ea"/>
+              <a:cs typeface="+mn-cs"/>
+            </a:defRPr>
+          </a:pPr>
+          <a:endParaRPr lang="it-IT"/>
+        </a:p>
+      </c:txPr>
+    </c:legend>
+    <c:plotVisOnly val="1"/>
+    <c:dispBlanksAs val="gap"/>
+    <c:extLst>
+      <c:ext xmlns:c16r3="http://schemas.microsoft.com/office/drawing/2017/03/chart" uri="{56B9EC1D-385E-4148-901F-78D8002777C0}">
+        <c16r3:dataDisplayOptions16>
+          <c16r3:dispNaAsBlank val="1"/>
+        </c16r3:dataDisplayOptions16>
+      </c:ext>
+    </c:extLst>
+    <c:showDLblsOverMax val="0"/>
+  </c:chart>
+  <c:spPr>
+    <a:gradFill>
+      <a:gsLst>
+        <a:gs pos="67000">
+          <a:schemeClr val="accent1">
+            <a:lumMod val="60000"/>
+            <a:lumOff val="40000"/>
+          </a:schemeClr>
+        </a:gs>
+        <a:gs pos="100000">
+          <a:schemeClr val="accent1"/>
+        </a:gs>
+      </a:gsLst>
+      <a:lin ang="5400000" scaled="1"/>
+    </a:gradFill>
+    <a:ln>
+      <a:noFill/>
+    </a:ln>
+    <a:effectLst/>
+  </c:spPr>
+  <c:txPr>
+    <a:bodyPr/>
+    <a:lstStyle/>
+    <a:p>
+      <a:pPr>
+        <a:defRPr lang="en-US" sz="1330" b="0" i="0" u="none" strike="noStrike" kern="1200" baseline="0">
+          <a:solidFill>
+            <a:schemeClr val="tx1"/>
+          </a:solidFill>
+          <a:latin typeface="+mn-lt"/>
+          <a:ea typeface="+mn-ea"/>
+          <a:cs typeface="+mn-cs"/>
+        </a:defRPr>
+      </a:pPr>
+      <a:endParaRPr lang="it-IT"/>
+    </a:p>
+  </c:txPr>
+  <c:externalData r:id="rId3">
+    <c:autoUpdate val="0"/>
+  </c:externalData>
+</c:chartSpace>
+</file>
+
+<file path=ppt/charts/chart3.xml><?xml version="1.0" encoding="utf-8"?>
+<c:chartSpace xmlns:c="http://schemas.openxmlformats.org/drawingml/2006/chart" xmlns:a="http://schemas.openxmlformats.org/drawingml/2006/main" xmlns:r="http://schemas.openxmlformats.org/officeDocument/2006/relationships" xmlns:c16r2="http://schemas.microsoft.com/office/drawing/2015/06/chart">
+  <c:date1904 val="0"/>
+  <c:lang val="it-IT"/>
+  <c:roundedCorners val="0"/>
+  <mc:AlternateContent xmlns:mc="http://schemas.openxmlformats.org/markup-compatibility/2006">
+    <mc:Choice xmlns:c14="http://schemas.microsoft.com/office/drawing/2007/8/2/chart" Requires="c14">
+      <c14:style val="102"/>
+    </mc:Choice>
+    <mc:Fallback>
+      <c:style val="2"/>
+    </mc:Fallback>
+  </mc:AlternateContent>
+  <c:chart>
+    <c:title>
+      <c:tx>
+        <c:rich>
+          <a:bodyPr rot="0" spcFirstLastPara="1" vertOverflow="ellipsis" vert="horz" wrap="square" anchor="ctr" anchorCtr="1"/>
+          <a:lstStyle/>
+          <a:p>
+            <a:pPr>
+              <a:defRPr lang="en-US" sz="1596" b="0" i="0" u="none" strike="noStrike" kern="1200" spc="0" baseline="0">
+                <a:solidFill>
+                  <a:schemeClr val="tx1"/>
+                </a:solidFill>
+                <a:latin typeface="+mn-lt"/>
+                <a:ea typeface="+mn-ea"/>
+                <a:cs typeface="+mn-cs"/>
+              </a:defRPr>
+            </a:pPr>
+            <a:r>
+              <a:rPr lang="it-IT" dirty="0">
+                <a:solidFill>
+                  <a:schemeClr val="bg1"/>
+                </a:solidFill>
+              </a:rPr>
+              <a:t>UIN 2</a:t>
+            </a:r>
+          </a:p>
+        </c:rich>
+      </c:tx>
+      <c:overlay val="0"/>
+      <c:spPr>
+        <a:noFill/>
+        <a:ln>
+          <a:noFill/>
+        </a:ln>
+        <a:effectLst/>
+      </c:spPr>
+      <c:txPr>
+        <a:bodyPr rot="0" spcFirstLastPara="1" vertOverflow="ellipsis" vert="horz" wrap="square" anchor="ctr" anchorCtr="1"/>
+        <a:lstStyle/>
+        <a:p>
+          <a:pPr>
+            <a:defRPr lang="en-US" sz="1596" b="0" i="0" u="none" strike="noStrike" kern="1200" spc="0" baseline="0">
+              <a:solidFill>
+                <a:schemeClr val="tx1"/>
+              </a:solidFill>
+              <a:latin typeface="+mn-lt"/>
+              <a:ea typeface="+mn-ea"/>
+              <a:cs typeface="+mn-cs"/>
+            </a:defRPr>
+          </a:pPr>
+          <a:endParaRPr lang="it-IT"/>
+        </a:p>
+      </c:txPr>
+    </c:title>
+    <c:autoTitleDeleted val="0"/>
+    <c:plotArea>
+      <c:layout/>
+      <c:barChart>
+        <c:barDir val="col"/>
+        <c:grouping val="clustered"/>
+        <c:varyColors val="0"/>
+        <c:ser>
+          <c:idx val="0"/>
+          <c:order val="0"/>
+          <c:tx>
+            <c:strRef>
+              <c:f>Foglio1!$B$1</c:f>
+              <c:strCache>
+                <c:ptCount val="1"/>
+                <c:pt idx="0">
+                  <c:v>Base</c:v>
+                </c:pt>
+              </c:strCache>
+            </c:strRef>
+          </c:tx>
+          <c:spPr>
+            <a:solidFill>
+              <a:schemeClr val="accent4"/>
+            </a:solidFill>
+            <a:ln>
+              <a:noFill/>
+            </a:ln>
+            <a:effectLst/>
+          </c:spPr>
+          <c:invertIfNegative val="0"/>
+          <c:cat>
+            <c:strRef>
+              <c:f>Foglio1!$A$2</c:f>
+              <c:strCache>
+                <c:ptCount val="1"/>
+                <c:pt idx="0">
+                  <c:v>Average precision</c:v>
+                </c:pt>
+              </c:strCache>
+            </c:strRef>
+          </c:cat>
+          <c:val>
+            <c:numRef>
+              <c:f>Foglio1!$B$2</c:f>
+              <c:numCache>
+                <c:formatCode>General</c:formatCode>
+                <c:ptCount val="1"/>
+                <c:pt idx="0">
+                  <c:v>0.84099999999999997</c:v>
+                </c:pt>
+              </c:numCache>
+            </c:numRef>
+          </c:val>
+          <c:extLst>
+            <c:ext xmlns:c16="http://schemas.microsoft.com/office/drawing/2014/chart" uri="{C3380CC4-5D6E-409C-BE32-E72D297353CC}">
+              <c16:uniqueId val="{00000000-8A71-409C-B60C-7FB9CD3E744E}"/>
+            </c:ext>
+          </c:extLst>
+        </c:ser>
+        <c:ser>
+          <c:idx val="1"/>
+          <c:order val="1"/>
+          <c:tx>
+            <c:strRef>
+              <c:f>Foglio1!$C$1</c:f>
+              <c:strCache>
+                <c:ptCount val="1"/>
+                <c:pt idx="0">
+                  <c:v>Sentiment</c:v>
+                </c:pt>
+              </c:strCache>
+            </c:strRef>
+          </c:tx>
+          <c:spPr>
+            <a:solidFill>
+              <a:schemeClr val="accent6"/>
+            </a:solidFill>
+            <a:ln>
+              <a:noFill/>
+            </a:ln>
+            <a:effectLst/>
+          </c:spPr>
+          <c:invertIfNegative val="0"/>
+          <c:cat>
+            <c:strRef>
+              <c:f>Foglio1!$A$2</c:f>
+              <c:strCache>
+                <c:ptCount val="1"/>
+                <c:pt idx="0">
+                  <c:v>Average precision</c:v>
+                </c:pt>
+              </c:strCache>
+            </c:strRef>
+          </c:cat>
+          <c:val>
+            <c:numRef>
+              <c:f>Foglio1!$C$2</c:f>
+              <c:numCache>
+                <c:formatCode>General</c:formatCode>
+                <c:ptCount val="1"/>
+                <c:pt idx="0">
+                  <c:v>0.95199999999999996</c:v>
+                </c:pt>
+              </c:numCache>
+            </c:numRef>
+          </c:val>
+          <c:extLst>
+            <c:ext xmlns:c16="http://schemas.microsoft.com/office/drawing/2014/chart" uri="{C3380CC4-5D6E-409C-BE32-E72D297353CC}">
+              <c16:uniqueId val="{00000001-8A71-409C-B60C-7FB9CD3E744E}"/>
+            </c:ext>
+          </c:extLst>
+        </c:ser>
+        <c:dLbls>
+          <c:showLegendKey val="0"/>
+          <c:showVal val="0"/>
+          <c:showCatName val="0"/>
+          <c:showSerName val="0"/>
+          <c:showPercent val="0"/>
+          <c:showBubbleSize val="0"/>
+        </c:dLbls>
+        <c:gapWidth val="219"/>
+        <c:overlap val="-27"/>
+        <c:axId val="690138488"/>
+        <c:axId val="690139568"/>
+      </c:barChart>
+      <c:catAx>
+        <c:axId val="690138488"/>
+        <c:scaling>
+          <c:orientation val="minMax"/>
+        </c:scaling>
+        <c:delete val="0"/>
+        <c:axPos val="b"/>
+        <c:numFmt formatCode="General" sourceLinked="1"/>
+        <c:majorTickMark val="none"/>
+        <c:minorTickMark val="none"/>
+        <c:tickLblPos val="nextTo"/>
+        <c:spPr>
+          <a:noFill/>
+          <a:ln w="9525" cap="flat" cmpd="sng" algn="ctr">
+            <a:solidFill>
+              <a:schemeClr val="tx1">
+                <a:lumMod val="15000"/>
+                <a:lumOff val="85000"/>
+              </a:schemeClr>
+            </a:solidFill>
+            <a:round/>
+          </a:ln>
+          <a:effectLst/>
+        </c:spPr>
+        <c:txPr>
+          <a:bodyPr rot="-60000000" spcFirstLastPara="1" vertOverflow="ellipsis" vert="horz" wrap="square" anchor="ctr" anchorCtr="1"/>
+          <a:lstStyle/>
+          <a:p>
+            <a:pPr>
+              <a:defRPr lang="en-US" sz="1330" b="0" i="0" u="none" strike="noStrike" kern="1200" baseline="0">
+                <a:solidFill>
+                  <a:schemeClr val="bg1"/>
+                </a:solidFill>
+                <a:latin typeface="+mn-lt"/>
+                <a:ea typeface="+mn-ea"/>
+                <a:cs typeface="+mn-cs"/>
+              </a:defRPr>
+            </a:pPr>
+            <a:endParaRPr lang="it-IT"/>
+          </a:p>
+        </c:txPr>
+        <c:crossAx val="690139568"/>
+        <c:crosses val="autoZero"/>
+        <c:auto val="1"/>
+        <c:lblAlgn val="ctr"/>
+        <c:lblOffset val="100"/>
+        <c:noMultiLvlLbl val="0"/>
+      </c:catAx>
+      <c:valAx>
+        <c:axId val="690139568"/>
+        <c:scaling>
+          <c:orientation val="minMax"/>
+          <c:max val="1"/>
+          <c:min val="0"/>
+        </c:scaling>
+        <c:delete val="0"/>
+        <c:axPos val="l"/>
+        <c:majorGridlines>
+          <c:spPr>
+            <a:ln w="9525" cap="flat" cmpd="sng" algn="ctr">
+              <a:solidFill>
+                <a:schemeClr val="tx1">
+                  <a:lumMod val="15000"/>
+                  <a:lumOff val="85000"/>
+                </a:schemeClr>
+              </a:solidFill>
+              <a:round/>
+            </a:ln>
+            <a:effectLst/>
+          </c:spPr>
+        </c:majorGridlines>
+        <c:numFmt formatCode="General" sourceLinked="1"/>
+        <c:majorTickMark val="none"/>
+        <c:minorTickMark val="none"/>
+        <c:tickLblPos val="nextTo"/>
+        <c:spPr>
+          <a:noFill/>
+          <a:ln>
+            <a:noFill/>
+          </a:ln>
+          <a:effectLst/>
+        </c:spPr>
+        <c:txPr>
+          <a:bodyPr rot="-60000000" spcFirstLastPara="1" vertOverflow="ellipsis" vert="horz" wrap="square" anchor="ctr" anchorCtr="1"/>
+          <a:lstStyle/>
+          <a:p>
+            <a:pPr>
+              <a:defRPr lang="en-US" sz="1330" b="0" i="0" u="none" strike="noStrike" kern="1200" baseline="0">
+                <a:solidFill>
+                  <a:schemeClr val="bg1"/>
+                </a:solidFill>
+                <a:latin typeface="+mn-lt"/>
+                <a:ea typeface="+mn-ea"/>
+                <a:cs typeface="+mn-cs"/>
+              </a:defRPr>
+            </a:pPr>
+            <a:endParaRPr lang="it-IT"/>
+          </a:p>
+        </c:txPr>
+        <c:crossAx val="690138488"/>
+        <c:crosses val="autoZero"/>
+        <c:crossBetween val="between"/>
+      </c:valAx>
+      <c:spPr>
+        <a:noFill/>
+        <a:ln>
+          <a:noFill/>
+        </a:ln>
+        <a:effectLst/>
+      </c:spPr>
+    </c:plotArea>
+    <c:legend>
+      <c:legendPos val="b"/>
+      <c:overlay val="0"/>
+      <c:spPr>
+        <a:noFill/>
+        <a:ln>
+          <a:noFill/>
+        </a:ln>
+        <a:effectLst/>
+      </c:spPr>
+      <c:txPr>
+        <a:bodyPr rot="0" spcFirstLastPara="1" vertOverflow="ellipsis" vert="horz" wrap="square" anchor="ctr" anchorCtr="1"/>
+        <a:lstStyle/>
+        <a:p>
+          <a:pPr>
+            <a:defRPr lang="en-US" sz="1330" b="0" i="0" u="none" strike="noStrike" kern="1200" baseline="0">
+              <a:solidFill>
+                <a:schemeClr val="bg1"/>
+              </a:solidFill>
+              <a:latin typeface="+mn-lt"/>
+              <a:ea typeface="+mn-ea"/>
+              <a:cs typeface="+mn-cs"/>
+            </a:defRPr>
+          </a:pPr>
+          <a:endParaRPr lang="it-IT"/>
+        </a:p>
+      </c:txPr>
+    </c:legend>
+    <c:plotVisOnly val="1"/>
+    <c:dispBlanksAs val="gap"/>
+    <c:extLst>
+      <c:ext xmlns:c16r3="http://schemas.microsoft.com/office/drawing/2017/03/chart" uri="{56B9EC1D-385E-4148-901F-78D8002777C0}">
+        <c16r3:dataDisplayOptions16>
+          <c16r3:dispNaAsBlank val="1"/>
+        </c16r3:dataDisplayOptions16>
+      </c:ext>
+    </c:extLst>
+    <c:showDLblsOverMax val="0"/>
+  </c:chart>
+  <c:spPr>
+    <a:gradFill>
+      <a:gsLst>
+        <a:gs pos="67000">
+          <a:schemeClr val="accent1">
+            <a:lumMod val="60000"/>
+            <a:lumOff val="40000"/>
+          </a:schemeClr>
+        </a:gs>
+        <a:gs pos="100000">
+          <a:schemeClr val="accent1"/>
+        </a:gs>
+      </a:gsLst>
+      <a:lin ang="5400000" scaled="1"/>
+    </a:gradFill>
+    <a:ln>
+      <a:noFill/>
+    </a:ln>
+    <a:effectLst/>
+  </c:spPr>
+  <c:txPr>
+    <a:bodyPr/>
+    <a:lstStyle/>
+    <a:p>
+      <a:pPr>
+        <a:defRPr lang="en-US" sz="1330" b="0" i="0" u="none" strike="noStrike" kern="1200" baseline="0">
+          <a:solidFill>
+            <a:schemeClr val="tx1"/>
+          </a:solidFill>
+          <a:latin typeface="+mn-lt"/>
+          <a:ea typeface="+mn-ea"/>
+          <a:cs typeface="+mn-cs"/>
+        </a:defRPr>
+      </a:pPr>
+      <a:endParaRPr lang="it-IT"/>
+    </a:p>
+  </c:txPr>
+  <c:externalData r:id="rId3">
+    <c:autoUpdate val="0"/>
+  </c:externalData>
+</c:chartSpace>
+</file>
+
+<file path=ppt/charts/colors1.xml><?xml version="1.0" encoding="utf-8"?>
+<cs:colorStyle xmlns:cs="http://schemas.microsoft.com/office/drawing/2012/chartStyle" xmlns:a="http://schemas.openxmlformats.org/drawingml/2006/main" meth="cycle" id="10">
+  <a:schemeClr val="accent1"/>
+  <a:schemeClr val="accent2"/>
+  <a:schemeClr val="accent3"/>
+  <a:schemeClr val="accent4"/>
+  <a:schemeClr val="accent5"/>
+  <a:schemeClr val="accent6"/>
+  <cs:variation/>
+  <cs:variation>
+    <a:lumMod val="60000"/>
+  </cs:variation>
+  <cs:variation>
+    <a:lumMod val="80000"/>
+    <a:lumOff val="20000"/>
+  </cs:variation>
+  <cs:variation>
+    <a:lumMod val="80000"/>
+  </cs:variation>
+  <cs:variation>
+    <a:lumMod val="60000"/>
+    <a:lumOff val="40000"/>
+  </cs:variation>
+  <cs:variation>
+    <a:lumMod val="50000"/>
+  </cs:variation>
+  <cs:variation>
+    <a:lumMod val="70000"/>
+    <a:lumOff val="30000"/>
+  </cs:variation>
+  <cs:variation>
+    <a:lumMod val="70000"/>
+  </cs:variation>
+  <cs:variation>
+    <a:lumMod val="50000"/>
+    <a:lumOff val="50000"/>
+  </cs:variation>
+</cs:colorStyle>
+</file>
+
+<file path=ppt/charts/colors2.xml><?xml version="1.0" encoding="utf-8"?>
+<cs:colorStyle xmlns:cs="http://schemas.microsoft.com/office/drawing/2012/chartStyle" xmlns:a="http://schemas.openxmlformats.org/drawingml/2006/main" meth="cycle" id="10">
+  <a:schemeClr val="accent1"/>
+  <a:schemeClr val="accent2"/>
+  <a:schemeClr val="accent3"/>
+  <a:schemeClr val="accent4"/>
+  <a:schemeClr val="accent5"/>
+  <a:schemeClr val="accent6"/>
+  <cs:variation/>
+  <cs:variation>
+    <a:lumMod val="60000"/>
+  </cs:variation>
+  <cs:variation>
+    <a:lumMod val="80000"/>
+    <a:lumOff val="20000"/>
+  </cs:variation>
+  <cs:variation>
+    <a:lumMod val="80000"/>
+  </cs:variation>
+  <cs:variation>
+    <a:lumMod val="60000"/>
+    <a:lumOff val="40000"/>
+  </cs:variation>
+  <cs:variation>
+    <a:lumMod val="50000"/>
+  </cs:variation>
+  <cs:variation>
+    <a:lumMod val="70000"/>
+    <a:lumOff val="30000"/>
+  </cs:variation>
+  <cs:variation>
+    <a:lumMod val="70000"/>
+  </cs:variation>
+  <cs:variation>
+    <a:lumMod val="50000"/>
+    <a:lumOff val="50000"/>
+  </cs:variation>
+</cs:colorStyle>
+</file>
+
+<file path=ppt/charts/colors3.xml><?xml version="1.0" encoding="utf-8"?>
+<cs:colorStyle xmlns:cs="http://schemas.microsoft.com/office/drawing/2012/chartStyle" xmlns:a="http://schemas.openxmlformats.org/drawingml/2006/main" meth="cycle" id="10">
+  <a:schemeClr val="accent1"/>
+  <a:schemeClr val="accent2"/>
+  <a:schemeClr val="accent3"/>
+  <a:schemeClr val="accent4"/>
+  <a:schemeClr val="accent5"/>
+  <a:schemeClr val="accent6"/>
+  <cs:variation/>
+  <cs:variation>
+    <a:lumMod val="60000"/>
+  </cs:variation>
+  <cs:variation>
+    <a:lumMod val="80000"/>
+    <a:lumOff val="20000"/>
+  </cs:variation>
+  <cs:variation>
+    <a:lumMod val="80000"/>
+  </cs:variation>
+  <cs:variation>
+    <a:lumMod val="60000"/>
+    <a:lumOff val="40000"/>
+  </cs:variation>
+  <cs:variation>
+    <a:lumMod val="50000"/>
+  </cs:variation>
+  <cs:variation>
+    <a:lumMod val="70000"/>
+    <a:lumOff val="30000"/>
+  </cs:variation>
+  <cs:variation>
+    <a:lumMod val="70000"/>
+  </cs:variation>
+  <cs:variation>
+    <a:lumMod val="50000"/>
+    <a:lumOff val="50000"/>
+  </cs:variation>
+</cs:colorStyle>
+</file>
+
+<file path=ppt/charts/style1.xml><?xml version="1.0" encoding="utf-8"?>
+<cs:chartStyle xmlns:cs="http://schemas.microsoft.com/office/drawing/2012/chartStyle" xmlns:a="http://schemas.openxmlformats.org/drawingml/2006/main" id="201">
+  <cs:axisTitle>
+    <cs:lnRef idx="0"/>
+    <cs:fillRef idx="0"/>
+    <cs:effectRef idx="0"/>
+    <cs:fontRef idx="minor">
+      <a:schemeClr val="tx1">
+        <a:lumMod val="65000"/>
+        <a:lumOff val="35000"/>
+      </a:schemeClr>
+    </cs:fontRef>
+    <cs:defRPr sz="1330" kern="1200"/>
+  </cs:axisTitle>
+  <cs:categoryAxis>
+    <cs:lnRef idx="0"/>
+    <cs:fillRef idx="0"/>
+    <cs:effectRef idx="0"/>
+    <cs:fontRef idx="minor">
+      <a:schemeClr val="tx1">
+        <a:lumMod val="65000"/>
+        <a:lumOff val="35000"/>
+      </a:schemeClr>
+    </cs:fontRef>
+    <cs:spPr>
+      <a:ln w="9525" cap="flat" cmpd="sng" algn="ctr">
+        <a:solidFill>
+          <a:schemeClr val="tx1">
+            <a:lumMod val="15000"/>
+            <a:lumOff val="85000"/>
+          </a:schemeClr>
+        </a:solidFill>
+        <a:round/>
+      </a:ln>
+    </cs:spPr>
+    <cs:defRPr sz="1197" kern="1200"/>
+  </cs:categoryAxis>
+  <cs:chartArea mods="allowNoFillOverride allowNoLineOverride">
+    <cs:lnRef idx="0"/>
+    <cs:fillRef idx="0"/>
+    <cs:effectRef idx="0"/>
+    <cs:fontRef idx="minor">
+      <a:schemeClr val="tx1"/>
+    </cs:fontRef>
+    <cs:spPr>
+      <a:solidFill>
+        <a:schemeClr val="bg1"/>
+      </a:solidFill>
+      <a:ln w="9525" cap="flat" cmpd="sng" algn="ctr">
+        <a:solidFill>
+          <a:schemeClr val="tx1">
+            <a:lumMod val="15000"/>
+            <a:lumOff val="85000"/>
+          </a:schemeClr>
+        </a:solidFill>
+        <a:round/>
+      </a:ln>
+    </cs:spPr>
+    <cs:defRPr sz="1330" kern="1200"/>
+  </cs:chartArea>
+  <cs:dataLabel>
+    <cs:lnRef idx="0"/>
+    <cs:fillRef idx="0"/>
+    <cs:effectRef idx="0"/>
+    <cs:fontRef idx="minor">
+      <a:schemeClr val="tx1">
+        <a:lumMod val="75000"/>
+        <a:lumOff val="25000"/>
+      </a:schemeClr>
+    </cs:fontRef>
+    <cs:defRPr sz="1197" kern="1200"/>
+  </cs:dataLabel>
+  <cs:dataLabelCallout>
+    <cs:lnRef idx="0"/>
+    <cs:fillRef idx="0"/>
+    <cs:effectRef idx="0"/>
+    <cs:fontRef idx="minor">
+      <a:schemeClr val="dk1">
+        <a:lumMod val="65000"/>
+        <a:lumOff val="35000"/>
+      </a:schemeClr>
+    </cs:fontRef>
+    <cs:spPr>
+      <a:solidFill>
+        <a:schemeClr val="lt1"/>
+      </a:solidFill>
+      <a:ln>
+        <a:solidFill>
+          <a:schemeClr val="dk1">
+            <a:lumMod val="25000"/>
+            <a:lumOff val="75000"/>
+          </a:schemeClr>
+        </a:solidFill>
+      </a:ln>
+    </cs:spPr>
+    <cs:defRPr sz="1197" kern="1200"/>
+    <cs:bodyPr rot="0" spcFirstLastPara="1" vertOverflow="clip" horzOverflow="clip" vert="horz" wrap="square" lIns="36576" tIns="18288" rIns="36576" bIns="18288" anchor="ctr" anchorCtr="1">
+      <a:spAutoFit/>
+    </cs:bodyPr>
+  </cs:dataLabelCallout>
+  <cs:dataPoint>
+    <cs:lnRef idx="0"/>
+    <cs:fillRef idx="1">
+      <cs:styleClr val="auto"/>
+    </cs:fillRef>
+    <cs:effectRef idx="0"/>
+    <cs:fontRef idx="minor">
+      <a:schemeClr val="tx1"/>
+    </cs:fontRef>
+  </cs:dataPoint>
+  <cs:dataPoint3D>
+    <cs:lnRef idx="0"/>
+    <cs:fillRef idx="1">
+      <cs:styleClr val="auto"/>
+    </cs:fillRef>
+    <cs:effectRef idx="0"/>
+    <cs:fontRef idx="minor">
+      <a:schemeClr val="tx1"/>
+    </cs:fontRef>
+  </cs:dataPoint3D>
+  <cs:dataPointLine>
+    <cs:lnRef idx="0">
+      <cs:styleClr val="auto"/>
+    </cs:lnRef>
+    <cs:fillRef idx="1"/>
+    <cs:effectRef idx="0"/>
+    <cs:fontRef idx="minor">
+      <a:schemeClr val="tx1"/>
+    </cs:fontRef>
+    <cs:spPr>
+      <a:ln w="28575" cap="rnd">
+        <a:solidFill>
+          <a:schemeClr val="phClr"/>
+        </a:solidFill>
+        <a:round/>
+      </a:ln>
+    </cs:spPr>
+  </cs:dataPointLine>
+  <cs:dataPointMarker>
+    <cs:lnRef idx="0">
+      <cs:styleClr val="auto"/>
+    </cs:lnRef>
+    <cs:fillRef idx="1">
+      <cs:styleClr val="auto"/>
+    </cs:fillRef>
+    <cs:effectRef idx="0"/>
+    <cs:fontRef idx="minor">
+      <a:schemeClr val="tx1"/>
+    </cs:fontRef>
+    <cs:spPr>
+      <a:ln w="9525">
+        <a:solidFill>
+          <a:schemeClr val="phClr"/>
+        </a:solidFill>
+      </a:ln>
+    </cs:spPr>
+  </cs:dataPointMarker>
+  <cs:dataPointMarkerLayout symbol="circle" size="5"/>
+  <cs:dataPointWireframe>
+    <cs:lnRef idx="0">
+      <cs:styleClr val="auto"/>
+    </cs:lnRef>
+    <cs:fillRef idx="1"/>
+    <cs:effectRef idx="0"/>
+    <cs:fontRef idx="minor">
+      <a:schemeClr val="tx1"/>
+    </cs:fontRef>
+    <cs:spPr>
+      <a:ln w="9525" cap="rnd">
+        <a:solidFill>
+          <a:schemeClr val="phClr"/>
+        </a:solidFill>
+        <a:round/>
+      </a:ln>
+    </cs:spPr>
+  </cs:dataPointWireframe>
+  <cs:dataTable>
+    <cs:lnRef idx="0"/>
+    <cs:fillRef idx="0"/>
+    <cs:effectRef idx="0"/>
+    <cs:fontRef idx="minor">
+      <a:schemeClr val="tx1">
+        <a:lumMod val="65000"/>
+        <a:lumOff val="35000"/>
+      </a:schemeClr>
+    </cs:fontRef>
+    <cs:spPr>
+      <a:noFill/>
+      <a:ln w="9525" cap="flat" cmpd="sng" algn="ctr">
+        <a:solidFill>
+          <a:schemeClr val="tx1">
+            <a:lumMod val="15000"/>
+            <a:lumOff val="85000"/>
+          </a:schemeClr>
+        </a:solidFill>
+        <a:round/>
+      </a:ln>
+    </cs:spPr>
+    <cs:defRPr sz="1197" kern="1200"/>
+  </cs:dataTable>
+  <cs:downBar>
+    <cs:lnRef idx="0"/>
+    <cs:fillRef idx="0"/>
+    <cs:effectRef idx="0"/>
+    <cs:fontRef idx="minor">
+      <a:schemeClr val="dk1"/>
+    </cs:fontRef>
+    <cs:spPr>
+      <a:solidFill>
+        <a:schemeClr val="dk1">
+          <a:lumMod val="65000"/>
+          <a:lumOff val="35000"/>
+        </a:schemeClr>
+      </a:solidFill>
+      <a:ln w="9525">
+        <a:solidFill>
+          <a:schemeClr val="tx1">
+            <a:lumMod val="65000"/>
+            <a:lumOff val="35000"/>
+          </a:schemeClr>
+        </a:solidFill>
+      </a:ln>
+    </cs:spPr>
+  </cs:downBar>
+  <cs:dropLine>
+    <cs:lnRef idx="0"/>
+    <cs:fillRef idx="0"/>
+    <cs:effectRef idx="0"/>
+    <cs:fontRef idx="minor">
+      <a:schemeClr val="tx1"/>
+    </cs:fontRef>
+    <cs:spPr>
+      <a:ln w="9525" cap="flat" cmpd="sng" algn="ctr">
+        <a:solidFill>
+          <a:schemeClr val="tx1">
+            <a:lumMod val="35000"/>
+            <a:lumOff val="65000"/>
+          </a:schemeClr>
+        </a:solidFill>
+        <a:round/>
+      </a:ln>
+    </cs:spPr>
+  </cs:dropLine>
+  <cs:errorBar>
+    <cs:lnRef idx="0"/>
+    <cs:fillRef idx="0"/>
+    <cs:effectRef idx="0"/>
+    <cs:fontRef idx="minor">
+      <a:schemeClr val="tx1"/>
+    </cs:fontRef>
+    <cs:spPr>
+      <a:ln w="9525" cap="flat" cmpd="sng" algn="ctr">
+        <a:solidFill>
+          <a:schemeClr val="tx1">
+            <a:lumMod val="65000"/>
+            <a:lumOff val="35000"/>
+          </a:schemeClr>
+        </a:solidFill>
+        <a:round/>
+      </a:ln>
+    </cs:spPr>
+  </cs:errorBar>
+  <cs:floor>
+    <cs:lnRef idx="0"/>
+    <cs:fillRef idx="0"/>
+    <cs:effectRef idx="0"/>
+    <cs:fontRef idx="minor">
+      <a:schemeClr val="tx1"/>
+    </cs:fontRef>
+    <cs:spPr>
+      <a:noFill/>
+      <a:ln>
+        <a:noFill/>
+      </a:ln>
+    </cs:spPr>
+  </cs:floor>
+  <cs:gridlineMajor>
+    <cs:lnRef idx="0"/>
+    <cs:fillRef idx="0"/>
+    <cs:effectRef idx="0"/>
+    <cs:fontRef idx="minor">
+      <a:schemeClr val="tx1"/>
+    </cs:fontRef>
+    <cs:spPr>
+      <a:ln w="9525" cap="flat" cmpd="sng" algn="ctr">
+        <a:solidFill>
+          <a:schemeClr val="tx1">
+            <a:lumMod val="15000"/>
+            <a:lumOff val="85000"/>
+          </a:schemeClr>
+        </a:solidFill>
+        <a:round/>
+      </a:ln>
+    </cs:spPr>
+  </cs:gridlineMajor>
+  <cs:gridlineMinor>
+    <cs:lnRef idx="0"/>
+    <cs:fillRef idx="0"/>
+    <cs:effectRef idx="0"/>
+    <cs:fontRef idx="minor">
+      <a:schemeClr val="tx1"/>
+    </cs:fontRef>
+    <cs:spPr>
+      <a:ln w="9525" cap="flat" cmpd="sng" algn="ctr">
+        <a:solidFill>
+          <a:schemeClr val="tx1">
+            <a:lumMod val="5000"/>
+            <a:lumOff val="95000"/>
+          </a:schemeClr>
+        </a:solidFill>
+        <a:round/>
+      </a:ln>
+    </cs:spPr>
+  </cs:gridlineMinor>
+  <cs:hiLoLine>
+    <cs:lnRef idx="0"/>
+    <cs:fillRef idx="0"/>
+    <cs:effectRef idx="0"/>
+    <cs:fontRef idx="minor">
+      <a:schemeClr val="tx1"/>
+    </cs:fontRef>
+    <cs:spPr>
+      <a:ln w="9525" cap="flat" cmpd="sng" algn="ctr">
+        <a:solidFill>
+          <a:schemeClr val="tx1">
+            <a:lumMod val="75000"/>
+            <a:lumOff val="25000"/>
+          </a:schemeClr>
+        </a:solidFill>
+        <a:round/>
+      </a:ln>
+    </cs:spPr>
+  </cs:hiLoLine>
+  <cs:leaderLine>
+    <cs:lnRef idx="0"/>
+    <cs:fillRef idx="0"/>
+    <cs:effectRef idx="0"/>
+    <cs:fontRef idx="minor">
+      <a:schemeClr val="tx1"/>
+    </cs:fontRef>
+    <cs:spPr>
+      <a:ln w="9525" cap="flat" cmpd="sng" algn="ctr">
+        <a:solidFill>
+          <a:schemeClr val="tx1">
+            <a:lumMod val="35000"/>
+            <a:lumOff val="65000"/>
+          </a:schemeClr>
+        </a:solidFill>
+        <a:round/>
+      </a:ln>
+    </cs:spPr>
+  </cs:leaderLine>
+  <cs:legend>
+    <cs:lnRef idx="0"/>
+    <cs:fillRef idx="0"/>
+    <cs:effectRef idx="0"/>
+    <cs:fontRef idx="minor">
+      <a:schemeClr val="tx1">
+        <a:lumMod val="65000"/>
+        <a:lumOff val="35000"/>
+      </a:schemeClr>
+    </cs:fontRef>
+    <cs:defRPr sz="1197" kern="1200"/>
+  </cs:legend>
+  <cs:plotArea mods="allowNoFillOverride allowNoLineOverride">
+    <cs:lnRef idx="0"/>
+    <cs:fillRef idx="0"/>
+    <cs:effectRef idx="0"/>
+    <cs:fontRef idx="minor">
+      <a:schemeClr val="tx1"/>
+    </cs:fontRef>
+  </cs:plotArea>
+  <cs:plotArea3D mods="allowNoFillOverride allowNoLineOverride">
+    <cs:lnRef idx="0"/>
+    <cs:fillRef idx="0"/>
+    <cs:effectRef idx="0"/>
+    <cs:fontRef idx="minor">
+      <a:schemeClr val="tx1"/>
+    </cs:fontRef>
+  </cs:plotArea3D>
+  <cs:seriesAxis>
+    <cs:lnRef idx="0"/>
+    <cs:fillRef idx="0"/>
+    <cs:effectRef idx="0"/>
+    <cs:fontRef idx="minor">
+      <a:schemeClr val="tx1">
+        <a:lumMod val="65000"/>
+        <a:lumOff val="35000"/>
+      </a:schemeClr>
+    </cs:fontRef>
+    <cs:defRPr sz="1197" kern="1200"/>
+  </cs:seriesAxis>
+  <cs:seriesLine>
+    <cs:lnRef idx="0"/>
+    <cs:fillRef idx="0"/>
+    <cs:effectRef idx="0"/>
+    <cs:fontRef idx="minor">
+      <a:schemeClr val="tx1"/>
+    </cs:fontRef>
+    <cs:spPr>
+      <a:ln w="9525" cap="flat" cmpd="sng" algn="ctr">
+        <a:solidFill>
+          <a:schemeClr val="tx1">
+            <a:lumMod val="35000"/>
+            <a:lumOff val="65000"/>
+          </a:schemeClr>
+        </a:solidFill>
+        <a:round/>
+      </a:ln>
+    </cs:spPr>
+  </cs:seriesLine>
+  <cs:title>
+    <cs:lnRef idx="0"/>
+    <cs:fillRef idx="0"/>
+    <cs:effectRef idx="0"/>
+    <cs:fontRef idx="minor">
+      <a:schemeClr val="tx1">
+        <a:lumMod val="65000"/>
+        <a:lumOff val="35000"/>
+      </a:schemeClr>
+    </cs:fontRef>
+    <cs:defRPr sz="1862" b="0" kern="1200" spc="0" baseline="0"/>
+  </cs:title>
+  <cs:trendline>
+    <cs:lnRef idx="0">
+      <cs:styleClr val="auto"/>
+    </cs:lnRef>
+    <cs:fillRef idx="0"/>
+    <cs:effectRef idx="0"/>
+    <cs:fontRef idx="minor">
+      <a:schemeClr val="tx1"/>
+    </cs:fontRef>
+    <cs:spPr>
+      <a:ln w="19050" cap="rnd">
+        <a:solidFill>
+          <a:schemeClr val="phClr"/>
+        </a:solidFill>
+        <a:prstDash val="sysDot"/>
+      </a:ln>
+    </cs:spPr>
+  </cs:trendline>
+  <cs:trendlineLabel>
+    <cs:lnRef idx="0"/>
+    <cs:fillRef idx="0"/>
+    <cs:effectRef idx="0"/>
+    <cs:fontRef idx="minor">
+      <a:schemeClr val="tx1">
+        <a:lumMod val="65000"/>
+        <a:lumOff val="35000"/>
+      </a:schemeClr>
+    </cs:fontRef>
+    <cs:defRPr sz="1197" kern="1200"/>
+  </cs:trendlineLabel>
+  <cs:upBar>
+    <cs:lnRef idx="0"/>
+    <cs:fillRef idx="0"/>
+    <cs:effectRef idx="0"/>
+    <cs:fontRef idx="minor">
+      <a:schemeClr val="dk1"/>
+    </cs:fontRef>
+    <cs:spPr>
+      <a:solidFill>
+        <a:schemeClr val="lt1"/>
+      </a:solidFill>
+      <a:ln w="9525">
+        <a:solidFill>
+          <a:schemeClr val="tx1">
+            <a:lumMod val="15000"/>
+            <a:lumOff val="85000"/>
+          </a:schemeClr>
+        </a:solidFill>
+      </a:ln>
+    </cs:spPr>
+  </cs:upBar>
+  <cs:valueAxis>
+    <cs:lnRef idx="0"/>
+    <cs:fillRef idx="0"/>
+    <cs:effectRef idx="0"/>
+    <cs:fontRef idx="minor">
+      <a:schemeClr val="tx1">
+        <a:lumMod val="65000"/>
+        <a:lumOff val="35000"/>
+      </a:schemeClr>
+    </cs:fontRef>
+    <cs:defRPr sz="1197" kern="1200"/>
+  </cs:valueAxis>
+  <cs:wall>
+    <cs:lnRef idx="0"/>
+    <cs:fillRef idx="0"/>
+    <cs:effectRef idx="0"/>
+    <cs:fontRef idx="minor">
+      <a:schemeClr val="tx1"/>
+    </cs:fontRef>
+    <cs:spPr>
+      <a:noFill/>
+      <a:ln>
+        <a:noFill/>
+      </a:ln>
+    </cs:spPr>
+  </cs:wall>
+</cs:chartStyle>
+</file>
+
+<file path=ppt/charts/style2.xml><?xml version="1.0" encoding="utf-8"?>
+<cs:chartStyle xmlns:cs="http://schemas.microsoft.com/office/drawing/2012/chartStyle" xmlns:a="http://schemas.openxmlformats.org/drawingml/2006/main" id="201">
+  <cs:axisTitle>
+    <cs:lnRef idx="0"/>
+    <cs:fillRef idx="0"/>
+    <cs:effectRef idx="0"/>
+    <cs:fontRef idx="minor">
+      <a:schemeClr val="tx1">
+        <a:lumMod val="65000"/>
+        <a:lumOff val="35000"/>
+      </a:schemeClr>
+    </cs:fontRef>
+    <cs:defRPr sz="1330" kern="1200"/>
+  </cs:axisTitle>
+  <cs:categoryAxis>
+    <cs:lnRef idx="0"/>
+    <cs:fillRef idx="0"/>
+    <cs:effectRef idx="0"/>
+    <cs:fontRef idx="minor">
+      <a:schemeClr val="tx1">
+        <a:lumMod val="65000"/>
+        <a:lumOff val="35000"/>
+      </a:schemeClr>
+    </cs:fontRef>
+    <cs:spPr>
+      <a:ln w="9525" cap="flat" cmpd="sng" algn="ctr">
+        <a:solidFill>
+          <a:schemeClr val="tx1">
+            <a:lumMod val="15000"/>
+            <a:lumOff val="85000"/>
+          </a:schemeClr>
+        </a:solidFill>
+        <a:round/>
+      </a:ln>
+    </cs:spPr>
+    <cs:defRPr sz="1197" kern="1200"/>
+  </cs:categoryAxis>
+  <cs:chartArea mods="allowNoFillOverride allowNoLineOverride">
+    <cs:lnRef idx="0"/>
+    <cs:fillRef idx="0"/>
+    <cs:effectRef idx="0"/>
+    <cs:fontRef idx="minor">
+      <a:schemeClr val="tx1"/>
+    </cs:fontRef>
+    <cs:spPr>
+      <a:solidFill>
+        <a:schemeClr val="bg1"/>
+      </a:solidFill>
+      <a:ln w="9525" cap="flat" cmpd="sng" algn="ctr">
+        <a:solidFill>
+          <a:schemeClr val="tx1">
+            <a:lumMod val="15000"/>
+            <a:lumOff val="85000"/>
+          </a:schemeClr>
+        </a:solidFill>
+        <a:round/>
+      </a:ln>
+    </cs:spPr>
+    <cs:defRPr sz="1330" kern="1200"/>
+  </cs:chartArea>
+  <cs:dataLabel>
+    <cs:lnRef idx="0"/>
+    <cs:fillRef idx="0"/>
+    <cs:effectRef idx="0"/>
+    <cs:fontRef idx="minor">
+      <a:schemeClr val="tx1">
+        <a:lumMod val="75000"/>
+        <a:lumOff val="25000"/>
+      </a:schemeClr>
+    </cs:fontRef>
+    <cs:defRPr sz="1197" kern="1200"/>
+  </cs:dataLabel>
+  <cs:dataLabelCallout>
+    <cs:lnRef idx="0"/>
+    <cs:fillRef idx="0"/>
+    <cs:effectRef idx="0"/>
+    <cs:fontRef idx="minor">
+      <a:schemeClr val="dk1">
+        <a:lumMod val="65000"/>
+        <a:lumOff val="35000"/>
+      </a:schemeClr>
+    </cs:fontRef>
+    <cs:spPr>
+      <a:solidFill>
+        <a:schemeClr val="lt1"/>
+      </a:solidFill>
+      <a:ln>
+        <a:solidFill>
+          <a:schemeClr val="dk1">
+            <a:lumMod val="25000"/>
+            <a:lumOff val="75000"/>
+          </a:schemeClr>
+        </a:solidFill>
+      </a:ln>
+    </cs:spPr>
+    <cs:defRPr sz="1197" kern="1200"/>
+    <cs:bodyPr rot="0" spcFirstLastPara="1" vertOverflow="clip" horzOverflow="clip" vert="horz" wrap="square" lIns="36576" tIns="18288" rIns="36576" bIns="18288" anchor="ctr" anchorCtr="1">
+      <a:spAutoFit/>
+    </cs:bodyPr>
+  </cs:dataLabelCallout>
+  <cs:dataPoint>
+    <cs:lnRef idx="0"/>
+    <cs:fillRef idx="1">
+      <cs:styleClr val="auto"/>
+    </cs:fillRef>
+    <cs:effectRef idx="0"/>
+    <cs:fontRef idx="minor">
+      <a:schemeClr val="tx1"/>
+    </cs:fontRef>
+  </cs:dataPoint>
+  <cs:dataPoint3D>
+    <cs:lnRef idx="0"/>
+    <cs:fillRef idx="1">
+      <cs:styleClr val="auto"/>
+    </cs:fillRef>
+    <cs:effectRef idx="0"/>
+    <cs:fontRef idx="minor">
+      <a:schemeClr val="tx1"/>
+    </cs:fontRef>
+  </cs:dataPoint3D>
+  <cs:dataPointLine>
+    <cs:lnRef idx="0">
+      <cs:styleClr val="auto"/>
+    </cs:lnRef>
+    <cs:fillRef idx="1"/>
+    <cs:effectRef idx="0"/>
+    <cs:fontRef idx="minor">
+      <a:schemeClr val="tx1"/>
+    </cs:fontRef>
+    <cs:spPr>
+      <a:ln w="28575" cap="rnd">
+        <a:solidFill>
+          <a:schemeClr val="phClr"/>
+        </a:solidFill>
+        <a:round/>
+      </a:ln>
+    </cs:spPr>
+  </cs:dataPointLine>
+  <cs:dataPointMarker>
+    <cs:lnRef idx="0">
+      <cs:styleClr val="auto"/>
+    </cs:lnRef>
+    <cs:fillRef idx="1">
+      <cs:styleClr val="auto"/>
+    </cs:fillRef>
+    <cs:effectRef idx="0"/>
+    <cs:fontRef idx="minor">
+      <a:schemeClr val="tx1"/>
+    </cs:fontRef>
+    <cs:spPr>
+      <a:ln w="9525">
+        <a:solidFill>
+          <a:schemeClr val="phClr"/>
+        </a:solidFill>
+      </a:ln>
+    </cs:spPr>
+  </cs:dataPointMarker>
+  <cs:dataPointMarkerLayout symbol="circle" size="5"/>
+  <cs:dataPointWireframe>
+    <cs:lnRef idx="0">
+      <cs:styleClr val="auto"/>
+    </cs:lnRef>
+    <cs:fillRef idx="1"/>
+    <cs:effectRef idx="0"/>
+    <cs:fontRef idx="minor">
+      <a:schemeClr val="tx1"/>
+    </cs:fontRef>
+    <cs:spPr>
+      <a:ln w="9525" cap="rnd">
+        <a:solidFill>
+          <a:schemeClr val="phClr"/>
+        </a:solidFill>
+        <a:round/>
+      </a:ln>
+    </cs:spPr>
+  </cs:dataPointWireframe>
+  <cs:dataTable>
+    <cs:lnRef idx="0"/>
+    <cs:fillRef idx="0"/>
+    <cs:effectRef idx="0"/>
+    <cs:fontRef idx="minor">
+      <a:schemeClr val="tx1">
+        <a:lumMod val="65000"/>
+        <a:lumOff val="35000"/>
+      </a:schemeClr>
+    </cs:fontRef>
+    <cs:spPr>
+      <a:noFill/>
+      <a:ln w="9525" cap="flat" cmpd="sng" algn="ctr">
+        <a:solidFill>
+          <a:schemeClr val="tx1">
+            <a:lumMod val="15000"/>
+            <a:lumOff val="85000"/>
+          </a:schemeClr>
+        </a:solidFill>
+        <a:round/>
+      </a:ln>
+    </cs:spPr>
+    <cs:defRPr sz="1197" kern="1200"/>
+  </cs:dataTable>
+  <cs:downBar>
+    <cs:lnRef idx="0"/>
+    <cs:fillRef idx="0"/>
+    <cs:effectRef idx="0"/>
+    <cs:fontRef idx="minor">
+      <a:schemeClr val="dk1"/>
+    </cs:fontRef>
+    <cs:spPr>
+      <a:solidFill>
+        <a:schemeClr val="dk1">
+          <a:lumMod val="65000"/>
+          <a:lumOff val="35000"/>
+        </a:schemeClr>
+      </a:solidFill>
+      <a:ln w="9525">
+        <a:solidFill>
+          <a:schemeClr val="tx1">
+            <a:lumMod val="65000"/>
+            <a:lumOff val="35000"/>
+          </a:schemeClr>
+        </a:solidFill>
+      </a:ln>
+    </cs:spPr>
+  </cs:downBar>
+  <cs:dropLine>
+    <cs:lnRef idx="0"/>
+    <cs:fillRef idx="0"/>
+    <cs:effectRef idx="0"/>
+    <cs:fontRef idx="minor">
+      <a:schemeClr val="tx1"/>
+    </cs:fontRef>
+    <cs:spPr>
+      <a:ln w="9525" cap="flat" cmpd="sng" algn="ctr">
+        <a:solidFill>
+          <a:schemeClr val="tx1">
+            <a:lumMod val="35000"/>
+            <a:lumOff val="65000"/>
+          </a:schemeClr>
+        </a:solidFill>
+        <a:round/>
+      </a:ln>
+    </cs:spPr>
+  </cs:dropLine>
+  <cs:errorBar>
+    <cs:lnRef idx="0"/>
+    <cs:fillRef idx="0"/>
+    <cs:effectRef idx="0"/>
+    <cs:fontRef idx="minor">
+      <a:schemeClr val="tx1"/>
+    </cs:fontRef>
+    <cs:spPr>
+      <a:ln w="9525" cap="flat" cmpd="sng" algn="ctr">
+        <a:solidFill>
+          <a:schemeClr val="tx1">
+            <a:lumMod val="65000"/>
+            <a:lumOff val="35000"/>
+          </a:schemeClr>
+        </a:solidFill>
+        <a:round/>
+      </a:ln>
+    </cs:spPr>
+  </cs:errorBar>
+  <cs:floor>
+    <cs:lnRef idx="0"/>
+    <cs:fillRef idx="0"/>
+    <cs:effectRef idx="0"/>
+    <cs:fontRef idx="minor">
+      <a:schemeClr val="tx1"/>
+    </cs:fontRef>
+    <cs:spPr>
+      <a:noFill/>
+      <a:ln>
+        <a:noFill/>
+      </a:ln>
+    </cs:spPr>
+  </cs:floor>
+  <cs:gridlineMajor>
+    <cs:lnRef idx="0"/>
+    <cs:fillRef idx="0"/>
+    <cs:effectRef idx="0"/>
+    <cs:fontRef idx="minor">
+      <a:schemeClr val="tx1"/>
+    </cs:fontRef>
+    <cs:spPr>
+      <a:ln w="9525" cap="flat" cmpd="sng" algn="ctr">
+        <a:solidFill>
+          <a:schemeClr val="tx1">
+            <a:lumMod val="15000"/>
+            <a:lumOff val="85000"/>
+          </a:schemeClr>
+        </a:solidFill>
+        <a:round/>
+      </a:ln>
+    </cs:spPr>
+  </cs:gridlineMajor>
+  <cs:gridlineMinor>
+    <cs:lnRef idx="0"/>
+    <cs:fillRef idx="0"/>
+    <cs:effectRef idx="0"/>
+    <cs:fontRef idx="minor">
+      <a:schemeClr val="tx1"/>
+    </cs:fontRef>
+    <cs:spPr>
+      <a:ln w="9525" cap="flat" cmpd="sng" algn="ctr">
+        <a:solidFill>
+          <a:schemeClr val="tx1">
+            <a:lumMod val="5000"/>
+            <a:lumOff val="95000"/>
+          </a:schemeClr>
+        </a:solidFill>
+        <a:round/>
+      </a:ln>
+    </cs:spPr>
+  </cs:gridlineMinor>
+  <cs:hiLoLine>
+    <cs:lnRef idx="0"/>
+    <cs:fillRef idx="0"/>
+    <cs:effectRef idx="0"/>
+    <cs:fontRef idx="minor">
+      <a:schemeClr val="tx1"/>
+    </cs:fontRef>
+    <cs:spPr>
+      <a:ln w="9525" cap="flat" cmpd="sng" algn="ctr">
+        <a:solidFill>
+          <a:schemeClr val="tx1">
+            <a:lumMod val="75000"/>
+            <a:lumOff val="25000"/>
+          </a:schemeClr>
+        </a:solidFill>
+        <a:round/>
+      </a:ln>
+    </cs:spPr>
+  </cs:hiLoLine>
+  <cs:leaderLine>
+    <cs:lnRef idx="0"/>
+    <cs:fillRef idx="0"/>
+    <cs:effectRef idx="0"/>
+    <cs:fontRef idx="minor">
+      <a:schemeClr val="tx1"/>
+    </cs:fontRef>
+    <cs:spPr>
+      <a:ln w="9525" cap="flat" cmpd="sng" algn="ctr">
+        <a:solidFill>
+          <a:schemeClr val="tx1">
+            <a:lumMod val="35000"/>
+            <a:lumOff val="65000"/>
+          </a:schemeClr>
+        </a:solidFill>
+        <a:round/>
+      </a:ln>
+    </cs:spPr>
+  </cs:leaderLine>
+  <cs:legend>
+    <cs:lnRef idx="0"/>
+    <cs:fillRef idx="0"/>
+    <cs:effectRef idx="0"/>
+    <cs:fontRef idx="minor">
+      <a:schemeClr val="tx1">
+        <a:lumMod val="65000"/>
+        <a:lumOff val="35000"/>
+      </a:schemeClr>
+    </cs:fontRef>
+    <cs:defRPr sz="1197" kern="1200"/>
+  </cs:legend>
+  <cs:plotArea mods="allowNoFillOverride allowNoLineOverride">
+    <cs:lnRef idx="0"/>
+    <cs:fillRef idx="0"/>
+    <cs:effectRef idx="0"/>
+    <cs:fontRef idx="minor">
+      <a:schemeClr val="tx1"/>
+    </cs:fontRef>
+  </cs:plotArea>
+  <cs:plotArea3D mods="allowNoFillOverride allowNoLineOverride">
+    <cs:lnRef idx="0"/>
+    <cs:fillRef idx="0"/>
+    <cs:effectRef idx="0"/>
+    <cs:fontRef idx="minor">
+      <a:schemeClr val="tx1"/>
+    </cs:fontRef>
+  </cs:plotArea3D>
+  <cs:seriesAxis>
+    <cs:lnRef idx="0"/>
+    <cs:fillRef idx="0"/>
+    <cs:effectRef idx="0"/>
+    <cs:fontRef idx="minor">
+      <a:schemeClr val="tx1">
+        <a:lumMod val="65000"/>
+        <a:lumOff val="35000"/>
+      </a:schemeClr>
+    </cs:fontRef>
+    <cs:defRPr sz="1197" kern="1200"/>
+  </cs:seriesAxis>
+  <cs:seriesLine>
+    <cs:lnRef idx="0"/>
+    <cs:fillRef idx="0"/>
+    <cs:effectRef idx="0"/>
+    <cs:fontRef idx="minor">
+      <a:schemeClr val="tx1"/>
+    </cs:fontRef>
+    <cs:spPr>
+      <a:ln w="9525" cap="flat" cmpd="sng" algn="ctr">
+        <a:solidFill>
+          <a:schemeClr val="tx1">
+            <a:lumMod val="35000"/>
+            <a:lumOff val="65000"/>
+          </a:schemeClr>
+        </a:solidFill>
+        <a:round/>
+      </a:ln>
+    </cs:spPr>
+  </cs:seriesLine>
+  <cs:title>
+    <cs:lnRef idx="0"/>
+    <cs:fillRef idx="0"/>
+    <cs:effectRef idx="0"/>
+    <cs:fontRef idx="minor">
+      <a:schemeClr val="tx1">
+        <a:lumMod val="65000"/>
+        <a:lumOff val="35000"/>
+      </a:schemeClr>
+    </cs:fontRef>
+    <cs:defRPr sz="1862" b="0" kern="1200" spc="0" baseline="0"/>
+  </cs:title>
+  <cs:trendline>
+    <cs:lnRef idx="0">
+      <cs:styleClr val="auto"/>
+    </cs:lnRef>
+    <cs:fillRef idx="0"/>
+    <cs:effectRef idx="0"/>
+    <cs:fontRef idx="minor">
+      <a:schemeClr val="tx1"/>
+    </cs:fontRef>
+    <cs:spPr>
+      <a:ln w="19050" cap="rnd">
+        <a:solidFill>
+          <a:schemeClr val="phClr"/>
+        </a:solidFill>
+        <a:prstDash val="sysDot"/>
+      </a:ln>
+    </cs:spPr>
+  </cs:trendline>
+  <cs:trendlineLabel>
+    <cs:lnRef idx="0"/>
+    <cs:fillRef idx="0"/>
+    <cs:effectRef idx="0"/>
+    <cs:fontRef idx="minor">
+      <a:schemeClr val="tx1">
+        <a:lumMod val="65000"/>
+        <a:lumOff val="35000"/>
+      </a:schemeClr>
+    </cs:fontRef>
+    <cs:defRPr sz="1197" kern="1200"/>
+  </cs:trendlineLabel>
+  <cs:upBar>
+    <cs:lnRef idx="0"/>
+    <cs:fillRef idx="0"/>
+    <cs:effectRef idx="0"/>
+    <cs:fontRef idx="minor">
+      <a:schemeClr val="dk1"/>
+    </cs:fontRef>
+    <cs:spPr>
+      <a:solidFill>
+        <a:schemeClr val="lt1"/>
+      </a:solidFill>
+      <a:ln w="9525">
+        <a:solidFill>
+          <a:schemeClr val="tx1">
+            <a:lumMod val="15000"/>
+            <a:lumOff val="85000"/>
+          </a:schemeClr>
+        </a:solidFill>
+      </a:ln>
+    </cs:spPr>
+  </cs:upBar>
+  <cs:valueAxis>
+    <cs:lnRef idx="0"/>
+    <cs:fillRef idx="0"/>
+    <cs:effectRef idx="0"/>
+    <cs:fontRef idx="minor">
+      <a:schemeClr val="tx1">
+        <a:lumMod val="65000"/>
+        <a:lumOff val="35000"/>
+      </a:schemeClr>
+    </cs:fontRef>
+    <cs:defRPr sz="1197" kern="1200"/>
+  </cs:valueAxis>
+  <cs:wall>
+    <cs:lnRef idx="0"/>
+    <cs:fillRef idx="0"/>
+    <cs:effectRef idx="0"/>
+    <cs:fontRef idx="minor">
+      <a:schemeClr val="tx1"/>
+    </cs:fontRef>
+    <cs:spPr>
+      <a:noFill/>
+      <a:ln>
+        <a:noFill/>
+      </a:ln>
+    </cs:spPr>
+  </cs:wall>
+</cs:chartStyle>
+</file>
+
+<file path=ppt/charts/style3.xml><?xml version="1.0" encoding="utf-8"?>
+<cs:chartStyle xmlns:cs="http://schemas.microsoft.com/office/drawing/2012/chartStyle" xmlns:a="http://schemas.openxmlformats.org/drawingml/2006/main" id="201">
+  <cs:axisTitle>
+    <cs:lnRef idx="0"/>
+    <cs:fillRef idx="0"/>
+    <cs:effectRef idx="0"/>
+    <cs:fontRef idx="minor">
+      <a:schemeClr val="tx1">
+        <a:lumMod val="65000"/>
+        <a:lumOff val="35000"/>
+      </a:schemeClr>
+    </cs:fontRef>
+    <cs:defRPr sz="1330" kern="1200"/>
+  </cs:axisTitle>
+  <cs:categoryAxis>
+    <cs:lnRef idx="0"/>
+    <cs:fillRef idx="0"/>
+    <cs:effectRef idx="0"/>
+    <cs:fontRef idx="minor">
+      <a:schemeClr val="tx1">
+        <a:lumMod val="65000"/>
+        <a:lumOff val="35000"/>
+      </a:schemeClr>
+    </cs:fontRef>
+    <cs:spPr>
+      <a:ln w="9525" cap="flat" cmpd="sng" algn="ctr">
+        <a:solidFill>
+          <a:schemeClr val="tx1">
+            <a:lumMod val="15000"/>
+            <a:lumOff val="85000"/>
+          </a:schemeClr>
+        </a:solidFill>
+        <a:round/>
+      </a:ln>
+    </cs:spPr>
+    <cs:defRPr sz="1197" kern="1200"/>
+  </cs:categoryAxis>
+  <cs:chartArea mods="allowNoFillOverride allowNoLineOverride">
+    <cs:lnRef idx="0"/>
+    <cs:fillRef idx="0"/>
+    <cs:effectRef idx="0"/>
+    <cs:fontRef idx="minor">
+      <a:schemeClr val="tx1"/>
+    </cs:fontRef>
+    <cs:spPr>
+      <a:solidFill>
+        <a:schemeClr val="bg1"/>
+      </a:solidFill>
+      <a:ln w="9525" cap="flat" cmpd="sng" algn="ctr">
+        <a:solidFill>
+          <a:schemeClr val="tx1">
+            <a:lumMod val="15000"/>
+            <a:lumOff val="85000"/>
+          </a:schemeClr>
+        </a:solidFill>
+        <a:round/>
+      </a:ln>
+    </cs:spPr>
+    <cs:defRPr sz="1330" kern="1200"/>
+  </cs:chartArea>
+  <cs:dataLabel>
+    <cs:lnRef idx="0"/>
+    <cs:fillRef idx="0"/>
+    <cs:effectRef idx="0"/>
+    <cs:fontRef idx="minor">
+      <a:schemeClr val="tx1">
+        <a:lumMod val="75000"/>
+        <a:lumOff val="25000"/>
+      </a:schemeClr>
+    </cs:fontRef>
+    <cs:defRPr sz="1197" kern="1200"/>
+  </cs:dataLabel>
+  <cs:dataLabelCallout>
+    <cs:lnRef idx="0"/>
+    <cs:fillRef idx="0"/>
+    <cs:effectRef idx="0"/>
+    <cs:fontRef idx="minor">
+      <a:schemeClr val="dk1">
+        <a:lumMod val="65000"/>
+        <a:lumOff val="35000"/>
+      </a:schemeClr>
+    </cs:fontRef>
+    <cs:spPr>
+      <a:solidFill>
+        <a:schemeClr val="lt1"/>
+      </a:solidFill>
+      <a:ln>
+        <a:solidFill>
+          <a:schemeClr val="dk1">
+            <a:lumMod val="25000"/>
+            <a:lumOff val="75000"/>
+          </a:schemeClr>
+        </a:solidFill>
+      </a:ln>
+    </cs:spPr>
+    <cs:defRPr sz="1197" kern="1200"/>
+    <cs:bodyPr rot="0" spcFirstLastPara="1" vertOverflow="clip" horzOverflow="clip" vert="horz" wrap="square" lIns="36576" tIns="18288" rIns="36576" bIns="18288" anchor="ctr" anchorCtr="1">
+      <a:spAutoFit/>
+    </cs:bodyPr>
+  </cs:dataLabelCallout>
+  <cs:dataPoint>
+    <cs:lnRef idx="0"/>
+    <cs:fillRef idx="1">
+      <cs:styleClr val="auto"/>
+    </cs:fillRef>
+    <cs:effectRef idx="0"/>
+    <cs:fontRef idx="minor">
+      <a:schemeClr val="tx1"/>
+    </cs:fontRef>
+  </cs:dataPoint>
+  <cs:dataPoint3D>
+    <cs:lnRef idx="0"/>
+    <cs:fillRef idx="1">
+      <cs:styleClr val="auto"/>
+    </cs:fillRef>
+    <cs:effectRef idx="0"/>
+    <cs:fontRef idx="minor">
+      <a:schemeClr val="tx1"/>
+    </cs:fontRef>
+  </cs:dataPoint3D>
+  <cs:dataPointLine>
+    <cs:lnRef idx="0">
+      <cs:styleClr val="auto"/>
+    </cs:lnRef>
+    <cs:fillRef idx="1"/>
+    <cs:effectRef idx="0"/>
+    <cs:fontRef idx="minor">
+      <a:schemeClr val="tx1"/>
+    </cs:fontRef>
+    <cs:spPr>
+      <a:ln w="28575" cap="rnd">
+        <a:solidFill>
+          <a:schemeClr val="phClr"/>
+        </a:solidFill>
+        <a:round/>
+      </a:ln>
+    </cs:spPr>
+  </cs:dataPointLine>
+  <cs:dataPointMarker>
+    <cs:lnRef idx="0">
+      <cs:styleClr val="auto"/>
+    </cs:lnRef>
+    <cs:fillRef idx="1">
+      <cs:styleClr val="auto"/>
+    </cs:fillRef>
+    <cs:effectRef idx="0"/>
+    <cs:fontRef idx="minor">
+      <a:schemeClr val="tx1"/>
+    </cs:fontRef>
+    <cs:spPr>
+      <a:ln w="9525">
+        <a:solidFill>
+          <a:schemeClr val="phClr"/>
+        </a:solidFill>
+      </a:ln>
+    </cs:spPr>
+  </cs:dataPointMarker>
+  <cs:dataPointMarkerLayout symbol="circle" size="5"/>
+  <cs:dataPointWireframe>
+    <cs:lnRef idx="0">
+      <cs:styleClr val="auto"/>
+    </cs:lnRef>
+    <cs:fillRef idx="1"/>
+    <cs:effectRef idx="0"/>
+    <cs:fontRef idx="minor">
+      <a:schemeClr val="tx1"/>
+    </cs:fontRef>
+    <cs:spPr>
+      <a:ln w="9525" cap="rnd">
+        <a:solidFill>
+          <a:schemeClr val="phClr"/>
+        </a:solidFill>
+        <a:round/>
+      </a:ln>
+    </cs:spPr>
+  </cs:dataPointWireframe>
+  <cs:dataTable>
+    <cs:lnRef idx="0"/>
+    <cs:fillRef idx="0"/>
+    <cs:effectRef idx="0"/>
+    <cs:fontRef idx="minor">
+      <a:schemeClr val="tx1">
+        <a:lumMod val="65000"/>
+        <a:lumOff val="35000"/>
+      </a:schemeClr>
+    </cs:fontRef>
+    <cs:spPr>
+      <a:noFill/>
+      <a:ln w="9525" cap="flat" cmpd="sng" algn="ctr">
+        <a:solidFill>
+          <a:schemeClr val="tx1">
+            <a:lumMod val="15000"/>
+            <a:lumOff val="85000"/>
+          </a:schemeClr>
+        </a:solidFill>
+        <a:round/>
+      </a:ln>
+    </cs:spPr>
+    <cs:defRPr sz="1197" kern="1200"/>
+  </cs:dataTable>
+  <cs:downBar>
+    <cs:lnRef idx="0"/>
+    <cs:fillRef idx="0"/>
+    <cs:effectRef idx="0"/>
+    <cs:fontRef idx="minor">
+      <a:schemeClr val="dk1"/>
+    </cs:fontRef>
+    <cs:spPr>
+      <a:solidFill>
+        <a:schemeClr val="dk1">
+          <a:lumMod val="65000"/>
+          <a:lumOff val="35000"/>
+        </a:schemeClr>
+      </a:solidFill>
+      <a:ln w="9525">
+        <a:solidFill>
+          <a:schemeClr val="tx1">
+            <a:lumMod val="65000"/>
+            <a:lumOff val="35000"/>
+          </a:schemeClr>
+        </a:solidFill>
+      </a:ln>
+    </cs:spPr>
+  </cs:downBar>
+  <cs:dropLine>
+    <cs:lnRef idx="0"/>
+    <cs:fillRef idx="0"/>
+    <cs:effectRef idx="0"/>
+    <cs:fontRef idx="minor">
+      <a:schemeClr val="tx1"/>
+    </cs:fontRef>
+    <cs:spPr>
+      <a:ln w="9525" cap="flat" cmpd="sng" algn="ctr">
+        <a:solidFill>
+          <a:schemeClr val="tx1">
+            <a:lumMod val="35000"/>
+            <a:lumOff val="65000"/>
+          </a:schemeClr>
+        </a:solidFill>
+        <a:round/>
+      </a:ln>
+    </cs:spPr>
+  </cs:dropLine>
+  <cs:errorBar>
+    <cs:lnRef idx="0"/>
+    <cs:fillRef idx="0"/>
+    <cs:effectRef idx="0"/>
+    <cs:fontRef idx="minor">
+      <a:schemeClr val="tx1"/>
+    </cs:fontRef>
+    <cs:spPr>
+      <a:ln w="9525" cap="flat" cmpd="sng" algn="ctr">
+        <a:solidFill>
+          <a:schemeClr val="tx1">
+            <a:lumMod val="65000"/>
+            <a:lumOff val="35000"/>
+          </a:schemeClr>
+        </a:solidFill>
+        <a:round/>
+      </a:ln>
+    </cs:spPr>
+  </cs:errorBar>
+  <cs:floor>
+    <cs:lnRef idx="0"/>
+    <cs:fillRef idx="0"/>
+    <cs:effectRef idx="0"/>
+    <cs:fontRef idx="minor">
+      <a:schemeClr val="tx1"/>
+    </cs:fontRef>
+    <cs:spPr>
+      <a:noFill/>
+      <a:ln>
+        <a:noFill/>
+      </a:ln>
+    </cs:spPr>
+  </cs:floor>
+  <cs:gridlineMajor>
+    <cs:lnRef idx="0"/>
+    <cs:fillRef idx="0"/>
+    <cs:effectRef idx="0"/>
+    <cs:fontRef idx="minor">
+      <a:schemeClr val="tx1"/>
+    </cs:fontRef>
+    <cs:spPr>
+      <a:ln w="9525" cap="flat" cmpd="sng" algn="ctr">
+        <a:solidFill>
+          <a:schemeClr val="tx1">
+            <a:lumMod val="15000"/>
+            <a:lumOff val="85000"/>
+          </a:schemeClr>
+        </a:solidFill>
+        <a:round/>
+      </a:ln>
+    </cs:spPr>
+  </cs:gridlineMajor>
+  <cs:gridlineMinor>
+    <cs:lnRef idx="0"/>
+    <cs:fillRef idx="0"/>
+    <cs:effectRef idx="0"/>
+    <cs:fontRef idx="minor">
+      <a:schemeClr val="tx1"/>
+    </cs:fontRef>
+    <cs:spPr>
+      <a:ln w="9525" cap="flat" cmpd="sng" algn="ctr">
+        <a:solidFill>
+          <a:schemeClr val="tx1">
+            <a:lumMod val="5000"/>
+            <a:lumOff val="95000"/>
+          </a:schemeClr>
+        </a:solidFill>
+        <a:round/>
+      </a:ln>
+    </cs:spPr>
+  </cs:gridlineMinor>
+  <cs:hiLoLine>
+    <cs:lnRef idx="0"/>
+    <cs:fillRef idx="0"/>
+    <cs:effectRef idx="0"/>
+    <cs:fontRef idx="minor">
+      <a:schemeClr val="tx1"/>
+    </cs:fontRef>
+    <cs:spPr>
+      <a:ln w="9525" cap="flat" cmpd="sng" algn="ctr">
+        <a:solidFill>
+          <a:schemeClr val="tx1">
+            <a:lumMod val="75000"/>
+            <a:lumOff val="25000"/>
+          </a:schemeClr>
+        </a:solidFill>
+        <a:round/>
+      </a:ln>
+    </cs:spPr>
+  </cs:hiLoLine>
+  <cs:leaderLine>
+    <cs:lnRef idx="0"/>
+    <cs:fillRef idx="0"/>
+    <cs:effectRef idx="0"/>
+    <cs:fontRef idx="minor">
+      <a:schemeClr val="tx1"/>
+    </cs:fontRef>
+    <cs:spPr>
+      <a:ln w="9525" cap="flat" cmpd="sng" algn="ctr">
+        <a:solidFill>
+          <a:schemeClr val="tx1">
+            <a:lumMod val="35000"/>
+            <a:lumOff val="65000"/>
+          </a:schemeClr>
+        </a:solidFill>
+        <a:round/>
+      </a:ln>
+    </cs:spPr>
+  </cs:leaderLine>
+  <cs:legend>
+    <cs:lnRef idx="0"/>
+    <cs:fillRef idx="0"/>
+    <cs:effectRef idx="0"/>
+    <cs:fontRef idx="minor">
+      <a:schemeClr val="tx1">
+        <a:lumMod val="65000"/>
+        <a:lumOff val="35000"/>
+      </a:schemeClr>
+    </cs:fontRef>
+    <cs:defRPr sz="1197" kern="1200"/>
+  </cs:legend>
+  <cs:plotArea mods="allowNoFillOverride allowNoLineOverride">
+    <cs:lnRef idx="0"/>
+    <cs:fillRef idx="0"/>
+    <cs:effectRef idx="0"/>
+    <cs:fontRef idx="minor">
+      <a:schemeClr val="tx1"/>
+    </cs:fontRef>
+  </cs:plotArea>
+  <cs:plotArea3D mods="allowNoFillOverride allowNoLineOverride">
+    <cs:lnRef idx="0"/>
+    <cs:fillRef idx="0"/>
+    <cs:effectRef idx="0"/>
+    <cs:fontRef idx="minor">
+      <a:schemeClr val="tx1"/>
+    </cs:fontRef>
+  </cs:plotArea3D>
+  <cs:seriesAxis>
+    <cs:lnRef idx="0"/>
+    <cs:fillRef idx="0"/>
+    <cs:effectRef idx="0"/>
+    <cs:fontRef idx="minor">
+      <a:schemeClr val="tx1">
+        <a:lumMod val="65000"/>
+        <a:lumOff val="35000"/>
+      </a:schemeClr>
+    </cs:fontRef>
+    <cs:defRPr sz="1197" kern="1200"/>
+  </cs:seriesAxis>
+  <cs:seriesLine>
+    <cs:lnRef idx="0"/>
+    <cs:fillRef idx="0"/>
+    <cs:effectRef idx="0"/>
+    <cs:fontRef idx="minor">
+      <a:schemeClr val="tx1"/>
+    </cs:fontRef>
+    <cs:spPr>
+      <a:ln w="9525" cap="flat" cmpd="sng" algn="ctr">
+        <a:solidFill>
+          <a:schemeClr val="tx1">
+            <a:lumMod val="35000"/>
+            <a:lumOff val="65000"/>
+          </a:schemeClr>
+        </a:solidFill>
+        <a:round/>
+      </a:ln>
+    </cs:spPr>
+  </cs:seriesLine>
+  <cs:title>
+    <cs:lnRef idx="0"/>
+    <cs:fillRef idx="0"/>
+    <cs:effectRef idx="0"/>
+    <cs:fontRef idx="minor">
+      <a:schemeClr val="tx1">
+        <a:lumMod val="65000"/>
+        <a:lumOff val="35000"/>
+      </a:schemeClr>
+    </cs:fontRef>
+    <cs:defRPr sz="1862" b="0" kern="1200" spc="0" baseline="0"/>
+  </cs:title>
+  <cs:trendline>
+    <cs:lnRef idx="0">
+      <cs:styleClr val="auto"/>
+    </cs:lnRef>
+    <cs:fillRef idx="0"/>
+    <cs:effectRef idx="0"/>
+    <cs:fontRef idx="minor">
+      <a:schemeClr val="tx1"/>
+    </cs:fontRef>
+    <cs:spPr>
+      <a:ln w="19050" cap="rnd">
+        <a:solidFill>
+          <a:schemeClr val="phClr"/>
+        </a:solidFill>
+        <a:prstDash val="sysDot"/>
+      </a:ln>
+    </cs:spPr>
+  </cs:trendline>
+  <cs:trendlineLabel>
+    <cs:lnRef idx="0"/>
+    <cs:fillRef idx="0"/>
+    <cs:effectRef idx="0"/>
+    <cs:fontRef idx="minor">
+      <a:schemeClr val="tx1">
+        <a:lumMod val="65000"/>
+        <a:lumOff val="35000"/>
+      </a:schemeClr>
+    </cs:fontRef>
+    <cs:defRPr sz="1197" kern="1200"/>
+  </cs:trendlineLabel>
+  <cs:upBar>
+    <cs:lnRef idx="0"/>
+    <cs:fillRef idx="0"/>
+    <cs:effectRef idx="0"/>
+    <cs:fontRef idx="minor">
+      <a:schemeClr val="dk1"/>
+    </cs:fontRef>
+    <cs:spPr>
+      <a:solidFill>
+        <a:schemeClr val="lt1"/>
+      </a:solidFill>
+      <a:ln w="9525">
+        <a:solidFill>
+          <a:schemeClr val="tx1">
+            <a:lumMod val="15000"/>
+            <a:lumOff val="85000"/>
+          </a:schemeClr>
+        </a:solidFill>
+      </a:ln>
+    </cs:spPr>
+  </cs:upBar>
+  <cs:valueAxis>
+    <cs:lnRef idx="0"/>
+    <cs:fillRef idx="0"/>
+    <cs:effectRef idx="0"/>
+    <cs:fontRef idx="minor">
+      <a:schemeClr val="tx1">
+        <a:lumMod val="65000"/>
+        <a:lumOff val="35000"/>
+      </a:schemeClr>
+    </cs:fontRef>
+    <cs:defRPr sz="1197" kern="1200"/>
+  </cs:valueAxis>
+  <cs:wall>
+    <cs:lnRef idx="0"/>
+    <cs:fillRef idx="0"/>
+    <cs:effectRef idx="0"/>
+    <cs:fontRef idx="minor">
+      <a:schemeClr val="tx1"/>
+    </cs:fontRef>
+    <cs:spPr>
+      <a:noFill/>
+      <a:ln>
+        <a:noFill/>
+      </a:ln>
+    </cs:spPr>
+  </cs:wall>
+</cs:chartStyle>
+</file>
+
 <file path=ppt/handoutMasters/handoutMaster1.xml><?xml version="1.0" encoding="utf-8"?>
 <p:handoutMaster xmlns:a="http://schemas.openxmlformats.org/drawingml/2006/main" xmlns:r="http://schemas.openxmlformats.org/officeDocument/2006/relationships" xmlns:p="http://schemas.openxmlformats.org/presentationml/2006/main">
   <p:cSld>
@@ -212,7 +3549,7 @@
             <a:pPr rtl="0"/>
             <a:fld id="{F43FFF67-0A66-4BA5-8D01-D7436A93C5DC}" type="datetime1">
               <a:rPr lang="it-IT" smtClean="0"/>
-              <a:t>27/05/2024</a:t>
+              <a:t>11/06/2024</a:t>
             </a:fld>
             <a:endParaRPr lang="it-IT" dirty="0"/>
           </a:p>
@@ -431,7 +3768,7 @@
             <a:fld id="{CCC7B77D-D2C2-452D-80DB-AB1E949B0C69}" type="datetime1">
               <a:rPr lang="it-IT" smtClean="0"/>
               <a:pPr/>
-              <a:t>27/05/2024</a:t>
+              <a:t>11/06/2024</a:t>
             </a:fld>
             <a:endParaRPr lang="it-IT" dirty="0"/>
           </a:p>
@@ -803,570 +4140,6 @@
 </p:notes>
 </file>
 
-<file path=ppt/notesSlides/notesSlide10.xml><?xml version="1.0" encoding="utf-8"?>
-<p:notes xmlns:a="http://schemas.openxmlformats.org/drawingml/2006/main" xmlns:r="http://schemas.openxmlformats.org/officeDocument/2006/relationships" xmlns:p="http://schemas.openxmlformats.org/presentationml/2006/main">
-  <p:cSld>
-    <p:spTree>
-      <p:nvGrpSpPr>
-        <p:cNvPr id="1" name=""/>
-        <p:cNvGrpSpPr/>
-        <p:nvPr/>
-      </p:nvGrpSpPr>
-      <p:grpSpPr>
-        <a:xfrm>
-          <a:off x="0" y="0"/>
-          <a:ext cx="0" cy="0"/>
-          <a:chOff x="0" y="0"/>
-          <a:chExt cx="0" cy="0"/>
-        </a:xfrm>
-      </p:grpSpPr>
-      <p:sp>
-        <p:nvSpPr>
-          <p:cNvPr id="2" name="Segnaposto immagine diapositiva 1"/>
-          <p:cNvSpPr>
-            <a:spLocks noGrp="1" noRot="1" noChangeAspect="1"/>
-          </p:cNvSpPr>
-          <p:nvPr>
-            <p:ph type="sldImg"/>
-          </p:nvPr>
-        </p:nvSpPr>
-        <p:spPr/>
-      </p:sp>
-      <p:sp>
-        <p:nvSpPr>
-          <p:cNvPr id="3" name="Segnaposto note 2"/>
-          <p:cNvSpPr>
-            <a:spLocks noGrp="1"/>
-          </p:cNvSpPr>
-          <p:nvPr>
-            <p:ph type="body" idx="1"/>
-          </p:nvPr>
-        </p:nvSpPr>
-        <p:spPr/>
-        <p:txBody>
-          <a:bodyPr rtlCol="0"/>
-          <a:lstStyle>
-            <a:defPPr>
-              <a:defRPr lang="it-IT"/>
-            </a:defPPr>
-          </a:lstStyle>
-          <a:p>
-            <a:pPr rtl="0"/>
-            <a:endParaRPr lang="it-IT" dirty="0"/>
-          </a:p>
-        </p:txBody>
-      </p:sp>
-      <p:sp>
-        <p:nvSpPr>
-          <p:cNvPr id="4" name="Segnaposto numero diapositiva 3"/>
-          <p:cNvSpPr>
-            <a:spLocks noGrp="1"/>
-          </p:cNvSpPr>
-          <p:nvPr>
-            <p:ph type="sldNum" sz="quarter" idx="5"/>
-          </p:nvPr>
-        </p:nvSpPr>
-        <p:spPr/>
-        <p:txBody>
-          <a:bodyPr rtlCol="0"/>
-          <a:lstStyle>
-            <a:defPPr>
-              <a:defRPr lang="it-IT"/>
-            </a:defPPr>
-          </a:lstStyle>
-          <a:p>
-            <a:pPr rtl="0"/>
-            <a:fld id="{A89C7E07-3C67-C64C-8DA0-0404F6303970}" type="slidenum">
-              <a:rPr lang="it-IT" smtClean="0"/>
-              <a:t>17</a:t>
-            </a:fld>
-            <a:endParaRPr lang="it-IT" dirty="0"/>
-          </a:p>
-        </p:txBody>
-      </p:sp>
-    </p:spTree>
-    <p:extLst>
-      <p:ext uri="{BB962C8B-B14F-4D97-AF65-F5344CB8AC3E}">
-        <p14:creationId xmlns:p14="http://schemas.microsoft.com/office/powerpoint/2010/main" val="501160436"/>
-      </p:ext>
-    </p:extLst>
-  </p:cSld>
-  <p:clrMapOvr>
-    <a:masterClrMapping/>
-  </p:clrMapOvr>
-</p:notes>
-</file>
-
-<file path=ppt/notesSlides/notesSlide11.xml><?xml version="1.0" encoding="utf-8"?>
-<p:notes xmlns:a="http://schemas.openxmlformats.org/drawingml/2006/main" xmlns:r="http://schemas.openxmlformats.org/officeDocument/2006/relationships" xmlns:p="http://schemas.openxmlformats.org/presentationml/2006/main">
-  <p:cSld>
-    <p:spTree>
-      <p:nvGrpSpPr>
-        <p:cNvPr id="1" name=""/>
-        <p:cNvGrpSpPr/>
-        <p:nvPr/>
-      </p:nvGrpSpPr>
-      <p:grpSpPr>
-        <a:xfrm>
-          <a:off x="0" y="0"/>
-          <a:ext cx="0" cy="0"/>
-          <a:chOff x="0" y="0"/>
-          <a:chExt cx="0" cy="0"/>
-        </a:xfrm>
-      </p:grpSpPr>
-      <p:sp>
-        <p:nvSpPr>
-          <p:cNvPr id="2" name="Segnaposto immagine diapositiva 1"/>
-          <p:cNvSpPr>
-            <a:spLocks noGrp="1" noRot="1" noChangeAspect="1"/>
-          </p:cNvSpPr>
-          <p:nvPr>
-            <p:ph type="sldImg"/>
-          </p:nvPr>
-        </p:nvSpPr>
-        <p:spPr/>
-      </p:sp>
-      <p:sp>
-        <p:nvSpPr>
-          <p:cNvPr id="3" name="Segnaposto note 2"/>
-          <p:cNvSpPr>
-            <a:spLocks noGrp="1"/>
-          </p:cNvSpPr>
-          <p:nvPr>
-            <p:ph type="body" idx="1"/>
-          </p:nvPr>
-        </p:nvSpPr>
-        <p:spPr/>
-        <p:txBody>
-          <a:bodyPr rtlCol="0"/>
-          <a:lstStyle>
-            <a:defPPr>
-              <a:defRPr lang="it-IT"/>
-            </a:defPPr>
-          </a:lstStyle>
-          <a:p>
-            <a:pPr rtl="0"/>
-            <a:endParaRPr lang="it-IT" dirty="0"/>
-          </a:p>
-        </p:txBody>
-      </p:sp>
-      <p:sp>
-        <p:nvSpPr>
-          <p:cNvPr id="4" name="Segnaposto numero diapositiva 3"/>
-          <p:cNvSpPr>
-            <a:spLocks noGrp="1"/>
-          </p:cNvSpPr>
-          <p:nvPr>
-            <p:ph type="sldNum" sz="quarter" idx="5"/>
-          </p:nvPr>
-        </p:nvSpPr>
-        <p:spPr/>
-        <p:txBody>
-          <a:bodyPr rtlCol="0"/>
-          <a:lstStyle>
-            <a:defPPr>
-              <a:defRPr lang="it-IT"/>
-            </a:defPPr>
-          </a:lstStyle>
-          <a:p>
-            <a:pPr rtl="0"/>
-            <a:fld id="{A89C7E07-3C67-C64C-8DA0-0404F6303970}" type="slidenum">
-              <a:rPr lang="it-IT" smtClean="0"/>
-              <a:t>18</a:t>
-            </a:fld>
-            <a:endParaRPr lang="it-IT" dirty="0"/>
-          </a:p>
-        </p:txBody>
-      </p:sp>
-    </p:spTree>
-    <p:extLst>
-      <p:ext uri="{BB962C8B-B14F-4D97-AF65-F5344CB8AC3E}">
-        <p14:creationId xmlns:p14="http://schemas.microsoft.com/office/powerpoint/2010/main" val="2994759380"/>
-      </p:ext>
-    </p:extLst>
-  </p:cSld>
-  <p:clrMapOvr>
-    <a:masterClrMapping/>
-  </p:clrMapOvr>
-</p:notes>
-</file>
-
-<file path=ppt/notesSlides/notesSlide12.xml><?xml version="1.0" encoding="utf-8"?>
-<p:notes xmlns:a="http://schemas.openxmlformats.org/drawingml/2006/main" xmlns:r="http://schemas.openxmlformats.org/officeDocument/2006/relationships" xmlns:p="http://schemas.openxmlformats.org/presentationml/2006/main">
-  <p:cSld>
-    <p:spTree>
-      <p:nvGrpSpPr>
-        <p:cNvPr id="1" name=""/>
-        <p:cNvGrpSpPr/>
-        <p:nvPr/>
-      </p:nvGrpSpPr>
-      <p:grpSpPr>
-        <a:xfrm>
-          <a:off x="0" y="0"/>
-          <a:ext cx="0" cy="0"/>
-          <a:chOff x="0" y="0"/>
-          <a:chExt cx="0" cy="0"/>
-        </a:xfrm>
-      </p:grpSpPr>
-      <p:sp>
-        <p:nvSpPr>
-          <p:cNvPr id="2" name="Segnaposto immagine diapositiva 1"/>
-          <p:cNvSpPr>
-            <a:spLocks noGrp="1" noRot="1" noChangeAspect="1"/>
-          </p:cNvSpPr>
-          <p:nvPr>
-            <p:ph type="sldImg"/>
-          </p:nvPr>
-        </p:nvSpPr>
-        <p:spPr/>
-      </p:sp>
-      <p:sp>
-        <p:nvSpPr>
-          <p:cNvPr id="3" name="Segnaposto note 2"/>
-          <p:cNvSpPr>
-            <a:spLocks noGrp="1"/>
-          </p:cNvSpPr>
-          <p:nvPr>
-            <p:ph type="body" idx="1"/>
-          </p:nvPr>
-        </p:nvSpPr>
-        <p:spPr/>
-        <p:txBody>
-          <a:bodyPr rtlCol="0"/>
-          <a:lstStyle>
-            <a:defPPr>
-              <a:defRPr lang="it-IT"/>
-            </a:defPPr>
-          </a:lstStyle>
-          <a:p>
-            <a:pPr rtl="0"/>
-            <a:endParaRPr lang="it-IT" dirty="0"/>
-          </a:p>
-        </p:txBody>
-      </p:sp>
-      <p:sp>
-        <p:nvSpPr>
-          <p:cNvPr id="4" name="Segnaposto numero diapositiva 3"/>
-          <p:cNvSpPr>
-            <a:spLocks noGrp="1"/>
-          </p:cNvSpPr>
-          <p:nvPr>
-            <p:ph type="sldNum" sz="quarter" idx="5"/>
-          </p:nvPr>
-        </p:nvSpPr>
-        <p:spPr/>
-        <p:txBody>
-          <a:bodyPr rtlCol="0"/>
-          <a:lstStyle>
-            <a:defPPr>
-              <a:defRPr lang="it-IT"/>
-            </a:defPPr>
-          </a:lstStyle>
-          <a:p>
-            <a:pPr rtl="0"/>
-            <a:fld id="{A89C7E07-3C67-C64C-8DA0-0404F6303970}" type="slidenum">
-              <a:rPr lang="it-IT" smtClean="0"/>
-              <a:t>19</a:t>
-            </a:fld>
-            <a:endParaRPr lang="it-IT" dirty="0"/>
-          </a:p>
-        </p:txBody>
-      </p:sp>
-    </p:spTree>
-    <p:extLst>
-      <p:ext uri="{BB962C8B-B14F-4D97-AF65-F5344CB8AC3E}">
-        <p14:creationId xmlns:p14="http://schemas.microsoft.com/office/powerpoint/2010/main" val="4050233131"/>
-      </p:ext>
-    </p:extLst>
-  </p:cSld>
-  <p:clrMapOvr>
-    <a:masterClrMapping/>
-  </p:clrMapOvr>
-</p:notes>
-</file>
-
-<file path=ppt/notesSlides/notesSlide13.xml><?xml version="1.0" encoding="utf-8"?>
-<p:notes xmlns:a="http://schemas.openxmlformats.org/drawingml/2006/main" xmlns:r="http://schemas.openxmlformats.org/officeDocument/2006/relationships" xmlns:p="http://schemas.openxmlformats.org/presentationml/2006/main">
-  <p:cSld>
-    <p:spTree>
-      <p:nvGrpSpPr>
-        <p:cNvPr id="1" name=""/>
-        <p:cNvGrpSpPr/>
-        <p:nvPr/>
-      </p:nvGrpSpPr>
-      <p:grpSpPr>
-        <a:xfrm>
-          <a:off x="0" y="0"/>
-          <a:ext cx="0" cy="0"/>
-          <a:chOff x="0" y="0"/>
-          <a:chExt cx="0" cy="0"/>
-        </a:xfrm>
-      </p:grpSpPr>
-      <p:sp>
-        <p:nvSpPr>
-          <p:cNvPr id="2" name="Segnaposto immagine diapositiva 1"/>
-          <p:cNvSpPr>
-            <a:spLocks noGrp="1" noRot="1" noChangeAspect="1"/>
-          </p:cNvSpPr>
-          <p:nvPr>
-            <p:ph type="sldImg"/>
-          </p:nvPr>
-        </p:nvSpPr>
-        <p:spPr/>
-      </p:sp>
-      <p:sp>
-        <p:nvSpPr>
-          <p:cNvPr id="3" name="Segnaposto note 2"/>
-          <p:cNvSpPr>
-            <a:spLocks noGrp="1"/>
-          </p:cNvSpPr>
-          <p:nvPr>
-            <p:ph type="body" idx="1"/>
-          </p:nvPr>
-        </p:nvSpPr>
-        <p:spPr/>
-        <p:txBody>
-          <a:bodyPr rtlCol="0"/>
-          <a:lstStyle>
-            <a:defPPr>
-              <a:defRPr lang="it-IT"/>
-            </a:defPPr>
-          </a:lstStyle>
-          <a:p>
-            <a:pPr rtl="0"/>
-            <a:endParaRPr lang="it-IT" dirty="0"/>
-          </a:p>
-        </p:txBody>
-      </p:sp>
-      <p:sp>
-        <p:nvSpPr>
-          <p:cNvPr id="4" name="Segnaposto numero diapositiva 3"/>
-          <p:cNvSpPr>
-            <a:spLocks noGrp="1"/>
-          </p:cNvSpPr>
-          <p:nvPr>
-            <p:ph type="sldNum" sz="quarter" idx="5"/>
-          </p:nvPr>
-        </p:nvSpPr>
-        <p:spPr/>
-        <p:txBody>
-          <a:bodyPr rtlCol="0"/>
-          <a:lstStyle>
-            <a:defPPr>
-              <a:defRPr lang="it-IT"/>
-            </a:defPPr>
-          </a:lstStyle>
-          <a:p>
-            <a:pPr rtl="0"/>
-            <a:fld id="{A89C7E07-3C67-C64C-8DA0-0404F6303970}" type="slidenum">
-              <a:rPr lang="it-IT" smtClean="0"/>
-              <a:t>20</a:t>
-            </a:fld>
-            <a:endParaRPr lang="it-IT" dirty="0"/>
-          </a:p>
-        </p:txBody>
-      </p:sp>
-    </p:spTree>
-    <p:extLst>
-      <p:ext uri="{BB962C8B-B14F-4D97-AF65-F5344CB8AC3E}">
-        <p14:creationId xmlns:p14="http://schemas.microsoft.com/office/powerpoint/2010/main" val="634596896"/>
-      </p:ext>
-    </p:extLst>
-  </p:cSld>
-  <p:clrMapOvr>
-    <a:masterClrMapping/>
-  </p:clrMapOvr>
-</p:notes>
-</file>
-
-<file path=ppt/notesSlides/notesSlide14.xml><?xml version="1.0" encoding="utf-8"?>
-<p:notes xmlns:a="http://schemas.openxmlformats.org/drawingml/2006/main" xmlns:r="http://schemas.openxmlformats.org/officeDocument/2006/relationships" xmlns:p="http://schemas.openxmlformats.org/presentationml/2006/main">
-  <p:cSld>
-    <p:spTree>
-      <p:nvGrpSpPr>
-        <p:cNvPr id="1" name=""/>
-        <p:cNvGrpSpPr/>
-        <p:nvPr/>
-      </p:nvGrpSpPr>
-      <p:grpSpPr>
-        <a:xfrm>
-          <a:off x="0" y="0"/>
-          <a:ext cx="0" cy="0"/>
-          <a:chOff x="0" y="0"/>
-          <a:chExt cx="0" cy="0"/>
-        </a:xfrm>
-      </p:grpSpPr>
-      <p:sp>
-        <p:nvSpPr>
-          <p:cNvPr id="2" name="Segnaposto immagine diapositiva 1"/>
-          <p:cNvSpPr>
-            <a:spLocks noGrp="1" noRot="1" noChangeAspect="1"/>
-          </p:cNvSpPr>
-          <p:nvPr>
-            <p:ph type="sldImg"/>
-          </p:nvPr>
-        </p:nvSpPr>
-        <p:spPr/>
-      </p:sp>
-      <p:sp>
-        <p:nvSpPr>
-          <p:cNvPr id="3" name="Segnaposto note 2"/>
-          <p:cNvSpPr>
-            <a:spLocks noGrp="1"/>
-          </p:cNvSpPr>
-          <p:nvPr>
-            <p:ph type="body" idx="1"/>
-          </p:nvPr>
-        </p:nvSpPr>
-        <p:spPr/>
-        <p:txBody>
-          <a:bodyPr rtlCol="0"/>
-          <a:lstStyle>
-            <a:defPPr>
-              <a:defRPr lang="it-IT"/>
-            </a:defPPr>
-          </a:lstStyle>
-          <a:p>
-            <a:pPr rtl="0"/>
-            <a:endParaRPr lang="it-IT" dirty="0"/>
-          </a:p>
-        </p:txBody>
-      </p:sp>
-      <p:sp>
-        <p:nvSpPr>
-          <p:cNvPr id="4" name="Segnaposto numero diapositiva 3"/>
-          <p:cNvSpPr>
-            <a:spLocks noGrp="1"/>
-          </p:cNvSpPr>
-          <p:nvPr>
-            <p:ph type="sldNum" sz="quarter" idx="5"/>
-          </p:nvPr>
-        </p:nvSpPr>
-        <p:spPr/>
-        <p:txBody>
-          <a:bodyPr rtlCol="0"/>
-          <a:lstStyle>
-            <a:defPPr>
-              <a:defRPr lang="it-IT"/>
-            </a:defPPr>
-          </a:lstStyle>
-          <a:p>
-            <a:pPr rtl="0"/>
-            <a:fld id="{A89C7E07-3C67-C64C-8DA0-0404F6303970}" type="slidenum">
-              <a:rPr lang="it-IT" smtClean="0"/>
-              <a:t>21</a:t>
-            </a:fld>
-            <a:endParaRPr lang="it-IT" dirty="0"/>
-          </a:p>
-        </p:txBody>
-      </p:sp>
-    </p:spTree>
-    <p:extLst>
-      <p:ext uri="{BB962C8B-B14F-4D97-AF65-F5344CB8AC3E}">
-        <p14:creationId xmlns:p14="http://schemas.microsoft.com/office/powerpoint/2010/main" val="514488140"/>
-      </p:ext>
-    </p:extLst>
-  </p:cSld>
-  <p:clrMapOvr>
-    <a:masterClrMapping/>
-  </p:clrMapOvr>
-</p:notes>
-</file>
-
-<file path=ppt/notesSlides/notesSlide15.xml><?xml version="1.0" encoding="utf-8"?>
-<p:notes xmlns:a="http://schemas.openxmlformats.org/drawingml/2006/main" xmlns:r="http://schemas.openxmlformats.org/officeDocument/2006/relationships" xmlns:p="http://schemas.openxmlformats.org/presentationml/2006/main">
-  <p:cSld>
-    <p:spTree>
-      <p:nvGrpSpPr>
-        <p:cNvPr id="1" name=""/>
-        <p:cNvGrpSpPr/>
-        <p:nvPr/>
-      </p:nvGrpSpPr>
-      <p:grpSpPr>
-        <a:xfrm>
-          <a:off x="0" y="0"/>
-          <a:ext cx="0" cy="0"/>
-          <a:chOff x="0" y="0"/>
-          <a:chExt cx="0" cy="0"/>
-        </a:xfrm>
-      </p:grpSpPr>
-      <p:sp>
-        <p:nvSpPr>
-          <p:cNvPr id="2" name="Segnaposto immagine diapositiva 1"/>
-          <p:cNvSpPr>
-            <a:spLocks noGrp="1" noRot="1" noChangeAspect="1"/>
-          </p:cNvSpPr>
-          <p:nvPr>
-            <p:ph type="sldImg"/>
-          </p:nvPr>
-        </p:nvSpPr>
-        <p:spPr/>
-      </p:sp>
-      <p:sp>
-        <p:nvSpPr>
-          <p:cNvPr id="3" name="Segnaposto note 2"/>
-          <p:cNvSpPr>
-            <a:spLocks noGrp="1"/>
-          </p:cNvSpPr>
-          <p:nvPr>
-            <p:ph type="body" idx="1"/>
-          </p:nvPr>
-        </p:nvSpPr>
-        <p:spPr/>
-        <p:txBody>
-          <a:bodyPr rtlCol="0"/>
-          <a:lstStyle>
-            <a:defPPr>
-              <a:defRPr lang="it-IT"/>
-            </a:defPPr>
-          </a:lstStyle>
-          <a:p>
-            <a:pPr rtl="0"/>
-            <a:endParaRPr lang="it-IT" dirty="0"/>
-          </a:p>
-        </p:txBody>
-      </p:sp>
-      <p:sp>
-        <p:nvSpPr>
-          <p:cNvPr id="4" name="Segnaposto numero diapositiva 3"/>
-          <p:cNvSpPr>
-            <a:spLocks noGrp="1"/>
-          </p:cNvSpPr>
-          <p:nvPr>
-            <p:ph type="sldNum" sz="quarter" idx="5"/>
-          </p:nvPr>
-        </p:nvSpPr>
-        <p:spPr/>
-        <p:txBody>
-          <a:bodyPr rtlCol="0"/>
-          <a:lstStyle>
-            <a:defPPr>
-              <a:defRPr lang="it-IT"/>
-            </a:defPPr>
-          </a:lstStyle>
-          <a:p>
-            <a:pPr rtl="0"/>
-            <a:fld id="{A89C7E07-3C67-C64C-8DA0-0404F6303970}" type="slidenum">
-              <a:rPr lang="it-IT" smtClean="0"/>
-              <a:t>22</a:t>
-            </a:fld>
-            <a:endParaRPr lang="it-IT" dirty="0"/>
-          </a:p>
-        </p:txBody>
-      </p:sp>
-    </p:spTree>
-    <p:extLst>
-      <p:ext uri="{BB962C8B-B14F-4D97-AF65-F5344CB8AC3E}">
-        <p14:creationId xmlns:p14="http://schemas.microsoft.com/office/powerpoint/2010/main" val="1765923172"/>
-      </p:ext>
-    </p:extLst>
-  </p:cSld>
-  <p:clrMapOvr>
-    <a:masterClrMapping/>
-  </p:clrMapOvr>
-</p:notes>
-</file>
-
 <file path=ppt/notesSlides/notesSlide2.xml><?xml version="1.0" encoding="utf-8"?>
 <p:notes xmlns:a="http://schemas.openxmlformats.org/drawingml/2006/main" xmlns:r="http://schemas.openxmlformats.org/officeDocument/2006/relationships" xmlns:p="http://schemas.openxmlformats.org/presentationml/2006/main">
   <p:cSld>
@@ -1918,14 +4691,9 @@
         </p:nvSpPr>
         <p:spPr/>
         <p:txBody>
-          <a:bodyPr rtlCol="0"/>
-          <a:lstStyle>
-            <a:defPPr>
-              <a:defRPr lang="it-IT"/>
-            </a:defPPr>
-          </a:lstStyle>
-          <a:p>
-            <a:pPr rtl="0"/>
+          <a:bodyPr/>
+          <a:lstStyle/>
+          <a:p>
             <a:endParaRPr lang="it-IT" dirty="0"/>
           </a:p>
         </p:txBody>
@@ -1942,17 +4710,13 @@
         </p:nvSpPr>
         <p:spPr/>
         <p:txBody>
-          <a:bodyPr rtlCol="0"/>
-          <a:lstStyle>
-            <a:defPPr>
-              <a:defRPr lang="it-IT"/>
-            </a:defPPr>
-          </a:lstStyle>
+          <a:bodyPr/>
+          <a:lstStyle/>
           <a:p>
             <a:pPr rtl="0"/>
             <a:fld id="{A89C7E07-3C67-C64C-8DA0-0404F6303970}" type="slidenum">
               <a:rPr lang="it-IT" smtClean="0"/>
-              <a:t>13</a:t>
+              <a:t>14</a:t>
             </a:fld>
             <a:endParaRPr lang="it-IT" dirty="0"/>
           </a:p>
@@ -1961,7 +4725,7 @@
     </p:spTree>
     <p:extLst>
       <p:ext uri="{BB962C8B-B14F-4D97-AF65-F5344CB8AC3E}">
-        <p14:creationId xmlns:p14="http://schemas.microsoft.com/office/powerpoint/2010/main" val="3576248012"/>
+        <p14:creationId xmlns:p14="http://schemas.microsoft.com/office/powerpoint/2010/main" val="830287326"/>
       </p:ext>
     </p:extLst>
   </p:cSld>
@@ -2012,15 +4776,29 @@
         </p:nvSpPr>
         <p:spPr/>
         <p:txBody>
-          <a:bodyPr rtlCol="0"/>
-          <a:lstStyle>
-            <a:defPPr>
-              <a:defRPr lang="it-IT"/>
-            </a:defPPr>
-          </a:lstStyle>
-          <a:p>
-            <a:pPr rtl="0"/>
-            <a:endParaRPr lang="it-IT" dirty="0"/>
+          <a:bodyPr/>
+          <a:lstStyle/>
+          <a:p>
+            <a:r>
+              <a:rPr lang="it-IT" dirty="0"/>
+              <a:t>Qua si fa vedere come l’utilizzo del sentiment aumenta l’</a:t>
+            </a:r>
+            <a:r>
+              <a:rPr lang="it-IT" dirty="0" err="1"/>
+              <a:t>average</a:t>
+            </a:r>
+            <a:r>
+              <a:rPr lang="it-IT" dirty="0"/>
+              <a:t> </a:t>
+            </a:r>
+            <a:r>
+              <a:rPr lang="it-IT" dirty="0" err="1"/>
+              <a:t>precision</a:t>
+            </a:r>
+            <a:r>
+              <a:rPr lang="it-IT" dirty="0"/>
+              <a:t> in alcune query</a:t>
+            </a:r>
           </a:p>
         </p:txBody>
       </p:sp>
@@ -2036,130 +4814,8 @@
         </p:nvSpPr>
         <p:spPr/>
         <p:txBody>
-          <a:bodyPr rtlCol="0"/>
-          <a:lstStyle>
-            <a:defPPr>
-              <a:defRPr lang="it-IT"/>
-            </a:defPPr>
-          </a:lstStyle>
-          <a:p>
-            <a:pPr rtl="0"/>
-            <a:fld id="{A89C7E07-3C67-C64C-8DA0-0404F6303970}" type="slidenum">
-              <a:rPr lang="it-IT" smtClean="0"/>
-              <a:t>14</a:t>
-            </a:fld>
-            <a:endParaRPr lang="it-IT" dirty="0"/>
-          </a:p>
-        </p:txBody>
-      </p:sp>
-    </p:spTree>
-    <p:extLst>
-      <p:ext uri="{BB962C8B-B14F-4D97-AF65-F5344CB8AC3E}">
-        <p14:creationId xmlns:p14="http://schemas.microsoft.com/office/powerpoint/2010/main" val="3908276564"/>
-      </p:ext>
-    </p:extLst>
-  </p:cSld>
-  <p:clrMapOvr>
-    <a:masterClrMapping/>
-  </p:clrMapOvr>
-</p:notes>
-</file>
-
-<file path=ppt/notesSlides/notesSlide8.xml><?xml version="1.0" encoding="utf-8"?>
-<p:notes xmlns:a="http://schemas.openxmlformats.org/drawingml/2006/main" xmlns:r="http://schemas.openxmlformats.org/officeDocument/2006/relationships" xmlns:p="http://schemas.openxmlformats.org/presentationml/2006/main">
-  <p:cSld>
-    <p:spTree>
-      <p:nvGrpSpPr>
-        <p:cNvPr id="1" name="">
-          <a:extLst>
-            <a:ext uri="{FF2B5EF4-FFF2-40B4-BE49-F238E27FC236}">
-              <a16:creationId xmlns:a16="http://schemas.microsoft.com/office/drawing/2014/main" id="{14BBC04D-2568-C19F-6211-ABA7996CBC5B}"/>
-            </a:ext>
-          </a:extLst>
-        </p:cNvPr>
-        <p:cNvGrpSpPr/>
-        <p:nvPr/>
-      </p:nvGrpSpPr>
-      <p:grpSpPr>
-        <a:xfrm>
-          <a:off x="0" y="0"/>
-          <a:ext cx="0" cy="0"/>
-          <a:chOff x="0" y="0"/>
-          <a:chExt cx="0" cy="0"/>
-        </a:xfrm>
-      </p:grpSpPr>
-      <p:sp>
-        <p:nvSpPr>
-          <p:cNvPr id="2" name="Segnaposto immagine diapositiva 1">
-            <a:extLst>
-              <a:ext uri="{FF2B5EF4-FFF2-40B4-BE49-F238E27FC236}">
-                <a16:creationId xmlns:a16="http://schemas.microsoft.com/office/drawing/2014/main" id="{BBBD96A4-D432-FA69-5E46-4DF91D77CA91}"/>
-              </a:ext>
-            </a:extLst>
-          </p:cNvPr>
-          <p:cNvSpPr>
-            <a:spLocks noGrp="1" noRot="1" noChangeAspect="1"/>
-          </p:cNvSpPr>
-          <p:nvPr>
-            <p:ph type="sldImg"/>
-          </p:nvPr>
-        </p:nvSpPr>
-        <p:spPr/>
-      </p:sp>
-      <p:sp>
-        <p:nvSpPr>
-          <p:cNvPr id="3" name="Segnaposto note 2">
-            <a:extLst>
-              <a:ext uri="{FF2B5EF4-FFF2-40B4-BE49-F238E27FC236}">
-                <a16:creationId xmlns:a16="http://schemas.microsoft.com/office/drawing/2014/main" id="{EF639921-CFBB-DE6F-31EB-81B758CA0268}"/>
-              </a:ext>
-            </a:extLst>
-          </p:cNvPr>
-          <p:cNvSpPr>
-            <a:spLocks noGrp="1"/>
-          </p:cNvSpPr>
-          <p:nvPr>
-            <p:ph type="body" idx="1"/>
-          </p:nvPr>
-        </p:nvSpPr>
-        <p:spPr/>
-        <p:txBody>
-          <a:bodyPr rtlCol="0"/>
-          <a:lstStyle>
-            <a:defPPr>
-              <a:defRPr lang="it-IT"/>
-            </a:defPPr>
-          </a:lstStyle>
-          <a:p>
-            <a:pPr rtl="0"/>
-            <a:endParaRPr lang="it-IT" dirty="0"/>
-          </a:p>
-        </p:txBody>
-      </p:sp>
-      <p:sp>
-        <p:nvSpPr>
-          <p:cNvPr id="4" name="Segnaposto numero diapositiva 3">
-            <a:extLst>
-              <a:ext uri="{FF2B5EF4-FFF2-40B4-BE49-F238E27FC236}">
-                <a16:creationId xmlns:a16="http://schemas.microsoft.com/office/drawing/2014/main" id="{4453E3F8-8185-F97B-2F08-1F44FCE2A5AB}"/>
-              </a:ext>
-            </a:extLst>
-          </p:cNvPr>
-          <p:cNvSpPr>
-            <a:spLocks noGrp="1"/>
-          </p:cNvSpPr>
-          <p:nvPr>
-            <p:ph type="sldNum" sz="quarter" idx="5"/>
-          </p:nvPr>
-        </p:nvSpPr>
-        <p:spPr/>
-        <p:txBody>
-          <a:bodyPr rtlCol="0"/>
-          <a:lstStyle>
-            <a:defPPr>
-              <a:defRPr lang="it-IT"/>
-            </a:defPPr>
-          </a:lstStyle>
+          <a:bodyPr/>
+          <a:lstStyle/>
           <a:p>
             <a:pPr rtl="0"/>
             <a:fld id="{A89C7E07-3C67-C64C-8DA0-0404F6303970}" type="slidenum">
@@ -2173,101 +4829,7 @@
     </p:spTree>
     <p:extLst>
       <p:ext uri="{BB962C8B-B14F-4D97-AF65-F5344CB8AC3E}">
-        <p14:creationId xmlns:p14="http://schemas.microsoft.com/office/powerpoint/2010/main" val="3727777786"/>
-      </p:ext>
-    </p:extLst>
-  </p:cSld>
-  <p:clrMapOvr>
-    <a:masterClrMapping/>
-  </p:clrMapOvr>
-</p:notes>
-</file>
-
-<file path=ppt/notesSlides/notesSlide9.xml><?xml version="1.0" encoding="utf-8"?>
-<p:notes xmlns:a="http://schemas.openxmlformats.org/drawingml/2006/main" xmlns:r="http://schemas.openxmlformats.org/officeDocument/2006/relationships" xmlns:p="http://schemas.openxmlformats.org/presentationml/2006/main">
-  <p:cSld>
-    <p:spTree>
-      <p:nvGrpSpPr>
-        <p:cNvPr id="1" name=""/>
-        <p:cNvGrpSpPr/>
-        <p:nvPr/>
-      </p:nvGrpSpPr>
-      <p:grpSpPr>
-        <a:xfrm>
-          <a:off x="0" y="0"/>
-          <a:ext cx="0" cy="0"/>
-          <a:chOff x="0" y="0"/>
-          <a:chExt cx="0" cy="0"/>
-        </a:xfrm>
-      </p:grpSpPr>
-      <p:sp>
-        <p:nvSpPr>
-          <p:cNvPr id="2" name="Segnaposto immagine diapositiva 1"/>
-          <p:cNvSpPr>
-            <a:spLocks noGrp="1" noRot="1" noChangeAspect="1"/>
-          </p:cNvSpPr>
-          <p:nvPr>
-            <p:ph type="sldImg"/>
-          </p:nvPr>
-        </p:nvSpPr>
-        <p:spPr/>
-      </p:sp>
-      <p:sp>
-        <p:nvSpPr>
-          <p:cNvPr id="3" name="Segnaposto note 2"/>
-          <p:cNvSpPr>
-            <a:spLocks noGrp="1"/>
-          </p:cNvSpPr>
-          <p:nvPr>
-            <p:ph type="body" idx="1"/>
-          </p:nvPr>
-        </p:nvSpPr>
-        <p:spPr/>
-        <p:txBody>
-          <a:bodyPr rtlCol="0"/>
-          <a:lstStyle>
-            <a:defPPr>
-              <a:defRPr lang="it-IT"/>
-            </a:defPPr>
-          </a:lstStyle>
-          <a:p>
-            <a:pPr rtl="0"/>
-            <a:endParaRPr lang="it-IT" dirty="0"/>
-          </a:p>
-        </p:txBody>
-      </p:sp>
-      <p:sp>
-        <p:nvSpPr>
-          <p:cNvPr id="4" name="Segnaposto numero diapositiva 3"/>
-          <p:cNvSpPr>
-            <a:spLocks noGrp="1"/>
-          </p:cNvSpPr>
-          <p:nvPr>
-            <p:ph type="sldNum" sz="quarter" idx="5"/>
-          </p:nvPr>
-        </p:nvSpPr>
-        <p:spPr/>
-        <p:txBody>
-          <a:bodyPr rtlCol="0"/>
-          <a:lstStyle>
-            <a:defPPr>
-              <a:defRPr lang="it-IT"/>
-            </a:defPPr>
-          </a:lstStyle>
-          <a:p>
-            <a:pPr rtl="0"/>
-            <a:fld id="{A89C7E07-3C67-C64C-8DA0-0404F6303970}" type="slidenum">
-              <a:rPr lang="it-IT" smtClean="0"/>
-              <a:t>16</a:t>
-            </a:fld>
-            <a:endParaRPr lang="it-IT" dirty="0"/>
-          </a:p>
-        </p:txBody>
-      </p:sp>
-    </p:spTree>
-    <p:extLst>
-      <p:ext uri="{BB962C8B-B14F-4D97-AF65-F5344CB8AC3E}">
-        <p14:creationId xmlns:p14="http://schemas.microsoft.com/office/powerpoint/2010/main" val="2386183720"/>
+        <p14:creationId xmlns:p14="http://schemas.microsoft.com/office/powerpoint/2010/main" val="1919459569"/>
       </p:ext>
     </p:extLst>
   </p:cSld>
@@ -10408,7 +12970,7 @@
     <p:sldLayoutId id="2147483704" r:id="rId12"/>
     <p:sldLayoutId id="2147483703" r:id="rId13"/>
   </p:sldLayoutIdLst>
-  <p:hf sldNum="0" hdr="0" ftr="0" dt="0"/>
+  <p:hf hdr="0" ftr="0" dt="0"/>
   <p:txStyles>
     <p:titleStyle>
       <a:lvl1pPr algn="l" defTabSz="914400" rtl="0" eaLnBrk="1" latinLnBrk="0" hangingPunct="1">
@@ -11135,10 +13697,10 @@
       </p:sp>
       <p:pic>
         <p:nvPicPr>
-          <p:cNvPr id="5" name="Immagine 4">
+          <p:cNvPr id="7" name="Immagine 6">
             <a:extLst>
               <a:ext uri="{FF2B5EF4-FFF2-40B4-BE49-F238E27FC236}">
-                <a16:creationId xmlns:a16="http://schemas.microsoft.com/office/drawing/2014/main" id="{3D639FBE-26AD-77C8-646A-BC80B6158AD5}"/>
+                <a16:creationId xmlns:a16="http://schemas.microsoft.com/office/drawing/2014/main" id="{B752EDA5-83BD-39D7-725F-D7AD3EBE10EB}"/>
               </a:ext>
             </a:extLst>
           </p:cNvPr>
@@ -11149,42 +13711,6 @@
         </p:nvPicPr>
         <p:blipFill>
           <a:blip r:embed="rId2">
-            <a:extLst>
-              <a:ext uri="{28A0092B-C50C-407E-A947-70E740481C1C}">
-                <a14:useLocalDpi xmlns:a14="http://schemas.microsoft.com/office/drawing/2010/main" val="0"/>
-              </a:ext>
-            </a:extLst>
-          </a:blip>
-          <a:stretch>
-            <a:fillRect/>
-          </a:stretch>
-        </p:blipFill>
-        <p:spPr>
-          <a:xfrm>
-            <a:off x="367405" y="6270434"/>
-            <a:ext cx="5459444" cy="348138"/>
-          </a:xfrm>
-          <a:prstGeom prst="rect">
-            <a:avLst/>
-          </a:prstGeom>
-        </p:spPr>
-      </p:pic>
-      <p:pic>
-        <p:nvPicPr>
-          <p:cNvPr id="7" name="Immagine 6">
-            <a:extLst>
-              <a:ext uri="{FF2B5EF4-FFF2-40B4-BE49-F238E27FC236}">
-                <a16:creationId xmlns:a16="http://schemas.microsoft.com/office/drawing/2014/main" id="{B752EDA5-83BD-39D7-725F-D7AD3EBE10EB}"/>
-              </a:ext>
-            </a:extLst>
-          </p:cNvPr>
-          <p:cNvPicPr>
-            <a:picLocks noChangeAspect="1"/>
-          </p:cNvPicPr>
-          <p:nvPr/>
-        </p:nvPicPr>
-        <p:blipFill>
-          <a:blip r:embed="rId3">
             <a:extLst>
               <a:ext uri="{28A0092B-C50C-407E-A947-70E740481C1C}">
                 <a14:useLocalDpi xmlns:a14="http://schemas.microsoft.com/office/drawing/2010/main" val="0"/>
@@ -11220,7 +13746,7 @@
           <p:nvPr/>
         </p:nvPicPr>
         <p:blipFill>
-          <a:blip r:embed="rId4">
+          <a:blip r:embed="rId3">
             <a:extLst>
               <a:ext uri="{28A0092B-C50C-407E-A947-70E740481C1C}">
                 <a14:useLocalDpi xmlns:a14="http://schemas.microsoft.com/office/drawing/2010/main" val="0"/>
@@ -11256,13 +13782,13 @@
           <p:nvPr/>
         </p:nvPicPr>
         <p:blipFill>
-          <a:blip r:embed="rId5">
+          <a:blip r:embed="rId4">
             <a:extLst>
               <a:ext uri="{28A0092B-C50C-407E-A947-70E740481C1C}">
                 <a14:useLocalDpi xmlns:a14="http://schemas.microsoft.com/office/drawing/2010/main" val="0"/>
               </a:ext>
               <a:ext uri="{96DAC541-7B7A-43D3-8B79-37D633B846F1}">
-                <asvg:svgBlip xmlns:asvg="http://schemas.microsoft.com/office/drawing/2016/SVG/main" r:embed="rId6"/>
+                <asvg:svgBlip xmlns:asvg="http://schemas.microsoft.com/office/drawing/2016/SVG/main" r:embed="rId5"/>
               </a:ext>
             </a:extLst>
           </a:blip>
@@ -11280,6 +13806,44 @@
           </a:prstGeom>
         </p:spPr>
       </p:pic>
+      <p:sp>
+        <p:nvSpPr>
+          <p:cNvPr id="4" name="Segnaposto numero diapositiva 3">
+            <a:extLst>
+              <a:ext uri="{FF2B5EF4-FFF2-40B4-BE49-F238E27FC236}">
+                <a16:creationId xmlns:a16="http://schemas.microsoft.com/office/drawing/2014/main" id="{8998AEF6-CD68-BDBB-6119-E3B39F031789}"/>
+              </a:ext>
+            </a:extLst>
+          </p:cNvPr>
+          <p:cNvSpPr>
+            <a:spLocks noGrp="1"/>
+          </p:cNvSpPr>
+          <p:nvPr>
+            <p:ph type="sldNum" sz="quarter" idx="22"/>
+          </p:nvPr>
+        </p:nvSpPr>
+        <p:spPr>
+          <a:xfrm>
+            <a:off x="11668760" y="6610349"/>
+            <a:ext cx="523240" cy="247651"/>
+          </a:xfrm>
+        </p:spPr>
+        <p:txBody>
+          <a:bodyPr/>
+          <a:lstStyle/>
+          <a:p>
+            <a:pPr rtl="0"/>
+            <a:fld id="{294A09A9-5501-47C1-A89A-A340965A2BE2}" type="slidenum">
+              <a:rPr lang="it-IT" smtClean="0"/>
+              <a:pPr rtl="0"/>
+              <a:t>10</a:t>
+            </a:fld>
+            <a:endParaRPr lang="it-IT" dirty="0">
+              <a:latin typeface="+mn-lt"/>
+            </a:endParaRPr>
+          </a:p>
+        </p:txBody>
+      </p:sp>
     </p:spTree>
     <p:extLst>
       <p:ext uri="{BB962C8B-B14F-4D97-AF65-F5344CB8AC3E}">
@@ -11561,6 +14125,44 @@
           </a:extLst>
         </p:spPr>
       </p:pic>
+      <p:sp>
+        <p:nvSpPr>
+          <p:cNvPr id="4" name="Segnaposto numero diapositiva 3">
+            <a:extLst>
+              <a:ext uri="{FF2B5EF4-FFF2-40B4-BE49-F238E27FC236}">
+                <a16:creationId xmlns:a16="http://schemas.microsoft.com/office/drawing/2014/main" id="{26BEE18B-8CDF-43AC-63A7-E8E48446CE92}"/>
+              </a:ext>
+            </a:extLst>
+          </p:cNvPr>
+          <p:cNvSpPr>
+            <a:spLocks noGrp="1"/>
+          </p:cNvSpPr>
+          <p:nvPr>
+            <p:ph type="sldNum" sz="quarter" idx="22"/>
+          </p:nvPr>
+        </p:nvSpPr>
+        <p:spPr>
+          <a:xfrm>
+            <a:off x="11668760" y="6610349"/>
+            <a:ext cx="523240" cy="247651"/>
+          </a:xfrm>
+        </p:spPr>
+        <p:txBody>
+          <a:bodyPr/>
+          <a:lstStyle/>
+          <a:p>
+            <a:pPr rtl="0"/>
+            <a:fld id="{294A09A9-5501-47C1-A89A-A340965A2BE2}" type="slidenum">
+              <a:rPr lang="it-IT" smtClean="0"/>
+              <a:pPr rtl="0"/>
+              <a:t>11</a:t>
+            </a:fld>
+            <a:endParaRPr lang="it-IT" dirty="0">
+              <a:latin typeface="+mn-lt"/>
+            </a:endParaRPr>
+          </a:p>
+        </p:txBody>
+      </p:sp>
     </p:spTree>
     <p:extLst>
       <p:ext uri="{BB962C8B-B14F-4D97-AF65-F5344CB8AC3E}">
@@ -11679,7 +14281,7 @@
           <p:cNvPr id="2" name="Titolo 1">
             <a:extLst>
               <a:ext uri="{FF2B5EF4-FFF2-40B4-BE49-F238E27FC236}">
-                <a16:creationId xmlns:a16="http://schemas.microsoft.com/office/drawing/2014/main" id="{65B8CE60-587E-1D5C-8B50-ED3441BA49CE}"/>
+                <a16:creationId xmlns:a16="http://schemas.microsoft.com/office/drawing/2014/main" id="{F633C508-365B-EA19-3389-3BD4B5079FFD}"/>
               </a:ext>
             </a:extLst>
           </p:cNvPr>
@@ -11687,83 +14289,32 @@
             <a:spLocks noGrp="1"/>
           </p:cNvSpPr>
           <p:nvPr>
-            <p:ph type="ctrTitle"/>
+            <p:ph type="title"/>
           </p:nvPr>
         </p:nvSpPr>
-        <p:spPr>
-          <a:xfrm>
-            <a:off x="6299835" y="430529"/>
-            <a:ext cx="5486400" cy="3291840"/>
-          </a:xfrm>
-        </p:spPr>
+        <p:spPr/>
         <p:txBody>
-          <a:bodyPr rtlCol="0"/>
-          <a:lstStyle>
-            <a:defPPr>
-              <a:defRPr lang="it-IT"/>
-            </a:defPPr>
-          </a:lstStyle>
-          <a:p>
-            <a:pPr rtl="0"/>
-            <a:r>
-              <a:rPr lang="it-IT"/>
-              <a:t>Superare il nervosismo</a:t>
-            </a:r>
+          <a:bodyPr/>
+          <a:lstStyle/>
+          <a:p>
+            <a:r>
+              <a:rPr lang="it-IT" dirty="0"/>
+              <a:t>User Information </a:t>
+            </a:r>
+            <a:r>
+              <a:rPr lang="it-IT" dirty="0" err="1"/>
+              <a:t>Needs</a:t>
+            </a:r>
+            <a:endParaRPr lang="it-IT" dirty="0"/>
           </a:p>
         </p:txBody>
       </p:sp>
-      <p:pic>
-        <p:nvPicPr>
-          <p:cNvPr id="12" name="Segnaposto immagine 4" descr="Un primo piano di venatura del legno">
+      <p:sp>
+        <p:nvSpPr>
+          <p:cNvPr id="3" name="Segnaposto contenuto 2">
             <a:extLst>
               <a:ext uri="{FF2B5EF4-FFF2-40B4-BE49-F238E27FC236}">
-                <a16:creationId xmlns:a16="http://schemas.microsoft.com/office/drawing/2014/main" id="{7D5BDB53-9169-3BBC-9362-0539514AC7DD}"/>
-              </a:ext>
-            </a:extLst>
-          </p:cNvPr>
-          <p:cNvPicPr>
-            <a:picLocks noGrp="1" noChangeAspect="1"/>
-          </p:cNvPicPr>
-          <p:nvPr>
-            <p:ph type="pic" sz="quarter" idx="12"/>
-          </p:nvPr>
-        </p:nvPicPr>
-        <p:blipFill rotWithShape="1">
-          <a:blip r:embed="rId3">
-            <a:extLst>
-              <a:ext uri="{BEBA8EAE-BF5A-486C-A8C5-ECC9F3942E4B}">
-                <a14:imgProps xmlns:a14="http://schemas.microsoft.com/office/drawing/2010/main">
-                  <a14:imgLayer r:embed="rId4">
-                    <a14:imgEffect>
-                      <a14:colorTemperature colorTemp="4700"/>
-                    </a14:imgEffect>
-                    <a14:imgEffect>
-                      <a14:saturation sat="0"/>
-                    </a14:imgEffect>
-                  </a14:imgLayer>
-                </a14:imgProps>
-              </a:ext>
-              <a:ext uri="{28A0092B-C50C-407E-A947-70E740481C1C}">
-                <a14:useLocalDpi xmlns:a14="http://schemas.microsoft.com/office/drawing/2010/main" val="0"/>
-              </a:ext>
-            </a:extLst>
-          </a:blip>
-          <a:srcRect/>
-          <a:stretch/>
-        </p:blipFill>
-        <p:spPr>
-          <a:xfrm>
-            <a:off x="0" y="-11113"/>
-            <a:ext cx="5791200" cy="6880226"/>
-          </a:xfrm>
-        </p:spPr>
-      </p:pic>
-      <p:sp>
-        <p:nvSpPr>
-          <p:cNvPr id="3" name="Segnaposto testo 2">
-            <a:extLst>
-              <a:ext uri="{FF2B5EF4-FFF2-40B4-BE49-F238E27FC236}">
-                <a16:creationId xmlns:a16="http://schemas.microsoft.com/office/drawing/2014/main" id="{0E02AE9C-BA1D-195E-3B93-A5A0CC03D8F3}"/>
+                <a16:creationId xmlns:a16="http://schemas.microsoft.com/office/drawing/2014/main" id="{A461D89A-0C46-5F01-F715-C73491351A77}"/>
               </a:ext>
             </a:extLst>
           </p:cNvPr>
@@ -11771,35 +14322,228 @@
             <a:spLocks noGrp="1"/>
           </p:cNvSpPr>
           <p:nvPr>
-            <p:ph type="body" sz="quarter" idx="11"/>
+            <p:ph sz="quarter" idx="15"/>
           </p:nvPr>
         </p:nvSpPr>
         <p:spPr>
           <a:xfrm>
-            <a:off x="6299835" y="4568602"/>
-            <a:ext cx="5486400" cy="1645920"/>
+            <a:off x="594360" y="2676525"/>
+            <a:ext cx="9778365" cy="3903346"/>
           </a:xfrm>
         </p:spPr>
         <p:txBody>
-          <a:bodyPr rtlCol="0"/>
-          <a:lstStyle>
-            <a:defPPr>
-              <a:defRPr lang="it-IT"/>
-            </a:defPPr>
-          </a:lstStyle>
+          <a:bodyPr>
+            <a:normAutofit lnSpcReduction="10000"/>
+          </a:bodyPr>
+          <a:lstStyle/>
+          <a:p>
+            <a:pPr marL="457200" indent="-457200">
+              <a:buClr>
+                <a:schemeClr val="tx2"/>
+              </a:buClr>
+              <a:buSzPct val="110000"/>
+              <a:buFont typeface="+mj-lt"/>
+              <a:buAutoNum type="arabicPeriod"/>
+            </a:pPr>
+            <a:r>
+              <a:rPr lang="en-US" sz="1400" dirty="0"/>
+              <a:t>Know what you can do while playing this game (</a:t>
+            </a:r>
+            <a:r>
+              <a:rPr lang="en-US" sz="1400" dirty="0" err="1"/>
+              <a:t>sidequest</a:t>
+            </a:r>
+            <a:r>
+              <a:rPr lang="en-US" sz="1400" dirty="0"/>
+              <a:t>, exploring, roleplaying, ...).</a:t>
+            </a:r>
+          </a:p>
+          <a:p>
+            <a:pPr marL="457200" indent="-457200">
+              <a:buClr>
+                <a:schemeClr val="tx2"/>
+              </a:buClr>
+              <a:buSzPct val="110000"/>
+              <a:buFont typeface="+mj-lt"/>
+              <a:buAutoNum type="arabicPeriod"/>
+            </a:pPr>
+            <a:r>
+              <a:rPr lang="en-US" sz="1400" dirty="0"/>
+              <a:t>Know game's graphics problems, issues and bugs.</a:t>
+            </a:r>
+          </a:p>
+          <a:p>
+            <a:pPr marL="457200" indent="-457200">
+              <a:buClr>
+                <a:schemeClr val="tx2"/>
+              </a:buClr>
+              <a:buSzPct val="110000"/>
+              <a:buFont typeface="+mj-lt"/>
+              <a:buAutoNum type="arabicPeriod"/>
+            </a:pPr>
+            <a:r>
+              <a:rPr lang="en-US" sz="1400" dirty="0"/>
+              <a:t>Know whether someone found the game physics unrealistic.</a:t>
+            </a:r>
+          </a:p>
+          <a:p>
+            <a:pPr marL="457200" indent="-457200">
+              <a:buClr>
+                <a:schemeClr val="tx2"/>
+              </a:buClr>
+              <a:buSzPct val="110000"/>
+              <a:buFont typeface="+mj-lt"/>
+              <a:buAutoNum type="arabicPeriod"/>
+            </a:pPr>
+            <a:r>
+              <a:rPr lang="en-US" sz="1400" dirty="0"/>
+              <a:t>Information about game comparison with previous chapters.</a:t>
+            </a:r>
+          </a:p>
+          <a:p>
+            <a:pPr marL="457200" indent="-457200">
+              <a:buClr>
+                <a:schemeClr val="tx2"/>
+              </a:buClr>
+              <a:buSzPct val="110000"/>
+              <a:buFont typeface="+mj-lt"/>
+              <a:buAutoNum type="arabicPeriod"/>
+            </a:pPr>
+            <a:r>
+              <a:rPr lang="en-US" sz="1400" dirty="0"/>
+              <a:t>Know if someone found the plot interesting, involving or surprising.</a:t>
+            </a:r>
+          </a:p>
+          <a:p>
+            <a:pPr marL="457200" indent="-457200">
+              <a:buClr>
+                <a:schemeClr val="tx2"/>
+              </a:buClr>
+              <a:buSzPct val="110000"/>
+              <a:buFont typeface="+mj-lt"/>
+              <a:buAutoNum type="arabicPeriod"/>
+            </a:pPr>
+            <a:r>
+              <a:rPr lang="en-US" sz="1400" dirty="0"/>
+              <a:t>Information about game </a:t>
+            </a:r>
+            <a:r>
+              <a:rPr lang="en-US" sz="1400" dirty="0" err="1"/>
+              <a:t>replayability</a:t>
+            </a:r>
+            <a:r>
+              <a:rPr lang="en-US" sz="1400" dirty="0"/>
+              <a:t> and if it is as fun as the first run.</a:t>
+            </a:r>
+          </a:p>
+          <a:p>
+            <a:pPr marL="457200" indent="-457200">
+              <a:buClr>
+                <a:schemeClr val="tx2"/>
+              </a:buClr>
+              <a:buSzPct val="110000"/>
+              <a:buFont typeface="+mj-lt"/>
+              <a:buAutoNum type="arabicPeriod"/>
+            </a:pPr>
+            <a:r>
+              <a:rPr lang="en-US" sz="1400" dirty="0"/>
+              <a:t>Some opinions about classes and races in character customization.</a:t>
+            </a:r>
+          </a:p>
+          <a:p>
+            <a:pPr marL="457200" indent="-457200">
+              <a:buClr>
+                <a:schemeClr val="tx2"/>
+              </a:buClr>
+              <a:buSzPct val="110000"/>
+              <a:buFont typeface="+mj-lt"/>
+              <a:buAutoNum type="arabicPeriod"/>
+            </a:pPr>
+            <a:r>
+              <a:rPr lang="en-US" sz="1400" dirty="0"/>
+              <a:t>Know if there are payments or microtransactions.</a:t>
+            </a:r>
+          </a:p>
+          <a:p>
+            <a:pPr marL="457200" indent="-457200">
+              <a:buClr>
+                <a:schemeClr val="tx2"/>
+              </a:buClr>
+              <a:buSzPct val="110000"/>
+              <a:buFont typeface="+mj-lt"/>
+              <a:buAutoNum type="arabicPeriod"/>
+            </a:pPr>
+            <a:r>
+              <a:rPr lang="en-US" sz="1400" dirty="0"/>
+              <a:t>Know whether Dungeons and Dragons player liked game's dice rolling system.</a:t>
+            </a:r>
+          </a:p>
+          <a:p>
+            <a:pPr marL="457200" indent="-457200">
+              <a:buClr>
+                <a:schemeClr val="tx2"/>
+              </a:buClr>
+              <a:buSzPct val="110000"/>
+              <a:buFont typeface="+mj-lt"/>
+              <a:buAutoNum type="arabicPeriod"/>
+            </a:pPr>
+            <a:r>
+              <a:rPr lang="en-US" sz="1400" dirty="0"/>
+              <a:t>Know if the character </a:t>
+            </a:r>
+            <a:r>
+              <a:rPr lang="en-US" sz="1400" dirty="0" err="1"/>
+              <a:t>Astarion</a:t>
+            </a:r>
+            <a:r>
+              <a:rPr lang="en-US" sz="1400" dirty="0"/>
+              <a:t> is a good companion.</a:t>
+            </a:r>
+          </a:p>
+        </p:txBody>
+      </p:sp>
+      <p:sp>
+        <p:nvSpPr>
+          <p:cNvPr id="5" name="Segnaposto numero diapositiva 4">
+            <a:extLst>
+              <a:ext uri="{FF2B5EF4-FFF2-40B4-BE49-F238E27FC236}">
+                <a16:creationId xmlns:a16="http://schemas.microsoft.com/office/drawing/2014/main" id="{210FB87D-B3B0-89DC-B3F5-FB789EF75567}"/>
+              </a:ext>
+            </a:extLst>
+          </p:cNvPr>
+          <p:cNvSpPr>
+            <a:spLocks noGrp="1"/>
+          </p:cNvSpPr>
+          <p:nvPr>
+            <p:ph type="sldNum" sz="quarter" idx="12"/>
+          </p:nvPr>
+        </p:nvSpPr>
+        <p:spPr>
+          <a:xfrm>
+            <a:off x="11668760" y="6610349"/>
+            <a:ext cx="523240" cy="247651"/>
+          </a:xfrm>
+        </p:spPr>
+        <p:txBody>
+          <a:bodyPr/>
+          <a:lstStyle/>
           <a:p>
             <a:pPr rtl="0"/>
-            <a:r>
-              <a:rPr lang="it-IT"/>
-              <a:t>Strategie per costruire la fiducia</a:t>
-            </a:r>
+            <a:fld id="{294A09A9-5501-47C1-A89A-A340965A2BE2}" type="slidenum">
+              <a:rPr lang="it-IT" smtClean="0"/>
+              <a:pPr rtl="0"/>
+              <a:t>13</a:t>
+            </a:fld>
+            <a:endParaRPr lang="it-IT" dirty="0">
+              <a:latin typeface="+mn-lt"/>
+            </a:endParaRPr>
           </a:p>
         </p:txBody>
       </p:sp>
     </p:spTree>
     <p:extLst>
       <p:ext uri="{BB962C8B-B14F-4D97-AF65-F5344CB8AC3E}">
-        <p14:creationId xmlns:p14="http://schemas.microsoft.com/office/powerpoint/2010/main" val="1440871986"/>
+        <p14:creationId xmlns:p14="http://schemas.microsoft.com/office/powerpoint/2010/main" val="2301368102"/>
       </p:ext>
     </p:extLst>
   </p:cSld>
@@ -11828,10 +14572,10 @@
       </p:grpSpPr>
       <p:sp>
         <p:nvSpPr>
-          <p:cNvPr id="3" name="Titolo 2">
+          <p:cNvPr id="2" name="Titolo 1">
             <a:extLst>
               <a:ext uri="{FF2B5EF4-FFF2-40B4-BE49-F238E27FC236}">
-                <a16:creationId xmlns:a16="http://schemas.microsoft.com/office/drawing/2014/main" id="{545D3755-C3E2-975E-DE68-CDECC4B526EC}"/>
+                <a16:creationId xmlns:a16="http://schemas.microsoft.com/office/drawing/2014/main" id="{E3207B51-091B-ACED-56A2-4CFA12546408}"/>
               </a:ext>
             </a:extLst>
           </p:cNvPr>
@@ -11842,34 +14586,352 @@
             <p:ph type="title"/>
           </p:nvPr>
         </p:nvSpPr>
-        <p:spPr>
-          <a:xfrm>
-            <a:off x="594360" y="102875"/>
-            <a:ext cx="10873740" cy="1680205"/>
-          </a:xfrm>
-        </p:spPr>
+        <p:spPr/>
         <p:txBody>
-          <a:bodyPr rtlCol="0"/>
-          <a:lstStyle>
-            <a:defPPr>
-              <a:defRPr lang="it-IT"/>
-            </a:defPPr>
-          </a:lstStyle>
-          <a:p>
-            <a:pPr rtl="0"/>
-            <a:r>
-              <a:rPr lang="it-IT"/>
-              <a:t>Coinvolgere il pubblico</a:t>
+          <a:bodyPr/>
+          <a:lstStyle/>
+          <a:p>
+            <a:r>
+              <a:rPr lang="it-IT" dirty="0"/>
+              <a:t>Mean </a:t>
+            </a:r>
+            <a:r>
+              <a:rPr lang="it-IT" dirty="0" err="1"/>
+              <a:t>Average</a:t>
+            </a:r>
+            <a:r>
+              <a:rPr lang="it-IT" dirty="0"/>
+              <a:t> Precision</a:t>
             </a:r>
           </a:p>
         </p:txBody>
       </p:sp>
+      <p:graphicFrame>
+        <p:nvGraphicFramePr>
+          <p:cNvPr id="5" name="Segnaposto contenuto 17">
+            <a:extLst>
+              <a:ext uri="{FF2B5EF4-FFF2-40B4-BE49-F238E27FC236}">
+                <a16:creationId xmlns:a16="http://schemas.microsoft.com/office/drawing/2014/main" id="{7BBF0200-7522-7E7C-53BD-CEADBD9AED23}"/>
+              </a:ext>
+            </a:extLst>
+          </p:cNvPr>
+          <p:cNvGraphicFramePr>
+            <a:graphicFrameLocks noGrp="1"/>
+          </p:cNvGraphicFramePr>
+          <p:nvPr>
+            <p:ph sz="quarter" idx="15"/>
+            <p:extLst>
+              <p:ext uri="{D42A27DB-BD31-4B8C-83A1-F6EECF244321}">
+                <p14:modId xmlns:p14="http://schemas.microsoft.com/office/powerpoint/2010/main" val="3913352786"/>
+              </p:ext>
+            </p:extLst>
+          </p:nvPr>
+        </p:nvGraphicFramePr>
+        <p:xfrm>
+          <a:off x="593724" y="2309568"/>
+          <a:ext cx="8144925" cy="984479"/>
+        </p:xfrm>
+        <a:graphic>
+          <a:graphicData uri="http://schemas.openxmlformats.org/drawingml/2006/table">
+            <a:tbl>
+              <a:tblPr firstRow="1" bandRow="1">
+                <a:tableStyleId>{8A107856-5554-42FB-B03E-39F5DBC370BA}</a:tableStyleId>
+              </a:tblPr>
+              <a:tblGrid>
+                <a:gridCol w="1628985">
+                  <a:extLst>
+                    <a:ext uri="{9D8B030D-6E8A-4147-A177-3AD203B41FA5}">
+                      <a16:colId xmlns:a16="http://schemas.microsoft.com/office/drawing/2014/main" val="1993565910"/>
+                    </a:ext>
+                  </a:extLst>
+                </a:gridCol>
+                <a:gridCol w="1628985">
+                  <a:extLst>
+                    <a:ext uri="{9D8B030D-6E8A-4147-A177-3AD203B41FA5}">
+                      <a16:colId xmlns:a16="http://schemas.microsoft.com/office/drawing/2014/main" val="1143384514"/>
+                    </a:ext>
+                  </a:extLst>
+                </a:gridCol>
+                <a:gridCol w="1628985">
+                  <a:extLst>
+                    <a:ext uri="{9D8B030D-6E8A-4147-A177-3AD203B41FA5}">
+                      <a16:colId xmlns:a16="http://schemas.microsoft.com/office/drawing/2014/main" val="980738784"/>
+                    </a:ext>
+                  </a:extLst>
+                </a:gridCol>
+                <a:gridCol w="1628985">
+                  <a:extLst>
+                    <a:ext uri="{9D8B030D-6E8A-4147-A177-3AD203B41FA5}">
+                      <a16:colId xmlns:a16="http://schemas.microsoft.com/office/drawing/2014/main" val="2890832436"/>
+                    </a:ext>
+                  </a:extLst>
+                </a:gridCol>
+                <a:gridCol w="1628985">
+                  <a:extLst>
+                    <a:ext uri="{9D8B030D-6E8A-4147-A177-3AD203B41FA5}">
+                      <a16:colId xmlns:a16="http://schemas.microsoft.com/office/drawing/2014/main" val="3900384323"/>
+                    </a:ext>
+                  </a:extLst>
+                </a:gridCol>
+              </a:tblGrid>
+              <a:tr h="493114">
+                <a:tc>
+                  <a:txBody>
+                    <a:bodyPr/>
+                    <a:lstStyle/>
+                    <a:p>
+                      <a:pPr algn="ctr" fontAlgn="b"/>
+                      <a:endParaRPr lang="it-IT" sz="1600" b="1" i="0" u="none" strike="noStrike" dirty="0">
+                        <a:solidFill>
+                          <a:srgbClr val="000000"/>
+                        </a:solidFill>
+                        <a:effectLst/>
+                        <a:latin typeface="Aptos Narrow" panose="020B0004020202020204" pitchFamily="34" charset="0"/>
+                      </a:endParaRPr>
+                    </a:p>
+                  </a:txBody>
+                  <a:tcPr marL="9525" marR="9525" marT="9525" marB="0" anchor="ctr"/>
+                </a:tc>
+                <a:tc>
+                  <a:txBody>
+                    <a:bodyPr/>
+                    <a:lstStyle/>
+                    <a:p>
+                      <a:pPr algn="ctr" fontAlgn="b"/>
+                      <a:r>
+                        <a:rPr lang="it-IT" sz="1600" b="1" i="0" kern="1200" dirty="0">
+                          <a:solidFill>
+                            <a:schemeClr val="bg1"/>
+                          </a:solidFill>
+                          <a:latin typeface="+mn-lt"/>
+                          <a:ea typeface="+mn-ea"/>
+                          <a:cs typeface="+mn-cs"/>
+                        </a:rPr>
+                        <a:t>Base</a:t>
+                      </a:r>
+                    </a:p>
+                  </a:txBody>
+                  <a:tcPr marL="9525" marR="9525" marT="9525" marB="0" anchor="ctr"/>
+                </a:tc>
+                <a:tc>
+                  <a:txBody>
+                    <a:bodyPr/>
+                    <a:lstStyle/>
+                    <a:p>
+                      <a:pPr marL="0" algn="ctr" defTabSz="914400" rtl="0" eaLnBrk="1" fontAlgn="b" latinLnBrk="0" hangingPunct="1"/>
+                      <a:r>
+                        <a:rPr lang="it-IT" sz="1600" b="1" i="0" kern="1200" dirty="0">
+                          <a:solidFill>
+                            <a:schemeClr val="bg1"/>
+                          </a:solidFill>
+                          <a:latin typeface="+mn-lt"/>
+                          <a:ea typeface="+mn-ea"/>
+                          <a:cs typeface="+mn-cs"/>
+                        </a:rPr>
+                        <a:t>Sentiment</a:t>
+                      </a:r>
+                    </a:p>
+                  </a:txBody>
+                  <a:tcPr marL="9525" marR="9525" marT="9525" marB="0" anchor="ctr"/>
+                </a:tc>
+                <a:tc>
+                  <a:txBody>
+                    <a:bodyPr/>
+                    <a:lstStyle/>
+                    <a:p>
+                      <a:pPr marL="0" algn="ctr" defTabSz="914400" rtl="0" eaLnBrk="1" fontAlgn="b" latinLnBrk="0" hangingPunct="1"/>
+                      <a:r>
+                        <a:rPr lang="it-IT" sz="1600" b="1" i="0" kern="1200" dirty="0">
+                          <a:solidFill>
+                            <a:schemeClr val="bg1"/>
+                          </a:solidFill>
+                          <a:latin typeface="+mn-lt"/>
+                          <a:ea typeface="+mn-ea"/>
+                          <a:cs typeface="+mn-cs"/>
+                        </a:rPr>
+                        <a:t>Word2Vec</a:t>
+                      </a:r>
+                    </a:p>
+                  </a:txBody>
+                  <a:tcPr marL="9525" marR="9525" marT="9525" marB="0" anchor="ctr"/>
+                </a:tc>
+                <a:tc>
+                  <a:txBody>
+                    <a:bodyPr/>
+                    <a:lstStyle/>
+                    <a:p>
+                      <a:pPr marL="0" algn="ctr" defTabSz="914400" rtl="0" eaLnBrk="1" fontAlgn="b" latinLnBrk="0" hangingPunct="1"/>
+                      <a:r>
+                        <a:rPr lang="it-IT" sz="1600" b="1" i="0" kern="1200" dirty="0">
+                          <a:solidFill>
+                            <a:schemeClr val="bg1"/>
+                          </a:solidFill>
+                          <a:latin typeface="+mn-lt"/>
+                          <a:ea typeface="+mn-ea"/>
+                          <a:cs typeface="+mn-cs"/>
+                        </a:rPr>
+                        <a:t>Sentiment + Word2Vec</a:t>
+                      </a:r>
+                    </a:p>
+                  </a:txBody>
+                  <a:tcPr marL="9525" marR="9525" marT="9525" marB="0" anchor="ctr"/>
+                </a:tc>
+                <a:extLst>
+                  <a:ext uri="{0D108BD9-81ED-4DB2-BD59-A6C34878D82A}">
+                    <a16:rowId xmlns:a16="http://schemas.microsoft.com/office/drawing/2014/main" val="3911166307"/>
+                  </a:ext>
+                </a:extLst>
+              </a:tr>
+              <a:tr h="487274">
+                <a:tc>
+                  <a:txBody>
+                    <a:bodyPr/>
+                    <a:lstStyle/>
+                    <a:p>
+                      <a:pPr marL="0" algn="ctr" defTabSz="914400" rtl="0" eaLnBrk="1" fontAlgn="b" latinLnBrk="0" hangingPunct="1"/>
+                      <a:r>
+                        <a:rPr lang="it-IT" sz="1600" b="1" i="0" kern="1200" dirty="0">
+                          <a:solidFill>
+                            <a:schemeClr val="bg1"/>
+                          </a:solidFill>
+                          <a:latin typeface="+mn-lt"/>
+                          <a:ea typeface="+mn-ea"/>
+                          <a:cs typeface="+mn-cs"/>
+                        </a:rPr>
+                        <a:t>MAP</a:t>
+                      </a:r>
+                    </a:p>
+                  </a:txBody>
+                  <a:tcPr marL="9525" marR="9525" marT="9525" marB="0" anchor="ctr"/>
+                </a:tc>
+                <a:tc>
+                  <a:txBody>
+                    <a:bodyPr/>
+                    <a:lstStyle/>
+                    <a:p>
+                      <a:pPr algn="ctr" fontAlgn="b"/>
+                      <a:r>
+                        <a:rPr lang="it-IT" sz="1600" b="0" i="0" kern="1200" dirty="0">
+                          <a:solidFill>
+                            <a:schemeClr val="bg1"/>
+                          </a:solidFill>
+                          <a:latin typeface="+mn-lt"/>
+                          <a:ea typeface="+mn-ea"/>
+                          <a:cs typeface="+mn-cs"/>
+                        </a:rPr>
+                        <a:t>0,649</a:t>
+                      </a:r>
+                    </a:p>
+                  </a:txBody>
+                  <a:tcPr marL="9525" marR="9525" marT="9525" marB="0" anchor="ctr"/>
+                </a:tc>
+                <a:tc>
+                  <a:txBody>
+                    <a:bodyPr/>
+                    <a:lstStyle/>
+                    <a:p>
+                      <a:pPr algn="ctr" fontAlgn="b"/>
+                      <a:r>
+                        <a:rPr lang="it-IT" sz="1600" b="0" i="0" kern="1200" dirty="0">
+                          <a:solidFill>
+                            <a:schemeClr val="bg1"/>
+                          </a:solidFill>
+                          <a:latin typeface="+mn-lt"/>
+                          <a:ea typeface="+mn-ea"/>
+                          <a:cs typeface="+mn-cs"/>
+                        </a:rPr>
+                        <a:t>0,706</a:t>
+                      </a:r>
+                    </a:p>
+                  </a:txBody>
+                  <a:tcPr marL="9525" marR="9525" marT="9525" marB="0" anchor="ctr"/>
+                </a:tc>
+                <a:tc>
+                  <a:txBody>
+                    <a:bodyPr/>
+                    <a:lstStyle/>
+                    <a:p>
+                      <a:pPr algn="ctr" fontAlgn="b"/>
+                      <a:r>
+                        <a:rPr lang="it-IT" sz="1600" b="0" i="0" kern="1200" dirty="0">
+                          <a:solidFill>
+                            <a:schemeClr val="bg1"/>
+                          </a:solidFill>
+                          <a:latin typeface="+mn-lt"/>
+                          <a:ea typeface="+mn-ea"/>
+                          <a:cs typeface="+mn-cs"/>
+                        </a:rPr>
+                        <a:t>0,662</a:t>
+                      </a:r>
+                    </a:p>
+                  </a:txBody>
+                  <a:tcPr marL="9525" marR="9525" marT="9525" marB="0" anchor="ctr"/>
+                </a:tc>
+                <a:tc>
+                  <a:txBody>
+                    <a:bodyPr/>
+                    <a:lstStyle/>
+                    <a:p>
+                      <a:pPr algn="ctr" fontAlgn="b"/>
+                      <a:r>
+                        <a:rPr lang="it-IT" sz="1600" b="0" i="0" kern="1200" dirty="0">
+                          <a:solidFill>
+                            <a:schemeClr val="bg1"/>
+                          </a:solidFill>
+                          <a:latin typeface="+mn-lt"/>
+                          <a:ea typeface="+mn-ea"/>
+                          <a:cs typeface="+mn-cs"/>
+                        </a:rPr>
+                        <a:t>0,811</a:t>
+                      </a:r>
+                    </a:p>
+                  </a:txBody>
+                  <a:tcPr marL="9525" marR="9525" marT="9525" marB="0" anchor="ctr"/>
+                </a:tc>
+                <a:extLst>
+                  <a:ext uri="{0D108BD9-81ED-4DB2-BD59-A6C34878D82A}">
+                    <a16:rowId xmlns:a16="http://schemas.microsoft.com/office/drawing/2014/main" val="2739500012"/>
+                  </a:ext>
+                </a:extLst>
+              </a:tr>
+            </a:tbl>
+          </a:graphicData>
+        </a:graphic>
+      </p:graphicFrame>
+      <p:graphicFrame>
+        <p:nvGraphicFramePr>
+          <p:cNvPr id="13" name="Grafico 12">
+            <a:extLst>
+              <a:ext uri="{FF2B5EF4-FFF2-40B4-BE49-F238E27FC236}">
+                <a16:creationId xmlns:a16="http://schemas.microsoft.com/office/drawing/2014/main" id="{639A33B6-E8B8-889D-0C53-A6984DF48E28}"/>
+              </a:ext>
+            </a:extLst>
+          </p:cNvPr>
+          <p:cNvGraphicFramePr/>
+          <p:nvPr>
+            <p:extLst>
+              <p:ext uri="{D42A27DB-BD31-4B8C-83A1-F6EECF244321}">
+                <p14:modId xmlns:p14="http://schemas.microsoft.com/office/powerpoint/2010/main" val="1165843085"/>
+              </p:ext>
+            </p:extLst>
+          </p:nvPr>
+        </p:nvGraphicFramePr>
+        <p:xfrm>
+          <a:off x="593724" y="3563955"/>
+          <a:ext cx="8144925" cy="2883980"/>
+        </p:xfrm>
+        <a:graphic>
+          <a:graphicData uri="http://schemas.openxmlformats.org/drawingml/2006/chart">
+            <c:chart xmlns:c="http://schemas.openxmlformats.org/drawingml/2006/chart" xmlns:r="http://schemas.openxmlformats.org/officeDocument/2006/relationships" r:id="rId3"/>
+          </a:graphicData>
+        </a:graphic>
+      </p:graphicFrame>
       <p:sp>
         <p:nvSpPr>
-          <p:cNvPr id="7" name="Segnaposto testo 6">
+          <p:cNvPr id="14" name="Segnaposto numero diapositiva 13">
             <a:extLst>
               <a:ext uri="{FF2B5EF4-FFF2-40B4-BE49-F238E27FC236}">
-                <a16:creationId xmlns:a16="http://schemas.microsoft.com/office/drawing/2014/main" id="{F70BD87D-F7DA-961B-4024-A354DC87D168}"/>
+                <a16:creationId xmlns:a16="http://schemas.microsoft.com/office/drawing/2014/main" id="{383717B6-E1CD-7ED1-67BE-F80C23C88083}"/>
               </a:ext>
             </a:extLst>
           </p:cNvPr>
@@ -11877,413 +14939,35 @@
             <a:spLocks noGrp="1"/>
           </p:cNvSpPr>
           <p:nvPr>
-            <p:ph sz="quarter" idx="13"/>
+            <p:ph type="sldNum" sz="quarter" idx="12"/>
           </p:nvPr>
         </p:nvSpPr>
         <p:spPr>
           <a:xfrm>
-            <a:off x="3657600" y="2281238"/>
-            <a:ext cx="7810500" cy="3700462"/>
+            <a:off x="11668760" y="6610349"/>
+            <a:ext cx="523240" cy="247651"/>
           </a:xfrm>
         </p:spPr>
         <p:txBody>
-          <a:bodyPr rtlCol="0">
-            <a:normAutofit/>
-          </a:bodyPr>
-          <a:lstStyle>
-            <a:defPPr>
-              <a:defRPr lang="it-IT"/>
-            </a:defPPr>
-          </a:lstStyle>
+          <a:bodyPr/>
+          <a:lstStyle/>
           <a:p>
             <a:pPr rtl="0"/>
-            <a:r>
-              <a:rPr lang="it-IT" dirty="0"/>
-              <a:t>Stabilisci un contatto visivo con il pubblico per creare un senso di intimità e coinvolgimento</a:t>
-            </a:r>
-          </a:p>
-          <a:p>
-            <a:pPr rtl="0"/>
-            <a:r>
-              <a:rPr lang="it-IT" dirty="0"/>
-              <a:t>Inserisci nelle tue presentazioni storie verosimili, utilizzando narrazioni che rendano il tuo messaggio memorabile e d'impatto</a:t>
-            </a:r>
-          </a:p>
-          <a:p>
-            <a:pPr rtl="0"/>
-            <a:r>
-              <a:rPr lang="it-IT" dirty="0"/>
-              <a:t>Incoraggia le domande e fornisci risposte ponderate per migliorare la partecipazione del pubblico</a:t>
-            </a:r>
-          </a:p>
-          <a:p>
-            <a:pPr rtl="0"/>
-            <a:r>
-              <a:rPr lang="it-IT" dirty="0"/>
-              <a:t>Utilizza sondaggi live per raccogliere le opinioni del pubblico, promuovendo l'impegno e facendo in modo che il pubblico si senta coinvolto</a:t>
-            </a:r>
-          </a:p>
-          <a:p>
-            <a:pPr rtl="0"/>
-            <a:endParaRPr lang="it-IT" dirty="0"/>
-          </a:p>
-          <a:p>
-            <a:pPr rtl="0"/>
-            <a:endParaRPr lang="it-IT" dirty="0"/>
+            <a:fld id="{294A09A9-5501-47C1-A89A-A340965A2BE2}" type="slidenum">
+              <a:rPr lang="it-IT" smtClean="0"/>
+              <a:pPr rtl="0"/>
+              <a:t>14</a:t>
+            </a:fld>
+            <a:endParaRPr lang="it-IT" dirty="0">
+              <a:latin typeface="+mn-lt"/>
+            </a:endParaRPr>
           </a:p>
         </p:txBody>
       </p:sp>
-      <p:grpSp>
-        <p:nvGrpSpPr>
-          <p:cNvPr id="19" name="Gruppo 18">
-            <a:extLst>
-              <a:ext uri="{FF2B5EF4-FFF2-40B4-BE49-F238E27FC236}">
-                <a16:creationId xmlns:a16="http://schemas.microsoft.com/office/drawing/2014/main" id="{C78CEA4F-D72A-C069-6A51-328B103CA0CA}"/>
-              </a:ext>
-              <a:ext uri="{C183D7F6-B498-43B3-948B-1728B52AA6E4}">
-                <adec:decorative xmlns:adec="http://schemas.microsoft.com/office/drawing/2017/decorative" val="1"/>
-              </a:ext>
-            </a:extLst>
-          </p:cNvPr>
-          <p:cNvGrpSpPr>
-            <a:grpSpLocks/>
-          </p:cNvGrpSpPr>
-          <p:nvPr/>
-        </p:nvGrpSpPr>
-        <p:grpSpPr bwMode="auto">
-          <a:xfrm rot="16200000" flipV="1">
-            <a:off x="0" y="3900132"/>
-            <a:ext cx="2959226" cy="2959226"/>
-            <a:chOff x="0" y="12289"/>
-            <a:chExt cx="3550" cy="3551"/>
-          </a:xfrm>
-        </p:grpSpPr>
-        <p:sp>
-          <p:nvSpPr>
-            <p:cNvPr id="20" name="Figura a mano libera 19">
-              <a:extLst>
-                <a:ext uri="{FF2B5EF4-FFF2-40B4-BE49-F238E27FC236}">
-                  <a16:creationId xmlns:a16="http://schemas.microsoft.com/office/drawing/2014/main" id="{7E473402-19FD-A5B0-5CB6-E5F3926D3828}"/>
-                </a:ext>
-              </a:extLst>
-            </p:cNvPr>
-            <p:cNvSpPr>
-              <a:spLocks/>
-            </p:cNvSpPr>
-            <p:nvPr/>
-          </p:nvSpPr>
-          <p:spPr bwMode="auto">
-            <a:xfrm>
-              <a:off x="0" y="12289"/>
-              <a:ext cx="1789" cy="2386"/>
-            </a:xfrm>
-            <a:custGeom>
-              <a:avLst/>
-              <a:gdLst>
-                <a:gd name="T0" fmla="*/ 0 w 1789"/>
-                <a:gd name="T1" fmla="+- 0 12290 12290"/>
-                <a:gd name="T2" fmla="*/ 12290 h 2386"/>
-                <a:gd name="T3" fmla="*/ 0 w 1789"/>
-                <a:gd name="T4" fmla="+- 0 13484 12290"/>
-                <a:gd name="T5" fmla="*/ 13484 h 2386"/>
-                <a:gd name="T6" fmla="*/ 1192 w 1789"/>
-                <a:gd name="T7" fmla="+- 0 14676 12290"/>
-                <a:gd name="T8" fmla="*/ 14676 h 2386"/>
-                <a:gd name="T9" fmla="*/ 1789 w 1789"/>
-                <a:gd name="T10" fmla="+- 0 14079 12290"/>
-                <a:gd name="T11" fmla="*/ 14079 h 2386"/>
-                <a:gd name="T12" fmla="*/ 0 w 1789"/>
-                <a:gd name="T13" fmla="+- 0 12290 12290"/>
-                <a:gd name="T14" fmla="*/ 12290 h 2386"/>
-              </a:gdLst>
-              <a:ahLst/>
-              <a:cxnLst>
-                <a:cxn ang="0">
-                  <a:pos x="T0" y="T2"/>
-                </a:cxn>
-                <a:cxn ang="0">
-                  <a:pos x="T3" y="T5"/>
-                </a:cxn>
-                <a:cxn ang="0">
-                  <a:pos x="T6" y="T8"/>
-                </a:cxn>
-                <a:cxn ang="0">
-                  <a:pos x="T9" y="T11"/>
-                </a:cxn>
-                <a:cxn ang="0">
-                  <a:pos x="T12" y="T14"/>
-                </a:cxn>
-              </a:cxnLst>
-              <a:rect l="0" t="0" r="r" b="b"/>
-              <a:pathLst>
-                <a:path w="1789" h="2386">
-                  <a:moveTo>
-                    <a:pt x="0" y="0"/>
-                  </a:moveTo>
-                  <a:lnTo>
-                    <a:pt x="0" y="1194"/>
-                  </a:lnTo>
-                  <a:lnTo>
-                    <a:pt x="1192" y="2386"/>
-                  </a:lnTo>
-                  <a:lnTo>
-                    <a:pt x="1789" y="1789"/>
-                  </a:lnTo>
-                  <a:lnTo>
-                    <a:pt x="0" y="0"/>
-                  </a:lnTo>
-                  <a:close/>
-                </a:path>
-              </a:pathLst>
-            </a:custGeom>
-            <a:solidFill>
-              <a:schemeClr val="accent6"/>
-            </a:solidFill>
-            <a:ln>
-              <a:noFill/>
-            </a:ln>
-            <a:extLst>
-              <a:ext uri="{91240B29-F687-4F45-9708-019B960494DF}">
-                <a14:hiddenLine xmlns:a14="http://schemas.microsoft.com/office/drawing/2010/main" w="9525">
-                  <a:solidFill>
-                    <a:srgbClr val="000000"/>
-                  </a:solidFill>
-                  <a:round/>
-                  <a:headEnd/>
-                  <a:tailEnd/>
-                </a14:hiddenLine>
-              </a:ext>
-            </a:extLst>
-          </p:spPr>
-          <p:txBody>
-            <a:bodyPr rot="0" vert="horz" wrap="square" lIns="91440" tIns="45720" rIns="91440" bIns="45720" rtlCol="0" anchor="t" anchorCtr="0" upright="1">
-              <a:noAutofit/>
-            </a:bodyPr>
-            <a:lstStyle>
-              <a:defPPr>
-                <a:defRPr lang="it-IT"/>
-              </a:defPPr>
-            </a:lstStyle>
-            <a:p>
-              <a:pPr rtl="0"/>
-              <a:endParaRPr lang="it-IT" dirty="0"/>
-            </a:p>
-          </p:txBody>
-        </p:sp>
-        <p:sp>
-          <p:nvSpPr>
-            <p:cNvPr id="21" name="Figura a mano libera 20">
-              <a:extLst>
-                <a:ext uri="{FF2B5EF4-FFF2-40B4-BE49-F238E27FC236}">
-                  <a16:creationId xmlns:a16="http://schemas.microsoft.com/office/drawing/2014/main" id="{879D1CAD-2EA2-9376-7B64-0C3AC590F651}"/>
-                </a:ext>
-              </a:extLst>
-            </p:cNvPr>
-            <p:cNvSpPr>
-              <a:spLocks/>
-            </p:cNvSpPr>
-            <p:nvPr/>
-          </p:nvSpPr>
-          <p:spPr bwMode="auto">
-            <a:xfrm>
-              <a:off x="0" y="14678"/>
-              <a:ext cx="1162" cy="1162"/>
-            </a:xfrm>
-            <a:custGeom>
-              <a:avLst/>
-              <a:gdLst>
-                <a:gd name="T0" fmla="*/ 0 w 1162"/>
-                <a:gd name="T1" fmla="+- 0 14679 14679"/>
-                <a:gd name="T2" fmla="*/ 14679 h 1162"/>
-                <a:gd name="T3" fmla="*/ 0 w 1162"/>
-                <a:gd name="T4" fmla="+- 0 15840 14679"/>
-                <a:gd name="T5" fmla="*/ 15840 h 1162"/>
-                <a:gd name="T6" fmla="*/ 1161 w 1162"/>
-                <a:gd name="T7" fmla="+- 0 15840 14679"/>
-                <a:gd name="T8" fmla="*/ 15840 h 1162"/>
-                <a:gd name="T9" fmla="*/ 0 w 1162"/>
-                <a:gd name="T10" fmla="+- 0 14679 14679"/>
-                <a:gd name="T11" fmla="*/ 14679 h 1162"/>
-              </a:gdLst>
-              <a:ahLst/>
-              <a:cxnLst>
-                <a:cxn ang="0">
-                  <a:pos x="T0" y="T2"/>
-                </a:cxn>
-                <a:cxn ang="0">
-                  <a:pos x="T3" y="T5"/>
-                </a:cxn>
-                <a:cxn ang="0">
-                  <a:pos x="T6" y="T8"/>
-                </a:cxn>
-                <a:cxn ang="0">
-                  <a:pos x="T9" y="T11"/>
-                </a:cxn>
-              </a:cxnLst>
-              <a:rect l="0" t="0" r="r" b="b"/>
-              <a:pathLst>
-                <a:path w="1162" h="1162">
-                  <a:moveTo>
-                    <a:pt x="0" y="0"/>
-                  </a:moveTo>
-                  <a:lnTo>
-                    <a:pt x="0" y="1161"/>
-                  </a:lnTo>
-                  <a:lnTo>
-                    <a:pt x="1161" y="1161"/>
-                  </a:lnTo>
-                  <a:lnTo>
-                    <a:pt x="0" y="0"/>
-                  </a:lnTo>
-                  <a:close/>
-                </a:path>
-              </a:pathLst>
-            </a:custGeom>
-            <a:solidFill>
-              <a:schemeClr val="tx2"/>
-            </a:solidFill>
-            <a:ln>
-              <a:noFill/>
-            </a:ln>
-            <a:extLst>
-              <a:ext uri="{91240B29-F687-4F45-9708-019B960494DF}">
-                <a14:hiddenLine xmlns:a14="http://schemas.microsoft.com/office/drawing/2010/main" w="9525">
-                  <a:solidFill>
-                    <a:srgbClr val="000000"/>
-                  </a:solidFill>
-                  <a:round/>
-                  <a:headEnd/>
-                  <a:tailEnd/>
-                </a14:hiddenLine>
-              </a:ext>
-            </a:extLst>
-          </p:spPr>
-          <p:txBody>
-            <a:bodyPr rot="0" vert="horz" wrap="square" lIns="91440" tIns="45720" rIns="91440" bIns="45720" rtlCol="0" anchor="t" anchorCtr="0" upright="1">
-              <a:noAutofit/>
-            </a:bodyPr>
-            <a:lstStyle>
-              <a:defPPr>
-                <a:defRPr lang="it-IT"/>
-              </a:defPPr>
-            </a:lstStyle>
-            <a:p>
-              <a:pPr rtl="0"/>
-              <a:endParaRPr lang="it-IT" dirty="0"/>
-            </a:p>
-          </p:txBody>
-        </p:sp>
-        <p:sp>
-          <p:nvSpPr>
-            <p:cNvPr id="22" name="Figura a mano libera 21">
-              <a:extLst>
-                <a:ext uri="{FF2B5EF4-FFF2-40B4-BE49-F238E27FC236}">
-                  <a16:creationId xmlns:a16="http://schemas.microsoft.com/office/drawing/2014/main" id="{B16F8906-918C-BE0B-A4AB-6A1D48150AC7}"/>
-                </a:ext>
-              </a:extLst>
-            </p:cNvPr>
-            <p:cNvSpPr>
-              <a:spLocks/>
-            </p:cNvSpPr>
-            <p:nvPr/>
-          </p:nvSpPr>
-          <p:spPr bwMode="auto">
-            <a:xfrm>
-              <a:off x="1221" y="14675"/>
-              <a:ext cx="2329" cy="1165"/>
-            </a:xfrm>
-            <a:custGeom>
-              <a:avLst/>
-              <a:gdLst>
-                <a:gd name="T0" fmla="+- 0 3550 1221"/>
-                <a:gd name="T1" fmla="*/ T0 w 2329"/>
-                <a:gd name="T2" fmla="+- 0 15840 14676"/>
-                <a:gd name="T3" fmla="*/ 15840 h 1165"/>
-                <a:gd name="T4" fmla="+- 0 2386 1221"/>
-                <a:gd name="T5" fmla="*/ T4 w 2329"/>
-                <a:gd name="T6" fmla="+- 0 14676 14676"/>
-                <a:gd name="T7" fmla="*/ 14676 h 1165"/>
-                <a:gd name="T8" fmla="+- 0 1221 1221"/>
-                <a:gd name="T9" fmla="*/ T8 w 2329"/>
-                <a:gd name="T10" fmla="+- 0 15840 14676"/>
-                <a:gd name="T11" fmla="*/ 15840 h 1165"/>
-                <a:gd name="T12" fmla="+- 0 3550 1221"/>
-                <a:gd name="T13" fmla="*/ T12 w 2329"/>
-                <a:gd name="T14" fmla="+- 0 15840 14676"/>
-                <a:gd name="T15" fmla="*/ 15840 h 1165"/>
-              </a:gdLst>
-              <a:ahLst/>
-              <a:cxnLst>
-                <a:cxn ang="0">
-                  <a:pos x="T1" y="T3"/>
-                </a:cxn>
-                <a:cxn ang="0">
-                  <a:pos x="T5" y="T7"/>
-                </a:cxn>
-                <a:cxn ang="0">
-                  <a:pos x="T9" y="T11"/>
-                </a:cxn>
-                <a:cxn ang="0">
-                  <a:pos x="T13" y="T15"/>
-                </a:cxn>
-              </a:cxnLst>
-              <a:rect l="0" t="0" r="r" b="b"/>
-              <a:pathLst>
-                <a:path w="2329" h="1165">
-                  <a:moveTo>
-                    <a:pt x="2329" y="1164"/>
-                  </a:moveTo>
-                  <a:lnTo>
-                    <a:pt x="1165" y="0"/>
-                  </a:lnTo>
-                  <a:lnTo>
-                    <a:pt x="0" y="1164"/>
-                  </a:lnTo>
-                  <a:lnTo>
-                    <a:pt x="2329" y="1164"/>
-                  </a:lnTo>
-                </a:path>
-              </a:pathLst>
-            </a:custGeom>
-            <a:solidFill>
-              <a:schemeClr val="accent3"/>
-            </a:solidFill>
-            <a:ln>
-              <a:noFill/>
-            </a:ln>
-            <a:extLst>
-              <a:ext uri="{91240B29-F687-4F45-9708-019B960494DF}">
-                <a14:hiddenLine xmlns:a14="http://schemas.microsoft.com/office/drawing/2010/main" w="9525">
-                  <a:solidFill>
-                    <a:srgbClr val="000000"/>
-                  </a:solidFill>
-                  <a:round/>
-                  <a:headEnd/>
-                  <a:tailEnd/>
-                </a14:hiddenLine>
-              </a:ext>
-            </a:extLst>
-          </p:spPr>
-          <p:txBody>
-            <a:bodyPr rot="0" vert="horz" wrap="square" lIns="91440" tIns="45720" rIns="91440" bIns="45720" rtlCol="0" anchor="t" anchorCtr="0" upright="1">
-              <a:noAutofit/>
-            </a:bodyPr>
-            <a:lstStyle>
-              <a:defPPr>
-                <a:defRPr lang="it-IT"/>
-              </a:defPPr>
-            </a:lstStyle>
-            <a:p>
-              <a:pPr rtl="0"/>
-              <a:endParaRPr lang="it-IT" dirty="0"/>
-            </a:p>
-          </p:txBody>
-        </p:sp>
-      </p:grpSp>
     </p:spTree>
     <p:extLst>
       <p:ext uri="{BB962C8B-B14F-4D97-AF65-F5344CB8AC3E}">
-        <p14:creationId xmlns:p14="http://schemas.microsoft.com/office/powerpoint/2010/main" val="3200312026"/>
+        <p14:creationId xmlns:p14="http://schemas.microsoft.com/office/powerpoint/2010/main" val="3148617721"/>
       </p:ext>
     </p:extLst>
   </p:cSld>
@@ -12294,120 +14978,6 @@
 </file>
 
 <file path=ppt/slides/slide15.xml><?xml version="1.0" encoding="utf-8"?>
-<p:sld xmlns:a="http://schemas.openxmlformats.org/drawingml/2006/main" xmlns:r="http://schemas.openxmlformats.org/officeDocument/2006/relationships" xmlns:p="http://schemas.openxmlformats.org/presentationml/2006/main">
-  <p:cSld>
-    <p:spTree>
-      <p:nvGrpSpPr>
-        <p:cNvPr id="1" name="">
-          <a:extLst>
-            <a:ext uri="{FF2B5EF4-FFF2-40B4-BE49-F238E27FC236}">
-              <a16:creationId xmlns:a16="http://schemas.microsoft.com/office/drawing/2014/main" id="{C21633A5-8BE3-D44D-57F3-2EF161376844}"/>
-            </a:ext>
-          </a:extLst>
-        </p:cNvPr>
-        <p:cNvGrpSpPr/>
-        <p:nvPr/>
-      </p:nvGrpSpPr>
-      <p:grpSpPr>
-        <a:xfrm>
-          <a:off x="0" y="0"/>
-          <a:ext cx="0" cy="0"/>
-          <a:chOff x="0" y="0"/>
-          <a:chExt cx="0" cy="0"/>
-        </a:xfrm>
-      </p:grpSpPr>
-      <p:sp>
-        <p:nvSpPr>
-          <p:cNvPr id="9" name="Titolo 8">
-            <a:extLst>
-              <a:ext uri="{FF2B5EF4-FFF2-40B4-BE49-F238E27FC236}">
-                <a16:creationId xmlns:a16="http://schemas.microsoft.com/office/drawing/2014/main" id="{5AB6D40A-2A0A-AF3D-8CF7-3ECD37765637}"/>
-              </a:ext>
-            </a:extLst>
-          </p:cNvPr>
-          <p:cNvSpPr>
-            <a:spLocks noGrp="1"/>
-          </p:cNvSpPr>
-          <p:nvPr>
-            <p:ph type="ctrTitle"/>
-          </p:nvPr>
-        </p:nvSpPr>
-        <p:spPr>
-          <a:xfrm>
-            <a:off x="6309904" y="411479"/>
-            <a:ext cx="5486400" cy="3291840"/>
-          </a:xfrm>
-        </p:spPr>
-        <p:txBody>
-          <a:bodyPr rtlCol="0"/>
-          <a:lstStyle>
-            <a:defPPr>
-              <a:defRPr lang="it-IT"/>
-            </a:defPPr>
-          </a:lstStyle>
-          <a:p>
-            <a:pPr rtl="0"/>
-            <a:r>
-              <a:rPr lang="it-IT"/>
-              <a:t>Selezione degli strumenti visivi</a:t>
-            </a:r>
-          </a:p>
-        </p:txBody>
-      </p:sp>
-      <p:sp>
-        <p:nvSpPr>
-          <p:cNvPr id="3" name="Segnaposto testo 2">
-            <a:extLst>
-              <a:ext uri="{FF2B5EF4-FFF2-40B4-BE49-F238E27FC236}">
-                <a16:creationId xmlns:a16="http://schemas.microsoft.com/office/drawing/2014/main" id="{591442CD-A26D-1761-8CE7-8BC3075BB4ED}"/>
-              </a:ext>
-            </a:extLst>
-          </p:cNvPr>
-          <p:cNvSpPr>
-            <a:spLocks noGrp="1"/>
-          </p:cNvSpPr>
-          <p:nvPr>
-            <p:ph type="body" sz="quarter" idx="11"/>
-          </p:nvPr>
-        </p:nvSpPr>
-        <p:spPr>
-          <a:xfrm>
-            <a:off x="6309905" y="4549552"/>
-            <a:ext cx="5486400" cy="1645920"/>
-          </a:xfrm>
-        </p:spPr>
-        <p:txBody>
-          <a:bodyPr rtlCol="0">
-            <a:normAutofit/>
-          </a:bodyPr>
-          <a:lstStyle>
-            <a:defPPr>
-              <a:defRPr lang="it-IT"/>
-            </a:defPPr>
-          </a:lstStyle>
-          <a:p>
-            <a:pPr rtl="0"/>
-            <a:r>
-              <a:rPr lang="it-IT"/>
-              <a:t>Miglioramento della presentazione</a:t>
-            </a:r>
-          </a:p>
-        </p:txBody>
-      </p:sp>
-    </p:spTree>
-    <p:extLst>
-      <p:ext uri="{BB962C8B-B14F-4D97-AF65-F5344CB8AC3E}">
-        <p14:creationId xmlns:p14="http://schemas.microsoft.com/office/powerpoint/2010/main" val="2039059756"/>
-      </p:ext>
-    </p:extLst>
-  </p:cSld>
-  <p:clrMapOvr>
-    <a:masterClrMapping/>
-  </p:clrMapOvr>
-</p:sld>
-</file>
-
-<file path=ppt/slides/slide16.xml><?xml version="1.0" encoding="utf-8"?>
 <p:sld xmlns:a="http://schemas.openxmlformats.org/drawingml/2006/main" xmlns:r="http://schemas.openxmlformats.org/officeDocument/2006/relationships" xmlns:p="http://schemas.openxmlformats.org/presentationml/2006/main">
   <p:cSld>
     <p:spTree>
@@ -12429,7 +14999,7 @@
           <p:cNvPr id="2" name="Titolo 1">
             <a:extLst>
               <a:ext uri="{FF2B5EF4-FFF2-40B4-BE49-F238E27FC236}">
-                <a16:creationId xmlns:a16="http://schemas.microsoft.com/office/drawing/2014/main" id="{805346ED-721D-85EE-2F1B-A31D0912DE29}"/>
+                <a16:creationId xmlns:a16="http://schemas.microsoft.com/office/drawing/2014/main" id="{36B17578-D61B-66C5-DF66-8BCDC480656A}"/>
               </a:ext>
             </a:extLst>
           </p:cNvPr>
@@ -12440,34 +15010,93 @@
             <p:ph type="title"/>
           </p:nvPr>
         </p:nvSpPr>
-        <p:spPr>
-          <a:xfrm>
-            <a:off x="594360" y="278129"/>
-            <a:ext cx="9778365" cy="1494596"/>
-          </a:xfrm>
-        </p:spPr>
+        <p:spPr/>
         <p:txBody>
-          <a:bodyPr rtlCol="0"/>
-          <a:lstStyle>
-            <a:defPPr>
-              <a:defRPr lang="it-IT"/>
-            </a:defPPr>
-          </a:lstStyle>
-          <a:p>
-            <a:pPr rtl="0"/>
-            <a:r>
-              <a:rPr lang="it-IT"/>
-              <a:t>Tecniche di comunicazione efficaci</a:t>
+          <a:bodyPr/>
+          <a:lstStyle/>
+          <a:p>
+            <a:r>
+              <a:rPr lang="it-IT" dirty="0"/>
+              <a:t>Mean </a:t>
+            </a:r>
+            <a:r>
+              <a:rPr lang="it-IT" dirty="0" err="1"/>
+              <a:t>Average</a:t>
+            </a:r>
+            <a:r>
+              <a:rPr lang="it-IT" dirty="0"/>
+              <a:t> Precision</a:t>
             </a:r>
           </a:p>
         </p:txBody>
       </p:sp>
+      <p:graphicFrame>
+        <p:nvGraphicFramePr>
+          <p:cNvPr id="12" name="Segnaposto contenuto 11">
+            <a:extLst>
+              <a:ext uri="{FF2B5EF4-FFF2-40B4-BE49-F238E27FC236}">
+                <a16:creationId xmlns:a16="http://schemas.microsoft.com/office/drawing/2014/main" id="{05299E9D-BB99-A6C0-B076-003038A80D62}"/>
+              </a:ext>
+            </a:extLst>
+          </p:cNvPr>
+          <p:cNvGraphicFramePr>
+            <a:graphicFrameLocks noGrp="1"/>
+          </p:cNvGraphicFramePr>
+          <p:nvPr>
+            <p:ph sz="quarter" idx="15"/>
+            <p:extLst>
+              <p:ext uri="{D42A27DB-BD31-4B8C-83A1-F6EECF244321}">
+                <p14:modId xmlns:p14="http://schemas.microsoft.com/office/powerpoint/2010/main" val="41762631"/>
+              </p:ext>
+            </p:extLst>
+          </p:nvPr>
+        </p:nvGraphicFramePr>
+        <p:xfrm>
+          <a:off x="5881687" y="2676525"/>
+          <a:ext cx="4491038" cy="3597275"/>
+        </p:xfrm>
+        <a:graphic>
+          <a:graphicData uri="http://schemas.openxmlformats.org/drawingml/2006/chart">
+            <c:chart xmlns:c="http://schemas.openxmlformats.org/drawingml/2006/chart" xmlns:r="http://schemas.openxmlformats.org/officeDocument/2006/relationships" r:id="rId3"/>
+          </a:graphicData>
+        </a:graphic>
+      </p:graphicFrame>
+      <p:graphicFrame>
+        <p:nvGraphicFramePr>
+          <p:cNvPr id="13" name="Segnaposto contenuto 11">
+            <a:extLst>
+              <a:ext uri="{FF2B5EF4-FFF2-40B4-BE49-F238E27FC236}">
+                <a16:creationId xmlns:a16="http://schemas.microsoft.com/office/drawing/2014/main" id="{5BBBF48F-160C-AA6E-1588-1919B4A7C5B0}"/>
+              </a:ext>
+            </a:extLst>
+          </p:cNvPr>
+          <p:cNvGraphicFramePr>
+            <a:graphicFrameLocks/>
+          </p:cNvGraphicFramePr>
+          <p:nvPr>
+            <p:extLst>
+              <p:ext uri="{D42A27DB-BD31-4B8C-83A1-F6EECF244321}">
+                <p14:modId xmlns:p14="http://schemas.microsoft.com/office/powerpoint/2010/main" val="1788039559"/>
+              </p:ext>
+            </p:extLst>
+          </p:nvPr>
+        </p:nvGraphicFramePr>
+        <p:xfrm>
+          <a:off x="594360" y="2676525"/>
+          <a:ext cx="4491038" cy="3597275"/>
+        </p:xfrm>
+        <a:graphic>
+          <a:graphicData uri="http://schemas.openxmlformats.org/drawingml/2006/chart">
+            <c:chart xmlns:c="http://schemas.openxmlformats.org/drawingml/2006/chart" xmlns:r="http://schemas.openxmlformats.org/officeDocument/2006/relationships" r:id="rId4"/>
+          </a:graphicData>
+        </a:graphic>
+      </p:graphicFrame>
       <p:sp>
         <p:nvSpPr>
-          <p:cNvPr id="3" name="Segnaposto contenuto 2">
+          <p:cNvPr id="16" name="Segnaposto numero diapositiva 15">
             <a:extLst>
               <a:ext uri="{FF2B5EF4-FFF2-40B4-BE49-F238E27FC236}">
-                <a16:creationId xmlns:a16="http://schemas.microsoft.com/office/drawing/2014/main" id="{DB097449-5B72-ADA0-3B2D-1CBC160D6B90}"/>
+                <a16:creationId xmlns:a16="http://schemas.microsoft.com/office/drawing/2014/main" id="{8E68A4E1-592E-681D-D867-45276170308D}"/>
               </a:ext>
             </a:extLst>
           </p:cNvPr>
@@ -12475,1123 +15104,35 @@
             <a:spLocks noGrp="1"/>
           </p:cNvSpPr>
           <p:nvPr>
-            <p:ph sz="quarter" idx="15"/>
+            <p:ph type="sldNum" sz="quarter" idx="12"/>
           </p:nvPr>
         </p:nvSpPr>
         <p:spPr>
           <a:xfrm>
-            <a:off x="594360" y="2676525"/>
-            <a:ext cx="4490827" cy="3597470"/>
+            <a:off x="11668760" y="6610349"/>
+            <a:ext cx="523240" cy="247651"/>
           </a:xfrm>
         </p:spPr>
         <p:txBody>
-          <a:bodyPr rtlCol="0"/>
-          <a:lstStyle>
-            <a:defPPr>
-              <a:defRPr lang="it-IT"/>
-            </a:defPPr>
-          </a:lstStyle>
+          <a:bodyPr/>
+          <a:lstStyle/>
           <a:p>
             <a:pPr rtl="0"/>
-            <a:r>
-              <a:rPr lang="it-IT" dirty="0"/>
-              <a:t>Questo è un potente strumento per l'arte oratoria. Ti aiuterà a variare l'intonazione, il tono e il volume per trasmettere emozioni, enfatizzare punti e mantenere l'interesse:</a:t>
-            </a:r>
-          </a:p>
-          <a:p>
-            <a:pPr lvl="1" rtl="0"/>
-            <a:r>
-              <a:rPr lang="it-IT" dirty="0"/>
-              <a:t>Variazione intonazione</a:t>
-            </a:r>
-          </a:p>
-          <a:p>
-            <a:pPr lvl="1" rtl="0"/>
-            <a:r>
-              <a:rPr lang="it-IT" dirty="0"/>
-              <a:t>Inflessione del tono</a:t>
-            </a:r>
-          </a:p>
-          <a:p>
-            <a:pPr lvl="1" rtl="0"/>
-            <a:r>
-              <a:rPr lang="it-IT" dirty="0"/>
-              <a:t>Controllo del volume</a:t>
-            </a:r>
-          </a:p>
-        </p:txBody>
-      </p:sp>
-      <p:sp>
-        <p:nvSpPr>
-          <p:cNvPr id="4" name="Segnaposto contenuto 3">
-            <a:extLst>
-              <a:ext uri="{FF2B5EF4-FFF2-40B4-BE49-F238E27FC236}">
-                <a16:creationId xmlns:a16="http://schemas.microsoft.com/office/drawing/2014/main" id="{41FC7B50-71A6-D8BE-C032-5EB4CF5706D5}"/>
-              </a:ext>
-            </a:extLst>
-          </p:cNvPr>
-          <p:cNvSpPr>
-            <a:spLocks noGrp="1"/>
-          </p:cNvSpPr>
-          <p:nvPr>
-            <p:ph sz="quarter" idx="16"/>
-          </p:nvPr>
-        </p:nvSpPr>
-        <p:spPr>
-          <a:xfrm>
-            <a:off x="5881898" y="2676525"/>
-            <a:ext cx="4490827" cy="3597470"/>
-          </a:xfrm>
-        </p:spPr>
-        <p:txBody>
-          <a:bodyPr rtlCol="0"/>
-          <a:lstStyle>
-            <a:defPPr>
-              <a:defRPr lang="it-IT"/>
-            </a:defPPr>
-          </a:lstStyle>
-          <a:p>
-            <a:pPr rtl="0"/>
-            <a:r>
-              <a:rPr lang="it-IT" dirty="0"/>
-              <a:t>Un linguaggio del corpo efficace valorizza il tuo messaggio, rendendolo più incisivo e memorabile:</a:t>
-            </a:r>
-          </a:p>
-          <a:p>
-            <a:pPr lvl="1" rtl="0"/>
-            <a:r>
-              <a:rPr lang="it-IT" dirty="0"/>
-              <a:t>Contatto visivo significativo</a:t>
-            </a:r>
-          </a:p>
-          <a:p>
-            <a:pPr lvl="1" rtl="0"/>
-            <a:r>
-              <a:rPr lang="it-IT" dirty="0"/>
-              <a:t>Movimenti intenzionali</a:t>
-            </a:r>
-          </a:p>
-          <a:p>
-            <a:pPr lvl="1" rtl="0"/>
-            <a:r>
-              <a:rPr lang="it-IT" dirty="0"/>
-              <a:t>Mantieni una buona postura</a:t>
-            </a:r>
-          </a:p>
-          <a:p>
-            <a:pPr lvl="1" rtl="0"/>
-            <a:r>
-              <a:rPr lang="it-IT" dirty="0"/>
-              <a:t>Controlla le espressioni</a:t>
-            </a:r>
+            <a:fld id="{294A09A9-5501-47C1-A89A-A340965A2BE2}" type="slidenum">
+              <a:rPr lang="it-IT" smtClean="0"/>
+              <a:pPr rtl="0"/>
+              <a:t>15</a:t>
+            </a:fld>
+            <a:endParaRPr lang="it-IT" dirty="0">
+              <a:latin typeface="+mn-lt"/>
+            </a:endParaRPr>
           </a:p>
         </p:txBody>
       </p:sp>
     </p:spTree>
     <p:extLst>
       <p:ext uri="{BB962C8B-B14F-4D97-AF65-F5344CB8AC3E}">
-        <p14:creationId xmlns:p14="http://schemas.microsoft.com/office/powerpoint/2010/main" val="888484295"/>
-      </p:ext>
-    </p:extLst>
-  </p:cSld>
-  <p:clrMapOvr>
-    <a:masterClrMapping/>
-  </p:clrMapOvr>
-</p:sld>
-</file>
-
-<file path=ppt/slides/slide17.xml><?xml version="1.0" encoding="utf-8"?>
-<p:sld xmlns:a="http://schemas.openxmlformats.org/drawingml/2006/main" xmlns:r="http://schemas.openxmlformats.org/officeDocument/2006/relationships" xmlns:p="http://schemas.openxmlformats.org/presentationml/2006/main">
-  <p:cSld>
-    <p:spTree>
-      <p:nvGrpSpPr>
-        <p:cNvPr id="1" name=""/>
-        <p:cNvGrpSpPr/>
-        <p:nvPr/>
-      </p:nvGrpSpPr>
-      <p:grpSpPr>
-        <a:xfrm>
-          <a:off x="0" y="0"/>
-          <a:ext cx="0" cy="0"/>
-          <a:chOff x="0" y="0"/>
-          <a:chExt cx="0" cy="0"/>
-        </a:xfrm>
-      </p:grpSpPr>
-      <p:sp>
-        <p:nvSpPr>
-          <p:cNvPr id="2" name="Titolo 1">
-            <a:extLst>
-              <a:ext uri="{FF2B5EF4-FFF2-40B4-BE49-F238E27FC236}">
-                <a16:creationId xmlns:a16="http://schemas.microsoft.com/office/drawing/2014/main" id="{60BD29B5-1B58-809F-FEA7-B82105E94664}"/>
-              </a:ext>
-            </a:extLst>
-          </p:cNvPr>
-          <p:cNvSpPr>
-            <a:spLocks noGrp="1"/>
-          </p:cNvSpPr>
-          <p:nvPr>
-            <p:ph type="title"/>
-          </p:nvPr>
-        </p:nvSpPr>
-        <p:spPr>
-          <a:xfrm>
-            <a:off x="6318885" y="3499667"/>
-            <a:ext cx="4939666" cy="2542810"/>
-          </a:xfrm>
-        </p:spPr>
-        <p:txBody>
-          <a:bodyPr rtlCol="0"/>
-          <a:lstStyle>
-            <a:defPPr>
-              <a:defRPr lang="it-IT"/>
-            </a:defPPr>
-          </a:lstStyle>
-          <a:p>
-            <a:pPr rtl="0"/>
-            <a:r>
-              <a:rPr lang="it-IT" dirty="0"/>
-              <a:t>Esplorazione delle sessioni di Domande e risposte</a:t>
-            </a:r>
-          </a:p>
-        </p:txBody>
-      </p:sp>
-      <p:sp>
-        <p:nvSpPr>
-          <p:cNvPr id="4" name="Segnaposto contenuto 3">
-            <a:extLst>
-              <a:ext uri="{FF2B5EF4-FFF2-40B4-BE49-F238E27FC236}">
-                <a16:creationId xmlns:a16="http://schemas.microsoft.com/office/drawing/2014/main" id="{07C3632C-2D2E-7026-33B8-EE42DA4BDB5C}"/>
-              </a:ext>
-            </a:extLst>
-          </p:cNvPr>
-          <p:cNvSpPr>
-            <a:spLocks noGrp="1"/>
-          </p:cNvSpPr>
-          <p:nvPr>
-            <p:ph sz="quarter" idx="14"/>
-          </p:nvPr>
-        </p:nvSpPr>
-        <p:spPr>
-          <a:xfrm>
-            <a:off x="603885" y="457201"/>
-            <a:ext cx="5198269" cy="2305050"/>
-          </a:xfrm>
-        </p:spPr>
-        <p:txBody>
-          <a:bodyPr rtlCol="0"/>
-          <a:lstStyle>
-            <a:defPPr>
-              <a:defRPr lang="it-IT"/>
-            </a:defPPr>
-          </a:lstStyle>
-          <a:p>
-            <a:pPr rtl="0"/>
-            <a:r>
-              <a:rPr lang="it-IT" dirty="0"/>
-              <a:t>Conosci il materiale in anticipo</a:t>
-            </a:r>
-          </a:p>
-          <a:p>
-            <a:pPr rtl="0"/>
-            <a:r>
-              <a:rPr lang="it-IT" dirty="0"/>
-              <a:t>Prevedi le domande comuni</a:t>
-            </a:r>
-          </a:p>
-          <a:p>
-            <a:pPr rtl="0"/>
-            <a:r>
-              <a:rPr lang="it-IT" dirty="0"/>
-              <a:t>Prova le risposte</a:t>
-            </a:r>
-          </a:p>
-        </p:txBody>
-      </p:sp>
-      <p:sp>
-        <p:nvSpPr>
-          <p:cNvPr id="3" name="Segnaposto contenuto 2">
-            <a:extLst>
-              <a:ext uri="{FF2B5EF4-FFF2-40B4-BE49-F238E27FC236}">
-                <a16:creationId xmlns:a16="http://schemas.microsoft.com/office/drawing/2014/main" id="{8B599B60-BF79-A832-6AD4-6C6FC6CE4317}"/>
-              </a:ext>
-            </a:extLst>
-          </p:cNvPr>
-          <p:cNvSpPr>
-            <a:spLocks noGrp="1"/>
-          </p:cNvSpPr>
-          <p:nvPr>
-            <p:ph sz="quarter" idx="15"/>
-          </p:nvPr>
-        </p:nvSpPr>
-        <p:spPr>
-          <a:xfrm>
-            <a:off x="594360" y="2810595"/>
-            <a:ext cx="5198269" cy="3319513"/>
-          </a:xfrm>
-        </p:spPr>
-        <p:txBody>
-          <a:bodyPr rtlCol="0">
-            <a:normAutofit/>
-          </a:bodyPr>
-          <a:lstStyle>
-            <a:defPPr>
-              <a:defRPr lang="it-IT"/>
-            </a:defPPr>
-          </a:lstStyle>
-          <a:p>
-            <a:pPr rtl="0"/>
-            <a:r>
-              <a:rPr lang="it-IT" dirty="0"/>
-              <a:t>Mantenere la compostezza durante la sessione di domande e risposte è essenziale per proiettare sicurezza e autorità. Considera i seguenti consigli per rimanere composto:</a:t>
-            </a:r>
-          </a:p>
-          <a:p>
-            <a:pPr lvl="1" rtl="0"/>
-            <a:r>
-              <a:rPr lang="it-IT" dirty="0"/>
-              <a:t>Mantieni la tranquillità</a:t>
-            </a:r>
-          </a:p>
-          <a:p>
-            <a:pPr lvl="1" rtl="0"/>
-            <a:r>
-              <a:rPr lang="it-IT" dirty="0"/>
-              <a:t>Ascolta in modo attivo</a:t>
-            </a:r>
-          </a:p>
-          <a:p>
-            <a:pPr lvl="1" rtl="0"/>
-            <a:r>
-              <a:rPr lang="it-IT" dirty="0"/>
-              <a:t>Fermati e rifletti</a:t>
-            </a:r>
-          </a:p>
-          <a:p>
-            <a:pPr lvl="1" rtl="0"/>
-            <a:r>
-              <a:rPr lang="it-IT" dirty="0"/>
-              <a:t>Mantieni il contatto visivo</a:t>
-            </a:r>
-          </a:p>
-        </p:txBody>
-      </p:sp>
-    </p:spTree>
-    <p:extLst>
-      <p:ext uri="{BB962C8B-B14F-4D97-AF65-F5344CB8AC3E}">
-        <p14:creationId xmlns:p14="http://schemas.microsoft.com/office/powerpoint/2010/main" val="3088225330"/>
-      </p:ext>
-    </p:extLst>
-  </p:cSld>
-  <p:clrMapOvr>
-    <a:masterClrMapping/>
-  </p:clrMapOvr>
-</p:sld>
-</file>
-
-<file path=ppt/slides/slide18.xml><?xml version="1.0" encoding="utf-8"?>
-<p:sld xmlns:a="http://schemas.openxmlformats.org/drawingml/2006/main" xmlns:r="http://schemas.openxmlformats.org/officeDocument/2006/relationships" xmlns:p="http://schemas.openxmlformats.org/presentationml/2006/main">
-  <p:cSld>
-    <p:spTree>
-      <p:nvGrpSpPr>
-        <p:cNvPr id="1" name=""/>
-        <p:cNvGrpSpPr/>
-        <p:nvPr/>
-      </p:nvGrpSpPr>
-      <p:grpSpPr>
-        <a:xfrm>
-          <a:off x="0" y="0"/>
-          <a:ext cx="0" cy="0"/>
-          <a:chOff x="0" y="0"/>
-          <a:chExt cx="0" cy="0"/>
-        </a:xfrm>
-      </p:grpSpPr>
-      <p:sp>
-        <p:nvSpPr>
-          <p:cNvPr id="2" name="Titolo 1">
-            <a:extLst>
-              <a:ext uri="{FF2B5EF4-FFF2-40B4-BE49-F238E27FC236}">
-                <a16:creationId xmlns:a16="http://schemas.microsoft.com/office/drawing/2014/main" id="{F52A871D-B15E-C971-7C85-0AF173E38781}"/>
-              </a:ext>
-            </a:extLst>
-          </p:cNvPr>
-          <p:cNvSpPr>
-            <a:spLocks noGrp="1"/>
-          </p:cNvSpPr>
-          <p:nvPr>
-            <p:ph type="title"/>
-          </p:nvPr>
-        </p:nvSpPr>
-        <p:spPr>
-          <a:xfrm>
-            <a:off x="575310" y="278129"/>
-            <a:ext cx="5063490" cy="2354026"/>
-          </a:xfrm>
-        </p:spPr>
-        <p:txBody>
-          <a:bodyPr rtlCol="0"/>
-          <a:lstStyle>
-            <a:defPPr>
-              <a:defRPr lang="it-IT"/>
-            </a:defPPr>
-          </a:lstStyle>
-          <a:p>
-            <a:pPr rtl="0"/>
-            <a:r>
-              <a:rPr lang="it-IT"/>
-              <a:t>Impatto del parlare</a:t>
-            </a:r>
-          </a:p>
-        </p:txBody>
-      </p:sp>
-      <p:sp>
-        <p:nvSpPr>
-          <p:cNvPr id="3" name="Segnaposto contenuto 2">
-            <a:extLst>
-              <a:ext uri="{FF2B5EF4-FFF2-40B4-BE49-F238E27FC236}">
-                <a16:creationId xmlns:a16="http://schemas.microsoft.com/office/drawing/2014/main" id="{34F2E863-4A4C-76FE-444A-083F93043389}"/>
-              </a:ext>
-            </a:extLst>
-          </p:cNvPr>
-          <p:cNvSpPr>
-            <a:spLocks noGrp="1"/>
-          </p:cNvSpPr>
-          <p:nvPr>
-            <p:ph sz="quarter" idx="16"/>
-          </p:nvPr>
-        </p:nvSpPr>
-        <p:spPr>
-          <a:xfrm>
-            <a:off x="593725" y="3279775"/>
-            <a:ext cx="5045075" cy="2994025"/>
-          </a:xfrm>
-        </p:spPr>
-        <p:txBody>
-          <a:bodyPr rtlCol="0">
-            <a:normAutofit/>
-          </a:bodyPr>
-          <a:lstStyle>
-            <a:defPPr>
-              <a:defRPr lang="it-IT"/>
-            </a:defPPr>
-          </a:lstStyle>
-          <a:p>
-            <a:pPr rtl="0"/>
-            <a:r>
-              <a:rPr lang="it-IT" dirty="0"/>
-              <a:t>La tua capacità di comunicare in modo efficace lascerà un impatto duraturo sul tuo pubblico</a:t>
-            </a:r>
-          </a:p>
-          <a:p>
-            <a:pPr rtl="0"/>
-            <a:r>
-              <a:rPr lang="it-IT" dirty="0"/>
-              <a:t>Comunicare in modo efficace significa non solo trasmettere un messaggio, ma anche entrare in risonanza con le esperienze, i valori e le emozioni di chi ascolta </a:t>
-            </a:r>
-          </a:p>
-          <a:p>
-            <a:pPr rtl="0"/>
-            <a:endParaRPr lang="it-IT" dirty="0"/>
-          </a:p>
-        </p:txBody>
-      </p:sp>
-      <p:pic>
-        <p:nvPicPr>
-          <p:cNvPr id="5" name="Segnaposto immagine 52" descr="Lampadine sospese">
-            <a:extLst>
-              <a:ext uri="{FF2B5EF4-FFF2-40B4-BE49-F238E27FC236}">
-                <a16:creationId xmlns:a16="http://schemas.microsoft.com/office/drawing/2014/main" id="{F2B2501C-600C-11B3-1ECD-912D988906A5}"/>
-              </a:ext>
-            </a:extLst>
-          </p:cNvPr>
-          <p:cNvPicPr>
-            <a:picLocks noGrp="1" noChangeAspect="1"/>
-          </p:cNvPicPr>
-          <p:nvPr>
-            <p:ph type="pic" sz="quarter" idx="15"/>
-          </p:nvPr>
-        </p:nvPicPr>
-        <p:blipFill>
-          <a:blip r:embed="rId3">
-            <a:extLst>
-              <a:ext uri="{28A0092B-C50C-407E-A947-70E740481C1C}">
-                <a14:useLocalDpi xmlns:a14="http://schemas.microsoft.com/office/drawing/2010/main" val="0"/>
-              </a:ext>
-            </a:extLst>
-          </a:blip>
-          <a:srcRect l="16" r="16"/>
-          <a:stretch/>
-        </p:blipFill>
-        <p:spPr>
-          <a:xfrm>
-            <a:off x="6096000" y="0"/>
-            <a:ext cx="6118225" cy="6858000"/>
-          </a:xfrm>
-        </p:spPr>
-      </p:pic>
-    </p:spTree>
-    <p:extLst>
-      <p:ext uri="{BB962C8B-B14F-4D97-AF65-F5344CB8AC3E}">
-        <p14:creationId xmlns:p14="http://schemas.microsoft.com/office/powerpoint/2010/main" val="298364507"/>
-      </p:ext>
-    </p:extLst>
-  </p:cSld>
-  <p:clrMapOvr>
-    <a:masterClrMapping/>
-  </p:clrMapOvr>
-</p:sld>
-</file>
-
-<file path=ppt/slides/slide19.xml><?xml version="1.0" encoding="utf-8"?>
-<p:sld xmlns:a="http://schemas.openxmlformats.org/drawingml/2006/main" xmlns:r="http://schemas.openxmlformats.org/officeDocument/2006/relationships" xmlns:p="http://schemas.openxmlformats.org/presentationml/2006/main">
-  <p:cSld>
-    <p:spTree>
-      <p:nvGrpSpPr>
-        <p:cNvPr id="1" name=""/>
-        <p:cNvGrpSpPr/>
-        <p:nvPr/>
-      </p:nvGrpSpPr>
-      <p:grpSpPr>
-        <a:xfrm>
-          <a:off x="0" y="0"/>
-          <a:ext cx="0" cy="0"/>
-          <a:chOff x="0" y="0"/>
-          <a:chExt cx="0" cy="0"/>
-        </a:xfrm>
-      </p:grpSpPr>
-      <p:sp>
-        <p:nvSpPr>
-          <p:cNvPr id="6" name="Titolo 5">
-            <a:extLst>
-              <a:ext uri="{FF2B5EF4-FFF2-40B4-BE49-F238E27FC236}">
-                <a16:creationId xmlns:a16="http://schemas.microsoft.com/office/drawing/2014/main" id="{76A9A9A7-F1D2-237D-AC72-E21A286F0A6F}"/>
-              </a:ext>
-            </a:extLst>
-          </p:cNvPr>
-          <p:cNvSpPr>
-            <a:spLocks noGrp="1"/>
-          </p:cNvSpPr>
-          <p:nvPr>
-            <p:ph type="title"/>
-          </p:nvPr>
-        </p:nvSpPr>
-        <p:spPr>
-          <a:xfrm>
-            <a:off x="3661409" y="4661717"/>
-            <a:ext cx="7936230" cy="1380760"/>
-          </a:xfrm>
-        </p:spPr>
-        <p:txBody>
-          <a:bodyPr rtlCol="0"/>
-          <a:lstStyle>
-            <a:defPPr>
-              <a:defRPr lang="it-IT"/>
-            </a:defPPr>
-          </a:lstStyle>
-          <a:p>
-            <a:pPr rtl="0"/>
-            <a:r>
-              <a:rPr lang="it-IT"/>
-              <a:t>Comunicazione dinamica</a:t>
-            </a:r>
-          </a:p>
-        </p:txBody>
-      </p:sp>
-      <p:sp>
-        <p:nvSpPr>
-          <p:cNvPr id="4" name="Segnaposto contenuto 3">
-            <a:extLst>
-              <a:ext uri="{FF2B5EF4-FFF2-40B4-BE49-F238E27FC236}">
-                <a16:creationId xmlns:a16="http://schemas.microsoft.com/office/drawing/2014/main" id="{CDB14AAA-1F04-769D-E7F0-4F68C8EB9283}"/>
-              </a:ext>
-            </a:extLst>
-          </p:cNvPr>
-          <p:cNvSpPr>
-            <a:spLocks noGrp="1"/>
-          </p:cNvSpPr>
-          <p:nvPr>
-            <p:ph sz="quarter" idx="14"/>
-          </p:nvPr>
-        </p:nvSpPr>
-        <p:spPr>
-          <a:xfrm>
-            <a:off x="603885" y="584005"/>
-            <a:ext cx="2825115" cy="3999060"/>
-          </a:xfrm>
-        </p:spPr>
-        <p:txBody>
-          <a:bodyPr rtlCol="0"/>
-          <a:lstStyle>
-            <a:defPPr>
-              <a:defRPr lang="it-IT"/>
-            </a:defPPr>
-          </a:lstStyle>
-          <a:p>
-            <a:pPr rtl="0"/>
-            <a:r>
-              <a:rPr lang="it-IT"/>
-              <a:t>Impara a infondere energia nella tua presentazione per lasciare un'impressione duratura.</a:t>
-            </a:r>
-          </a:p>
-          <a:p>
-            <a:pPr rtl="0"/>
-            <a:r>
-              <a:rPr lang="it-IT"/>
-              <a:t>Uno degli obiettivi di una comunicazione efficace è quello di motivare il tuo pubblico.</a:t>
-            </a:r>
-          </a:p>
-        </p:txBody>
-      </p:sp>
-      <p:graphicFrame>
-        <p:nvGraphicFramePr>
-          <p:cNvPr id="8" name="Segnaposto tabella 2">
-            <a:extLst>
-              <a:ext uri="{FF2B5EF4-FFF2-40B4-BE49-F238E27FC236}">
-                <a16:creationId xmlns:a16="http://schemas.microsoft.com/office/drawing/2014/main" id="{C60AA2D2-28D7-69D7-F6C5-B31DAD3332C1}"/>
-              </a:ext>
-            </a:extLst>
-          </p:cNvPr>
-          <p:cNvGraphicFramePr>
-            <a:graphicFrameLocks noGrp="1"/>
-          </p:cNvGraphicFramePr>
-          <p:nvPr>
-            <p:ph sz="quarter" idx="13"/>
-            <p:extLst>
-              <p:ext uri="{D42A27DB-BD31-4B8C-83A1-F6EECF244321}">
-                <p14:modId xmlns:p14="http://schemas.microsoft.com/office/powerpoint/2010/main" val="598521189"/>
-              </p:ext>
-            </p:extLst>
-          </p:nvPr>
-        </p:nvGraphicFramePr>
-        <p:xfrm>
-          <a:off x="3670300" y="584200"/>
-          <a:ext cx="7930340" cy="4367708"/>
-        </p:xfrm>
-        <a:graphic>
-          <a:graphicData uri="http://schemas.openxmlformats.org/drawingml/2006/table">
-            <a:tbl>
-              <a:tblPr firstRow="1" bandRow="1">
-                <a:tableStyleId>{8A107856-5554-42FB-B03E-39F5DBC370BA}</a:tableStyleId>
-              </a:tblPr>
-              <a:tblGrid>
-                <a:gridCol w="1982585">
-                  <a:extLst>
-                    <a:ext uri="{9D8B030D-6E8A-4147-A177-3AD203B41FA5}">
-                      <a16:colId xmlns:a16="http://schemas.microsoft.com/office/drawing/2014/main" val="127040821"/>
-                    </a:ext>
-                  </a:extLst>
-                </a:gridCol>
-                <a:gridCol w="1982585">
-                  <a:extLst>
-                    <a:ext uri="{9D8B030D-6E8A-4147-A177-3AD203B41FA5}">
-                      <a16:colId xmlns:a16="http://schemas.microsoft.com/office/drawing/2014/main" val="149845700"/>
-                    </a:ext>
-                  </a:extLst>
-                </a:gridCol>
-                <a:gridCol w="1982585">
-                  <a:extLst>
-                    <a:ext uri="{9D8B030D-6E8A-4147-A177-3AD203B41FA5}">
-                      <a16:colId xmlns:a16="http://schemas.microsoft.com/office/drawing/2014/main" val="3119692462"/>
-                    </a:ext>
-                  </a:extLst>
-                </a:gridCol>
-                <a:gridCol w="1982585">
-                  <a:extLst>
-                    <a:ext uri="{9D8B030D-6E8A-4147-A177-3AD203B41FA5}">
-                      <a16:colId xmlns:a16="http://schemas.microsoft.com/office/drawing/2014/main" val="3472639139"/>
-                    </a:ext>
-                  </a:extLst>
-                </a:gridCol>
-              </a:tblGrid>
-              <a:tr h="511373">
-                <a:tc>
-                  <a:txBody>
-                    <a:bodyPr/>
-                    <a:lstStyle>
-                      <a:defPPr>
-                        <a:defRPr lang="it-IT"/>
-                      </a:defPPr>
-                    </a:lstStyle>
-                    <a:p>
-                      <a:pPr algn="ctr" rtl="0"/>
-                      <a:r>
-                        <a:rPr lang="it-IT" b="0">
-                          <a:latin typeface="+mj-lt"/>
-                        </a:rPr>
-                        <a:t>Metrica</a:t>
-                      </a:r>
-                    </a:p>
-                  </a:txBody>
-                  <a:tcPr anchor="ctr"/>
-                </a:tc>
-                <a:tc>
-                  <a:txBody>
-                    <a:bodyPr/>
-                    <a:lstStyle>
-                      <a:defPPr>
-                        <a:defRPr lang="it-IT"/>
-                      </a:defPPr>
-                    </a:lstStyle>
-                    <a:p>
-                      <a:pPr algn="ctr" rtl="0"/>
-                      <a:r>
-                        <a:rPr lang="it-IT" b="0">
-                          <a:latin typeface="+mj-lt"/>
-                        </a:rPr>
-                        <a:t>Misura</a:t>
-                      </a:r>
-                    </a:p>
-                  </a:txBody>
-                  <a:tcPr anchor="ctr"/>
-                </a:tc>
-                <a:tc>
-                  <a:txBody>
-                    <a:bodyPr/>
-                    <a:lstStyle>
-                      <a:defPPr>
-                        <a:defRPr lang="it-IT"/>
-                      </a:defPPr>
-                    </a:lstStyle>
-                    <a:p>
-                      <a:pPr algn="ctr" rtl="0"/>
-                      <a:r>
-                        <a:rPr lang="it-IT" b="0">
-                          <a:latin typeface="+mj-lt"/>
-                        </a:rPr>
-                        <a:t>Obiettivo</a:t>
-                      </a:r>
-                    </a:p>
-                  </a:txBody>
-                  <a:tcPr anchor="ctr"/>
-                </a:tc>
-                <a:tc>
-                  <a:txBody>
-                    <a:bodyPr/>
-                    <a:lstStyle>
-                      <a:defPPr>
-                        <a:defRPr lang="it-IT"/>
-                      </a:defPPr>
-                    </a:lstStyle>
-                    <a:p>
-                      <a:pPr algn="ctr" rtl="0"/>
-                      <a:r>
-                        <a:rPr lang="it-IT" b="0">
-                          <a:latin typeface="+mj-lt"/>
-                        </a:rPr>
-                        <a:t>Effettivo</a:t>
-                      </a:r>
-                    </a:p>
-                  </a:txBody>
-                  <a:tcPr anchor="ctr"/>
-                </a:tc>
-                <a:extLst>
-                  <a:ext uri="{0D108BD9-81ED-4DB2-BD59-A6C34878D82A}">
-                    <a16:rowId xmlns:a16="http://schemas.microsoft.com/office/drawing/2014/main" val="3298013591"/>
-                  </a:ext>
-                </a:extLst>
-              </a:tr>
-              <a:tr h="708914">
-                <a:tc>
-                  <a:txBody>
-                    <a:bodyPr/>
-                    <a:lstStyle>
-                      <a:defPPr>
-                        <a:defRPr lang="it-IT"/>
-                      </a:defPPr>
-                    </a:lstStyle>
-                    <a:p>
-                      <a:pPr algn="ctr" rtl="0"/>
-                      <a:r>
-                        <a:rPr lang="it-IT" b="0"/>
-                        <a:t>Partecipazione del pubblico</a:t>
-                      </a:r>
-                    </a:p>
-                  </a:txBody>
-                  <a:tcPr anchor="ctr"/>
-                </a:tc>
-                <a:tc>
-                  <a:txBody>
-                    <a:bodyPr/>
-                    <a:lstStyle>
-                      <a:defPPr>
-                        <a:defRPr lang="it-IT"/>
-                      </a:defPPr>
-                    </a:lstStyle>
-                    <a:p>
-                      <a:pPr algn="ctr" rtl="0"/>
-                      <a:r>
-                        <a:rPr lang="it-IT" b="0"/>
-                        <a:t>N. di partecipanti</a:t>
-                      </a:r>
-                    </a:p>
-                  </a:txBody>
-                  <a:tcPr anchor="ctr"/>
-                </a:tc>
-                <a:tc>
-                  <a:txBody>
-                    <a:bodyPr/>
-                    <a:lstStyle>
-                      <a:defPPr>
-                        <a:defRPr lang="it-IT"/>
-                      </a:defPPr>
-                    </a:lstStyle>
-                    <a:p>
-                      <a:pPr algn="ctr" rtl="0"/>
-                      <a:r>
-                        <a:rPr lang="it-IT" b="0"/>
-                        <a:t>150</a:t>
-                      </a:r>
-                    </a:p>
-                  </a:txBody>
-                  <a:tcPr anchor="ctr"/>
-                </a:tc>
-                <a:tc>
-                  <a:txBody>
-                    <a:bodyPr/>
-                    <a:lstStyle>
-                      <a:defPPr>
-                        <a:defRPr lang="it-IT"/>
-                      </a:defPPr>
-                    </a:lstStyle>
-                    <a:p>
-                      <a:pPr algn="ctr" rtl="0"/>
-                      <a:r>
-                        <a:rPr lang="it-IT" b="0"/>
-                        <a:t>120</a:t>
-                      </a:r>
-                    </a:p>
-                  </a:txBody>
-                  <a:tcPr anchor="ctr"/>
-                </a:tc>
-                <a:extLst>
-                  <a:ext uri="{0D108BD9-81ED-4DB2-BD59-A6C34878D82A}">
-                    <a16:rowId xmlns:a16="http://schemas.microsoft.com/office/drawing/2014/main" val="3873867931"/>
-                  </a:ext>
-                </a:extLst>
-              </a:tr>
-              <a:tr h="708914">
-                <a:tc>
-                  <a:txBody>
-                    <a:bodyPr/>
-                    <a:lstStyle>
-                      <a:defPPr>
-                        <a:defRPr lang="it-IT"/>
-                      </a:defPPr>
-                    </a:lstStyle>
-                    <a:p>
-                      <a:pPr algn="ctr" rtl="0"/>
-                      <a:r>
-                        <a:rPr lang="it-IT" b="0"/>
-                        <a:t>Durata dell'impegno</a:t>
-                      </a:r>
-                    </a:p>
-                  </a:txBody>
-                  <a:tcPr anchor="ctr"/>
-                </a:tc>
-                <a:tc>
-                  <a:txBody>
-                    <a:bodyPr/>
-                    <a:lstStyle>
-                      <a:defPPr>
-                        <a:defRPr lang="it-IT"/>
-                      </a:defPPr>
-                    </a:lstStyle>
-                    <a:p>
-                      <a:pPr algn="ctr" rtl="0"/>
-                      <a:r>
-                        <a:rPr lang="it-IT" b="0"/>
-                        <a:t>Verbale</a:t>
-                      </a:r>
-                    </a:p>
-                  </a:txBody>
-                  <a:tcPr anchor="ctr"/>
-                </a:tc>
-                <a:tc>
-                  <a:txBody>
-                    <a:bodyPr/>
-                    <a:lstStyle>
-                      <a:defPPr>
-                        <a:defRPr lang="it-IT"/>
-                      </a:defPPr>
-                    </a:lstStyle>
-                    <a:p>
-                      <a:pPr algn="ctr" rtl="0"/>
-                      <a:r>
-                        <a:rPr lang="it-IT" b="0"/>
-                        <a:t>60</a:t>
-                      </a:r>
-                    </a:p>
-                  </a:txBody>
-                  <a:tcPr anchor="ctr"/>
-                </a:tc>
-                <a:tc>
-                  <a:txBody>
-                    <a:bodyPr/>
-                    <a:lstStyle>
-                      <a:defPPr>
-                        <a:defRPr lang="it-IT"/>
-                      </a:defPPr>
-                    </a:lstStyle>
-                    <a:p>
-                      <a:pPr algn="ctr" rtl="0"/>
-                      <a:r>
-                        <a:rPr lang="it-IT" b="0"/>
-                        <a:t>75</a:t>
-                      </a:r>
-                    </a:p>
-                  </a:txBody>
-                  <a:tcPr anchor="ctr"/>
-                </a:tc>
-                <a:extLst>
-                  <a:ext uri="{0D108BD9-81ED-4DB2-BD59-A6C34878D82A}">
-                    <a16:rowId xmlns:a16="http://schemas.microsoft.com/office/drawing/2014/main" val="85209771"/>
-                  </a:ext>
-                </a:extLst>
-              </a:tr>
-              <a:tr h="511373">
-                <a:tc>
-                  <a:txBody>
-                    <a:bodyPr/>
-                    <a:lstStyle>
-                      <a:defPPr>
-                        <a:defRPr lang="it-IT"/>
-                      </a:defPPr>
-                    </a:lstStyle>
-                    <a:p>
-                      <a:pPr algn="ctr" rtl="0"/>
-                      <a:r>
-                        <a:rPr lang="it-IT" b="0"/>
-                        <a:t>Interazione di Domande e risposte</a:t>
-                      </a:r>
-                    </a:p>
-                  </a:txBody>
-                  <a:tcPr anchor="ctr"/>
-                </a:tc>
-                <a:tc>
-                  <a:txBody>
-                    <a:bodyPr/>
-                    <a:lstStyle>
-                      <a:defPPr>
-                        <a:defRPr lang="it-IT"/>
-                      </a:defPPr>
-                    </a:lstStyle>
-                    <a:p>
-                      <a:pPr algn="ctr" rtl="0"/>
-                      <a:r>
-                        <a:rPr lang="it-IT" b="0"/>
-                        <a:t>N. di domande</a:t>
-                      </a:r>
-                    </a:p>
-                  </a:txBody>
-                  <a:tcPr anchor="ctr"/>
-                </a:tc>
-                <a:tc>
-                  <a:txBody>
-                    <a:bodyPr/>
-                    <a:lstStyle>
-                      <a:defPPr>
-                        <a:defRPr lang="it-IT"/>
-                      </a:defPPr>
-                    </a:lstStyle>
-                    <a:p>
-                      <a:pPr algn="ctr" rtl="0"/>
-                      <a:r>
-                        <a:rPr lang="it-IT" b="0"/>
-                        <a:t>10</a:t>
-                      </a:r>
-                    </a:p>
-                  </a:txBody>
-                  <a:tcPr anchor="ctr"/>
-                </a:tc>
-                <a:tc>
-                  <a:txBody>
-                    <a:bodyPr/>
-                    <a:lstStyle>
-                      <a:defPPr>
-                        <a:defRPr lang="it-IT"/>
-                      </a:defPPr>
-                    </a:lstStyle>
-                    <a:p>
-                      <a:pPr algn="ctr" rtl="0"/>
-                      <a:r>
-                        <a:rPr lang="it-IT" b="0"/>
-                        <a:t>15</a:t>
-                      </a:r>
-                    </a:p>
-                  </a:txBody>
-                  <a:tcPr anchor="ctr"/>
-                </a:tc>
-                <a:extLst>
-                  <a:ext uri="{0D108BD9-81ED-4DB2-BD59-A6C34878D82A}">
-                    <a16:rowId xmlns:a16="http://schemas.microsoft.com/office/drawing/2014/main" val="4061031278"/>
-                  </a:ext>
-                </a:extLst>
-              </a:tr>
-              <a:tr h="511373">
-                <a:tc>
-                  <a:txBody>
-                    <a:bodyPr/>
-                    <a:lstStyle>
-                      <a:defPPr>
-                        <a:defRPr lang="it-IT"/>
-                      </a:defPPr>
-                    </a:lstStyle>
-                    <a:p>
-                      <a:pPr algn="ctr" rtl="0"/>
-                      <a:r>
-                        <a:rPr lang="it-IT" b="0" dirty="0"/>
-                        <a:t>Feedback positivo</a:t>
-                      </a:r>
-                    </a:p>
-                  </a:txBody>
-                  <a:tcPr anchor="ctr"/>
-                </a:tc>
-                <a:tc>
-                  <a:txBody>
-                    <a:bodyPr/>
-                    <a:lstStyle>
-                      <a:defPPr>
-                        <a:defRPr lang="it-IT"/>
-                      </a:defPPr>
-                    </a:lstStyle>
-                    <a:p>
-                      <a:pPr algn="ctr" rtl="0"/>
-                      <a:r>
-                        <a:rPr lang="it-IT" b="0"/>
-                        <a:t>Percentuale (%)</a:t>
-                      </a:r>
-                    </a:p>
-                  </a:txBody>
-                  <a:tcPr anchor="ctr"/>
-                </a:tc>
-                <a:tc>
-                  <a:txBody>
-                    <a:bodyPr/>
-                    <a:lstStyle>
-                      <a:defPPr>
-                        <a:defRPr lang="it-IT"/>
-                      </a:defPPr>
-                    </a:lstStyle>
-                    <a:p>
-                      <a:pPr algn="ctr" rtl="0"/>
-                      <a:r>
-                        <a:rPr lang="it-IT" b="0"/>
-                        <a:t>90</a:t>
-                      </a:r>
-                    </a:p>
-                  </a:txBody>
-                  <a:tcPr anchor="ctr"/>
-                </a:tc>
-                <a:tc>
-                  <a:txBody>
-                    <a:bodyPr/>
-                    <a:lstStyle>
-                      <a:defPPr>
-                        <a:defRPr lang="it-IT"/>
-                      </a:defPPr>
-                    </a:lstStyle>
-                    <a:p>
-                      <a:pPr algn="ctr" rtl="0"/>
-                      <a:r>
-                        <a:rPr lang="it-IT" b="0"/>
-                        <a:t>95</a:t>
-                      </a:r>
-                    </a:p>
-                  </a:txBody>
-                  <a:tcPr anchor="ctr"/>
-                </a:tc>
-                <a:extLst>
-                  <a:ext uri="{0D108BD9-81ED-4DB2-BD59-A6C34878D82A}">
-                    <a16:rowId xmlns:a16="http://schemas.microsoft.com/office/drawing/2014/main" val="3591840781"/>
-                  </a:ext>
-                </a:extLst>
-              </a:tr>
-              <a:tr h="1012734">
-                <a:tc>
-                  <a:txBody>
-                    <a:bodyPr/>
-                    <a:lstStyle>
-                      <a:defPPr>
-                        <a:defRPr lang="it-IT"/>
-                      </a:defPPr>
-                    </a:lstStyle>
-                    <a:p>
-                      <a:pPr algn="ctr" rtl="0"/>
-                      <a:r>
-                        <a:rPr lang="it-IT" b="0"/>
-                        <a:t>Frequenza di conservazione delle informazioni</a:t>
-                      </a:r>
-                    </a:p>
-                  </a:txBody>
-                  <a:tcPr anchor="ctr"/>
-                </a:tc>
-                <a:tc>
-                  <a:txBody>
-                    <a:bodyPr/>
-                    <a:lstStyle>
-                      <a:defPPr>
-                        <a:defRPr lang="it-IT"/>
-                      </a:defPPr>
-                    </a:lstStyle>
-                    <a:p>
-                      <a:pPr algn="ctr" rtl="0"/>
-                      <a:r>
-                        <a:rPr lang="it-IT" b="0"/>
-                        <a:t>Percentuale (%)</a:t>
-                      </a:r>
-                    </a:p>
-                  </a:txBody>
-                  <a:tcPr anchor="ctr"/>
-                </a:tc>
-                <a:tc>
-                  <a:txBody>
-                    <a:bodyPr/>
-                    <a:lstStyle>
-                      <a:defPPr>
-                        <a:defRPr lang="it-IT"/>
-                      </a:defPPr>
-                    </a:lstStyle>
-                    <a:p>
-                      <a:pPr algn="ctr" rtl="0"/>
-                      <a:r>
-                        <a:rPr lang="it-IT" b="0"/>
-                        <a:t>80</a:t>
-                      </a:r>
-                    </a:p>
-                  </a:txBody>
-                  <a:tcPr anchor="ctr"/>
-                </a:tc>
-                <a:tc>
-                  <a:txBody>
-                    <a:bodyPr/>
-                    <a:lstStyle>
-                      <a:defPPr>
-                        <a:defRPr lang="it-IT"/>
-                      </a:defPPr>
-                    </a:lstStyle>
-                    <a:p>
-                      <a:pPr algn="ctr" rtl="0"/>
-                      <a:r>
-                        <a:rPr lang="it-IT" b="0" dirty="0"/>
-                        <a:t>85</a:t>
-                      </a:r>
-                    </a:p>
-                  </a:txBody>
-                  <a:tcPr anchor="ctr"/>
-                </a:tc>
-                <a:extLst>
-                  <a:ext uri="{0D108BD9-81ED-4DB2-BD59-A6C34878D82A}">
-                    <a16:rowId xmlns:a16="http://schemas.microsoft.com/office/drawing/2014/main" val="335389741"/>
-                  </a:ext>
-                </a:extLst>
-              </a:tr>
-            </a:tbl>
-          </a:graphicData>
-        </a:graphic>
-      </p:graphicFrame>
-    </p:spTree>
-    <p:extLst>
-      <p:ext uri="{BB962C8B-B14F-4D97-AF65-F5344CB8AC3E}">
-        <p14:creationId xmlns:p14="http://schemas.microsoft.com/office/powerpoint/2010/main" val="4127695141"/>
+        <p14:creationId xmlns:p14="http://schemas.microsoft.com/office/powerpoint/2010/main" val="1808217430"/>
       </p:ext>
     </p:extLst>
   </p:cSld>
@@ -13727,42 +15268,12 @@
           </a:p>
         </p:txBody>
       </p:sp>
-    </p:spTree>
-    <p:extLst>
-      <p:ext uri="{BB962C8B-B14F-4D97-AF65-F5344CB8AC3E}">
-        <p14:creationId xmlns:p14="http://schemas.microsoft.com/office/powerpoint/2010/main" val="3346685798"/>
-      </p:ext>
-    </p:extLst>
-  </p:cSld>
-  <p:clrMapOvr>
-    <a:masterClrMapping/>
-  </p:clrMapOvr>
-</p:sld>
-</file>
-
-<file path=ppt/slides/slide20.xml><?xml version="1.0" encoding="utf-8"?>
-<p:sld xmlns:a="http://schemas.openxmlformats.org/drawingml/2006/main" xmlns:r="http://schemas.openxmlformats.org/officeDocument/2006/relationships" xmlns:p="http://schemas.openxmlformats.org/presentationml/2006/main">
-  <p:cSld>
-    <p:spTree>
-      <p:nvGrpSpPr>
-        <p:cNvPr id="1" name=""/>
-        <p:cNvGrpSpPr/>
-        <p:nvPr/>
-      </p:nvGrpSpPr>
-      <p:grpSpPr>
-        <a:xfrm>
-          <a:off x="0" y="0"/>
-          <a:ext cx="0" cy="0"/>
-          <a:chOff x="0" y="0"/>
-          <a:chExt cx="0" cy="0"/>
-        </a:xfrm>
-      </p:grpSpPr>
       <p:sp>
         <p:nvSpPr>
-          <p:cNvPr id="2" name="Titolo 1">
+          <p:cNvPr id="4" name="Segnaposto numero diapositiva 3">
             <a:extLst>
               <a:ext uri="{FF2B5EF4-FFF2-40B4-BE49-F238E27FC236}">
-                <a16:creationId xmlns:a16="http://schemas.microsoft.com/office/drawing/2014/main" id="{F0759DC4-8B30-98A0-5BAB-C78BA4A4AD55}"/>
+                <a16:creationId xmlns:a16="http://schemas.microsoft.com/office/drawing/2014/main" id="{1776E192-07C6-4046-B0FC-57B0EA4A5A4E}"/>
               </a:ext>
             </a:extLst>
           </p:cNvPr>
@@ -13770,948 +15281,35 @@
             <a:spLocks noGrp="1"/>
           </p:cNvSpPr>
           <p:nvPr>
-            <p:ph type="title"/>
+            <p:ph type="sldNum" sz="quarter" idx="26"/>
           </p:nvPr>
         </p:nvSpPr>
         <p:spPr>
           <a:xfrm>
-            <a:off x="594360" y="198408"/>
-            <a:ext cx="10972800" cy="1574317"/>
+            <a:off x="11668760" y="6610349"/>
+            <a:ext cx="523240" cy="247651"/>
           </a:xfrm>
         </p:spPr>
         <p:txBody>
-          <a:bodyPr rtlCol="0"/>
-          <a:lstStyle>
-            <a:defPPr>
-              <a:defRPr lang="it-IT"/>
-            </a:defPPr>
-          </a:lstStyle>
+          <a:bodyPr/>
+          <a:lstStyle/>
           <a:p>
             <a:pPr rtl="0"/>
-            <a:r>
-              <a:rPr lang="it-IT"/>
-              <a:t>Suggerimenti finali e considerazioni</a:t>
-            </a:r>
-          </a:p>
-        </p:txBody>
-      </p:sp>
-      <p:sp>
-        <p:nvSpPr>
-          <p:cNvPr id="3" name="Segnaposto contenuto 2">
-            <a:extLst>
-              <a:ext uri="{FF2B5EF4-FFF2-40B4-BE49-F238E27FC236}">
-                <a16:creationId xmlns:a16="http://schemas.microsoft.com/office/drawing/2014/main" id="{4096FB3A-B62C-3DAB-4FD1-B4EBDD650AEF}"/>
-              </a:ext>
-            </a:extLst>
-          </p:cNvPr>
-          <p:cNvSpPr>
-            <a:spLocks noGrp="1"/>
-          </p:cNvSpPr>
-          <p:nvPr>
-            <p:ph sz="quarter" idx="13"/>
-          </p:nvPr>
-        </p:nvSpPr>
-        <p:spPr>
-          <a:xfrm>
-            <a:off x="595523" y="2676525"/>
-            <a:ext cx="5746750" cy="3597470"/>
-          </a:xfrm>
-        </p:spPr>
-        <p:txBody>
-          <a:bodyPr rtlCol="0">
-            <a:normAutofit lnSpcReduction="10000"/>
-          </a:bodyPr>
-          <a:lstStyle>
-            <a:defPPr>
-              <a:defRPr lang="it-IT"/>
-            </a:defPPr>
-          </a:lstStyle>
-          <a:p>
-            <a:pPr rtl="0"/>
-            <a:r>
-              <a:rPr lang="it-IT" dirty="0"/>
-              <a:t>Prove costanti</a:t>
-            </a:r>
-          </a:p>
-          <a:p>
-            <a:pPr lvl="1" rtl="0"/>
-            <a:r>
-              <a:rPr lang="it-IT" dirty="0"/>
-              <a:t>Rafforza la tua familiarità</a:t>
-            </a:r>
-          </a:p>
-          <a:p>
-            <a:pPr rtl="0"/>
-            <a:r>
-              <a:rPr lang="it-IT" dirty="0"/>
-              <a:t>Perfeziona il tuo stile di comunicazione</a:t>
-            </a:r>
-          </a:p>
-          <a:p>
-            <a:pPr lvl="1" rtl="0"/>
-            <a:r>
-              <a:rPr lang="it-IT" dirty="0"/>
-              <a:t>Ritmo, tono ed enfasi</a:t>
-            </a:r>
-          </a:p>
-          <a:p>
-            <a:pPr rtl="0"/>
-            <a:r>
-              <a:rPr lang="it-IT" dirty="0"/>
-              <a:t>Tempi e transizioni</a:t>
-            </a:r>
-          </a:p>
-          <a:p>
-            <a:pPr lvl="1" rtl="0"/>
-            <a:r>
-              <a:rPr lang="it-IT" dirty="0"/>
-              <a:t>Punta a una presentazione professionale e senza interruzioni</a:t>
-            </a:r>
-          </a:p>
-          <a:p>
-            <a:pPr rtl="0"/>
-            <a:r>
-              <a:rPr lang="it-IT" dirty="0"/>
-              <a:t>Gruppo di destinatari delle esercitazioni</a:t>
-            </a:r>
-          </a:p>
-          <a:p>
-            <a:pPr lvl="1" rtl="0"/>
-            <a:r>
-              <a:rPr lang="it-IT" dirty="0"/>
-              <a:t>Chiedi ai colleghi di ascoltare e fornire un feedback</a:t>
-            </a:r>
-          </a:p>
-          <a:p>
-            <a:pPr lvl="1" rtl="0"/>
-            <a:endParaRPr lang="it-IT" dirty="0"/>
-          </a:p>
-        </p:txBody>
-      </p:sp>
-      <p:sp>
-        <p:nvSpPr>
-          <p:cNvPr id="4" name="Segnaposto contenuto 3">
-            <a:extLst>
-              <a:ext uri="{FF2B5EF4-FFF2-40B4-BE49-F238E27FC236}">
-                <a16:creationId xmlns:a16="http://schemas.microsoft.com/office/drawing/2014/main" id="{43E198AA-251D-4446-30C4-8F2FA7F6A72C}"/>
-              </a:ext>
-            </a:extLst>
-          </p:cNvPr>
-          <p:cNvSpPr>
-            <a:spLocks noGrp="1"/>
-          </p:cNvSpPr>
-          <p:nvPr>
-            <p:ph sz="quarter" idx="14"/>
-          </p:nvPr>
-        </p:nvSpPr>
-        <p:spPr>
-          <a:xfrm>
-            <a:off x="7620000" y="2676525"/>
-            <a:ext cx="3947160" cy="3597470"/>
-          </a:xfrm>
-        </p:spPr>
-        <p:txBody>
-          <a:bodyPr rtlCol="0"/>
-          <a:lstStyle>
-            <a:defPPr>
-              <a:defRPr lang="it-IT"/>
-            </a:defPPr>
-          </a:lstStyle>
-          <a:p>
-            <a:pPr rtl="0"/>
-            <a:r>
-              <a:rPr lang="it-IT" dirty="0"/>
-              <a:t>Richiedi il feedback</a:t>
-            </a:r>
-          </a:p>
-          <a:p>
-            <a:pPr rtl="0"/>
-            <a:r>
-              <a:rPr lang="it-IT" dirty="0"/>
-              <a:t>Rifletti sulle tue prestazioni</a:t>
-            </a:r>
-          </a:p>
-          <a:p>
-            <a:pPr rtl="0"/>
-            <a:r>
-              <a:rPr lang="it-IT" dirty="0"/>
-              <a:t>Esplora nuove tecniche</a:t>
-            </a:r>
-          </a:p>
-          <a:p>
-            <a:pPr rtl="0"/>
-            <a:r>
-              <a:rPr lang="it-IT" dirty="0"/>
-              <a:t>Imposta obiettivi personali</a:t>
-            </a:r>
-          </a:p>
-          <a:p>
-            <a:pPr rtl="0"/>
-            <a:r>
-              <a:rPr lang="it-IT" dirty="0"/>
-              <a:t>Ripeti e adatta</a:t>
-            </a:r>
+            <a:fld id="{294A09A9-5501-47C1-A89A-A340965A2BE2}" type="slidenum">
+              <a:rPr lang="it-IT" smtClean="0"/>
+              <a:pPr rtl="0"/>
+              <a:t>2</a:t>
+            </a:fld>
+            <a:endParaRPr lang="it-IT" dirty="0">
+              <a:latin typeface="+mn-lt"/>
+            </a:endParaRPr>
           </a:p>
         </p:txBody>
       </p:sp>
     </p:spTree>
     <p:extLst>
       <p:ext uri="{BB962C8B-B14F-4D97-AF65-F5344CB8AC3E}">
-        <p14:creationId xmlns:p14="http://schemas.microsoft.com/office/powerpoint/2010/main" val="1850768898"/>
-      </p:ext>
-    </p:extLst>
-  </p:cSld>
-  <p:clrMapOvr>
-    <a:masterClrMapping/>
-  </p:clrMapOvr>
-</p:sld>
-</file>
-
-<file path=ppt/slides/slide21.xml><?xml version="1.0" encoding="utf-8"?>
-<p:sld xmlns:a="http://schemas.openxmlformats.org/drawingml/2006/main" xmlns:r="http://schemas.openxmlformats.org/officeDocument/2006/relationships" xmlns:p="http://schemas.openxmlformats.org/presentationml/2006/main">
-  <p:cSld>
-    <p:spTree>
-      <p:nvGrpSpPr>
-        <p:cNvPr id="1" name=""/>
-        <p:cNvGrpSpPr/>
-        <p:nvPr/>
-      </p:nvGrpSpPr>
-      <p:grpSpPr>
-        <a:xfrm>
-          <a:off x="0" y="0"/>
-          <a:ext cx="0" cy="0"/>
-          <a:chOff x="0" y="0"/>
-          <a:chExt cx="0" cy="0"/>
-        </a:xfrm>
-      </p:grpSpPr>
-      <p:sp>
-        <p:nvSpPr>
-          <p:cNvPr id="3" name="Titolo 2">
-            <a:extLst>
-              <a:ext uri="{FF2B5EF4-FFF2-40B4-BE49-F238E27FC236}">
-                <a16:creationId xmlns:a16="http://schemas.microsoft.com/office/drawing/2014/main" id="{C7AB9C34-2B13-E66F-1053-2BA156F89425}"/>
-              </a:ext>
-            </a:extLst>
-          </p:cNvPr>
-          <p:cNvSpPr>
-            <a:spLocks noGrp="1"/>
-          </p:cNvSpPr>
-          <p:nvPr>
-            <p:ph type="title"/>
-          </p:nvPr>
-        </p:nvSpPr>
-        <p:spPr>
-          <a:xfrm>
-            <a:off x="594360" y="584005"/>
-            <a:ext cx="10972800" cy="1188720"/>
-          </a:xfrm>
-        </p:spPr>
-        <p:txBody>
-          <a:bodyPr rtlCol="0"/>
-          <a:lstStyle>
-            <a:defPPr>
-              <a:defRPr lang="it-IT"/>
-            </a:defPPr>
-          </a:lstStyle>
-          <a:p>
-            <a:pPr rtl="0"/>
-            <a:r>
-              <a:rPr lang="it-IT"/>
-              <a:t>Metriche di coinvolgimento dei relatori</a:t>
-            </a:r>
-          </a:p>
-        </p:txBody>
-      </p:sp>
-      <p:graphicFrame>
-        <p:nvGraphicFramePr>
-          <p:cNvPr id="4" name="Segnaposto tabella 3">
-            <a:extLst>
-              <a:ext uri="{FF2B5EF4-FFF2-40B4-BE49-F238E27FC236}">
-                <a16:creationId xmlns:a16="http://schemas.microsoft.com/office/drawing/2014/main" id="{4D1FB21E-CCFB-8E64-064C-DB8195F86847}"/>
-              </a:ext>
-            </a:extLst>
-          </p:cNvPr>
-          <p:cNvGraphicFramePr>
-            <a:graphicFrameLocks noGrp="1"/>
-          </p:cNvGraphicFramePr>
-          <p:nvPr>
-            <p:ph type="tbl" sz="quarter" idx="10"/>
-            <p:extLst>
-              <p:ext uri="{D42A27DB-BD31-4B8C-83A1-F6EECF244321}">
-                <p14:modId xmlns:p14="http://schemas.microsoft.com/office/powerpoint/2010/main" val="145036385"/>
-              </p:ext>
-            </p:extLst>
-          </p:nvPr>
-        </p:nvGraphicFramePr>
-        <p:xfrm>
-          <a:off x="593725" y="2628900"/>
-          <a:ext cx="10991080" cy="3749698"/>
-        </p:xfrm>
-        <a:graphic>
-          <a:graphicData uri="http://schemas.openxmlformats.org/drawingml/2006/table">
-            <a:tbl>
-              <a:tblPr firstRow="1" bandRow="1">
-                <a:tableStyleId>{69CF1AB2-1976-4502-BF36-3FF5EA218861}</a:tableStyleId>
-              </a:tblPr>
-              <a:tblGrid>
-                <a:gridCol w="2747770">
-                  <a:extLst>
-                    <a:ext uri="{9D8B030D-6E8A-4147-A177-3AD203B41FA5}">
-                      <a16:colId xmlns:a16="http://schemas.microsoft.com/office/drawing/2014/main" val="2382218087"/>
-                    </a:ext>
-                  </a:extLst>
-                </a:gridCol>
-                <a:gridCol w="2747770">
-                  <a:extLst>
-                    <a:ext uri="{9D8B030D-6E8A-4147-A177-3AD203B41FA5}">
-                      <a16:colId xmlns:a16="http://schemas.microsoft.com/office/drawing/2014/main" val="3953468724"/>
-                    </a:ext>
-                  </a:extLst>
-                </a:gridCol>
-                <a:gridCol w="2747770">
-                  <a:extLst>
-                    <a:ext uri="{9D8B030D-6E8A-4147-A177-3AD203B41FA5}">
-                      <a16:colId xmlns:a16="http://schemas.microsoft.com/office/drawing/2014/main" val="4277526474"/>
-                    </a:ext>
-                  </a:extLst>
-                </a:gridCol>
-                <a:gridCol w="2747770">
-                  <a:extLst>
-                    <a:ext uri="{9D8B030D-6E8A-4147-A177-3AD203B41FA5}">
-                      <a16:colId xmlns:a16="http://schemas.microsoft.com/office/drawing/2014/main" val="2438884888"/>
-                    </a:ext>
-                  </a:extLst>
-                </a:gridCol>
-              </a:tblGrid>
-              <a:tr h="594689">
-                <a:tc>
-                  <a:txBody>
-                    <a:bodyPr/>
-                    <a:lstStyle>
-                      <a:defPPr>
-                        <a:defRPr lang="it-IT"/>
-                      </a:defPPr>
-                    </a:lstStyle>
-                    <a:p>
-                      <a:pPr algn="ctr" rtl="0"/>
-                      <a:r>
-                        <a:rPr lang="it-IT">
-                          <a:solidFill>
-                            <a:schemeClr val="bg1"/>
-                          </a:solidFill>
-                          <a:latin typeface="+mj-lt"/>
-                        </a:rPr>
-                        <a:t>Fattore di impatto</a:t>
-                      </a:r>
-                    </a:p>
-                  </a:txBody>
-                  <a:tcPr anchor="ctr"/>
-                </a:tc>
-                <a:tc>
-                  <a:txBody>
-                    <a:bodyPr/>
-                    <a:lstStyle>
-                      <a:defPPr>
-                        <a:defRPr lang="it-IT"/>
-                      </a:defPPr>
-                    </a:lstStyle>
-                    <a:p>
-                      <a:pPr algn="ctr" rtl="0"/>
-                      <a:r>
-                        <a:rPr lang="it-IT">
-                          <a:solidFill>
-                            <a:schemeClr val="bg1"/>
-                          </a:solidFill>
-                          <a:latin typeface="+mj-lt"/>
-                        </a:rPr>
-                        <a:t>Misura</a:t>
-                      </a:r>
-                    </a:p>
-                  </a:txBody>
-                  <a:tcPr anchor="ctr"/>
-                </a:tc>
-                <a:tc>
-                  <a:txBody>
-                    <a:bodyPr/>
-                    <a:lstStyle>
-                      <a:defPPr>
-                        <a:defRPr lang="it-IT"/>
-                      </a:defPPr>
-                    </a:lstStyle>
-                    <a:p>
-                      <a:pPr algn="ctr" rtl="0"/>
-                      <a:r>
-                        <a:rPr lang="it-IT">
-                          <a:solidFill>
-                            <a:schemeClr val="bg1"/>
-                          </a:solidFill>
-                          <a:latin typeface="+mj-lt"/>
-                        </a:rPr>
-                        <a:t>Obiettivo</a:t>
-                      </a:r>
-                    </a:p>
-                  </a:txBody>
-                  <a:tcPr anchor="ctr"/>
-                </a:tc>
-                <a:tc>
-                  <a:txBody>
-                    <a:bodyPr/>
-                    <a:lstStyle>
-                      <a:defPPr>
-                        <a:defRPr lang="it-IT"/>
-                      </a:defPPr>
-                    </a:lstStyle>
-                    <a:p>
-                      <a:pPr algn="ctr" rtl="0"/>
-                      <a:r>
-                        <a:rPr lang="it-IT">
-                          <a:solidFill>
-                            <a:schemeClr val="bg1"/>
-                          </a:solidFill>
-                          <a:latin typeface="+mj-lt"/>
-                        </a:rPr>
-                        <a:t>Raggiunto</a:t>
-                      </a:r>
-                    </a:p>
-                  </a:txBody>
-                  <a:tcPr anchor="ctr"/>
-                </a:tc>
-                <a:extLst>
-                  <a:ext uri="{0D108BD9-81ED-4DB2-BD59-A6C34878D82A}">
-                    <a16:rowId xmlns:a16="http://schemas.microsoft.com/office/drawing/2014/main" val="2857107962"/>
-                  </a:ext>
-                </a:extLst>
-              </a:tr>
-              <a:tr h="594689">
-                <a:tc>
-                  <a:txBody>
-                    <a:bodyPr/>
-                    <a:lstStyle>
-                      <a:defPPr>
-                        <a:defRPr lang="it-IT"/>
-                      </a:defPPr>
-                    </a:lstStyle>
-                    <a:p>
-                      <a:pPr algn="ctr" rtl="0"/>
-                      <a:r>
-                        <a:rPr lang="it-IT"/>
-                        <a:t>Interazione del gruppo di destinatari</a:t>
-                      </a:r>
-                    </a:p>
-                  </a:txBody>
-                  <a:tcPr anchor="ctr"/>
-                </a:tc>
-                <a:tc>
-                  <a:txBody>
-                    <a:bodyPr/>
-                    <a:lstStyle>
-                      <a:defPPr>
-                        <a:defRPr lang="it-IT"/>
-                      </a:defPPr>
-                    </a:lstStyle>
-                    <a:p>
-                      <a:pPr algn="ctr" rtl="0"/>
-                      <a:r>
-                        <a:rPr lang="it-IT"/>
-                        <a:t>Percentuale (%)</a:t>
-                      </a:r>
-                    </a:p>
-                  </a:txBody>
-                  <a:tcPr anchor="ctr"/>
-                </a:tc>
-                <a:tc>
-                  <a:txBody>
-                    <a:bodyPr/>
-                    <a:lstStyle>
-                      <a:defPPr>
-                        <a:defRPr lang="it-IT"/>
-                      </a:defPPr>
-                    </a:lstStyle>
-                    <a:p>
-                      <a:pPr algn="ctr" rtl="0"/>
-                      <a:r>
-                        <a:rPr lang="it-IT"/>
-                        <a:t>85</a:t>
-                      </a:r>
-                    </a:p>
-                  </a:txBody>
-                  <a:tcPr anchor="ctr"/>
-                </a:tc>
-                <a:tc>
-                  <a:txBody>
-                    <a:bodyPr/>
-                    <a:lstStyle>
-                      <a:defPPr>
-                        <a:defRPr lang="it-IT"/>
-                      </a:defPPr>
-                    </a:lstStyle>
-                    <a:p>
-                      <a:pPr algn="ctr" rtl="0"/>
-                      <a:r>
-                        <a:rPr lang="it-IT"/>
-                        <a:t>88</a:t>
-                      </a:r>
-                    </a:p>
-                  </a:txBody>
-                  <a:tcPr anchor="ctr"/>
-                </a:tc>
-                <a:extLst>
-                  <a:ext uri="{0D108BD9-81ED-4DB2-BD59-A6C34878D82A}">
-                    <a16:rowId xmlns:a16="http://schemas.microsoft.com/office/drawing/2014/main" val="1671386868"/>
-                  </a:ext>
-                </a:extLst>
-              </a:tr>
-              <a:tr h="594689">
-                <a:tc>
-                  <a:txBody>
-                    <a:bodyPr/>
-                    <a:lstStyle>
-                      <a:defPPr>
-                        <a:defRPr lang="it-IT"/>
-                      </a:defPPr>
-                    </a:lstStyle>
-                    <a:p>
-                      <a:pPr algn="ctr" rtl="0"/>
-                      <a:r>
-                        <a:rPr lang="it-IT"/>
-                        <a:t>Conservazione della conoscenza</a:t>
-                      </a:r>
-                    </a:p>
-                  </a:txBody>
-                  <a:tcPr anchor="ctr"/>
-                </a:tc>
-                <a:tc>
-                  <a:txBody>
-                    <a:bodyPr/>
-                    <a:lstStyle>
-                      <a:defPPr>
-                        <a:defRPr lang="it-IT"/>
-                      </a:defPPr>
-                    </a:lstStyle>
-                    <a:p>
-                      <a:pPr algn="ctr" rtl="0"/>
-                      <a:r>
-                        <a:rPr lang="it-IT"/>
-                        <a:t>Percentuale (%)</a:t>
-                      </a:r>
-                    </a:p>
-                  </a:txBody>
-                  <a:tcPr anchor="ctr"/>
-                </a:tc>
-                <a:tc>
-                  <a:txBody>
-                    <a:bodyPr/>
-                    <a:lstStyle>
-                      <a:defPPr>
-                        <a:defRPr lang="it-IT"/>
-                      </a:defPPr>
-                    </a:lstStyle>
-                    <a:p>
-                      <a:pPr algn="ctr" rtl="0"/>
-                      <a:r>
-                        <a:rPr lang="it-IT"/>
-                        <a:t>75</a:t>
-                      </a:r>
-                    </a:p>
-                  </a:txBody>
-                  <a:tcPr anchor="ctr"/>
-                </a:tc>
-                <a:tc>
-                  <a:txBody>
-                    <a:bodyPr/>
-                    <a:lstStyle>
-                      <a:defPPr>
-                        <a:defRPr lang="it-IT"/>
-                      </a:defPPr>
-                    </a:lstStyle>
-                    <a:p>
-                      <a:pPr algn="ctr" rtl="0"/>
-                      <a:r>
-                        <a:rPr lang="it-IT"/>
-                        <a:t>80</a:t>
-                      </a:r>
-                    </a:p>
-                  </a:txBody>
-                  <a:tcPr anchor="ctr"/>
-                </a:tc>
-                <a:extLst>
-                  <a:ext uri="{0D108BD9-81ED-4DB2-BD59-A6C34878D82A}">
-                    <a16:rowId xmlns:a16="http://schemas.microsoft.com/office/drawing/2014/main" val="380626418"/>
-                  </a:ext>
-                </a:extLst>
-              </a:tr>
-              <a:tr h="594689">
-                <a:tc>
-                  <a:txBody>
-                    <a:bodyPr/>
-                    <a:lstStyle>
-                      <a:defPPr>
-                        <a:defRPr lang="it-IT"/>
-                      </a:defPPr>
-                    </a:lstStyle>
-                    <a:p>
-                      <a:pPr algn="ctr" rtl="0"/>
-                      <a:r>
-                        <a:rPr lang="it-IT"/>
-                        <a:t>Sondaggi post-presentazione</a:t>
-                      </a:r>
-                    </a:p>
-                  </a:txBody>
-                  <a:tcPr anchor="ctr"/>
-                </a:tc>
-                <a:tc>
-                  <a:txBody>
-                    <a:bodyPr/>
-                    <a:lstStyle>
-                      <a:defPPr>
-                        <a:defRPr lang="it-IT"/>
-                      </a:defPPr>
-                    </a:lstStyle>
-                    <a:p>
-                      <a:pPr algn="ctr" rtl="0"/>
-                      <a:r>
-                        <a:rPr lang="it-IT"/>
-                        <a:t>Valutazione media</a:t>
-                      </a:r>
-                    </a:p>
-                  </a:txBody>
-                  <a:tcPr anchor="ctr"/>
-                </a:tc>
-                <a:tc>
-                  <a:txBody>
-                    <a:bodyPr/>
-                    <a:lstStyle>
-                      <a:defPPr>
-                        <a:defRPr lang="it-IT"/>
-                      </a:defPPr>
-                    </a:lstStyle>
-                    <a:p>
-                      <a:pPr algn="ctr" rtl="0"/>
-                      <a:r>
-                        <a:rPr lang="it-IT"/>
-                        <a:t>4.2</a:t>
-                      </a:r>
-                    </a:p>
-                  </a:txBody>
-                  <a:tcPr anchor="ctr"/>
-                </a:tc>
-                <a:tc>
-                  <a:txBody>
-                    <a:bodyPr/>
-                    <a:lstStyle>
-                      <a:defPPr>
-                        <a:defRPr lang="it-IT"/>
-                      </a:defPPr>
-                    </a:lstStyle>
-                    <a:p>
-                      <a:pPr algn="ctr" rtl="0"/>
-                      <a:r>
-                        <a:rPr lang="it-IT"/>
-                        <a:t>4.5</a:t>
-                      </a:r>
-                    </a:p>
-                  </a:txBody>
-                  <a:tcPr anchor="ctr"/>
-                </a:tc>
-                <a:extLst>
-                  <a:ext uri="{0D108BD9-81ED-4DB2-BD59-A6C34878D82A}">
-                    <a16:rowId xmlns:a16="http://schemas.microsoft.com/office/drawing/2014/main" val="2132482967"/>
-                  </a:ext>
-                </a:extLst>
-              </a:tr>
-              <a:tr h="594689">
-                <a:tc>
-                  <a:txBody>
-                    <a:bodyPr/>
-                    <a:lstStyle>
-                      <a:defPPr>
-                        <a:defRPr lang="it-IT"/>
-                      </a:defPPr>
-                    </a:lstStyle>
-                    <a:p>
-                      <a:pPr algn="ctr" rtl="0"/>
-                      <a:r>
-                        <a:rPr lang="it-IT" dirty="0"/>
-                        <a:t>Frequenza segnalazioni</a:t>
-                      </a:r>
-                    </a:p>
-                  </a:txBody>
-                  <a:tcPr anchor="ctr"/>
-                </a:tc>
-                <a:tc>
-                  <a:txBody>
-                    <a:bodyPr/>
-                    <a:lstStyle>
-                      <a:defPPr>
-                        <a:defRPr lang="it-IT"/>
-                      </a:defPPr>
-                    </a:lstStyle>
-                    <a:p>
-                      <a:pPr algn="ctr" rtl="0"/>
-                      <a:r>
-                        <a:rPr lang="it-IT"/>
-                        <a:t>Percentuale (%)</a:t>
-                      </a:r>
-                    </a:p>
-                  </a:txBody>
-                  <a:tcPr anchor="ctr"/>
-                </a:tc>
-                <a:tc>
-                  <a:txBody>
-                    <a:bodyPr/>
-                    <a:lstStyle>
-                      <a:defPPr>
-                        <a:defRPr lang="it-IT"/>
-                      </a:defPPr>
-                    </a:lstStyle>
-                    <a:p>
-                      <a:pPr algn="ctr" rtl="0"/>
-                      <a:r>
-                        <a:rPr lang="it-IT"/>
-                        <a:t>10</a:t>
-                      </a:r>
-                    </a:p>
-                  </a:txBody>
-                  <a:tcPr anchor="ctr"/>
-                </a:tc>
-                <a:tc>
-                  <a:txBody>
-                    <a:bodyPr/>
-                    <a:lstStyle>
-                      <a:defPPr>
-                        <a:defRPr lang="it-IT"/>
-                      </a:defPPr>
-                    </a:lstStyle>
-                    <a:p>
-                      <a:pPr algn="ctr" rtl="0"/>
-                      <a:r>
-                        <a:rPr lang="it-IT"/>
-                        <a:t>12</a:t>
-                      </a:r>
-                    </a:p>
-                  </a:txBody>
-                  <a:tcPr anchor="ctr"/>
-                </a:tc>
-                <a:extLst>
-                  <a:ext uri="{0D108BD9-81ED-4DB2-BD59-A6C34878D82A}">
-                    <a16:rowId xmlns:a16="http://schemas.microsoft.com/office/drawing/2014/main" val="3936251906"/>
-                  </a:ext>
-                </a:extLst>
-              </a:tr>
-              <a:tr h="594689">
-                <a:tc>
-                  <a:txBody>
-                    <a:bodyPr/>
-                    <a:lstStyle>
-                      <a:defPPr>
-                        <a:defRPr lang="it-IT"/>
-                      </a:defPPr>
-                    </a:lstStyle>
-                    <a:p>
-                      <a:pPr algn="ctr" rtl="0"/>
-                      <a:r>
-                        <a:rPr lang="it-IT"/>
-                        <a:t>Opportunità di collaborazione</a:t>
-                      </a:r>
-                    </a:p>
-                  </a:txBody>
-                  <a:tcPr anchor="ctr"/>
-                </a:tc>
-                <a:tc>
-                  <a:txBody>
-                    <a:bodyPr/>
-                    <a:lstStyle>
-                      <a:defPPr>
-                        <a:defRPr lang="it-IT"/>
-                      </a:defPPr>
-                    </a:lstStyle>
-                    <a:p>
-                      <a:pPr algn="ctr" rtl="0"/>
-                      <a:r>
-                        <a:rPr lang="it-IT"/>
-                        <a:t>N. di opportunità</a:t>
-                      </a:r>
-                    </a:p>
-                  </a:txBody>
-                  <a:tcPr anchor="ctr"/>
-                </a:tc>
-                <a:tc>
-                  <a:txBody>
-                    <a:bodyPr/>
-                    <a:lstStyle>
-                      <a:defPPr>
-                        <a:defRPr lang="it-IT"/>
-                      </a:defPPr>
-                    </a:lstStyle>
-                    <a:p>
-                      <a:pPr algn="ctr" rtl="0"/>
-                      <a:r>
-                        <a:rPr lang="it-IT"/>
-                        <a:t>8</a:t>
-                      </a:r>
-                    </a:p>
-                  </a:txBody>
-                  <a:tcPr anchor="ctr"/>
-                </a:tc>
-                <a:tc>
-                  <a:txBody>
-                    <a:bodyPr/>
-                    <a:lstStyle>
-                      <a:defPPr>
-                        <a:defRPr lang="it-IT"/>
-                      </a:defPPr>
-                    </a:lstStyle>
-                    <a:p>
-                      <a:pPr algn="ctr" rtl="0"/>
-                      <a:r>
-                        <a:rPr lang="it-IT" dirty="0"/>
-                        <a:t>10</a:t>
-                      </a:r>
-                    </a:p>
-                  </a:txBody>
-                  <a:tcPr anchor="ctr"/>
-                </a:tc>
-                <a:extLst>
-                  <a:ext uri="{0D108BD9-81ED-4DB2-BD59-A6C34878D82A}">
-                    <a16:rowId xmlns:a16="http://schemas.microsoft.com/office/drawing/2014/main" val="568537164"/>
-                  </a:ext>
-                </a:extLst>
-              </a:tr>
-            </a:tbl>
-          </a:graphicData>
-        </a:graphic>
-      </p:graphicFrame>
-    </p:spTree>
-    <p:extLst>
-      <p:ext uri="{BB962C8B-B14F-4D97-AF65-F5344CB8AC3E}">
-        <p14:creationId xmlns:p14="http://schemas.microsoft.com/office/powerpoint/2010/main" val="752428618"/>
-      </p:ext>
-    </p:extLst>
-  </p:cSld>
-  <p:clrMapOvr>
-    <a:masterClrMapping/>
-  </p:clrMapOvr>
-</p:sld>
-</file>
-
-<file path=ppt/slides/slide22.xml><?xml version="1.0" encoding="utf-8"?>
-<p:sld xmlns:a="http://schemas.openxmlformats.org/drawingml/2006/main" xmlns:r="http://schemas.openxmlformats.org/officeDocument/2006/relationships" xmlns:p="http://schemas.openxmlformats.org/presentationml/2006/main">
-  <p:cSld>
-    <p:spTree>
-      <p:nvGrpSpPr>
-        <p:cNvPr id="1" name=""/>
-        <p:cNvGrpSpPr/>
-        <p:nvPr/>
-      </p:nvGrpSpPr>
-      <p:grpSpPr>
-        <a:xfrm>
-          <a:off x="0" y="0"/>
-          <a:ext cx="0" cy="0"/>
-          <a:chOff x="0" y="0"/>
-          <a:chExt cx="0" cy="0"/>
-        </a:xfrm>
-      </p:grpSpPr>
-      <p:sp>
-        <p:nvSpPr>
-          <p:cNvPr id="2" name="Titolo 1">
-            <a:extLst>
-              <a:ext uri="{FF2B5EF4-FFF2-40B4-BE49-F238E27FC236}">
-                <a16:creationId xmlns:a16="http://schemas.microsoft.com/office/drawing/2014/main" id="{F810C1B7-6E4E-3DEE-50C0-1CA3B14303EE}"/>
-              </a:ext>
-            </a:extLst>
-          </p:cNvPr>
-          <p:cNvSpPr>
-            <a:spLocks noGrp="1"/>
-          </p:cNvSpPr>
-          <p:nvPr>
-            <p:ph type="ctrTitle"/>
-          </p:nvPr>
-        </p:nvSpPr>
-        <p:spPr>
-          <a:xfrm>
-            <a:off x="594360" y="411479"/>
-            <a:ext cx="5486400" cy="3291840"/>
-          </a:xfrm>
-        </p:spPr>
-        <p:txBody>
-          <a:bodyPr rtlCol="0"/>
-          <a:lstStyle>
-            <a:defPPr>
-              <a:defRPr lang="it-IT"/>
-            </a:defPPr>
-          </a:lstStyle>
-          <a:p>
-            <a:pPr rtl="0"/>
-            <a:r>
-              <a:rPr lang="it-IT"/>
-              <a:t>Grazie</a:t>
-            </a:r>
-          </a:p>
-        </p:txBody>
-      </p:sp>
-      <p:sp>
-        <p:nvSpPr>
-          <p:cNvPr id="3" name="Segnaposto testo 2">
-            <a:extLst>
-              <a:ext uri="{FF2B5EF4-FFF2-40B4-BE49-F238E27FC236}">
-                <a16:creationId xmlns:a16="http://schemas.microsoft.com/office/drawing/2014/main" id="{8BE734F0-2DDD-AF70-F13D-F9E4C1929411}"/>
-              </a:ext>
-            </a:extLst>
-          </p:cNvPr>
-          <p:cNvSpPr>
-            <a:spLocks noGrp="1"/>
-          </p:cNvSpPr>
-          <p:nvPr>
-            <p:ph type="body" sz="quarter" idx="11"/>
-          </p:nvPr>
-        </p:nvSpPr>
-        <p:spPr>
-          <a:xfrm>
-            <a:off x="594360" y="4549552"/>
-            <a:ext cx="5486400" cy="1645920"/>
-          </a:xfrm>
-        </p:spPr>
-        <p:txBody>
-          <a:bodyPr rtlCol="0"/>
-          <a:lstStyle>
-            <a:defPPr>
-              <a:defRPr lang="it-IT"/>
-            </a:defPPr>
-          </a:lstStyle>
-          <a:p>
-            <a:pPr rtl="0"/>
-            <a:r>
-              <a:rPr lang="it-IT"/>
-              <a:t>Brita Tamm</a:t>
-            </a:r>
-          </a:p>
-          <a:p>
-            <a:pPr rtl="0"/>
-            <a:r>
-              <a:rPr lang="it-IT"/>
-              <a:t>502-555-0152</a:t>
-            </a:r>
-          </a:p>
-          <a:p>
-            <a:pPr rtl="0"/>
-            <a:r>
-              <a:rPr lang="it-IT"/>
-              <a:t>brita@firstupconsultants.com</a:t>
-            </a:r>
-          </a:p>
-          <a:p>
-            <a:pPr rtl="0"/>
-            <a:r>
-              <a:rPr lang="it-IT"/>
-              <a:t>www.firstupconsultants.com</a:t>
-            </a:r>
-          </a:p>
-        </p:txBody>
-      </p:sp>
-    </p:spTree>
-    <p:extLst>
-      <p:ext uri="{BB962C8B-B14F-4D97-AF65-F5344CB8AC3E}">
-        <p14:creationId xmlns:p14="http://schemas.microsoft.com/office/powerpoint/2010/main" val="4261132419"/>
+        <p14:creationId xmlns:p14="http://schemas.microsoft.com/office/powerpoint/2010/main" val="3346685798"/>
       </p:ext>
     </p:extLst>
   </p:cSld>
@@ -15237,6 +15835,44 @@
           </a:prstGeom>
         </p:spPr>
       </p:pic>
+      <p:sp>
+        <p:nvSpPr>
+          <p:cNvPr id="4" name="Segnaposto numero diapositiva 3">
+            <a:extLst>
+              <a:ext uri="{FF2B5EF4-FFF2-40B4-BE49-F238E27FC236}">
+                <a16:creationId xmlns:a16="http://schemas.microsoft.com/office/drawing/2014/main" id="{20609853-685D-64D7-D5CC-260AA26C47E1}"/>
+              </a:ext>
+            </a:extLst>
+          </p:cNvPr>
+          <p:cNvSpPr>
+            <a:spLocks noGrp="1"/>
+          </p:cNvSpPr>
+          <p:nvPr>
+            <p:ph type="sldNum" sz="quarter" idx="12"/>
+          </p:nvPr>
+        </p:nvSpPr>
+        <p:spPr>
+          <a:xfrm>
+            <a:off x="11668760" y="6610349"/>
+            <a:ext cx="523240" cy="247651"/>
+          </a:xfrm>
+        </p:spPr>
+        <p:txBody>
+          <a:bodyPr/>
+          <a:lstStyle/>
+          <a:p>
+            <a:pPr rtl="0"/>
+            <a:fld id="{294A09A9-5501-47C1-A89A-A340965A2BE2}" type="slidenum">
+              <a:rPr lang="it-IT" smtClean="0"/>
+              <a:pPr rtl="0"/>
+              <a:t>4</a:t>
+            </a:fld>
+            <a:endParaRPr lang="it-IT" dirty="0">
+              <a:latin typeface="+mn-lt"/>
+            </a:endParaRPr>
+          </a:p>
+        </p:txBody>
+      </p:sp>
     </p:spTree>
     <p:extLst>
       <p:ext uri="{BB962C8B-B14F-4D97-AF65-F5344CB8AC3E}">
@@ -15555,6 +16191,44 @@
           </a:p>
         </p:txBody>
       </p:sp>
+      <p:sp>
+        <p:nvSpPr>
+          <p:cNvPr id="4" name="Segnaposto numero diapositiva 3">
+            <a:extLst>
+              <a:ext uri="{FF2B5EF4-FFF2-40B4-BE49-F238E27FC236}">
+                <a16:creationId xmlns:a16="http://schemas.microsoft.com/office/drawing/2014/main" id="{0555FEFE-3121-648F-6DC0-4C7CDBBC7478}"/>
+              </a:ext>
+            </a:extLst>
+          </p:cNvPr>
+          <p:cNvSpPr>
+            <a:spLocks noGrp="1"/>
+          </p:cNvSpPr>
+          <p:nvPr>
+            <p:ph type="sldNum" sz="quarter" idx="22"/>
+          </p:nvPr>
+        </p:nvSpPr>
+        <p:spPr>
+          <a:xfrm>
+            <a:off x="11668760" y="6610349"/>
+            <a:ext cx="523240" cy="247651"/>
+          </a:xfrm>
+        </p:spPr>
+        <p:txBody>
+          <a:bodyPr/>
+          <a:lstStyle/>
+          <a:p>
+            <a:pPr rtl="0"/>
+            <a:fld id="{294A09A9-5501-47C1-A89A-A340965A2BE2}" type="slidenum">
+              <a:rPr lang="it-IT" smtClean="0"/>
+              <a:pPr rtl="0"/>
+              <a:t>6</a:t>
+            </a:fld>
+            <a:endParaRPr lang="it-IT" dirty="0">
+              <a:latin typeface="+mn-lt"/>
+            </a:endParaRPr>
+          </a:p>
+        </p:txBody>
+      </p:sp>
     </p:spTree>
     <p:extLst>
       <p:ext uri="{BB962C8B-B14F-4D97-AF65-F5344CB8AC3E}">
@@ -15973,6 +16647,44 @@
           </a:extLst>
         </p:spPr>
       </p:pic>
+      <p:sp>
+        <p:nvSpPr>
+          <p:cNvPr id="4" name="Segnaposto numero diapositiva 3">
+            <a:extLst>
+              <a:ext uri="{FF2B5EF4-FFF2-40B4-BE49-F238E27FC236}">
+                <a16:creationId xmlns:a16="http://schemas.microsoft.com/office/drawing/2014/main" id="{914C93E9-209B-C941-F81E-E9214CC694C8}"/>
+              </a:ext>
+            </a:extLst>
+          </p:cNvPr>
+          <p:cNvSpPr>
+            <a:spLocks noGrp="1"/>
+          </p:cNvSpPr>
+          <p:nvPr>
+            <p:ph type="sldNum" sz="quarter" idx="22"/>
+          </p:nvPr>
+        </p:nvSpPr>
+        <p:spPr>
+          <a:xfrm>
+            <a:off x="11668760" y="6610349"/>
+            <a:ext cx="523240" cy="247651"/>
+          </a:xfrm>
+        </p:spPr>
+        <p:txBody>
+          <a:bodyPr/>
+          <a:lstStyle/>
+          <a:p>
+            <a:pPr rtl="0"/>
+            <a:fld id="{294A09A9-5501-47C1-A89A-A340965A2BE2}" type="slidenum">
+              <a:rPr lang="it-IT" smtClean="0"/>
+              <a:pPr rtl="0"/>
+              <a:t>7</a:t>
+            </a:fld>
+            <a:endParaRPr lang="it-IT" dirty="0">
+              <a:latin typeface="+mn-lt"/>
+            </a:endParaRPr>
+          </a:p>
+        </p:txBody>
+      </p:sp>
     </p:spTree>
     <p:extLst>
       <p:ext uri="{BB962C8B-B14F-4D97-AF65-F5344CB8AC3E}">
@@ -16301,6 +17013,44 @@
               <a:rPr lang="it-IT" i="1" dirty="0"/>
               <a:t>: 5 </a:t>
             </a:r>
+          </a:p>
+        </p:txBody>
+      </p:sp>
+      <p:sp>
+        <p:nvSpPr>
+          <p:cNvPr id="4" name="Segnaposto numero diapositiva 3">
+            <a:extLst>
+              <a:ext uri="{FF2B5EF4-FFF2-40B4-BE49-F238E27FC236}">
+                <a16:creationId xmlns:a16="http://schemas.microsoft.com/office/drawing/2014/main" id="{18CC5A7F-907C-A992-7C6F-09CB5656F39E}"/>
+              </a:ext>
+            </a:extLst>
+          </p:cNvPr>
+          <p:cNvSpPr>
+            <a:spLocks noGrp="1"/>
+          </p:cNvSpPr>
+          <p:nvPr>
+            <p:ph type="sldNum" sz="quarter" idx="22"/>
+          </p:nvPr>
+        </p:nvSpPr>
+        <p:spPr>
+          <a:xfrm>
+            <a:off x="11668760" y="6610349"/>
+            <a:ext cx="523240" cy="247651"/>
+          </a:xfrm>
+        </p:spPr>
+        <p:txBody>
+          <a:bodyPr/>
+          <a:lstStyle/>
+          <a:p>
+            <a:pPr rtl="0"/>
+            <a:fld id="{294A09A9-5501-47C1-A89A-A340965A2BE2}" type="slidenum">
+              <a:rPr lang="it-IT" smtClean="0"/>
+              <a:pPr rtl="0"/>
+              <a:t>8</a:t>
+            </a:fld>
+            <a:endParaRPr lang="it-IT" dirty="0">
+              <a:latin typeface="+mn-lt"/>
+            </a:endParaRPr>
           </a:p>
         </p:txBody>
       </p:sp>
@@ -16524,6 +17274,44 @@
           </a:prstGeom>
         </p:spPr>
       </p:pic>
+      <p:sp>
+        <p:nvSpPr>
+          <p:cNvPr id="4" name="Segnaposto numero diapositiva 3">
+            <a:extLst>
+              <a:ext uri="{FF2B5EF4-FFF2-40B4-BE49-F238E27FC236}">
+                <a16:creationId xmlns:a16="http://schemas.microsoft.com/office/drawing/2014/main" id="{E98C4FD7-F5BC-35BC-977A-B83806F652D5}"/>
+              </a:ext>
+            </a:extLst>
+          </p:cNvPr>
+          <p:cNvSpPr>
+            <a:spLocks noGrp="1"/>
+          </p:cNvSpPr>
+          <p:nvPr>
+            <p:ph type="sldNum" sz="quarter" idx="22"/>
+          </p:nvPr>
+        </p:nvSpPr>
+        <p:spPr>
+          <a:xfrm>
+            <a:off x="11668760" y="6610349"/>
+            <a:ext cx="523240" cy="247651"/>
+          </a:xfrm>
+        </p:spPr>
+        <p:txBody>
+          <a:bodyPr/>
+          <a:lstStyle/>
+          <a:p>
+            <a:pPr rtl="0"/>
+            <a:fld id="{294A09A9-5501-47C1-A89A-A340965A2BE2}" type="slidenum">
+              <a:rPr lang="it-IT" smtClean="0"/>
+              <a:pPr rtl="0"/>
+              <a:t>9</a:t>
+            </a:fld>
+            <a:endParaRPr lang="it-IT" dirty="0">
+              <a:latin typeface="+mn-lt"/>
+            </a:endParaRPr>
+          </a:p>
+        </p:txBody>
+      </p:sp>
     </p:spTree>
     <p:extLst>
       <p:ext uri="{BB962C8B-B14F-4D97-AF65-F5344CB8AC3E}">
@@ -17641,15 +18429,6 @@
 </file>
 
 <file path=customXml/item2.xml><?xml version="1.0" encoding="utf-8"?>
-<?mso-contentType ?>
-<FormTemplates xmlns="http://schemas.microsoft.com/sharepoint/v3/contenttype/forms">
-  <Display>DocumentLibraryForm</Display>
-  <Edit>DocumentLibraryForm</Edit>
-  <New>DocumentLibraryForm</New>
-</FormTemplates>
-</file>
-
-<file path=customXml/item3.xml><?xml version="1.0" encoding="utf-8"?>
 <p:properties xmlns:p="http://schemas.microsoft.com/office/2006/metadata/properties" xmlns:xsi="http://www.w3.org/2001/XMLSchema-instance" xmlns:pc="http://schemas.microsoft.com/office/infopath/2007/PartnerControls">
   <documentManagement>
     <Background xmlns="71af3243-3dd4-4a8d-8c0d-dd76da1f02a5">false</Background>
@@ -17667,6 +18446,15 @@
     <MediaServiceKeyPoints xmlns="71af3243-3dd4-4a8d-8c0d-dd76da1f02a5" xsi:nil="true"/>
   </documentManagement>
 </p:properties>
+</file>
+
+<file path=customXml/item3.xml><?xml version="1.0" encoding="utf-8"?>
+<?mso-contentType ?>
+<FormTemplates xmlns="http://schemas.microsoft.com/sharepoint/v3/contenttype/forms">
+  <Display>DocumentLibraryForm</Display>
+  <Edit>DocumentLibraryForm</Edit>
+  <New>DocumentLibraryForm</New>
+</FormTemplates>
 </file>
 
 <file path=customXml/itemProps1.xml><?xml version="1.0" encoding="utf-8"?>
@@ -17691,14 +18479,6 @@
 </file>
 
 <file path=customXml/itemProps2.xml><?xml version="1.0" encoding="utf-8"?>
-<ds:datastoreItem xmlns:ds="http://schemas.openxmlformats.org/officeDocument/2006/customXml" ds:itemID="{C21FFAC0-05A2-416A-B06C-C248395482CF}">
-  <ds:schemaRefs>
-    <ds:schemaRef ds:uri="http://schemas.microsoft.com/sharepoint/v3/contenttype/forms"/>
-  </ds:schemaRefs>
-</ds:datastoreItem>
-</file>
-
-<file path=customXml/itemProps3.xml><?xml version="1.0" encoding="utf-8"?>
 <ds:datastoreItem xmlns:ds="http://schemas.openxmlformats.org/officeDocument/2006/customXml" ds:itemID="{4F4B194E-8B30-4377-8C59-ECFB902D2A26}">
   <ds:schemaRefs>
     <ds:schemaRef ds:uri="http://schemas.microsoft.com/office/2006/metadata/properties"/>
@@ -17710,6 +18490,14 @@
 </ds:datastoreItem>
 </file>
 
+<file path=customXml/itemProps3.xml><?xml version="1.0" encoding="utf-8"?>
+<ds:datastoreItem xmlns:ds="http://schemas.openxmlformats.org/officeDocument/2006/customXml" ds:itemID="{C21FFAC0-05A2-416A-B06C-C248395482CF}">
+  <ds:schemaRefs>
+    <ds:schemaRef ds:uri="http://schemas.microsoft.com/sharepoint/v3/contenttype/forms"/>
+  </ds:schemaRefs>
+</ds:datastoreItem>
+</file>
+
 <file path=docMetadata/LabelInfo.xml><?xml version="1.0" encoding="utf-8"?>
 <clbl:labelList xmlns:clbl="http://schemas.microsoft.com/office/2020/mipLabelMetadata"/>
 </file>